--- a/docs/20150311_birman_psych254final.pptx
+++ b/docs/20150311_birman_psych254final.pptx
@@ -5,13 +5,18 @@
     <p:sldMasterId id="2147483780" r:id="rId1"/>
   </p:sldMasterIdLst>
   <p:notesMasterIdLst>
-    <p:notesMasterId r:id="rId6"/>
+    <p:notesMasterId r:id="rId11"/>
   </p:notesMasterIdLst>
   <p:sldIdLst>
     <p:sldId id="256" r:id="rId2"/>
-    <p:sldId id="302" r:id="rId3"/>
-    <p:sldId id="264" r:id="rId4"/>
-    <p:sldId id="301" r:id="rId5"/>
+    <p:sldId id="303" r:id="rId3"/>
+    <p:sldId id="304" r:id="rId4"/>
+    <p:sldId id="305" r:id="rId5"/>
+    <p:sldId id="306" r:id="rId6"/>
+    <p:sldId id="302" r:id="rId7"/>
+    <p:sldId id="264" r:id="rId8"/>
+    <p:sldId id="307" r:id="rId9"/>
+    <p:sldId id="308" r:id="rId10"/>
   </p:sldIdLst>
   <p:sldSz cx="9144000" cy="6858000" type="screen4x3"/>
   <p:notesSz cx="6858000" cy="9144000"/>
@@ -195,7 +200,7 @@
           <a:p>
             <a:fld id="{7DB4435A-84EC-410C-8C2F-EF04E51DF035}" type="datetimeFigureOut">
               <a:rPr lang="en-US" smtClean="0"/>
-              <a:t>2/18/15</a:t>
+              <a:t>2/26/15</a:t>
             </a:fld>
             <a:endParaRPr lang="en-US"/>
           </a:p>
@@ -593,7 +598,25 @@
           <a:p>
             <a:r>
               <a:rPr lang="en-US" dirty="0" smtClean="0"/>
-              <a:t>Some tasks DO interfere enough to inhibit awareness. No awareness without attention. So is attention the precursor to awareness?</a:t>
+              <a:t>Show animation, then go back and repeat: asking to attend</a:t>
+            </a:r>
+            <a:r>
+              <a:rPr lang="en-US" baseline="0" dirty="0" smtClean="0"/>
+              <a:t> to background (21 total black dots move, 22 with the first)</a:t>
+            </a:r>
+          </a:p>
+          <a:p>
+            <a:r>
+              <a:rPr lang="en-US" baseline="0" dirty="0" smtClean="0"/>
+              <a:t>Point here is that you have no AWARENESS of the changes in the first attempt, while you’re attending to the dots. But you need very little additional attention to notice them. No bottom-up attention = </a:t>
+            </a:r>
+            <a:r>
+              <a:rPr lang="en-US" baseline="0" dirty="0" err="1" smtClean="0"/>
+              <a:t>inattentional</a:t>
+            </a:r>
+            <a:r>
+              <a:rPr lang="en-US" baseline="0" dirty="0" smtClean="0"/>
+              <a:t> blindness</a:t>
             </a:r>
             <a:endParaRPr lang="en-US" dirty="0"/>
           </a:p>
@@ -625,7 +648,7 @@
     </p:spTree>
     <p:extLst>
       <p:ext uri="{BB962C8B-B14F-4D97-AF65-F5344CB8AC3E}">
-        <p14:creationId xmlns:p14="http://schemas.microsoft.com/office/powerpoint/2010/main" val="1271083850"/>
+        <p14:creationId xmlns:p14="http://schemas.microsoft.com/office/powerpoint/2010/main" val="3004020977"/>
       </p:ext>
     </p:extLst>
   </p:cSld>
@@ -681,7 +704,7 @@
           <a:p>
             <a:r>
               <a:rPr lang="en-US" dirty="0" smtClean="0"/>
-              <a:t>Some tasks DO interfere enough to inhibit awareness. No awareness without attention. So is attention the precursor to awareness?</a:t>
+              <a:t>Now it’s obvious</a:t>
             </a:r>
             <a:endParaRPr lang="en-US" dirty="0"/>
           </a:p>
@@ -704,7 +727,7 @@
           <a:p>
             <a:fld id="{24543040-5F58-4D6A-B5BF-6B98E12DA37D}" type="slidenum">
               <a:rPr lang="en-US" smtClean="0"/>
-              <a:t>3</a:t>
+              <a:t>4</a:t>
             </a:fld>
             <a:endParaRPr lang="en-US"/>
           </a:p>
@@ -713,7 +736,7 @@
     </p:spTree>
     <p:extLst>
       <p:ext uri="{BB962C8B-B14F-4D97-AF65-F5344CB8AC3E}">
-        <p14:creationId xmlns:p14="http://schemas.microsoft.com/office/powerpoint/2010/main" val="1271083850"/>
+        <p14:creationId xmlns:p14="http://schemas.microsoft.com/office/powerpoint/2010/main" val="3004020977"/>
       </p:ext>
     </p:extLst>
   </p:cSld>
@@ -788,7 +811,359 @@
           <a:p>
             <a:fld id="{24543040-5F58-4D6A-B5BF-6B98E12DA37D}" type="slidenum">
               <a:rPr lang="en-US" smtClean="0"/>
-              <a:t>4</a:t>
+              <a:t>5</a:t>
+            </a:fld>
+            <a:endParaRPr lang="en-US"/>
+          </a:p>
+        </p:txBody>
+      </p:sp>
+    </p:spTree>
+    <p:extLst>
+      <p:ext uri="{BB962C8B-B14F-4D97-AF65-F5344CB8AC3E}">
+        <p14:creationId xmlns:p14="http://schemas.microsoft.com/office/powerpoint/2010/main" val="1271083850"/>
+      </p:ext>
+    </p:extLst>
+  </p:cSld>
+  <p:clrMapOvr>
+    <a:masterClrMapping/>
+  </p:clrMapOvr>
+</p:notes>
+</file>
+
+<file path=ppt/notesSlides/notesSlide5.xml><?xml version="1.0" encoding="utf-8"?>
+<p:notes xmlns:a="http://schemas.openxmlformats.org/drawingml/2006/main" xmlns:r="http://schemas.openxmlformats.org/officeDocument/2006/relationships" xmlns:p="http://schemas.openxmlformats.org/presentationml/2006/main">
+  <p:cSld>
+    <p:spTree>
+      <p:nvGrpSpPr>
+        <p:cNvPr id="1" name=""/>
+        <p:cNvGrpSpPr/>
+        <p:nvPr/>
+      </p:nvGrpSpPr>
+      <p:grpSpPr>
+        <a:xfrm>
+          <a:off x="0" y="0"/>
+          <a:ext cx="0" cy="0"/>
+          <a:chOff x="0" y="0"/>
+          <a:chExt cx="0" cy="0"/>
+        </a:xfrm>
+      </p:grpSpPr>
+      <p:sp>
+        <p:nvSpPr>
+          <p:cNvPr id="2" name="Slide Image Placeholder 1"/>
+          <p:cNvSpPr>
+            <a:spLocks noGrp="1" noRot="1" noChangeAspect="1"/>
+          </p:cNvSpPr>
+          <p:nvPr>
+            <p:ph type="sldImg"/>
+          </p:nvPr>
+        </p:nvSpPr>
+        <p:spPr/>
+      </p:sp>
+      <p:sp>
+        <p:nvSpPr>
+          <p:cNvPr id="3" name="Notes Placeholder 2"/>
+          <p:cNvSpPr>
+            <a:spLocks noGrp="1"/>
+          </p:cNvSpPr>
+          <p:nvPr>
+            <p:ph type="body" idx="1"/>
+          </p:nvPr>
+        </p:nvSpPr>
+        <p:spPr/>
+        <p:txBody>
+          <a:bodyPr/>
+          <a:lstStyle/>
+          <a:p>
+            <a:r>
+              <a:rPr lang="en-US" dirty="0" smtClean="0"/>
+              <a:t>Some tasks DO interfere enough to inhibit awareness. No awareness without attention. So is attention the precursor to awareness?</a:t>
+            </a:r>
+            <a:endParaRPr lang="en-US" dirty="0"/>
+          </a:p>
+        </p:txBody>
+      </p:sp>
+      <p:sp>
+        <p:nvSpPr>
+          <p:cNvPr id="4" name="Slide Number Placeholder 3"/>
+          <p:cNvSpPr>
+            <a:spLocks noGrp="1"/>
+          </p:cNvSpPr>
+          <p:nvPr>
+            <p:ph type="sldNum" sz="quarter" idx="10"/>
+          </p:nvPr>
+        </p:nvSpPr>
+        <p:spPr/>
+        <p:txBody>
+          <a:bodyPr/>
+          <a:lstStyle/>
+          <a:p>
+            <a:fld id="{24543040-5F58-4D6A-B5BF-6B98E12DA37D}" type="slidenum">
+              <a:rPr lang="en-US" smtClean="0"/>
+              <a:t>6</a:t>
+            </a:fld>
+            <a:endParaRPr lang="en-US"/>
+          </a:p>
+        </p:txBody>
+      </p:sp>
+    </p:spTree>
+    <p:extLst>
+      <p:ext uri="{BB962C8B-B14F-4D97-AF65-F5344CB8AC3E}">
+        <p14:creationId xmlns:p14="http://schemas.microsoft.com/office/powerpoint/2010/main" val="1271083850"/>
+      </p:ext>
+    </p:extLst>
+  </p:cSld>
+  <p:clrMapOvr>
+    <a:masterClrMapping/>
+  </p:clrMapOvr>
+</p:notes>
+</file>
+
+<file path=ppt/notesSlides/notesSlide6.xml><?xml version="1.0" encoding="utf-8"?>
+<p:notes xmlns:a="http://schemas.openxmlformats.org/drawingml/2006/main" xmlns:r="http://schemas.openxmlformats.org/officeDocument/2006/relationships" xmlns:p="http://schemas.openxmlformats.org/presentationml/2006/main">
+  <p:cSld>
+    <p:spTree>
+      <p:nvGrpSpPr>
+        <p:cNvPr id="1" name=""/>
+        <p:cNvGrpSpPr/>
+        <p:nvPr/>
+      </p:nvGrpSpPr>
+      <p:grpSpPr>
+        <a:xfrm>
+          <a:off x="0" y="0"/>
+          <a:ext cx="0" cy="0"/>
+          <a:chOff x="0" y="0"/>
+          <a:chExt cx="0" cy="0"/>
+        </a:xfrm>
+      </p:grpSpPr>
+      <p:sp>
+        <p:nvSpPr>
+          <p:cNvPr id="2" name="Slide Image Placeholder 1"/>
+          <p:cNvSpPr>
+            <a:spLocks noGrp="1" noRot="1" noChangeAspect="1"/>
+          </p:cNvSpPr>
+          <p:nvPr>
+            <p:ph type="sldImg"/>
+          </p:nvPr>
+        </p:nvSpPr>
+        <p:spPr/>
+      </p:sp>
+      <p:sp>
+        <p:nvSpPr>
+          <p:cNvPr id="3" name="Notes Placeholder 2"/>
+          <p:cNvSpPr>
+            <a:spLocks noGrp="1"/>
+          </p:cNvSpPr>
+          <p:nvPr>
+            <p:ph type="body" idx="1"/>
+          </p:nvPr>
+        </p:nvSpPr>
+        <p:spPr/>
+        <p:txBody>
+          <a:bodyPr/>
+          <a:lstStyle/>
+          <a:p>
+            <a:r>
+              <a:rPr lang="en-US" dirty="0" smtClean="0"/>
+              <a:t>Some tasks DO interfere enough to inhibit awareness. No awareness without attention. So is attention the precursor to awareness?</a:t>
+            </a:r>
+            <a:endParaRPr lang="en-US" dirty="0"/>
+          </a:p>
+        </p:txBody>
+      </p:sp>
+      <p:sp>
+        <p:nvSpPr>
+          <p:cNvPr id="4" name="Slide Number Placeholder 3"/>
+          <p:cNvSpPr>
+            <a:spLocks noGrp="1"/>
+          </p:cNvSpPr>
+          <p:nvPr>
+            <p:ph type="sldNum" sz="quarter" idx="10"/>
+          </p:nvPr>
+        </p:nvSpPr>
+        <p:spPr/>
+        <p:txBody>
+          <a:bodyPr/>
+          <a:lstStyle/>
+          <a:p>
+            <a:fld id="{24543040-5F58-4D6A-B5BF-6B98E12DA37D}" type="slidenum">
+              <a:rPr lang="en-US" smtClean="0"/>
+              <a:t>7</a:t>
+            </a:fld>
+            <a:endParaRPr lang="en-US"/>
+          </a:p>
+        </p:txBody>
+      </p:sp>
+    </p:spTree>
+    <p:extLst>
+      <p:ext uri="{BB962C8B-B14F-4D97-AF65-F5344CB8AC3E}">
+        <p14:creationId xmlns:p14="http://schemas.microsoft.com/office/powerpoint/2010/main" val="1271083850"/>
+      </p:ext>
+    </p:extLst>
+  </p:cSld>
+  <p:clrMapOvr>
+    <a:masterClrMapping/>
+  </p:clrMapOvr>
+</p:notes>
+</file>
+
+<file path=ppt/notesSlides/notesSlide7.xml><?xml version="1.0" encoding="utf-8"?>
+<p:notes xmlns:a="http://schemas.openxmlformats.org/drawingml/2006/main" xmlns:r="http://schemas.openxmlformats.org/officeDocument/2006/relationships" xmlns:p="http://schemas.openxmlformats.org/presentationml/2006/main">
+  <p:cSld>
+    <p:spTree>
+      <p:nvGrpSpPr>
+        <p:cNvPr id="1" name=""/>
+        <p:cNvGrpSpPr/>
+        <p:nvPr/>
+      </p:nvGrpSpPr>
+      <p:grpSpPr>
+        <a:xfrm>
+          <a:off x="0" y="0"/>
+          <a:ext cx="0" cy="0"/>
+          <a:chOff x="0" y="0"/>
+          <a:chExt cx="0" cy="0"/>
+        </a:xfrm>
+      </p:grpSpPr>
+      <p:sp>
+        <p:nvSpPr>
+          <p:cNvPr id="2" name="Slide Image Placeholder 1"/>
+          <p:cNvSpPr>
+            <a:spLocks noGrp="1" noRot="1" noChangeAspect="1"/>
+          </p:cNvSpPr>
+          <p:nvPr>
+            <p:ph type="sldImg"/>
+          </p:nvPr>
+        </p:nvSpPr>
+        <p:spPr/>
+      </p:sp>
+      <p:sp>
+        <p:nvSpPr>
+          <p:cNvPr id="3" name="Notes Placeholder 2"/>
+          <p:cNvSpPr>
+            <a:spLocks noGrp="1"/>
+          </p:cNvSpPr>
+          <p:nvPr>
+            <p:ph type="body" idx="1"/>
+          </p:nvPr>
+        </p:nvSpPr>
+        <p:spPr/>
+        <p:txBody>
+          <a:bodyPr/>
+          <a:lstStyle/>
+          <a:p>
+            <a:r>
+              <a:rPr lang="en-US" dirty="0" smtClean="0"/>
+              <a:t>Some tasks DO interfere enough to inhibit awareness. No awareness without attention. So is attention the precursor to awareness?</a:t>
+            </a:r>
+            <a:endParaRPr lang="en-US" dirty="0"/>
+          </a:p>
+        </p:txBody>
+      </p:sp>
+      <p:sp>
+        <p:nvSpPr>
+          <p:cNvPr id="4" name="Slide Number Placeholder 3"/>
+          <p:cNvSpPr>
+            <a:spLocks noGrp="1"/>
+          </p:cNvSpPr>
+          <p:nvPr>
+            <p:ph type="sldNum" sz="quarter" idx="10"/>
+          </p:nvPr>
+        </p:nvSpPr>
+        <p:spPr/>
+        <p:txBody>
+          <a:bodyPr/>
+          <a:lstStyle/>
+          <a:p>
+            <a:fld id="{24543040-5F58-4D6A-B5BF-6B98E12DA37D}" type="slidenum">
+              <a:rPr lang="en-US" smtClean="0"/>
+              <a:t>8</a:t>
+            </a:fld>
+            <a:endParaRPr lang="en-US"/>
+          </a:p>
+        </p:txBody>
+      </p:sp>
+    </p:spTree>
+    <p:extLst>
+      <p:ext uri="{BB962C8B-B14F-4D97-AF65-F5344CB8AC3E}">
+        <p14:creationId xmlns:p14="http://schemas.microsoft.com/office/powerpoint/2010/main" val="1271083850"/>
+      </p:ext>
+    </p:extLst>
+  </p:cSld>
+  <p:clrMapOvr>
+    <a:masterClrMapping/>
+  </p:clrMapOvr>
+</p:notes>
+</file>
+
+<file path=ppt/notesSlides/notesSlide8.xml><?xml version="1.0" encoding="utf-8"?>
+<p:notes xmlns:a="http://schemas.openxmlformats.org/drawingml/2006/main" xmlns:r="http://schemas.openxmlformats.org/officeDocument/2006/relationships" xmlns:p="http://schemas.openxmlformats.org/presentationml/2006/main">
+  <p:cSld>
+    <p:spTree>
+      <p:nvGrpSpPr>
+        <p:cNvPr id="1" name=""/>
+        <p:cNvGrpSpPr/>
+        <p:nvPr/>
+      </p:nvGrpSpPr>
+      <p:grpSpPr>
+        <a:xfrm>
+          <a:off x="0" y="0"/>
+          <a:ext cx="0" cy="0"/>
+          <a:chOff x="0" y="0"/>
+          <a:chExt cx="0" cy="0"/>
+        </a:xfrm>
+      </p:grpSpPr>
+      <p:sp>
+        <p:nvSpPr>
+          <p:cNvPr id="2" name="Slide Image Placeholder 1"/>
+          <p:cNvSpPr>
+            <a:spLocks noGrp="1" noRot="1" noChangeAspect="1"/>
+          </p:cNvSpPr>
+          <p:nvPr>
+            <p:ph type="sldImg"/>
+          </p:nvPr>
+        </p:nvSpPr>
+        <p:spPr/>
+      </p:sp>
+      <p:sp>
+        <p:nvSpPr>
+          <p:cNvPr id="3" name="Notes Placeholder 2"/>
+          <p:cNvSpPr>
+            <a:spLocks noGrp="1"/>
+          </p:cNvSpPr>
+          <p:nvPr>
+            <p:ph type="body" idx="1"/>
+          </p:nvPr>
+        </p:nvSpPr>
+        <p:spPr/>
+        <p:txBody>
+          <a:bodyPr/>
+          <a:lstStyle/>
+          <a:p>
+            <a:r>
+              <a:rPr lang="en-US" dirty="0" smtClean="0"/>
+              <a:t>Some tasks DO interfere enough to inhibit awareness. No awareness without attention. So is attention the precursor to awareness?</a:t>
+            </a:r>
+            <a:endParaRPr lang="en-US" dirty="0"/>
+          </a:p>
+        </p:txBody>
+      </p:sp>
+      <p:sp>
+        <p:nvSpPr>
+          <p:cNvPr id="4" name="Slide Number Placeholder 3"/>
+          <p:cNvSpPr>
+            <a:spLocks noGrp="1"/>
+          </p:cNvSpPr>
+          <p:nvPr>
+            <p:ph type="sldNum" sz="quarter" idx="10"/>
+          </p:nvPr>
+        </p:nvSpPr>
+        <p:spPr/>
+        <p:txBody>
+          <a:bodyPr/>
+          <a:lstStyle/>
+          <a:p>
+            <a:fld id="{24543040-5F58-4D6A-B5BF-6B98E12DA37D}" type="slidenum">
+              <a:rPr lang="en-US" smtClean="0"/>
+              <a:t>9</a:t>
             </a:fld>
             <a:endParaRPr lang="en-US"/>
           </a:p>
@@ -988,7 +1363,7 @@
           <a:p>
             <a:fld id="{A6CF0A64-6BA4-45FB-9C25-D8A7F1D28DE8}" type="datetimeFigureOut">
               <a:rPr lang="en-US" smtClean="0"/>
-              <a:t>2/18/15</a:t>
+              <a:t>2/26/15</a:t>
             </a:fld>
             <a:endParaRPr lang="en-US"/>
           </a:p>
@@ -1158,7 +1533,7 @@
           <a:p>
             <a:fld id="{A6CF0A64-6BA4-45FB-9C25-D8A7F1D28DE8}" type="datetimeFigureOut">
               <a:rPr lang="en-US" smtClean="0"/>
-              <a:t>2/18/15</a:t>
+              <a:t>2/26/15</a:t>
             </a:fld>
             <a:endParaRPr lang="en-US"/>
           </a:p>
@@ -1338,7 +1713,7 @@
           <a:p>
             <a:fld id="{A6CF0A64-6BA4-45FB-9C25-D8A7F1D28DE8}" type="datetimeFigureOut">
               <a:rPr lang="en-US" smtClean="0"/>
-              <a:t>2/18/15</a:t>
+              <a:t>2/26/15</a:t>
             </a:fld>
             <a:endParaRPr lang="en-US"/>
           </a:p>
@@ -1508,7 +1883,7 @@
           <a:p>
             <a:fld id="{A6CF0A64-6BA4-45FB-9C25-D8A7F1D28DE8}" type="datetimeFigureOut">
               <a:rPr lang="en-US" smtClean="0"/>
-              <a:t>2/18/15</a:t>
+              <a:t>2/26/15</a:t>
             </a:fld>
             <a:endParaRPr lang="en-US"/>
           </a:p>
@@ -1761,7 +2136,7 @@
           <a:p>
             <a:fld id="{A6CF0A64-6BA4-45FB-9C25-D8A7F1D28DE8}" type="datetimeFigureOut">
               <a:rPr lang="en-US" smtClean="0"/>
-              <a:t>2/18/15</a:t>
+              <a:t>2/26/15</a:t>
             </a:fld>
             <a:endParaRPr lang="en-US"/>
           </a:p>
@@ -2049,7 +2424,7 @@
           <a:p>
             <a:fld id="{A6CF0A64-6BA4-45FB-9C25-D8A7F1D28DE8}" type="datetimeFigureOut">
               <a:rPr lang="en-US" smtClean="0"/>
-              <a:t>2/18/15</a:t>
+              <a:t>2/26/15</a:t>
             </a:fld>
             <a:endParaRPr lang="en-US"/>
           </a:p>
@@ -2471,7 +2846,7 @@
           <a:p>
             <a:fld id="{A6CF0A64-6BA4-45FB-9C25-D8A7F1D28DE8}" type="datetimeFigureOut">
               <a:rPr lang="en-US" smtClean="0"/>
-              <a:t>2/18/15</a:t>
+              <a:t>2/26/15</a:t>
             </a:fld>
             <a:endParaRPr lang="en-US"/>
           </a:p>
@@ -2589,7 +2964,7 @@
           <a:p>
             <a:fld id="{A6CF0A64-6BA4-45FB-9C25-D8A7F1D28DE8}" type="datetimeFigureOut">
               <a:rPr lang="en-US" smtClean="0"/>
-              <a:t>2/18/15</a:t>
+              <a:t>2/26/15</a:t>
             </a:fld>
             <a:endParaRPr lang="en-US"/>
           </a:p>
@@ -2684,7 +3059,7 @@
           <a:p>
             <a:fld id="{A6CF0A64-6BA4-45FB-9C25-D8A7F1D28DE8}" type="datetimeFigureOut">
               <a:rPr lang="en-US" smtClean="0"/>
-              <a:t>2/18/15</a:t>
+              <a:t>2/26/15</a:t>
             </a:fld>
             <a:endParaRPr lang="en-US"/>
           </a:p>
@@ -2961,7 +3336,7 @@
           <a:p>
             <a:fld id="{A6CF0A64-6BA4-45FB-9C25-D8A7F1D28DE8}" type="datetimeFigureOut">
               <a:rPr lang="en-US" smtClean="0"/>
-              <a:t>2/18/15</a:t>
+              <a:t>2/26/15</a:t>
             </a:fld>
             <a:endParaRPr lang="en-US"/>
           </a:p>
@@ -3214,7 +3589,7 @@
           <a:p>
             <a:fld id="{A6CF0A64-6BA4-45FB-9C25-D8A7F1D28DE8}" type="datetimeFigureOut">
               <a:rPr lang="en-US" smtClean="0"/>
-              <a:t>2/18/15</a:t>
+              <a:t>2/26/15</a:t>
             </a:fld>
             <a:endParaRPr lang="en-US"/>
           </a:p>
@@ -3427,7 +3802,7 @@
           <a:p>
             <a:fld id="{A6CF0A64-6BA4-45FB-9C25-D8A7F1D28DE8}" type="datetimeFigureOut">
               <a:rPr lang="en-US" smtClean="0"/>
-              <a:t>2/18/15</a:t>
+              <a:t>2/26/15</a:t>
             </a:fld>
             <a:endParaRPr lang="en-US"/>
           </a:p>
@@ -3880,23 +4255,7 @@
             <a:pPr algn="r"/>
             <a:r>
               <a:rPr lang="en-US" dirty="0" smtClean="0"/>
-              <a:t>Psych 254 Mid </a:t>
-            </a:r>
-            <a:r>
-              <a:rPr lang="en-US" dirty="0" smtClean="0"/>
-              <a:t>– </a:t>
-            </a:r>
-            <a:r>
-              <a:rPr lang="en-US" dirty="0" smtClean="0"/>
-              <a:t>2015-02</a:t>
-            </a:r>
-            <a:r>
-              <a:rPr lang="en-US" dirty="0" smtClean="0"/>
-              <a:t>-</a:t>
-            </a:r>
-            <a:r>
-              <a:rPr lang="en-US" dirty="0" smtClean="0"/>
-              <a:t>18</a:t>
+              <a:t>Psych 254 Mid – 2015-02-18</a:t>
             </a:r>
             <a:endParaRPr lang="en-US" dirty="0"/>
           </a:p>
@@ -3923,6 +4282,3761 @@
 </file>
 
 <file path=ppt/slides/slide2.xml><?xml version="1.0" encoding="utf-8"?>
+<p:sld xmlns:a="http://schemas.openxmlformats.org/drawingml/2006/main" xmlns:r="http://schemas.openxmlformats.org/officeDocument/2006/relationships" xmlns:p="http://schemas.openxmlformats.org/presentationml/2006/main">
+  <p:cSld>
+    <p:spTree>
+      <p:nvGrpSpPr>
+        <p:cNvPr id="1" name=""/>
+        <p:cNvGrpSpPr/>
+        <p:nvPr/>
+      </p:nvGrpSpPr>
+      <p:grpSpPr>
+        <a:xfrm>
+          <a:off x="0" y="0"/>
+          <a:ext cx="0" cy="0"/>
+          <a:chOff x="0" y="0"/>
+          <a:chExt cx="0" cy="0"/>
+        </a:xfrm>
+      </p:grpSpPr>
+      <p:pic>
+        <p:nvPicPr>
+          <p:cNvPr id="1029" name="Picture 5"/>
+          <p:cNvPicPr>
+            <a:picLocks noChangeAspect="1" noChangeArrowheads="1"/>
+          </p:cNvPicPr>
+          <p:nvPr/>
+        </p:nvPicPr>
+        <p:blipFill>
+          <a:blip r:embed="rId3">
+            <a:extLst>
+              <a:ext uri="{28A0092B-C50C-407E-A947-70E740481C1C}">
+                <a14:useLocalDpi xmlns:a14="http://schemas.microsoft.com/office/drawing/2010/main" val="0"/>
+              </a:ext>
+            </a:extLst>
+          </a:blip>
+          <a:srcRect/>
+          <a:stretch>
+            <a:fillRect/>
+          </a:stretch>
+        </p:blipFill>
+        <p:spPr bwMode="auto">
+          <a:xfrm>
+            <a:off x="-1285876" y="-20782"/>
+            <a:ext cx="12182476" cy="6877050"/>
+          </a:xfrm>
+          <a:prstGeom prst="rect">
+            <a:avLst/>
+          </a:prstGeom>
+          <a:noFill/>
+          <a:ln>
+            <a:noFill/>
+          </a:ln>
+          <a:effectLst/>
+          <a:extLst>
+            <a:ext uri="{909E8E84-426E-40dd-AFC4-6F175D3DCCD1}">
+              <a14:hiddenFill xmlns:a14="http://schemas.microsoft.com/office/drawing/2010/main">
+                <a:solidFill>
+                  <a:schemeClr val="accent1"/>
+                </a:solidFill>
+              </a14:hiddenFill>
+            </a:ext>
+            <a:ext uri="{91240B29-F687-4f45-9708-019B960494DF}">
+              <a14:hiddenLine xmlns:a14="http://schemas.microsoft.com/office/drawing/2010/main" w="9525">
+                <a:solidFill>
+                  <a:schemeClr val="tx1"/>
+                </a:solidFill>
+                <a:miter lim="800000"/>
+                <a:headEnd/>
+                <a:tailEnd/>
+              </a14:hiddenLine>
+            </a:ext>
+            <a:ext uri="{AF507438-7753-43e0-B8FC-AC1667EBCBE1}">
+              <a14:hiddenEffects xmlns:a14="http://schemas.microsoft.com/office/drawing/2010/main">
+                <a:effectLst>
+                  <a:outerShdw dist="35921" dir="2700000" algn="ctr" rotWithShape="0">
+                    <a:schemeClr val="bg2"/>
+                  </a:outerShdw>
+                </a:effectLst>
+              </a14:hiddenEffects>
+            </a:ext>
+          </a:extLst>
+        </p:spPr>
+      </p:pic>
+      <p:pic>
+        <p:nvPicPr>
+          <p:cNvPr id="34" name="Picture 2" descr="http://tourismus.meinestadt.de/;pass/site/meinestadt/get/documents/meinestadt/images/Stadtspezifisch/Berlin/berlin-panorama-widescreen_unbekannt_S.jpg"/>
+          <p:cNvPicPr>
+            <a:picLocks noChangeAspect="1" noChangeArrowheads="1"/>
+          </p:cNvPicPr>
+          <p:nvPr/>
+        </p:nvPicPr>
+        <p:blipFill>
+          <a:blip r:embed="rId4">
+            <a:extLst>
+              <a:ext uri="{28A0092B-C50C-407E-A947-70E740481C1C}">
+                <a14:useLocalDpi xmlns:a14="http://schemas.microsoft.com/office/drawing/2010/main" val="0"/>
+              </a:ext>
+            </a:extLst>
+          </a:blip>
+          <a:srcRect/>
+          <a:stretch>
+            <a:fillRect/>
+          </a:stretch>
+        </p:blipFill>
+        <p:spPr bwMode="auto">
+          <a:xfrm>
+            <a:off x="-1285876" y="-14094"/>
+            <a:ext cx="12179360" cy="6878782"/>
+          </a:xfrm>
+          <a:prstGeom prst="rect">
+            <a:avLst/>
+          </a:prstGeom>
+          <a:noFill/>
+          <a:extLst>
+            <a:ext uri="{909E8E84-426E-40dd-AFC4-6F175D3DCCD1}">
+              <a14:hiddenFill xmlns:a14="http://schemas.microsoft.com/office/drawing/2010/main">
+                <a:solidFill>
+                  <a:srgbClr val="FFFFFF"/>
+                </a:solidFill>
+              </a14:hiddenFill>
+            </a:ext>
+          </a:extLst>
+        </p:spPr>
+      </p:pic>
+      <p:sp>
+        <p:nvSpPr>
+          <p:cNvPr id="4" name="Oval 3"/>
+          <p:cNvSpPr/>
+          <p:nvPr/>
+        </p:nvSpPr>
+        <p:spPr>
+          <a:xfrm>
+            <a:off x="-3810000" y="1752600"/>
+            <a:ext cx="457200" cy="457200"/>
+          </a:xfrm>
+          <a:prstGeom prst="ellipse">
+            <a:avLst/>
+          </a:prstGeom>
+        </p:spPr>
+        <p:style>
+          <a:lnRef idx="2">
+            <a:schemeClr val="dk1">
+              <a:shade val="50000"/>
+            </a:schemeClr>
+          </a:lnRef>
+          <a:fillRef idx="1">
+            <a:schemeClr val="dk1"/>
+          </a:fillRef>
+          <a:effectRef idx="0">
+            <a:schemeClr val="dk1"/>
+          </a:effectRef>
+          <a:fontRef idx="minor">
+            <a:schemeClr val="lt1"/>
+          </a:fontRef>
+        </p:style>
+        <p:txBody>
+          <a:bodyPr rtlCol="0" anchor="ctr"/>
+          <a:lstStyle/>
+          <a:p>
+            <a:pPr algn="ctr"/>
+            <a:endParaRPr lang="en-US"/>
+          </a:p>
+        </p:txBody>
+      </p:sp>
+      <p:sp>
+        <p:nvSpPr>
+          <p:cNvPr id="6" name="Oval 5"/>
+          <p:cNvSpPr/>
+          <p:nvPr/>
+        </p:nvSpPr>
+        <p:spPr>
+          <a:xfrm>
+            <a:off x="1004455" y="-651164"/>
+            <a:ext cx="457200" cy="457200"/>
+          </a:xfrm>
+          <a:prstGeom prst="ellipse">
+            <a:avLst/>
+          </a:prstGeom>
+        </p:spPr>
+        <p:style>
+          <a:lnRef idx="2">
+            <a:schemeClr val="dk1">
+              <a:shade val="50000"/>
+            </a:schemeClr>
+          </a:lnRef>
+          <a:fillRef idx="1">
+            <a:schemeClr val="dk1"/>
+          </a:fillRef>
+          <a:effectRef idx="0">
+            <a:schemeClr val="dk1"/>
+          </a:effectRef>
+          <a:fontRef idx="minor">
+            <a:schemeClr val="lt1"/>
+          </a:fontRef>
+        </p:style>
+        <p:txBody>
+          <a:bodyPr rtlCol="0" anchor="ctr"/>
+          <a:lstStyle/>
+          <a:p>
+            <a:pPr algn="ctr"/>
+            <a:endParaRPr lang="en-US"/>
+          </a:p>
+        </p:txBody>
+      </p:sp>
+      <p:sp>
+        <p:nvSpPr>
+          <p:cNvPr id="7" name="Oval 6"/>
+          <p:cNvSpPr/>
+          <p:nvPr/>
+        </p:nvSpPr>
+        <p:spPr>
+          <a:xfrm>
+            <a:off x="9843655" y="6428509"/>
+            <a:ext cx="457200" cy="457200"/>
+          </a:xfrm>
+          <a:prstGeom prst="ellipse">
+            <a:avLst/>
+          </a:prstGeom>
+        </p:spPr>
+        <p:style>
+          <a:lnRef idx="2">
+            <a:schemeClr val="dk1">
+              <a:shade val="50000"/>
+            </a:schemeClr>
+          </a:lnRef>
+          <a:fillRef idx="1">
+            <a:schemeClr val="dk1"/>
+          </a:fillRef>
+          <a:effectRef idx="0">
+            <a:schemeClr val="dk1"/>
+          </a:effectRef>
+          <a:fontRef idx="minor">
+            <a:schemeClr val="lt1"/>
+          </a:fontRef>
+        </p:style>
+        <p:txBody>
+          <a:bodyPr rtlCol="0" anchor="ctr"/>
+          <a:lstStyle/>
+          <a:p>
+            <a:pPr algn="ctr"/>
+            <a:endParaRPr lang="en-US"/>
+          </a:p>
+        </p:txBody>
+      </p:sp>
+      <p:sp>
+        <p:nvSpPr>
+          <p:cNvPr id="8" name="Oval 7"/>
+          <p:cNvSpPr/>
+          <p:nvPr/>
+        </p:nvSpPr>
+        <p:spPr>
+          <a:xfrm>
+            <a:off x="10515600" y="-249382"/>
+            <a:ext cx="457200" cy="457200"/>
+          </a:xfrm>
+          <a:prstGeom prst="ellipse">
+            <a:avLst/>
+          </a:prstGeom>
+        </p:spPr>
+        <p:style>
+          <a:lnRef idx="2">
+            <a:schemeClr val="dk1">
+              <a:shade val="50000"/>
+            </a:schemeClr>
+          </a:lnRef>
+          <a:fillRef idx="1">
+            <a:schemeClr val="dk1"/>
+          </a:fillRef>
+          <a:effectRef idx="0">
+            <a:schemeClr val="dk1"/>
+          </a:effectRef>
+          <a:fontRef idx="minor">
+            <a:schemeClr val="lt1"/>
+          </a:fontRef>
+        </p:style>
+        <p:txBody>
+          <a:bodyPr rtlCol="0" anchor="ctr"/>
+          <a:lstStyle/>
+          <a:p>
+            <a:pPr algn="ctr"/>
+            <a:endParaRPr lang="en-US"/>
+          </a:p>
+        </p:txBody>
+      </p:sp>
+      <p:sp>
+        <p:nvSpPr>
+          <p:cNvPr id="11" name="Oval 10"/>
+          <p:cNvSpPr/>
+          <p:nvPr/>
+        </p:nvSpPr>
+        <p:spPr>
+          <a:xfrm>
+            <a:off x="5029200" y="-762000"/>
+            <a:ext cx="457200" cy="457200"/>
+          </a:xfrm>
+          <a:prstGeom prst="ellipse">
+            <a:avLst/>
+          </a:prstGeom>
+        </p:spPr>
+        <p:style>
+          <a:lnRef idx="2">
+            <a:schemeClr val="dk1">
+              <a:shade val="50000"/>
+            </a:schemeClr>
+          </a:lnRef>
+          <a:fillRef idx="1">
+            <a:schemeClr val="dk1"/>
+          </a:fillRef>
+          <a:effectRef idx="0">
+            <a:schemeClr val="dk1"/>
+          </a:effectRef>
+          <a:fontRef idx="minor">
+            <a:schemeClr val="lt1"/>
+          </a:fontRef>
+        </p:style>
+        <p:txBody>
+          <a:bodyPr rtlCol="0" anchor="ctr"/>
+          <a:lstStyle/>
+          <a:p>
+            <a:pPr algn="ctr"/>
+            <a:endParaRPr lang="en-US"/>
+          </a:p>
+        </p:txBody>
+      </p:sp>
+      <p:sp>
+        <p:nvSpPr>
+          <p:cNvPr id="12" name="Oval 11"/>
+          <p:cNvSpPr/>
+          <p:nvPr/>
+        </p:nvSpPr>
+        <p:spPr>
+          <a:xfrm>
+            <a:off x="-3276600" y="-304800"/>
+            <a:ext cx="457200" cy="457200"/>
+          </a:xfrm>
+          <a:prstGeom prst="ellipse">
+            <a:avLst/>
+          </a:prstGeom>
+        </p:spPr>
+        <p:style>
+          <a:lnRef idx="2">
+            <a:schemeClr val="dk1">
+              <a:shade val="50000"/>
+            </a:schemeClr>
+          </a:lnRef>
+          <a:fillRef idx="1">
+            <a:schemeClr val="dk1"/>
+          </a:fillRef>
+          <a:effectRef idx="0">
+            <a:schemeClr val="dk1"/>
+          </a:effectRef>
+          <a:fontRef idx="minor">
+            <a:schemeClr val="lt1"/>
+          </a:fontRef>
+        </p:style>
+        <p:txBody>
+          <a:bodyPr rtlCol="0" anchor="ctr"/>
+          <a:lstStyle/>
+          <a:p>
+            <a:pPr algn="ctr"/>
+            <a:endParaRPr lang="en-US"/>
+          </a:p>
+        </p:txBody>
+      </p:sp>
+      <p:sp>
+        <p:nvSpPr>
+          <p:cNvPr id="13" name="Oval 12"/>
+          <p:cNvSpPr/>
+          <p:nvPr/>
+        </p:nvSpPr>
+        <p:spPr>
+          <a:xfrm>
+            <a:off x="-3124200" y="7239000"/>
+            <a:ext cx="457200" cy="457200"/>
+          </a:xfrm>
+          <a:prstGeom prst="ellipse">
+            <a:avLst/>
+          </a:prstGeom>
+        </p:spPr>
+        <p:style>
+          <a:lnRef idx="2">
+            <a:schemeClr val="dk1">
+              <a:shade val="50000"/>
+            </a:schemeClr>
+          </a:lnRef>
+          <a:fillRef idx="1">
+            <a:schemeClr val="dk1"/>
+          </a:fillRef>
+          <a:effectRef idx="0">
+            <a:schemeClr val="dk1"/>
+          </a:effectRef>
+          <a:fontRef idx="minor">
+            <a:schemeClr val="lt1"/>
+          </a:fontRef>
+        </p:style>
+        <p:txBody>
+          <a:bodyPr rtlCol="0" anchor="ctr"/>
+          <a:lstStyle/>
+          <a:p>
+            <a:pPr algn="ctr"/>
+            <a:endParaRPr lang="en-US"/>
+          </a:p>
+        </p:txBody>
+      </p:sp>
+      <p:sp>
+        <p:nvSpPr>
+          <p:cNvPr id="14" name="Oval 13"/>
+          <p:cNvSpPr/>
+          <p:nvPr/>
+        </p:nvSpPr>
+        <p:spPr>
+          <a:xfrm>
+            <a:off x="152400" y="7162800"/>
+            <a:ext cx="457200" cy="457200"/>
+          </a:xfrm>
+          <a:prstGeom prst="ellipse">
+            <a:avLst/>
+          </a:prstGeom>
+        </p:spPr>
+        <p:style>
+          <a:lnRef idx="2">
+            <a:schemeClr val="dk1">
+              <a:shade val="50000"/>
+            </a:schemeClr>
+          </a:lnRef>
+          <a:fillRef idx="1">
+            <a:schemeClr val="dk1"/>
+          </a:fillRef>
+          <a:effectRef idx="0">
+            <a:schemeClr val="dk1"/>
+          </a:effectRef>
+          <a:fontRef idx="minor">
+            <a:schemeClr val="lt1"/>
+          </a:fontRef>
+        </p:style>
+        <p:txBody>
+          <a:bodyPr rtlCol="0" anchor="ctr"/>
+          <a:lstStyle/>
+          <a:p>
+            <a:pPr algn="ctr"/>
+            <a:endParaRPr lang="en-US"/>
+          </a:p>
+        </p:txBody>
+      </p:sp>
+      <p:sp>
+        <p:nvSpPr>
+          <p:cNvPr id="15" name="Oval 14"/>
+          <p:cNvSpPr/>
+          <p:nvPr/>
+        </p:nvSpPr>
+        <p:spPr>
+          <a:xfrm>
+            <a:off x="5334000" y="7086600"/>
+            <a:ext cx="457200" cy="457200"/>
+          </a:xfrm>
+          <a:prstGeom prst="ellipse">
+            <a:avLst/>
+          </a:prstGeom>
+        </p:spPr>
+        <p:style>
+          <a:lnRef idx="2">
+            <a:schemeClr val="dk1">
+              <a:shade val="50000"/>
+            </a:schemeClr>
+          </a:lnRef>
+          <a:fillRef idx="1">
+            <a:schemeClr val="dk1"/>
+          </a:fillRef>
+          <a:effectRef idx="0">
+            <a:schemeClr val="dk1"/>
+          </a:effectRef>
+          <a:fontRef idx="minor">
+            <a:schemeClr val="lt1"/>
+          </a:fontRef>
+        </p:style>
+        <p:txBody>
+          <a:bodyPr rtlCol="0" anchor="ctr"/>
+          <a:lstStyle/>
+          <a:p>
+            <a:pPr algn="ctr"/>
+            <a:endParaRPr lang="en-US"/>
+          </a:p>
+        </p:txBody>
+      </p:sp>
+      <p:sp>
+        <p:nvSpPr>
+          <p:cNvPr id="16" name="Oval 15"/>
+          <p:cNvSpPr/>
+          <p:nvPr/>
+        </p:nvSpPr>
+        <p:spPr>
+          <a:xfrm>
+            <a:off x="2819400" y="-609600"/>
+            <a:ext cx="457200" cy="457200"/>
+          </a:xfrm>
+          <a:prstGeom prst="ellipse">
+            <a:avLst/>
+          </a:prstGeom>
+        </p:spPr>
+        <p:style>
+          <a:lnRef idx="2">
+            <a:schemeClr val="dk1">
+              <a:shade val="50000"/>
+            </a:schemeClr>
+          </a:lnRef>
+          <a:fillRef idx="1">
+            <a:schemeClr val="dk1"/>
+          </a:fillRef>
+          <a:effectRef idx="0">
+            <a:schemeClr val="dk1"/>
+          </a:effectRef>
+          <a:fontRef idx="minor">
+            <a:schemeClr val="lt1"/>
+          </a:fontRef>
+        </p:style>
+        <p:txBody>
+          <a:bodyPr rtlCol="0" anchor="ctr"/>
+          <a:lstStyle/>
+          <a:p>
+            <a:pPr algn="ctr"/>
+            <a:endParaRPr lang="en-US"/>
+          </a:p>
+        </p:txBody>
+      </p:sp>
+      <p:sp>
+        <p:nvSpPr>
+          <p:cNvPr id="17" name="Oval 16"/>
+          <p:cNvSpPr/>
+          <p:nvPr/>
+        </p:nvSpPr>
+        <p:spPr>
+          <a:xfrm>
+            <a:off x="10668000" y="3657600"/>
+            <a:ext cx="457200" cy="457200"/>
+          </a:xfrm>
+          <a:prstGeom prst="ellipse">
+            <a:avLst/>
+          </a:prstGeom>
+        </p:spPr>
+        <p:style>
+          <a:lnRef idx="2">
+            <a:schemeClr val="dk1">
+              <a:shade val="50000"/>
+            </a:schemeClr>
+          </a:lnRef>
+          <a:fillRef idx="1">
+            <a:schemeClr val="dk1"/>
+          </a:fillRef>
+          <a:effectRef idx="0">
+            <a:schemeClr val="dk1"/>
+          </a:effectRef>
+          <a:fontRef idx="minor">
+            <a:schemeClr val="lt1"/>
+          </a:fontRef>
+        </p:style>
+        <p:txBody>
+          <a:bodyPr rtlCol="0" anchor="ctr"/>
+          <a:lstStyle/>
+          <a:p>
+            <a:pPr algn="ctr"/>
+            <a:endParaRPr lang="en-US"/>
+          </a:p>
+        </p:txBody>
+      </p:sp>
+      <p:sp>
+        <p:nvSpPr>
+          <p:cNvPr id="18" name="Oval 17"/>
+          <p:cNvSpPr/>
+          <p:nvPr/>
+        </p:nvSpPr>
+        <p:spPr>
+          <a:xfrm>
+            <a:off x="11049000" y="5486400"/>
+            <a:ext cx="457200" cy="457200"/>
+          </a:xfrm>
+          <a:prstGeom prst="ellipse">
+            <a:avLst/>
+          </a:prstGeom>
+        </p:spPr>
+        <p:style>
+          <a:lnRef idx="2">
+            <a:schemeClr val="dk1">
+              <a:shade val="50000"/>
+            </a:schemeClr>
+          </a:lnRef>
+          <a:fillRef idx="1">
+            <a:schemeClr val="dk1"/>
+          </a:fillRef>
+          <a:effectRef idx="0">
+            <a:schemeClr val="dk1"/>
+          </a:effectRef>
+          <a:fontRef idx="minor">
+            <a:schemeClr val="lt1"/>
+          </a:fontRef>
+        </p:style>
+        <p:txBody>
+          <a:bodyPr rtlCol="0" anchor="ctr"/>
+          <a:lstStyle/>
+          <a:p>
+            <a:pPr algn="ctr"/>
+            <a:endParaRPr lang="en-US"/>
+          </a:p>
+        </p:txBody>
+      </p:sp>
+      <p:sp>
+        <p:nvSpPr>
+          <p:cNvPr id="19" name="Oval 18"/>
+          <p:cNvSpPr/>
+          <p:nvPr/>
+        </p:nvSpPr>
+        <p:spPr>
+          <a:xfrm>
+            <a:off x="-3619500" y="3657600"/>
+            <a:ext cx="457200" cy="457200"/>
+          </a:xfrm>
+          <a:prstGeom prst="ellipse">
+            <a:avLst/>
+          </a:prstGeom>
+        </p:spPr>
+        <p:style>
+          <a:lnRef idx="2">
+            <a:schemeClr val="dk1">
+              <a:shade val="50000"/>
+            </a:schemeClr>
+          </a:lnRef>
+          <a:fillRef idx="1">
+            <a:schemeClr val="dk1"/>
+          </a:fillRef>
+          <a:effectRef idx="0">
+            <a:schemeClr val="dk1"/>
+          </a:effectRef>
+          <a:fontRef idx="minor">
+            <a:schemeClr val="lt1"/>
+          </a:fontRef>
+        </p:style>
+        <p:txBody>
+          <a:bodyPr rtlCol="0" anchor="ctr"/>
+          <a:lstStyle/>
+          <a:p>
+            <a:pPr algn="ctr"/>
+            <a:endParaRPr lang="en-US"/>
+          </a:p>
+        </p:txBody>
+      </p:sp>
+      <p:sp>
+        <p:nvSpPr>
+          <p:cNvPr id="21" name="Oval 20"/>
+          <p:cNvSpPr/>
+          <p:nvPr/>
+        </p:nvSpPr>
+        <p:spPr>
+          <a:xfrm>
+            <a:off x="6553200" y="7258050"/>
+            <a:ext cx="457200" cy="457200"/>
+          </a:xfrm>
+          <a:prstGeom prst="ellipse">
+            <a:avLst/>
+          </a:prstGeom>
+        </p:spPr>
+        <p:style>
+          <a:lnRef idx="2">
+            <a:schemeClr val="dk1">
+              <a:shade val="50000"/>
+            </a:schemeClr>
+          </a:lnRef>
+          <a:fillRef idx="1">
+            <a:schemeClr val="dk1"/>
+          </a:fillRef>
+          <a:effectRef idx="0">
+            <a:schemeClr val="dk1"/>
+          </a:effectRef>
+          <a:fontRef idx="minor">
+            <a:schemeClr val="lt1"/>
+          </a:fontRef>
+        </p:style>
+        <p:txBody>
+          <a:bodyPr rtlCol="0" anchor="ctr"/>
+          <a:lstStyle/>
+          <a:p>
+            <a:pPr algn="ctr"/>
+            <a:endParaRPr lang="en-US"/>
+          </a:p>
+        </p:txBody>
+      </p:sp>
+      <p:sp>
+        <p:nvSpPr>
+          <p:cNvPr id="22" name="Oval 21"/>
+          <p:cNvSpPr/>
+          <p:nvPr/>
+        </p:nvSpPr>
+        <p:spPr>
+          <a:xfrm>
+            <a:off x="8686800" y="7239000"/>
+            <a:ext cx="457200" cy="457200"/>
+          </a:xfrm>
+          <a:prstGeom prst="ellipse">
+            <a:avLst/>
+          </a:prstGeom>
+        </p:spPr>
+        <p:style>
+          <a:lnRef idx="2">
+            <a:schemeClr val="dk1">
+              <a:shade val="50000"/>
+            </a:schemeClr>
+          </a:lnRef>
+          <a:fillRef idx="1">
+            <a:schemeClr val="dk1"/>
+          </a:fillRef>
+          <a:effectRef idx="0">
+            <a:schemeClr val="dk1"/>
+          </a:effectRef>
+          <a:fontRef idx="minor">
+            <a:schemeClr val="lt1"/>
+          </a:fontRef>
+        </p:style>
+        <p:txBody>
+          <a:bodyPr rtlCol="0" anchor="ctr"/>
+          <a:lstStyle/>
+          <a:p>
+            <a:pPr algn="ctr"/>
+            <a:endParaRPr lang="en-US"/>
+          </a:p>
+        </p:txBody>
+      </p:sp>
+      <p:sp>
+        <p:nvSpPr>
+          <p:cNvPr id="24" name="Oval 23"/>
+          <p:cNvSpPr/>
+          <p:nvPr/>
+        </p:nvSpPr>
+        <p:spPr>
+          <a:xfrm>
+            <a:off x="-1752600" y="207818"/>
+            <a:ext cx="457200" cy="457200"/>
+          </a:xfrm>
+          <a:prstGeom prst="ellipse">
+            <a:avLst/>
+          </a:prstGeom>
+        </p:spPr>
+        <p:style>
+          <a:lnRef idx="2">
+            <a:schemeClr val="dk1">
+              <a:shade val="50000"/>
+            </a:schemeClr>
+          </a:lnRef>
+          <a:fillRef idx="1">
+            <a:schemeClr val="dk1"/>
+          </a:fillRef>
+          <a:effectRef idx="0">
+            <a:schemeClr val="dk1"/>
+          </a:effectRef>
+          <a:fontRef idx="minor">
+            <a:schemeClr val="lt1"/>
+          </a:fontRef>
+        </p:style>
+        <p:txBody>
+          <a:bodyPr rtlCol="0" anchor="ctr"/>
+          <a:lstStyle/>
+          <a:p>
+            <a:pPr algn="ctr"/>
+            <a:endParaRPr lang="en-US"/>
+          </a:p>
+        </p:txBody>
+      </p:sp>
+      <p:sp>
+        <p:nvSpPr>
+          <p:cNvPr id="27" name="Oval 26"/>
+          <p:cNvSpPr/>
+          <p:nvPr/>
+        </p:nvSpPr>
+        <p:spPr>
+          <a:xfrm>
+            <a:off x="8209547" y="-838200"/>
+            <a:ext cx="457200" cy="457200"/>
+          </a:xfrm>
+          <a:prstGeom prst="ellipse">
+            <a:avLst/>
+          </a:prstGeom>
+        </p:spPr>
+        <p:style>
+          <a:lnRef idx="2">
+            <a:schemeClr val="dk1">
+              <a:shade val="50000"/>
+            </a:schemeClr>
+          </a:lnRef>
+          <a:fillRef idx="1">
+            <a:schemeClr val="dk1"/>
+          </a:fillRef>
+          <a:effectRef idx="0">
+            <a:schemeClr val="dk1"/>
+          </a:effectRef>
+          <a:fontRef idx="minor">
+            <a:schemeClr val="lt1"/>
+          </a:fontRef>
+        </p:style>
+        <p:txBody>
+          <a:bodyPr rtlCol="0" anchor="ctr"/>
+          <a:lstStyle/>
+          <a:p>
+            <a:pPr algn="ctr"/>
+            <a:endParaRPr lang="en-US"/>
+          </a:p>
+        </p:txBody>
+      </p:sp>
+      <p:sp>
+        <p:nvSpPr>
+          <p:cNvPr id="28" name="Oval 27"/>
+          <p:cNvSpPr/>
+          <p:nvPr/>
+        </p:nvSpPr>
+        <p:spPr>
+          <a:xfrm>
+            <a:off x="3886200" y="-605589"/>
+            <a:ext cx="457200" cy="457200"/>
+          </a:xfrm>
+          <a:prstGeom prst="ellipse">
+            <a:avLst/>
+          </a:prstGeom>
+        </p:spPr>
+        <p:style>
+          <a:lnRef idx="2">
+            <a:schemeClr val="dk1">
+              <a:shade val="50000"/>
+            </a:schemeClr>
+          </a:lnRef>
+          <a:fillRef idx="1">
+            <a:schemeClr val="dk1"/>
+          </a:fillRef>
+          <a:effectRef idx="0">
+            <a:schemeClr val="dk1"/>
+          </a:effectRef>
+          <a:fontRef idx="minor">
+            <a:schemeClr val="lt1"/>
+          </a:fontRef>
+        </p:style>
+        <p:txBody>
+          <a:bodyPr rtlCol="0" anchor="ctr"/>
+          <a:lstStyle/>
+          <a:p>
+            <a:pPr algn="ctr"/>
+            <a:endParaRPr lang="en-US"/>
+          </a:p>
+        </p:txBody>
+      </p:sp>
+      <p:sp>
+        <p:nvSpPr>
+          <p:cNvPr id="29" name="Oval 28"/>
+          <p:cNvSpPr/>
+          <p:nvPr/>
+        </p:nvSpPr>
+        <p:spPr>
+          <a:xfrm>
+            <a:off x="-762000" y="-651164"/>
+            <a:ext cx="457200" cy="457200"/>
+          </a:xfrm>
+          <a:prstGeom prst="ellipse">
+            <a:avLst/>
+          </a:prstGeom>
+        </p:spPr>
+        <p:style>
+          <a:lnRef idx="2">
+            <a:schemeClr val="dk1">
+              <a:shade val="50000"/>
+            </a:schemeClr>
+          </a:lnRef>
+          <a:fillRef idx="1">
+            <a:schemeClr val="dk1"/>
+          </a:fillRef>
+          <a:effectRef idx="0">
+            <a:schemeClr val="dk1"/>
+          </a:effectRef>
+          <a:fontRef idx="minor">
+            <a:schemeClr val="lt1"/>
+          </a:fontRef>
+        </p:style>
+        <p:txBody>
+          <a:bodyPr rtlCol="0" anchor="ctr"/>
+          <a:lstStyle/>
+          <a:p>
+            <a:pPr algn="ctr"/>
+            <a:endParaRPr lang="en-US"/>
+          </a:p>
+        </p:txBody>
+      </p:sp>
+      <p:sp>
+        <p:nvSpPr>
+          <p:cNvPr id="30" name="Oval 29"/>
+          <p:cNvSpPr/>
+          <p:nvPr/>
+        </p:nvSpPr>
+        <p:spPr>
+          <a:xfrm>
+            <a:off x="-2207795" y="5574267"/>
+            <a:ext cx="457200" cy="457200"/>
+          </a:xfrm>
+          <a:prstGeom prst="ellipse">
+            <a:avLst/>
+          </a:prstGeom>
+        </p:spPr>
+        <p:style>
+          <a:lnRef idx="2">
+            <a:schemeClr val="dk1">
+              <a:shade val="50000"/>
+            </a:schemeClr>
+          </a:lnRef>
+          <a:fillRef idx="1">
+            <a:schemeClr val="dk1"/>
+          </a:fillRef>
+          <a:effectRef idx="0">
+            <a:schemeClr val="dk1"/>
+          </a:effectRef>
+          <a:fontRef idx="minor">
+            <a:schemeClr val="lt1"/>
+          </a:fontRef>
+        </p:style>
+        <p:txBody>
+          <a:bodyPr rtlCol="0" anchor="ctr"/>
+          <a:lstStyle/>
+          <a:p>
+            <a:pPr algn="ctr"/>
+            <a:endParaRPr lang="en-US"/>
+          </a:p>
+        </p:txBody>
+      </p:sp>
+      <p:sp>
+        <p:nvSpPr>
+          <p:cNvPr id="31" name="Oval 30"/>
+          <p:cNvSpPr/>
+          <p:nvPr/>
+        </p:nvSpPr>
+        <p:spPr>
+          <a:xfrm>
+            <a:off x="-2971800" y="7391400"/>
+            <a:ext cx="457200" cy="457200"/>
+          </a:xfrm>
+          <a:prstGeom prst="ellipse">
+            <a:avLst/>
+          </a:prstGeom>
+        </p:spPr>
+        <p:style>
+          <a:lnRef idx="2">
+            <a:schemeClr val="dk1">
+              <a:shade val="50000"/>
+            </a:schemeClr>
+          </a:lnRef>
+          <a:fillRef idx="1">
+            <a:schemeClr val="dk1"/>
+          </a:fillRef>
+          <a:effectRef idx="0">
+            <a:schemeClr val="dk1"/>
+          </a:effectRef>
+          <a:fontRef idx="minor">
+            <a:schemeClr val="lt1"/>
+          </a:fontRef>
+        </p:style>
+        <p:txBody>
+          <a:bodyPr rtlCol="0" anchor="ctr"/>
+          <a:lstStyle/>
+          <a:p>
+            <a:pPr algn="ctr"/>
+            <a:endParaRPr lang="en-US"/>
+          </a:p>
+        </p:txBody>
+      </p:sp>
+      <p:sp>
+        <p:nvSpPr>
+          <p:cNvPr id="32" name="Oval 31"/>
+          <p:cNvSpPr/>
+          <p:nvPr/>
+        </p:nvSpPr>
+        <p:spPr>
+          <a:xfrm>
+            <a:off x="11277600" y="2944501"/>
+            <a:ext cx="457200" cy="457200"/>
+          </a:xfrm>
+          <a:prstGeom prst="ellipse">
+            <a:avLst/>
+          </a:prstGeom>
+        </p:spPr>
+        <p:style>
+          <a:lnRef idx="2">
+            <a:schemeClr val="dk1">
+              <a:shade val="50000"/>
+            </a:schemeClr>
+          </a:lnRef>
+          <a:fillRef idx="1">
+            <a:schemeClr val="dk1"/>
+          </a:fillRef>
+          <a:effectRef idx="0">
+            <a:schemeClr val="dk1"/>
+          </a:effectRef>
+          <a:fontRef idx="minor">
+            <a:schemeClr val="lt1"/>
+          </a:fontRef>
+        </p:style>
+        <p:txBody>
+          <a:bodyPr rtlCol="0" anchor="ctr"/>
+          <a:lstStyle/>
+          <a:p>
+            <a:pPr algn="ctr"/>
+            <a:endParaRPr lang="en-US"/>
+          </a:p>
+        </p:txBody>
+      </p:sp>
+      <p:sp>
+        <p:nvSpPr>
+          <p:cNvPr id="33" name="Oval 32"/>
+          <p:cNvSpPr/>
+          <p:nvPr/>
+        </p:nvSpPr>
+        <p:spPr>
+          <a:xfrm>
+            <a:off x="11746832" y="3886200"/>
+            <a:ext cx="457200" cy="457200"/>
+          </a:xfrm>
+          <a:prstGeom prst="ellipse">
+            <a:avLst/>
+          </a:prstGeom>
+        </p:spPr>
+        <p:style>
+          <a:lnRef idx="2">
+            <a:schemeClr val="dk1">
+              <a:shade val="50000"/>
+            </a:schemeClr>
+          </a:lnRef>
+          <a:fillRef idx="1">
+            <a:schemeClr val="dk1"/>
+          </a:fillRef>
+          <a:effectRef idx="0">
+            <a:schemeClr val="dk1"/>
+          </a:effectRef>
+          <a:fontRef idx="minor">
+            <a:schemeClr val="lt1"/>
+          </a:fontRef>
+        </p:style>
+        <p:txBody>
+          <a:bodyPr rtlCol="0" anchor="ctr"/>
+          <a:lstStyle/>
+          <a:p>
+            <a:pPr algn="ctr"/>
+            <a:endParaRPr lang="en-US"/>
+          </a:p>
+        </p:txBody>
+      </p:sp>
+    </p:spTree>
+    <p:extLst>
+      <p:ext uri="{BB962C8B-B14F-4D97-AF65-F5344CB8AC3E}">
+        <p14:creationId xmlns:p14="http://schemas.microsoft.com/office/powerpoint/2010/main" val="3514181319"/>
+      </p:ext>
+    </p:extLst>
+  </p:cSld>
+  <p:clrMapOvr>
+    <a:masterClrMapping/>
+  </p:clrMapOvr>
+  <p:timing>
+    <p:tnLst>
+      <p:par>
+        <p:cTn xmlns:p14="http://schemas.microsoft.com/office/powerpoint/2010/main" id="1" dur="indefinite" restart="never" nodeType="tmRoot">
+          <p:childTnLst>
+            <p:seq concurrent="1" nextAc="seek">
+              <p:cTn id="2" dur="indefinite" nodeType="mainSeq">
+                <p:childTnLst>
+                  <p:par>
+                    <p:cTn id="3" fill="hold">
+                      <p:stCondLst>
+                        <p:cond delay="indefinite"/>
+                      </p:stCondLst>
+                      <p:childTnLst>
+                        <p:par>
+                          <p:cTn id="4" fill="hold">
+                            <p:stCondLst>
+                              <p:cond delay="0"/>
+                            </p:stCondLst>
+                            <p:childTnLst>
+                              <p:par>
+                                <p:cTn id="5" presetID="63" presetClass="path" presetSubtype="0" accel="50000" decel="50000" fill="hold" grpId="0" nodeType="clickEffect">
+                                  <p:stCondLst>
+                                    <p:cond delay="0"/>
+                                  </p:stCondLst>
+                                  <p:childTnLst>
+                                    <p:animMotion origin="layout" path="M -3.33333E-6 2.59259E-6 L 1.41667 2.59259E-6 " pathEditMode="relative" rAng="0" ptsTypes="AA">
+                                      <p:cBhvr>
+                                        <p:cTn id="6" dur="2000" fill="hold"/>
+                                        <p:tgtEl>
+                                          <p:spTgt spid="24"/>
+                                        </p:tgtEl>
+                                        <p:attrNameLst>
+                                          <p:attrName>ppt_x</p:attrName>
+                                          <p:attrName>ppt_y</p:attrName>
+                                        </p:attrNameLst>
+                                      </p:cBhvr>
+                                      <p:rCtr x="70833" y="0"/>
+                                    </p:animMotion>
+                                  </p:childTnLst>
+                                </p:cTn>
+                              </p:par>
+                            </p:childTnLst>
+                          </p:cTn>
+                        </p:par>
+                      </p:childTnLst>
+                    </p:cTn>
+                  </p:par>
+                  <p:par>
+                    <p:cTn id="7" fill="hold">
+                      <p:stCondLst>
+                        <p:cond delay="indefinite"/>
+                      </p:stCondLst>
+                      <p:childTnLst>
+                        <p:par>
+                          <p:cTn id="8" fill="hold">
+                            <p:stCondLst>
+                              <p:cond delay="0"/>
+                            </p:stCondLst>
+                            <p:childTnLst>
+                              <p:par>
+                                <p:cTn id="9" presetID="42" presetClass="path" presetSubtype="0" accel="50000" decel="50000" fill="hold" grpId="0" nodeType="clickEffect">
+                                  <p:stCondLst>
+                                    <p:cond delay="0"/>
+                                  </p:stCondLst>
+                                  <p:childTnLst>
+                                    <p:animMotion origin="layout" path="M 4.16667E-6 4.07407E-6 L -0.00157 1.17268 " pathEditMode="relative" rAng="0" ptsTypes="AA">
+                                      <p:cBhvr>
+                                        <p:cTn id="10" dur="1000" fill="hold"/>
+                                        <p:tgtEl>
+                                          <p:spTgt spid="6"/>
+                                        </p:tgtEl>
+                                        <p:attrNameLst>
+                                          <p:attrName>ppt_x</p:attrName>
+                                          <p:attrName>ppt_y</p:attrName>
+                                        </p:attrNameLst>
+                                      </p:cBhvr>
+                                      <p:rCtr x="-87" y="58634"/>
+                                    </p:animMotion>
+                                  </p:childTnLst>
+                                </p:cTn>
+                              </p:par>
+                              <p:par>
+                                <p:cTn id="11" presetID="49" presetClass="path" presetSubtype="0" accel="50000" decel="50000" fill="hold" grpId="0" nodeType="withEffect">
+                                  <p:stCondLst>
+                                    <p:cond delay="100"/>
+                                  </p:stCondLst>
+                                  <p:childTnLst>
+                                    <p:animMotion origin="layout" path="M 0 -4.21965E-6 L -1.4 0.85758 " pathEditMode="relative" rAng="0" ptsTypes="AA">
+                                      <p:cBhvr>
+                                        <p:cTn id="12" dur="1000" fill="hold"/>
+                                        <p:tgtEl>
+                                          <p:spTgt spid="8"/>
+                                        </p:tgtEl>
+                                        <p:attrNameLst>
+                                          <p:attrName>ppt_x</p:attrName>
+                                          <p:attrName>ppt_y</p:attrName>
+                                        </p:attrNameLst>
+                                      </p:cBhvr>
+                                      <p:rCtr x="-70000" y="42867"/>
+                                    </p:animMotion>
+                                  </p:childTnLst>
+                                </p:cTn>
+                              </p:par>
+                              <p:par>
+                                <p:cTn id="13" presetID="37" presetClass="path" presetSubtype="0" accel="50000" decel="50000" fill="hold" grpId="0" nodeType="withEffect">
+                                  <p:stCondLst>
+                                    <p:cond delay="200"/>
+                                  </p:stCondLst>
+                                  <p:childTnLst>
+                                    <p:animMotion origin="layout" path="M 0 -2.22222E-6 L 0.49132 0.05602 C 0.59427 0.06875 0.74844 0.07616 0.90885 0.07616 C 1.09219 0.07616 1.23872 0.06875 1.34167 0.05602 L 1.83333 -2.22222E-6 " pathEditMode="relative" rAng="0" ptsTypes="FffFF">
+                                      <p:cBhvr>
+                                        <p:cTn id="14" dur="1000" fill="hold"/>
+                                        <p:tgtEl>
+                                          <p:spTgt spid="4"/>
+                                        </p:tgtEl>
+                                        <p:attrNameLst>
+                                          <p:attrName>ppt_x</p:attrName>
+                                          <p:attrName>ppt_y</p:attrName>
+                                        </p:attrNameLst>
+                                      </p:cBhvr>
+                                      <p:rCtr x="91667" y="3796"/>
+                                    </p:animMotion>
+                                  </p:childTnLst>
+                                </p:cTn>
+                              </p:par>
+                              <p:par>
+                                <p:cTn id="15" presetID="49" presetClass="path" presetSubtype="0" accel="50000" decel="50000" fill="hold" grpId="0" nodeType="withEffect">
+                                  <p:stCondLst>
+                                    <p:cond delay="400"/>
+                                  </p:stCondLst>
+                                  <p:childTnLst>
+                                    <p:animMotion origin="layout" path="M 0 -2.22222E-6 L -0.33333 1.24445 " pathEditMode="relative" rAng="0" ptsTypes="AA">
+                                      <p:cBhvr>
+                                        <p:cTn id="16" dur="1000" fill="hold"/>
+                                        <p:tgtEl>
+                                          <p:spTgt spid="11"/>
+                                        </p:tgtEl>
+                                        <p:attrNameLst>
+                                          <p:attrName>ppt_x</p:attrName>
+                                          <p:attrName>ppt_y</p:attrName>
+                                        </p:attrNameLst>
+                                      </p:cBhvr>
+                                      <p:rCtr x="-16667" y="62222"/>
+                                    </p:animMotion>
+                                  </p:childTnLst>
+                                </p:cTn>
+                              </p:par>
+                              <p:par>
+                                <p:cTn id="17" presetID="49" presetClass="path" presetSubtype="0" accel="50000" decel="50000" fill="hold" grpId="0" nodeType="withEffect">
+                                  <p:stCondLst>
+                                    <p:cond delay="600"/>
+                                  </p:stCondLst>
+                                  <p:childTnLst>
+                                    <p:animMotion origin="layout" path="M -3.33333E-6 -3.33333E-6 L 0.8 1.10602 " pathEditMode="relative" rAng="0" ptsTypes="AA">
+                                      <p:cBhvr>
+                                        <p:cTn id="18" dur="1000" fill="hold"/>
+                                        <p:tgtEl>
+                                          <p:spTgt spid="12"/>
+                                        </p:tgtEl>
+                                        <p:attrNameLst>
+                                          <p:attrName>ppt_x</p:attrName>
+                                          <p:attrName>ppt_y</p:attrName>
+                                        </p:attrNameLst>
+                                      </p:cBhvr>
+                                      <p:rCtr x="40000" y="55301"/>
+                                    </p:animMotion>
+                                  </p:childTnLst>
+                                </p:cTn>
+                              </p:par>
+                              <p:par>
+                                <p:cTn id="19" presetID="49" presetClass="path" presetSubtype="0" accel="50000" decel="50000" fill="hold" grpId="0" nodeType="withEffect">
+                                  <p:stCondLst>
+                                    <p:cond delay="600"/>
+                                  </p:stCondLst>
+                                  <p:childTnLst>
+                                    <p:animMotion origin="layout" path="M -3.33333E-6 1.11111E-6 L 0.65834 -1.15556 " pathEditMode="relative" rAng="0" ptsTypes="AA">
+                                      <p:cBhvr>
+                                        <p:cTn id="20" dur="1000" fill="hold"/>
+                                        <p:tgtEl>
+                                          <p:spTgt spid="13"/>
+                                        </p:tgtEl>
+                                        <p:attrNameLst>
+                                          <p:attrName>ppt_x</p:attrName>
+                                          <p:attrName>ppt_y</p:attrName>
+                                        </p:attrNameLst>
+                                      </p:cBhvr>
+                                      <p:rCtr x="32917" y="-57778"/>
+                                    </p:animMotion>
+                                  </p:childTnLst>
+                                </p:cTn>
+                              </p:par>
+                              <p:par>
+                                <p:cTn id="21" presetID="49" presetClass="path" presetSubtype="0" accel="50000" decel="50000" fill="hold" grpId="0" nodeType="withEffect">
+                                  <p:stCondLst>
+                                    <p:cond delay="800"/>
+                                  </p:stCondLst>
+                                  <p:childTnLst>
+                                    <p:animMotion origin="layout" path="M -3.33333E-6 1.11111E-6 L 0.65834 -1.15556 " pathEditMode="relative" rAng="0" ptsTypes="AA">
+                                      <p:cBhvr>
+                                        <p:cTn id="22" dur="1000" fill="hold"/>
+                                        <p:tgtEl>
+                                          <p:spTgt spid="14"/>
+                                        </p:tgtEl>
+                                        <p:attrNameLst>
+                                          <p:attrName>ppt_x</p:attrName>
+                                          <p:attrName>ppt_y</p:attrName>
+                                        </p:attrNameLst>
+                                      </p:cBhvr>
+                                      <p:rCtr x="32917" y="-57778"/>
+                                    </p:animMotion>
+                                  </p:childTnLst>
+                                </p:cTn>
+                              </p:par>
+                              <p:par>
+                                <p:cTn id="23" presetID="42" presetClass="path" presetSubtype="0" accel="50000" decel="50000" fill="hold" grpId="0" nodeType="withEffect">
+                                  <p:stCondLst>
+                                    <p:cond delay="1100"/>
+                                  </p:stCondLst>
+                                  <p:childTnLst>
+                                    <p:animMotion origin="layout" path="M 4.16667E-6 4.07407E-6 L -0.00157 1.17268 " pathEditMode="relative" rAng="0" ptsTypes="AA">
+                                      <p:cBhvr>
+                                        <p:cTn id="24" dur="1000" fill="hold"/>
+                                        <p:tgtEl>
+                                          <p:spTgt spid="29"/>
+                                        </p:tgtEl>
+                                        <p:attrNameLst>
+                                          <p:attrName>ppt_x</p:attrName>
+                                          <p:attrName>ppt_y</p:attrName>
+                                        </p:attrNameLst>
+                                      </p:cBhvr>
+                                      <p:rCtr x="-87" y="58634"/>
+                                    </p:animMotion>
+                                  </p:childTnLst>
+                                </p:cTn>
+                              </p:par>
+                              <p:par>
+                                <p:cTn id="25" presetID="49" presetClass="path" presetSubtype="0" accel="50000" decel="50000" fill="hold" grpId="0" nodeType="withEffect">
+                                  <p:stCondLst>
+                                    <p:cond delay="1200"/>
+                                  </p:stCondLst>
+                                  <p:childTnLst>
+                                    <p:animMotion origin="layout" path="M -0.04167 0.06667 L -0.03333 -1.14444 " pathEditMode="relative" rAng="0" ptsTypes="AA">
+                                      <p:cBhvr>
+                                        <p:cTn id="26" dur="1000" fill="hold"/>
+                                        <p:tgtEl>
+                                          <p:spTgt spid="15"/>
+                                        </p:tgtEl>
+                                        <p:attrNameLst>
+                                          <p:attrName>ppt_x</p:attrName>
+                                          <p:attrName>ppt_y</p:attrName>
+                                        </p:attrNameLst>
+                                      </p:cBhvr>
+                                      <p:rCtr x="417" y="-60556"/>
+                                    </p:animMotion>
+                                  </p:childTnLst>
+                                </p:cTn>
+                              </p:par>
+                              <p:par>
+                                <p:cTn id="27" presetID="37" presetClass="path" presetSubtype="0" accel="50000" decel="50000" fill="hold" grpId="0" nodeType="withEffect">
+                                  <p:stCondLst>
+                                    <p:cond delay="1300"/>
+                                  </p:stCondLst>
+                                  <p:childTnLst>
+                                    <p:animMotion origin="layout" path="M -0.0085 -0.08264 L 0.48282 -0.02662 C 0.58577 -0.01389 0.73993 -0.00648 0.90035 -0.00648 C 1.08368 -0.00648 1.23021 -0.01389 1.33316 -0.02662 L 1.82483 -0.08264 " pathEditMode="relative" rAng="0" ptsTypes="FffFF">
+                                      <p:cBhvr>
+                                        <p:cTn id="28" dur="1000" fill="hold"/>
+                                        <p:tgtEl>
+                                          <p:spTgt spid="30"/>
+                                        </p:tgtEl>
+                                        <p:attrNameLst>
+                                          <p:attrName>ppt_x</p:attrName>
+                                          <p:attrName>ppt_y</p:attrName>
+                                        </p:attrNameLst>
+                                      </p:cBhvr>
+                                      <p:rCtr x="91667" y="3796"/>
+                                    </p:animMotion>
+                                  </p:childTnLst>
+                                </p:cTn>
+                              </p:par>
+                              <p:par>
+                                <p:cTn id="29" presetID="49" presetClass="path" presetSubtype="0" accel="50000" decel="50000" fill="hold" grpId="0" nodeType="withEffect">
+                                  <p:stCondLst>
+                                    <p:cond delay="1600"/>
+                                  </p:stCondLst>
+                                  <p:childTnLst>
+                                    <p:animMotion origin="layout" path="M -3.33333E-6 -3.33333E-6 L 0.175 1.2 " pathEditMode="relative" rAng="0" ptsTypes="AA">
+                                      <p:cBhvr>
+                                        <p:cTn id="30" dur="1000" fill="hold"/>
+                                        <p:tgtEl>
+                                          <p:spTgt spid="16"/>
+                                        </p:tgtEl>
+                                        <p:attrNameLst>
+                                          <p:attrName>ppt_x</p:attrName>
+                                          <p:attrName>ppt_y</p:attrName>
+                                        </p:attrNameLst>
+                                      </p:cBhvr>
+                                      <p:rCtr x="8750" y="60000"/>
+                                    </p:animMotion>
+                                  </p:childTnLst>
+                                </p:cTn>
+                              </p:par>
+                              <p:par>
+                                <p:cTn id="31" presetID="49" presetClass="path" presetSubtype="0" accel="50000" decel="50000" fill="hold" grpId="0" nodeType="withEffect">
+                                  <p:stCondLst>
+                                    <p:cond delay="1800"/>
+                                  </p:stCondLst>
+                                  <p:childTnLst>
+                                    <p:animMotion origin="layout" path="M -0.0401 -0.04444 L -1.0901 -1.27777 " pathEditMode="relative" rAng="0" ptsTypes="AA">
+                                      <p:cBhvr>
+                                        <p:cTn id="32" dur="1000" fill="hold"/>
+                                        <p:tgtEl>
+                                          <p:spTgt spid="22"/>
+                                        </p:tgtEl>
+                                        <p:attrNameLst>
+                                          <p:attrName>ppt_x</p:attrName>
+                                          <p:attrName>ppt_y</p:attrName>
+                                        </p:attrNameLst>
+                                      </p:cBhvr>
+                                      <p:rCtr x="-52500" y="-61667"/>
+                                    </p:animMotion>
+                                  </p:childTnLst>
+                                </p:cTn>
+                              </p:par>
+                              <p:par>
+                                <p:cTn id="33" presetID="49" presetClass="path" presetSubtype="0" accel="50000" decel="50000" fill="hold" grpId="0" nodeType="withEffect">
+                                  <p:stCondLst>
+                                    <p:cond delay="2000"/>
+                                  </p:stCondLst>
+                                  <p:childTnLst>
+                                    <p:animMotion origin="layout" path="M 0.56441 -0.04444 L 1.22274 -1.2 " pathEditMode="relative" rAng="0" ptsTypes="AA">
+                                      <p:cBhvr>
+                                        <p:cTn id="34" dur="1000" fill="hold"/>
+                                        <p:tgtEl>
+                                          <p:spTgt spid="31"/>
+                                        </p:tgtEl>
+                                        <p:attrNameLst>
+                                          <p:attrName>ppt_x</p:attrName>
+                                          <p:attrName>ppt_y</p:attrName>
+                                        </p:attrNameLst>
+                                      </p:cBhvr>
+                                      <p:rCtr x="32917" y="-57778"/>
+                                    </p:animMotion>
+                                  </p:childTnLst>
+                                </p:cTn>
+                              </p:par>
+                              <p:par>
+                                <p:cTn id="35" presetID="49" presetClass="path" presetSubtype="0" accel="50000" decel="50000" fill="hold" grpId="0" nodeType="withEffect">
+                                  <p:stCondLst>
+                                    <p:cond delay="2200"/>
+                                  </p:stCondLst>
+                                  <p:childTnLst>
+                                    <p:animMotion origin="layout" path="M -3.33333E-6 1.11111E-6 L 0.65834 -1.15556 " pathEditMode="relative" rAng="0" ptsTypes="AA">
+                                      <p:cBhvr>
+                                        <p:cTn id="36" dur="1000" fill="hold"/>
+                                        <p:tgtEl>
+                                          <p:spTgt spid="21"/>
+                                        </p:tgtEl>
+                                        <p:attrNameLst>
+                                          <p:attrName>ppt_x</p:attrName>
+                                          <p:attrName>ppt_y</p:attrName>
+                                        </p:attrNameLst>
+                                      </p:cBhvr>
+                                      <p:rCtr x="32917" y="-57778"/>
+                                    </p:animMotion>
+                                  </p:childTnLst>
+                                </p:cTn>
+                              </p:par>
+                              <p:par>
+                                <p:cTn id="37" presetID="49" presetClass="path" presetSubtype="0" accel="50000" decel="50000" fill="hold" grpId="0" nodeType="withEffect">
+                                  <p:stCondLst>
+                                    <p:cond delay="2600"/>
+                                  </p:stCondLst>
+                                  <p:childTnLst>
+                                    <p:animMotion origin="layout" path="M 0 -4.21965E-6 L -1.4 0.85758 " pathEditMode="relative" rAng="0" ptsTypes="AA">
+                                      <p:cBhvr>
+                                        <p:cTn id="38" dur="1000" fill="hold"/>
+                                        <p:tgtEl>
+                                          <p:spTgt spid="32"/>
+                                        </p:tgtEl>
+                                        <p:attrNameLst>
+                                          <p:attrName>ppt_x</p:attrName>
+                                          <p:attrName>ppt_y</p:attrName>
+                                        </p:attrNameLst>
+                                      </p:cBhvr>
+                                      <p:rCtr x="-70000" y="42867"/>
+                                    </p:animMotion>
+                                  </p:childTnLst>
+                                </p:cTn>
+                              </p:par>
+                              <p:par>
+                                <p:cTn id="39" presetID="49" presetClass="path" presetSubtype="0" accel="50000" decel="50000" fill="hold" grpId="0" nodeType="withEffect">
+                                  <p:stCondLst>
+                                    <p:cond delay="2800"/>
+                                  </p:stCondLst>
+                                  <p:childTnLst>
+                                    <p:animMotion origin="layout" path="M 3.33333E-6 3.33333E-6 L -1.49167 0.11111 " pathEditMode="relative" rAng="0" ptsTypes="AA">
+                                      <p:cBhvr>
+                                        <p:cTn id="40" dur="1000" fill="hold"/>
+                                        <p:tgtEl>
+                                          <p:spTgt spid="17"/>
+                                        </p:tgtEl>
+                                        <p:attrNameLst>
+                                          <p:attrName>ppt_x</p:attrName>
+                                          <p:attrName>ppt_y</p:attrName>
+                                        </p:attrNameLst>
+                                      </p:cBhvr>
+                                      <p:rCtr x="-74583" y="5556"/>
+                                    </p:animMotion>
+                                  </p:childTnLst>
+                                </p:cTn>
+                              </p:par>
+                              <p:par>
+                                <p:cTn id="41" presetID="37" presetClass="path" presetSubtype="0" accel="50000" decel="50000" fill="hold" grpId="0" nodeType="withEffect">
+                                  <p:stCondLst>
+                                    <p:cond delay="3200"/>
+                                  </p:stCondLst>
+                                  <p:childTnLst>
+                                    <p:animMotion origin="layout" path="M -5.55112E-17 -0.27777 L 0.47344 -0.03379 C 0.57257 0.02153 0.72118 0.05394 0.87569 0.05394 C 1.05243 0.05394 1.19358 0.02153 1.29271 -0.03379 L 1.76667 -0.27777 " pathEditMode="relative" rAng="0" ptsTypes="FffFF">
+                                      <p:cBhvr>
+                                        <p:cTn id="42" dur="1000" fill="hold"/>
+                                        <p:tgtEl>
+                                          <p:spTgt spid="19"/>
+                                        </p:tgtEl>
+                                        <p:attrNameLst>
+                                          <p:attrName>ppt_x</p:attrName>
+                                          <p:attrName>ppt_y</p:attrName>
+                                        </p:attrNameLst>
+                                      </p:cBhvr>
+                                      <p:rCtr x="88333" y="16574"/>
+                                    </p:animMotion>
+                                  </p:childTnLst>
+                                </p:cTn>
+                              </p:par>
+                              <p:par>
+                                <p:cTn id="43" presetID="49" presetClass="path" presetSubtype="0" accel="50000" decel="50000" fill="hold" grpId="0" nodeType="withEffect">
+                                  <p:stCondLst>
+                                    <p:cond delay="3500"/>
+                                  </p:stCondLst>
+                                  <p:childTnLst>
+                                    <p:animMotion origin="layout" path="M 0 -4.21965E-6 L -1.4 0.85758 " pathEditMode="relative" rAng="0" ptsTypes="AA">
+                                      <p:cBhvr>
+                                        <p:cTn id="44" dur="1000" fill="hold"/>
+                                        <p:tgtEl>
+                                          <p:spTgt spid="33"/>
+                                        </p:tgtEl>
+                                        <p:attrNameLst>
+                                          <p:attrName>ppt_x</p:attrName>
+                                          <p:attrName>ppt_y</p:attrName>
+                                        </p:attrNameLst>
+                                      </p:cBhvr>
+                                      <p:rCtr x="-70000" y="42867"/>
+                                    </p:animMotion>
+                                  </p:childTnLst>
+                                </p:cTn>
+                              </p:par>
+                              <p:par>
+                                <p:cTn id="45" presetID="49" presetClass="path" presetSubtype="0" accel="50000" decel="50000" fill="hold" grpId="0" nodeType="withEffect">
+                                  <p:stCondLst>
+                                    <p:cond delay="3700"/>
+                                  </p:stCondLst>
+                                  <p:childTnLst>
+                                    <p:animMotion origin="layout" path="M 0.025 -0.2 L -1.46666 -0.08889 " pathEditMode="relative" rAng="0" ptsTypes="AA">
+                                      <p:cBhvr>
+                                        <p:cTn id="46" dur="1000" fill="hold"/>
+                                        <p:tgtEl>
+                                          <p:spTgt spid="18"/>
+                                        </p:tgtEl>
+                                        <p:attrNameLst>
+                                          <p:attrName>ppt_x</p:attrName>
+                                          <p:attrName>ppt_y</p:attrName>
+                                        </p:attrNameLst>
+                                      </p:cBhvr>
+                                      <p:rCtr x="-74583" y="5556"/>
+                                    </p:animMotion>
+                                  </p:childTnLst>
+                                </p:cTn>
+                              </p:par>
+                              <p:par>
+                                <p:cTn id="47" presetID="49" presetClass="path" presetSubtype="0" accel="50000" decel="50000" fill="hold" grpId="0" nodeType="withEffect">
+                                  <p:stCondLst>
+                                    <p:cond delay="4000"/>
+                                  </p:stCondLst>
+                                  <p:childTnLst>
+                                    <p:animMotion origin="layout" path="M 0 -2.22222E-6 L -0.33333 1.24445 " pathEditMode="relative" rAng="0" ptsTypes="AA">
+                                      <p:cBhvr>
+                                        <p:cTn id="48" dur="1000" fill="hold"/>
+                                        <p:tgtEl>
+                                          <p:spTgt spid="27"/>
+                                        </p:tgtEl>
+                                        <p:attrNameLst>
+                                          <p:attrName>ppt_x</p:attrName>
+                                          <p:attrName>ppt_y</p:attrName>
+                                        </p:attrNameLst>
+                                      </p:cBhvr>
+                                      <p:rCtr x="-16667" y="62222"/>
+                                    </p:animMotion>
+                                  </p:childTnLst>
+                                </p:cTn>
+                              </p:par>
+                              <p:par>
+                                <p:cTn id="49" presetID="49" presetClass="path" presetSubtype="0" accel="50000" decel="50000" fill="hold" grpId="0" nodeType="withEffect">
+                                  <p:stCondLst>
+                                    <p:cond delay="4100"/>
+                                  </p:stCondLst>
+                                  <p:childTnLst>
+                                    <p:animMotion origin="layout" path="M -3.33333E-6 -3.33333E-6 L 0.175 1.2 " pathEditMode="relative" rAng="0" ptsTypes="AA">
+                                      <p:cBhvr>
+                                        <p:cTn id="50" dur="1000" fill="hold"/>
+                                        <p:tgtEl>
+                                          <p:spTgt spid="28"/>
+                                        </p:tgtEl>
+                                        <p:attrNameLst>
+                                          <p:attrName>ppt_x</p:attrName>
+                                          <p:attrName>ppt_y</p:attrName>
+                                        </p:attrNameLst>
+                                      </p:cBhvr>
+                                      <p:rCtr x="8750" y="60000"/>
+                                    </p:animMotion>
+                                  </p:childTnLst>
+                                </p:cTn>
+                              </p:par>
+                              <p:par>
+                                <p:cTn id="51" presetID="10" presetClass="exit" presetSubtype="0" fill="hold" nodeType="withEffect">
+                                  <p:stCondLst>
+                                    <p:cond delay="0"/>
+                                  </p:stCondLst>
+                                  <p:childTnLst>
+                                    <p:animEffect transition="out" filter="fade">
+                                      <p:cBhvr>
+                                        <p:cTn id="52" dur="5000"/>
+                                        <p:tgtEl>
+                                          <p:spTgt spid="34"/>
+                                        </p:tgtEl>
+                                      </p:cBhvr>
+                                    </p:animEffect>
+                                    <p:set>
+                                      <p:cBhvr>
+                                        <p:cTn id="53" dur="1" fill="hold">
+                                          <p:stCondLst>
+                                            <p:cond delay="4999"/>
+                                          </p:stCondLst>
+                                        </p:cTn>
+                                        <p:tgtEl>
+                                          <p:spTgt spid="34"/>
+                                        </p:tgtEl>
+                                        <p:attrNameLst>
+                                          <p:attrName>style.visibility</p:attrName>
+                                        </p:attrNameLst>
+                                      </p:cBhvr>
+                                      <p:to>
+                                        <p:strVal val="hidden"/>
+                                      </p:to>
+                                    </p:set>
+                                  </p:childTnLst>
+                                </p:cTn>
+                              </p:par>
+                            </p:childTnLst>
+                          </p:cTn>
+                        </p:par>
+                      </p:childTnLst>
+                    </p:cTn>
+                  </p:par>
+                </p:childTnLst>
+              </p:cTn>
+              <p:prevCondLst>
+                <p:cond evt="onPrev" delay="0">
+                  <p:tgtEl>
+                    <p:sldTgt/>
+                  </p:tgtEl>
+                </p:cond>
+              </p:prevCondLst>
+              <p:nextCondLst>
+                <p:cond evt="onNext" delay="0">
+                  <p:tgtEl>
+                    <p:sldTgt/>
+                  </p:tgtEl>
+                </p:cond>
+              </p:nextCondLst>
+            </p:seq>
+          </p:childTnLst>
+        </p:cTn>
+      </p:par>
+    </p:tnLst>
+    <p:bldLst>
+      <p:bldP spid="4" grpId="0" animBg="1"/>
+      <p:bldP spid="6" grpId="0" animBg="1"/>
+      <p:bldP spid="8" grpId="0" animBg="1"/>
+      <p:bldP spid="11" grpId="0" animBg="1"/>
+      <p:bldP spid="12" grpId="0" animBg="1"/>
+      <p:bldP spid="13" grpId="0" animBg="1"/>
+      <p:bldP spid="14" grpId="0" animBg="1"/>
+      <p:bldP spid="15" grpId="0" animBg="1"/>
+      <p:bldP spid="16" grpId="0" animBg="1"/>
+      <p:bldP spid="17" grpId="0" animBg="1"/>
+      <p:bldP spid="18" grpId="0" animBg="1"/>
+      <p:bldP spid="19" grpId="0" animBg="1"/>
+      <p:bldP spid="21" grpId="0" animBg="1"/>
+      <p:bldP spid="22" grpId="0" animBg="1"/>
+      <p:bldP spid="24" grpId="0" animBg="1"/>
+      <p:bldP spid="27" grpId="0" animBg="1"/>
+      <p:bldP spid="28" grpId="0" animBg="1"/>
+      <p:bldP spid="29" grpId="0" animBg="1"/>
+      <p:bldP spid="30" grpId="0" animBg="1"/>
+      <p:bldP spid="31" grpId="0" animBg="1"/>
+      <p:bldP spid="32" grpId="0" animBg="1"/>
+      <p:bldP spid="33" grpId="0" animBg="1"/>
+    </p:bldLst>
+  </p:timing>
+</p:sld>
+</file>
+
+<file path=ppt/slides/slide3.xml><?xml version="1.0" encoding="utf-8"?>
+<p:sld xmlns:a="http://schemas.openxmlformats.org/drawingml/2006/main" xmlns:r="http://schemas.openxmlformats.org/officeDocument/2006/relationships" xmlns:p="http://schemas.openxmlformats.org/presentationml/2006/main">
+  <p:cSld>
+    <p:bg>
+      <p:bgPr>
+        <a:solidFill>
+          <a:schemeClr val="tx1">
+            <a:alpha val="50000"/>
+          </a:schemeClr>
+        </a:solidFill>
+        <a:effectLst/>
+      </p:bgPr>
+    </p:bg>
+    <p:spTree>
+      <p:nvGrpSpPr>
+        <p:cNvPr id="1" name=""/>
+        <p:cNvGrpSpPr/>
+        <p:nvPr/>
+      </p:nvGrpSpPr>
+      <p:grpSpPr>
+        <a:xfrm>
+          <a:off x="0" y="0"/>
+          <a:ext cx="0" cy="0"/>
+          <a:chOff x="0" y="0"/>
+          <a:chExt cx="0" cy="0"/>
+        </a:xfrm>
+      </p:grpSpPr>
+    </p:spTree>
+    <p:extLst>
+      <p:ext uri="{BB962C8B-B14F-4D97-AF65-F5344CB8AC3E}">
+        <p14:creationId xmlns:p14="http://schemas.microsoft.com/office/powerpoint/2010/main" val="2992330414"/>
+      </p:ext>
+    </p:extLst>
+  </p:cSld>
+  <p:clrMapOvr>
+    <a:masterClrMapping/>
+  </p:clrMapOvr>
+  <p:timing>
+    <p:tnLst>
+      <p:par>
+        <p:cTn xmlns:p14="http://schemas.microsoft.com/office/powerpoint/2010/main" id="1" dur="indefinite" restart="never" nodeType="tmRoot"/>
+      </p:par>
+    </p:tnLst>
+  </p:timing>
+</p:sld>
+</file>
+
+<file path=ppt/slides/slide4.xml><?xml version="1.0" encoding="utf-8"?>
+<p:sld xmlns:a="http://schemas.openxmlformats.org/drawingml/2006/main" xmlns:r="http://schemas.openxmlformats.org/officeDocument/2006/relationships" xmlns:p="http://schemas.openxmlformats.org/presentationml/2006/main">
+  <p:cSld>
+    <p:spTree>
+      <p:nvGrpSpPr>
+        <p:cNvPr id="1" name=""/>
+        <p:cNvGrpSpPr/>
+        <p:nvPr/>
+      </p:nvGrpSpPr>
+      <p:grpSpPr>
+        <a:xfrm>
+          <a:off x="0" y="0"/>
+          <a:ext cx="0" cy="0"/>
+          <a:chOff x="0" y="0"/>
+          <a:chExt cx="0" cy="0"/>
+        </a:xfrm>
+      </p:grpSpPr>
+      <p:pic>
+        <p:nvPicPr>
+          <p:cNvPr id="1029" name="Picture 5"/>
+          <p:cNvPicPr>
+            <a:picLocks noChangeAspect="1" noChangeArrowheads="1"/>
+          </p:cNvPicPr>
+          <p:nvPr/>
+        </p:nvPicPr>
+        <p:blipFill>
+          <a:blip r:embed="rId3">
+            <a:extLst>
+              <a:ext uri="{28A0092B-C50C-407E-A947-70E740481C1C}">
+                <a14:useLocalDpi xmlns:a14="http://schemas.microsoft.com/office/drawing/2010/main" val="0"/>
+              </a:ext>
+            </a:extLst>
+          </a:blip>
+          <a:srcRect/>
+          <a:stretch>
+            <a:fillRect/>
+          </a:stretch>
+        </p:blipFill>
+        <p:spPr bwMode="auto">
+          <a:xfrm>
+            <a:off x="-1285876" y="-20782"/>
+            <a:ext cx="12182476" cy="6877050"/>
+          </a:xfrm>
+          <a:prstGeom prst="rect">
+            <a:avLst/>
+          </a:prstGeom>
+          <a:noFill/>
+          <a:ln>
+            <a:noFill/>
+          </a:ln>
+          <a:effectLst/>
+          <a:extLst>
+            <a:ext uri="{909E8E84-426E-40dd-AFC4-6F175D3DCCD1}">
+              <a14:hiddenFill xmlns:a14="http://schemas.microsoft.com/office/drawing/2010/main">
+                <a:solidFill>
+                  <a:schemeClr val="accent1"/>
+                </a:solidFill>
+              </a14:hiddenFill>
+            </a:ext>
+            <a:ext uri="{91240B29-F687-4f45-9708-019B960494DF}">
+              <a14:hiddenLine xmlns:a14="http://schemas.microsoft.com/office/drawing/2010/main" w="9525">
+                <a:solidFill>
+                  <a:schemeClr val="tx1"/>
+                </a:solidFill>
+                <a:miter lim="800000"/>
+                <a:headEnd/>
+                <a:tailEnd/>
+              </a14:hiddenLine>
+            </a:ext>
+            <a:ext uri="{AF507438-7753-43e0-B8FC-AC1667EBCBE1}">
+              <a14:hiddenEffects xmlns:a14="http://schemas.microsoft.com/office/drawing/2010/main">
+                <a:effectLst>
+                  <a:outerShdw dist="35921" dir="2700000" algn="ctr" rotWithShape="0">
+                    <a:schemeClr val="bg2"/>
+                  </a:outerShdw>
+                </a:effectLst>
+              </a14:hiddenEffects>
+            </a:ext>
+          </a:extLst>
+        </p:spPr>
+      </p:pic>
+      <p:pic>
+        <p:nvPicPr>
+          <p:cNvPr id="1026" name="Picture 2" descr="http://tourismus.meinestadt.de/;pass/site/meinestadt/get/documents/meinestadt/images/Stadtspezifisch/Berlin/berlin-panorama-widescreen_unbekannt_S.jpg"/>
+          <p:cNvPicPr>
+            <a:picLocks noChangeAspect="1" noChangeArrowheads="1"/>
+          </p:cNvPicPr>
+          <p:nvPr/>
+        </p:nvPicPr>
+        <p:blipFill>
+          <a:blip r:embed="rId4">
+            <a:extLst>
+              <a:ext uri="{28A0092B-C50C-407E-A947-70E740481C1C}">
+                <a14:useLocalDpi xmlns:a14="http://schemas.microsoft.com/office/drawing/2010/main" val="0"/>
+              </a:ext>
+            </a:extLst>
+          </a:blip>
+          <a:srcRect/>
+          <a:stretch>
+            <a:fillRect/>
+          </a:stretch>
+        </p:blipFill>
+        <p:spPr bwMode="auto">
+          <a:xfrm>
+            <a:off x="-1285876" y="-14094"/>
+            <a:ext cx="12179360" cy="6878782"/>
+          </a:xfrm>
+          <a:prstGeom prst="rect">
+            <a:avLst/>
+          </a:prstGeom>
+          <a:noFill/>
+          <a:extLst>
+            <a:ext uri="{909E8E84-426E-40dd-AFC4-6F175D3DCCD1}">
+              <a14:hiddenFill xmlns:a14="http://schemas.microsoft.com/office/drawing/2010/main">
+                <a:solidFill>
+                  <a:srgbClr val="FFFFFF"/>
+                </a:solidFill>
+              </a14:hiddenFill>
+            </a:ext>
+          </a:extLst>
+        </p:spPr>
+      </p:pic>
+      <p:sp>
+        <p:nvSpPr>
+          <p:cNvPr id="4" name="Oval 3"/>
+          <p:cNvSpPr/>
+          <p:nvPr/>
+        </p:nvSpPr>
+        <p:spPr>
+          <a:xfrm>
+            <a:off x="-3810000" y="1752600"/>
+            <a:ext cx="457200" cy="457200"/>
+          </a:xfrm>
+          <a:prstGeom prst="ellipse">
+            <a:avLst/>
+          </a:prstGeom>
+        </p:spPr>
+        <p:style>
+          <a:lnRef idx="2">
+            <a:schemeClr val="dk1">
+              <a:shade val="50000"/>
+            </a:schemeClr>
+          </a:lnRef>
+          <a:fillRef idx="1">
+            <a:schemeClr val="dk1"/>
+          </a:fillRef>
+          <a:effectRef idx="0">
+            <a:schemeClr val="dk1"/>
+          </a:effectRef>
+          <a:fontRef idx="minor">
+            <a:schemeClr val="lt1"/>
+          </a:fontRef>
+        </p:style>
+        <p:txBody>
+          <a:bodyPr rtlCol="0" anchor="ctr"/>
+          <a:lstStyle/>
+          <a:p>
+            <a:pPr algn="ctr"/>
+            <a:endParaRPr lang="en-US"/>
+          </a:p>
+        </p:txBody>
+      </p:sp>
+      <p:sp>
+        <p:nvSpPr>
+          <p:cNvPr id="6" name="Oval 5"/>
+          <p:cNvSpPr/>
+          <p:nvPr/>
+        </p:nvSpPr>
+        <p:spPr>
+          <a:xfrm>
+            <a:off x="1004455" y="-651164"/>
+            <a:ext cx="457200" cy="457200"/>
+          </a:xfrm>
+          <a:prstGeom prst="ellipse">
+            <a:avLst/>
+          </a:prstGeom>
+        </p:spPr>
+        <p:style>
+          <a:lnRef idx="2">
+            <a:schemeClr val="dk1">
+              <a:shade val="50000"/>
+            </a:schemeClr>
+          </a:lnRef>
+          <a:fillRef idx="1">
+            <a:schemeClr val="dk1"/>
+          </a:fillRef>
+          <a:effectRef idx="0">
+            <a:schemeClr val="dk1"/>
+          </a:effectRef>
+          <a:fontRef idx="minor">
+            <a:schemeClr val="lt1"/>
+          </a:fontRef>
+        </p:style>
+        <p:txBody>
+          <a:bodyPr rtlCol="0" anchor="ctr"/>
+          <a:lstStyle/>
+          <a:p>
+            <a:pPr algn="ctr"/>
+            <a:endParaRPr lang="en-US"/>
+          </a:p>
+        </p:txBody>
+      </p:sp>
+      <p:sp>
+        <p:nvSpPr>
+          <p:cNvPr id="7" name="Oval 6"/>
+          <p:cNvSpPr/>
+          <p:nvPr/>
+        </p:nvSpPr>
+        <p:spPr>
+          <a:xfrm>
+            <a:off x="9843655" y="6428509"/>
+            <a:ext cx="457200" cy="457200"/>
+          </a:xfrm>
+          <a:prstGeom prst="ellipse">
+            <a:avLst/>
+          </a:prstGeom>
+        </p:spPr>
+        <p:style>
+          <a:lnRef idx="2">
+            <a:schemeClr val="dk1">
+              <a:shade val="50000"/>
+            </a:schemeClr>
+          </a:lnRef>
+          <a:fillRef idx="1">
+            <a:schemeClr val="dk1"/>
+          </a:fillRef>
+          <a:effectRef idx="0">
+            <a:schemeClr val="dk1"/>
+          </a:effectRef>
+          <a:fontRef idx="minor">
+            <a:schemeClr val="lt1"/>
+          </a:fontRef>
+        </p:style>
+        <p:txBody>
+          <a:bodyPr rtlCol="0" anchor="ctr"/>
+          <a:lstStyle/>
+          <a:p>
+            <a:pPr algn="ctr"/>
+            <a:endParaRPr lang="en-US"/>
+          </a:p>
+        </p:txBody>
+      </p:sp>
+      <p:sp>
+        <p:nvSpPr>
+          <p:cNvPr id="8" name="Oval 7"/>
+          <p:cNvSpPr/>
+          <p:nvPr/>
+        </p:nvSpPr>
+        <p:spPr>
+          <a:xfrm>
+            <a:off x="10515600" y="-249382"/>
+            <a:ext cx="457200" cy="457200"/>
+          </a:xfrm>
+          <a:prstGeom prst="ellipse">
+            <a:avLst/>
+          </a:prstGeom>
+        </p:spPr>
+        <p:style>
+          <a:lnRef idx="2">
+            <a:schemeClr val="dk1">
+              <a:shade val="50000"/>
+            </a:schemeClr>
+          </a:lnRef>
+          <a:fillRef idx="1">
+            <a:schemeClr val="dk1"/>
+          </a:fillRef>
+          <a:effectRef idx="0">
+            <a:schemeClr val="dk1"/>
+          </a:effectRef>
+          <a:fontRef idx="minor">
+            <a:schemeClr val="lt1"/>
+          </a:fontRef>
+        </p:style>
+        <p:txBody>
+          <a:bodyPr rtlCol="0" anchor="ctr"/>
+          <a:lstStyle/>
+          <a:p>
+            <a:pPr algn="ctr"/>
+            <a:endParaRPr lang="en-US"/>
+          </a:p>
+        </p:txBody>
+      </p:sp>
+      <p:sp>
+        <p:nvSpPr>
+          <p:cNvPr id="11" name="Oval 10"/>
+          <p:cNvSpPr/>
+          <p:nvPr/>
+        </p:nvSpPr>
+        <p:spPr>
+          <a:xfrm>
+            <a:off x="5029200" y="-762000"/>
+            <a:ext cx="457200" cy="457200"/>
+          </a:xfrm>
+          <a:prstGeom prst="ellipse">
+            <a:avLst/>
+          </a:prstGeom>
+        </p:spPr>
+        <p:style>
+          <a:lnRef idx="2">
+            <a:schemeClr val="dk1">
+              <a:shade val="50000"/>
+            </a:schemeClr>
+          </a:lnRef>
+          <a:fillRef idx="1">
+            <a:schemeClr val="dk1"/>
+          </a:fillRef>
+          <a:effectRef idx="0">
+            <a:schemeClr val="dk1"/>
+          </a:effectRef>
+          <a:fontRef idx="minor">
+            <a:schemeClr val="lt1"/>
+          </a:fontRef>
+        </p:style>
+        <p:txBody>
+          <a:bodyPr rtlCol="0" anchor="ctr"/>
+          <a:lstStyle/>
+          <a:p>
+            <a:pPr algn="ctr"/>
+            <a:endParaRPr lang="en-US"/>
+          </a:p>
+        </p:txBody>
+      </p:sp>
+      <p:sp>
+        <p:nvSpPr>
+          <p:cNvPr id="12" name="Oval 11"/>
+          <p:cNvSpPr/>
+          <p:nvPr/>
+        </p:nvSpPr>
+        <p:spPr>
+          <a:xfrm>
+            <a:off x="-3276600" y="-304800"/>
+            <a:ext cx="457200" cy="457200"/>
+          </a:xfrm>
+          <a:prstGeom prst="ellipse">
+            <a:avLst/>
+          </a:prstGeom>
+        </p:spPr>
+        <p:style>
+          <a:lnRef idx="2">
+            <a:schemeClr val="dk1">
+              <a:shade val="50000"/>
+            </a:schemeClr>
+          </a:lnRef>
+          <a:fillRef idx="1">
+            <a:schemeClr val="dk1"/>
+          </a:fillRef>
+          <a:effectRef idx="0">
+            <a:schemeClr val="dk1"/>
+          </a:effectRef>
+          <a:fontRef idx="minor">
+            <a:schemeClr val="lt1"/>
+          </a:fontRef>
+        </p:style>
+        <p:txBody>
+          <a:bodyPr rtlCol="0" anchor="ctr"/>
+          <a:lstStyle/>
+          <a:p>
+            <a:pPr algn="ctr"/>
+            <a:endParaRPr lang="en-US"/>
+          </a:p>
+        </p:txBody>
+      </p:sp>
+      <p:sp>
+        <p:nvSpPr>
+          <p:cNvPr id="13" name="Oval 12"/>
+          <p:cNvSpPr/>
+          <p:nvPr/>
+        </p:nvSpPr>
+        <p:spPr>
+          <a:xfrm>
+            <a:off x="-3124200" y="7239000"/>
+            <a:ext cx="457200" cy="457200"/>
+          </a:xfrm>
+          <a:prstGeom prst="ellipse">
+            <a:avLst/>
+          </a:prstGeom>
+        </p:spPr>
+        <p:style>
+          <a:lnRef idx="2">
+            <a:schemeClr val="dk1">
+              <a:shade val="50000"/>
+            </a:schemeClr>
+          </a:lnRef>
+          <a:fillRef idx="1">
+            <a:schemeClr val="dk1"/>
+          </a:fillRef>
+          <a:effectRef idx="0">
+            <a:schemeClr val="dk1"/>
+          </a:effectRef>
+          <a:fontRef idx="minor">
+            <a:schemeClr val="lt1"/>
+          </a:fontRef>
+        </p:style>
+        <p:txBody>
+          <a:bodyPr rtlCol="0" anchor="ctr"/>
+          <a:lstStyle/>
+          <a:p>
+            <a:pPr algn="ctr"/>
+            <a:endParaRPr lang="en-US"/>
+          </a:p>
+        </p:txBody>
+      </p:sp>
+      <p:sp>
+        <p:nvSpPr>
+          <p:cNvPr id="14" name="Oval 13"/>
+          <p:cNvSpPr/>
+          <p:nvPr/>
+        </p:nvSpPr>
+        <p:spPr>
+          <a:xfrm>
+            <a:off x="152400" y="7162800"/>
+            <a:ext cx="457200" cy="457200"/>
+          </a:xfrm>
+          <a:prstGeom prst="ellipse">
+            <a:avLst/>
+          </a:prstGeom>
+        </p:spPr>
+        <p:style>
+          <a:lnRef idx="2">
+            <a:schemeClr val="dk1">
+              <a:shade val="50000"/>
+            </a:schemeClr>
+          </a:lnRef>
+          <a:fillRef idx="1">
+            <a:schemeClr val="dk1"/>
+          </a:fillRef>
+          <a:effectRef idx="0">
+            <a:schemeClr val="dk1"/>
+          </a:effectRef>
+          <a:fontRef idx="minor">
+            <a:schemeClr val="lt1"/>
+          </a:fontRef>
+        </p:style>
+        <p:txBody>
+          <a:bodyPr rtlCol="0" anchor="ctr"/>
+          <a:lstStyle/>
+          <a:p>
+            <a:pPr algn="ctr"/>
+            <a:endParaRPr lang="en-US"/>
+          </a:p>
+        </p:txBody>
+      </p:sp>
+      <p:sp>
+        <p:nvSpPr>
+          <p:cNvPr id="15" name="Oval 14"/>
+          <p:cNvSpPr/>
+          <p:nvPr/>
+        </p:nvSpPr>
+        <p:spPr>
+          <a:xfrm>
+            <a:off x="5334000" y="7086600"/>
+            <a:ext cx="457200" cy="457200"/>
+          </a:xfrm>
+          <a:prstGeom prst="ellipse">
+            <a:avLst/>
+          </a:prstGeom>
+        </p:spPr>
+        <p:style>
+          <a:lnRef idx="2">
+            <a:schemeClr val="dk1">
+              <a:shade val="50000"/>
+            </a:schemeClr>
+          </a:lnRef>
+          <a:fillRef idx="1">
+            <a:schemeClr val="dk1"/>
+          </a:fillRef>
+          <a:effectRef idx="0">
+            <a:schemeClr val="dk1"/>
+          </a:effectRef>
+          <a:fontRef idx="minor">
+            <a:schemeClr val="lt1"/>
+          </a:fontRef>
+        </p:style>
+        <p:txBody>
+          <a:bodyPr rtlCol="0" anchor="ctr"/>
+          <a:lstStyle/>
+          <a:p>
+            <a:pPr algn="ctr"/>
+            <a:endParaRPr lang="en-US"/>
+          </a:p>
+        </p:txBody>
+      </p:sp>
+      <p:sp>
+        <p:nvSpPr>
+          <p:cNvPr id="16" name="Oval 15"/>
+          <p:cNvSpPr/>
+          <p:nvPr/>
+        </p:nvSpPr>
+        <p:spPr>
+          <a:xfrm>
+            <a:off x="2819400" y="-609600"/>
+            <a:ext cx="457200" cy="457200"/>
+          </a:xfrm>
+          <a:prstGeom prst="ellipse">
+            <a:avLst/>
+          </a:prstGeom>
+        </p:spPr>
+        <p:style>
+          <a:lnRef idx="2">
+            <a:schemeClr val="dk1">
+              <a:shade val="50000"/>
+            </a:schemeClr>
+          </a:lnRef>
+          <a:fillRef idx="1">
+            <a:schemeClr val="dk1"/>
+          </a:fillRef>
+          <a:effectRef idx="0">
+            <a:schemeClr val="dk1"/>
+          </a:effectRef>
+          <a:fontRef idx="minor">
+            <a:schemeClr val="lt1"/>
+          </a:fontRef>
+        </p:style>
+        <p:txBody>
+          <a:bodyPr rtlCol="0" anchor="ctr"/>
+          <a:lstStyle/>
+          <a:p>
+            <a:pPr algn="ctr"/>
+            <a:endParaRPr lang="en-US"/>
+          </a:p>
+        </p:txBody>
+      </p:sp>
+      <p:sp>
+        <p:nvSpPr>
+          <p:cNvPr id="17" name="Oval 16"/>
+          <p:cNvSpPr/>
+          <p:nvPr/>
+        </p:nvSpPr>
+        <p:spPr>
+          <a:xfrm>
+            <a:off x="10668000" y="3657600"/>
+            <a:ext cx="457200" cy="457200"/>
+          </a:xfrm>
+          <a:prstGeom prst="ellipse">
+            <a:avLst/>
+          </a:prstGeom>
+        </p:spPr>
+        <p:style>
+          <a:lnRef idx="2">
+            <a:schemeClr val="dk1">
+              <a:shade val="50000"/>
+            </a:schemeClr>
+          </a:lnRef>
+          <a:fillRef idx="1">
+            <a:schemeClr val="dk1"/>
+          </a:fillRef>
+          <a:effectRef idx="0">
+            <a:schemeClr val="dk1"/>
+          </a:effectRef>
+          <a:fontRef idx="minor">
+            <a:schemeClr val="lt1"/>
+          </a:fontRef>
+        </p:style>
+        <p:txBody>
+          <a:bodyPr rtlCol="0" anchor="ctr"/>
+          <a:lstStyle/>
+          <a:p>
+            <a:pPr algn="ctr"/>
+            <a:endParaRPr lang="en-US"/>
+          </a:p>
+        </p:txBody>
+      </p:sp>
+      <p:sp>
+        <p:nvSpPr>
+          <p:cNvPr id="18" name="Oval 17"/>
+          <p:cNvSpPr/>
+          <p:nvPr/>
+        </p:nvSpPr>
+        <p:spPr>
+          <a:xfrm>
+            <a:off x="11049000" y="5486400"/>
+            <a:ext cx="457200" cy="457200"/>
+          </a:xfrm>
+          <a:prstGeom prst="ellipse">
+            <a:avLst/>
+          </a:prstGeom>
+        </p:spPr>
+        <p:style>
+          <a:lnRef idx="2">
+            <a:schemeClr val="dk1">
+              <a:shade val="50000"/>
+            </a:schemeClr>
+          </a:lnRef>
+          <a:fillRef idx="1">
+            <a:schemeClr val="dk1"/>
+          </a:fillRef>
+          <a:effectRef idx="0">
+            <a:schemeClr val="dk1"/>
+          </a:effectRef>
+          <a:fontRef idx="minor">
+            <a:schemeClr val="lt1"/>
+          </a:fontRef>
+        </p:style>
+        <p:txBody>
+          <a:bodyPr rtlCol="0" anchor="ctr"/>
+          <a:lstStyle/>
+          <a:p>
+            <a:pPr algn="ctr"/>
+            <a:endParaRPr lang="en-US"/>
+          </a:p>
+        </p:txBody>
+      </p:sp>
+      <p:sp>
+        <p:nvSpPr>
+          <p:cNvPr id="19" name="Oval 18"/>
+          <p:cNvSpPr/>
+          <p:nvPr/>
+        </p:nvSpPr>
+        <p:spPr>
+          <a:xfrm>
+            <a:off x="-3619500" y="3657600"/>
+            <a:ext cx="457200" cy="457200"/>
+          </a:xfrm>
+          <a:prstGeom prst="ellipse">
+            <a:avLst/>
+          </a:prstGeom>
+        </p:spPr>
+        <p:style>
+          <a:lnRef idx="2">
+            <a:schemeClr val="dk1">
+              <a:shade val="50000"/>
+            </a:schemeClr>
+          </a:lnRef>
+          <a:fillRef idx="1">
+            <a:schemeClr val="dk1"/>
+          </a:fillRef>
+          <a:effectRef idx="0">
+            <a:schemeClr val="dk1"/>
+          </a:effectRef>
+          <a:fontRef idx="minor">
+            <a:schemeClr val="lt1"/>
+          </a:fontRef>
+        </p:style>
+        <p:txBody>
+          <a:bodyPr rtlCol="0" anchor="ctr"/>
+          <a:lstStyle/>
+          <a:p>
+            <a:pPr algn="ctr"/>
+            <a:endParaRPr lang="en-US"/>
+          </a:p>
+        </p:txBody>
+      </p:sp>
+      <p:sp>
+        <p:nvSpPr>
+          <p:cNvPr id="21" name="Oval 20"/>
+          <p:cNvSpPr/>
+          <p:nvPr/>
+        </p:nvSpPr>
+        <p:spPr>
+          <a:xfrm>
+            <a:off x="6553200" y="7258050"/>
+            <a:ext cx="457200" cy="457200"/>
+          </a:xfrm>
+          <a:prstGeom prst="ellipse">
+            <a:avLst/>
+          </a:prstGeom>
+        </p:spPr>
+        <p:style>
+          <a:lnRef idx="2">
+            <a:schemeClr val="dk1">
+              <a:shade val="50000"/>
+            </a:schemeClr>
+          </a:lnRef>
+          <a:fillRef idx="1">
+            <a:schemeClr val="dk1"/>
+          </a:fillRef>
+          <a:effectRef idx="0">
+            <a:schemeClr val="dk1"/>
+          </a:effectRef>
+          <a:fontRef idx="minor">
+            <a:schemeClr val="lt1"/>
+          </a:fontRef>
+        </p:style>
+        <p:txBody>
+          <a:bodyPr rtlCol="0" anchor="ctr"/>
+          <a:lstStyle/>
+          <a:p>
+            <a:pPr algn="ctr"/>
+            <a:endParaRPr lang="en-US"/>
+          </a:p>
+        </p:txBody>
+      </p:sp>
+      <p:sp>
+        <p:nvSpPr>
+          <p:cNvPr id="22" name="Oval 21"/>
+          <p:cNvSpPr/>
+          <p:nvPr/>
+        </p:nvSpPr>
+        <p:spPr>
+          <a:xfrm>
+            <a:off x="8686800" y="7239000"/>
+            <a:ext cx="457200" cy="457200"/>
+          </a:xfrm>
+          <a:prstGeom prst="ellipse">
+            <a:avLst/>
+          </a:prstGeom>
+        </p:spPr>
+        <p:style>
+          <a:lnRef idx="2">
+            <a:schemeClr val="dk1">
+              <a:shade val="50000"/>
+            </a:schemeClr>
+          </a:lnRef>
+          <a:fillRef idx="1">
+            <a:schemeClr val="dk1"/>
+          </a:fillRef>
+          <a:effectRef idx="0">
+            <a:schemeClr val="dk1"/>
+          </a:effectRef>
+          <a:fontRef idx="minor">
+            <a:schemeClr val="lt1"/>
+          </a:fontRef>
+        </p:style>
+        <p:txBody>
+          <a:bodyPr rtlCol="0" anchor="ctr"/>
+          <a:lstStyle/>
+          <a:p>
+            <a:pPr algn="ctr"/>
+            <a:endParaRPr lang="en-US"/>
+          </a:p>
+        </p:txBody>
+      </p:sp>
+      <p:sp>
+        <p:nvSpPr>
+          <p:cNvPr id="24" name="Oval 23"/>
+          <p:cNvSpPr/>
+          <p:nvPr/>
+        </p:nvSpPr>
+        <p:spPr>
+          <a:xfrm>
+            <a:off x="-1752600" y="207818"/>
+            <a:ext cx="457200" cy="457200"/>
+          </a:xfrm>
+          <a:prstGeom prst="ellipse">
+            <a:avLst/>
+          </a:prstGeom>
+        </p:spPr>
+        <p:style>
+          <a:lnRef idx="2">
+            <a:schemeClr val="dk1">
+              <a:shade val="50000"/>
+            </a:schemeClr>
+          </a:lnRef>
+          <a:fillRef idx="1">
+            <a:schemeClr val="dk1"/>
+          </a:fillRef>
+          <a:effectRef idx="0">
+            <a:schemeClr val="dk1"/>
+          </a:effectRef>
+          <a:fontRef idx="minor">
+            <a:schemeClr val="lt1"/>
+          </a:fontRef>
+        </p:style>
+        <p:txBody>
+          <a:bodyPr rtlCol="0" anchor="ctr"/>
+          <a:lstStyle/>
+          <a:p>
+            <a:pPr algn="ctr"/>
+            <a:endParaRPr lang="en-US"/>
+          </a:p>
+        </p:txBody>
+      </p:sp>
+      <p:sp>
+        <p:nvSpPr>
+          <p:cNvPr id="27" name="Oval 26"/>
+          <p:cNvSpPr/>
+          <p:nvPr/>
+        </p:nvSpPr>
+        <p:spPr>
+          <a:xfrm>
+            <a:off x="8209547" y="-838200"/>
+            <a:ext cx="457200" cy="457200"/>
+          </a:xfrm>
+          <a:prstGeom prst="ellipse">
+            <a:avLst/>
+          </a:prstGeom>
+        </p:spPr>
+        <p:style>
+          <a:lnRef idx="2">
+            <a:schemeClr val="dk1">
+              <a:shade val="50000"/>
+            </a:schemeClr>
+          </a:lnRef>
+          <a:fillRef idx="1">
+            <a:schemeClr val="dk1"/>
+          </a:fillRef>
+          <a:effectRef idx="0">
+            <a:schemeClr val="dk1"/>
+          </a:effectRef>
+          <a:fontRef idx="minor">
+            <a:schemeClr val="lt1"/>
+          </a:fontRef>
+        </p:style>
+        <p:txBody>
+          <a:bodyPr rtlCol="0" anchor="ctr"/>
+          <a:lstStyle/>
+          <a:p>
+            <a:pPr algn="ctr"/>
+            <a:endParaRPr lang="en-US"/>
+          </a:p>
+        </p:txBody>
+      </p:sp>
+      <p:sp>
+        <p:nvSpPr>
+          <p:cNvPr id="28" name="Oval 27"/>
+          <p:cNvSpPr/>
+          <p:nvPr/>
+        </p:nvSpPr>
+        <p:spPr>
+          <a:xfrm>
+            <a:off x="3886200" y="-605589"/>
+            <a:ext cx="457200" cy="457200"/>
+          </a:xfrm>
+          <a:prstGeom prst="ellipse">
+            <a:avLst/>
+          </a:prstGeom>
+        </p:spPr>
+        <p:style>
+          <a:lnRef idx="2">
+            <a:schemeClr val="dk1">
+              <a:shade val="50000"/>
+            </a:schemeClr>
+          </a:lnRef>
+          <a:fillRef idx="1">
+            <a:schemeClr val="dk1"/>
+          </a:fillRef>
+          <a:effectRef idx="0">
+            <a:schemeClr val="dk1"/>
+          </a:effectRef>
+          <a:fontRef idx="minor">
+            <a:schemeClr val="lt1"/>
+          </a:fontRef>
+        </p:style>
+        <p:txBody>
+          <a:bodyPr rtlCol="0" anchor="ctr"/>
+          <a:lstStyle/>
+          <a:p>
+            <a:pPr algn="ctr"/>
+            <a:endParaRPr lang="en-US"/>
+          </a:p>
+        </p:txBody>
+      </p:sp>
+      <p:sp>
+        <p:nvSpPr>
+          <p:cNvPr id="29" name="Oval 28"/>
+          <p:cNvSpPr/>
+          <p:nvPr/>
+        </p:nvSpPr>
+        <p:spPr>
+          <a:xfrm>
+            <a:off x="-762000" y="-651164"/>
+            <a:ext cx="457200" cy="457200"/>
+          </a:xfrm>
+          <a:prstGeom prst="ellipse">
+            <a:avLst/>
+          </a:prstGeom>
+        </p:spPr>
+        <p:style>
+          <a:lnRef idx="2">
+            <a:schemeClr val="dk1">
+              <a:shade val="50000"/>
+            </a:schemeClr>
+          </a:lnRef>
+          <a:fillRef idx="1">
+            <a:schemeClr val="dk1"/>
+          </a:fillRef>
+          <a:effectRef idx="0">
+            <a:schemeClr val="dk1"/>
+          </a:effectRef>
+          <a:fontRef idx="minor">
+            <a:schemeClr val="lt1"/>
+          </a:fontRef>
+        </p:style>
+        <p:txBody>
+          <a:bodyPr rtlCol="0" anchor="ctr"/>
+          <a:lstStyle/>
+          <a:p>
+            <a:pPr algn="ctr"/>
+            <a:endParaRPr lang="en-US"/>
+          </a:p>
+        </p:txBody>
+      </p:sp>
+      <p:sp>
+        <p:nvSpPr>
+          <p:cNvPr id="30" name="Oval 29"/>
+          <p:cNvSpPr/>
+          <p:nvPr/>
+        </p:nvSpPr>
+        <p:spPr>
+          <a:xfrm>
+            <a:off x="-2207795" y="5574267"/>
+            <a:ext cx="457200" cy="457200"/>
+          </a:xfrm>
+          <a:prstGeom prst="ellipse">
+            <a:avLst/>
+          </a:prstGeom>
+        </p:spPr>
+        <p:style>
+          <a:lnRef idx="2">
+            <a:schemeClr val="dk1">
+              <a:shade val="50000"/>
+            </a:schemeClr>
+          </a:lnRef>
+          <a:fillRef idx="1">
+            <a:schemeClr val="dk1"/>
+          </a:fillRef>
+          <a:effectRef idx="0">
+            <a:schemeClr val="dk1"/>
+          </a:effectRef>
+          <a:fontRef idx="minor">
+            <a:schemeClr val="lt1"/>
+          </a:fontRef>
+        </p:style>
+        <p:txBody>
+          <a:bodyPr rtlCol="0" anchor="ctr"/>
+          <a:lstStyle/>
+          <a:p>
+            <a:pPr algn="ctr"/>
+            <a:endParaRPr lang="en-US"/>
+          </a:p>
+        </p:txBody>
+      </p:sp>
+      <p:sp>
+        <p:nvSpPr>
+          <p:cNvPr id="31" name="Oval 30"/>
+          <p:cNvSpPr/>
+          <p:nvPr/>
+        </p:nvSpPr>
+        <p:spPr>
+          <a:xfrm>
+            <a:off x="-2971800" y="7391400"/>
+            <a:ext cx="457200" cy="457200"/>
+          </a:xfrm>
+          <a:prstGeom prst="ellipse">
+            <a:avLst/>
+          </a:prstGeom>
+        </p:spPr>
+        <p:style>
+          <a:lnRef idx="2">
+            <a:schemeClr val="dk1">
+              <a:shade val="50000"/>
+            </a:schemeClr>
+          </a:lnRef>
+          <a:fillRef idx="1">
+            <a:schemeClr val="dk1"/>
+          </a:fillRef>
+          <a:effectRef idx="0">
+            <a:schemeClr val="dk1"/>
+          </a:effectRef>
+          <a:fontRef idx="minor">
+            <a:schemeClr val="lt1"/>
+          </a:fontRef>
+        </p:style>
+        <p:txBody>
+          <a:bodyPr rtlCol="0" anchor="ctr"/>
+          <a:lstStyle/>
+          <a:p>
+            <a:pPr algn="ctr"/>
+            <a:endParaRPr lang="en-US"/>
+          </a:p>
+        </p:txBody>
+      </p:sp>
+      <p:sp>
+        <p:nvSpPr>
+          <p:cNvPr id="32" name="Oval 31"/>
+          <p:cNvSpPr/>
+          <p:nvPr/>
+        </p:nvSpPr>
+        <p:spPr>
+          <a:xfrm>
+            <a:off x="11277600" y="2944501"/>
+            <a:ext cx="457200" cy="457200"/>
+          </a:xfrm>
+          <a:prstGeom prst="ellipse">
+            <a:avLst/>
+          </a:prstGeom>
+        </p:spPr>
+        <p:style>
+          <a:lnRef idx="2">
+            <a:schemeClr val="dk1">
+              <a:shade val="50000"/>
+            </a:schemeClr>
+          </a:lnRef>
+          <a:fillRef idx="1">
+            <a:schemeClr val="dk1"/>
+          </a:fillRef>
+          <a:effectRef idx="0">
+            <a:schemeClr val="dk1"/>
+          </a:effectRef>
+          <a:fontRef idx="minor">
+            <a:schemeClr val="lt1"/>
+          </a:fontRef>
+        </p:style>
+        <p:txBody>
+          <a:bodyPr rtlCol="0" anchor="ctr"/>
+          <a:lstStyle/>
+          <a:p>
+            <a:pPr algn="ctr"/>
+            <a:endParaRPr lang="en-US"/>
+          </a:p>
+        </p:txBody>
+      </p:sp>
+      <p:sp>
+        <p:nvSpPr>
+          <p:cNvPr id="33" name="Oval 32"/>
+          <p:cNvSpPr/>
+          <p:nvPr/>
+        </p:nvSpPr>
+        <p:spPr>
+          <a:xfrm>
+            <a:off x="11746832" y="3886200"/>
+            <a:ext cx="457200" cy="457200"/>
+          </a:xfrm>
+          <a:prstGeom prst="ellipse">
+            <a:avLst/>
+          </a:prstGeom>
+        </p:spPr>
+        <p:style>
+          <a:lnRef idx="2">
+            <a:schemeClr val="dk1">
+              <a:shade val="50000"/>
+            </a:schemeClr>
+          </a:lnRef>
+          <a:fillRef idx="1">
+            <a:schemeClr val="dk1"/>
+          </a:fillRef>
+          <a:effectRef idx="0">
+            <a:schemeClr val="dk1"/>
+          </a:effectRef>
+          <a:fontRef idx="minor">
+            <a:schemeClr val="lt1"/>
+          </a:fontRef>
+        </p:style>
+        <p:txBody>
+          <a:bodyPr rtlCol="0" anchor="ctr"/>
+          <a:lstStyle/>
+          <a:p>
+            <a:pPr algn="ctr"/>
+            <a:endParaRPr lang="en-US"/>
+          </a:p>
+        </p:txBody>
+      </p:sp>
+      <p:sp>
+        <p:nvSpPr>
+          <p:cNvPr id="2" name="Oval 1"/>
+          <p:cNvSpPr/>
+          <p:nvPr/>
+        </p:nvSpPr>
+        <p:spPr>
+          <a:xfrm>
+            <a:off x="6019800" y="665018"/>
+            <a:ext cx="762000" cy="2774373"/>
+          </a:xfrm>
+          <a:prstGeom prst="ellipse">
+            <a:avLst/>
+          </a:prstGeom>
+          <a:noFill/>
+          <a:ln w="38100">
+            <a:solidFill>
+              <a:schemeClr val="bg1"/>
+            </a:solidFill>
+            <a:prstDash val="dash"/>
+          </a:ln>
+        </p:spPr>
+        <p:style>
+          <a:lnRef idx="2">
+            <a:schemeClr val="accent1">
+              <a:shade val="50000"/>
+            </a:schemeClr>
+          </a:lnRef>
+          <a:fillRef idx="1">
+            <a:schemeClr val="accent1"/>
+          </a:fillRef>
+          <a:effectRef idx="0">
+            <a:schemeClr val="accent1"/>
+          </a:effectRef>
+          <a:fontRef idx="minor">
+            <a:schemeClr val="lt1"/>
+          </a:fontRef>
+        </p:style>
+        <p:txBody>
+          <a:bodyPr rtlCol="0" anchor="ctr"/>
+          <a:lstStyle/>
+          <a:p>
+            <a:pPr algn="ctr"/>
+            <a:endParaRPr lang="en-US"/>
+          </a:p>
+        </p:txBody>
+      </p:sp>
+      <p:sp>
+        <p:nvSpPr>
+          <p:cNvPr id="34" name="Oval 33"/>
+          <p:cNvSpPr/>
+          <p:nvPr/>
+        </p:nvSpPr>
+        <p:spPr>
+          <a:xfrm>
+            <a:off x="7162799" y="2209800"/>
+            <a:ext cx="1275347" cy="1191901"/>
+          </a:xfrm>
+          <a:prstGeom prst="ellipse">
+            <a:avLst/>
+          </a:prstGeom>
+          <a:noFill/>
+          <a:ln w="38100">
+            <a:solidFill>
+              <a:schemeClr val="bg1"/>
+            </a:solidFill>
+            <a:prstDash val="dash"/>
+          </a:ln>
+        </p:spPr>
+        <p:style>
+          <a:lnRef idx="2">
+            <a:schemeClr val="accent1">
+              <a:shade val="50000"/>
+            </a:schemeClr>
+          </a:lnRef>
+          <a:fillRef idx="1">
+            <a:schemeClr val="accent1"/>
+          </a:fillRef>
+          <a:effectRef idx="0">
+            <a:schemeClr val="accent1"/>
+          </a:effectRef>
+          <a:fontRef idx="minor">
+            <a:schemeClr val="lt1"/>
+          </a:fontRef>
+        </p:style>
+        <p:txBody>
+          <a:bodyPr rtlCol="0" anchor="ctr"/>
+          <a:lstStyle/>
+          <a:p>
+            <a:pPr algn="ctr"/>
+            <a:endParaRPr lang="en-US"/>
+          </a:p>
+        </p:txBody>
+      </p:sp>
+      <p:sp>
+        <p:nvSpPr>
+          <p:cNvPr id="35" name="Oval 34"/>
+          <p:cNvSpPr/>
+          <p:nvPr/>
+        </p:nvSpPr>
+        <p:spPr>
+          <a:xfrm>
+            <a:off x="5891463" y="3814011"/>
+            <a:ext cx="1018674" cy="824551"/>
+          </a:xfrm>
+          <a:prstGeom prst="ellipse">
+            <a:avLst/>
+          </a:prstGeom>
+          <a:noFill/>
+          <a:ln w="38100">
+            <a:solidFill>
+              <a:schemeClr val="bg1"/>
+            </a:solidFill>
+            <a:prstDash val="dash"/>
+          </a:ln>
+        </p:spPr>
+        <p:style>
+          <a:lnRef idx="2">
+            <a:schemeClr val="accent1">
+              <a:shade val="50000"/>
+            </a:schemeClr>
+          </a:lnRef>
+          <a:fillRef idx="1">
+            <a:schemeClr val="accent1"/>
+          </a:fillRef>
+          <a:effectRef idx="0">
+            <a:schemeClr val="accent1"/>
+          </a:effectRef>
+          <a:fontRef idx="minor">
+            <a:schemeClr val="lt1"/>
+          </a:fontRef>
+        </p:style>
+        <p:txBody>
+          <a:bodyPr rtlCol="0" anchor="ctr"/>
+          <a:lstStyle/>
+          <a:p>
+            <a:pPr algn="ctr"/>
+            <a:endParaRPr lang="en-US"/>
+          </a:p>
+        </p:txBody>
+      </p:sp>
+      <p:sp>
+        <p:nvSpPr>
+          <p:cNvPr id="36" name="Oval 35"/>
+          <p:cNvSpPr/>
+          <p:nvPr/>
+        </p:nvSpPr>
+        <p:spPr>
+          <a:xfrm>
+            <a:off x="1019806" y="4978316"/>
+            <a:ext cx="1018674" cy="824551"/>
+          </a:xfrm>
+          <a:prstGeom prst="ellipse">
+            <a:avLst/>
+          </a:prstGeom>
+          <a:noFill/>
+          <a:ln w="38100">
+            <a:solidFill>
+              <a:schemeClr val="bg1"/>
+            </a:solidFill>
+            <a:prstDash val="dash"/>
+          </a:ln>
+        </p:spPr>
+        <p:style>
+          <a:lnRef idx="2">
+            <a:schemeClr val="accent1">
+              <a:shade val="50000"/>
+            </a:schemeClr>
+          </a:lnRef>
+          <a:fillRef idx="1">
+            <a:schemeClr val="accent1"/>
+          </a:fillRef>
+          <a:effectRef idx="0">
+            <a:schemeClr val="accent1"/>
+          </a:effectRef>
+          <a:fontRef idx="minor">
+            <a:schemeClr val="lt1"/>
+          </a:fontRef>
+        </p:style>
+        <p:txBody>
+          <a:bodyPr rtlCol="0" anchor="ctr"/>
+          <a:lstStyle/>
+          <a:p>
+            <a:pPr algn="ctr"/>
+            <a:endParaRPr lang="en-US"/>
+          </a:p>
+        </p:txBody>
+      </p:sp>
+      <p:sp>
+        <p:nvSpPr>
+          <p:cNvPr id="37" name="Oval 36"/>
+          <p:cNvSpPr/>
+          <p:nvPr/>
+        </p:nvSpPr>
+        <p:spPr>
+          <a:xfrm>
+            <a:off x="1103776" y="3702525"/>
+            <a:ext cx="934704" cy="523762"/>
+          </a:xfrm>
+          <a:prstGeom prst="ellipse">
+            <a:avLst/>
+          </a:prstGeom>
+          <a:noFill/>
+          <a:ln w="38100">
+            <a:solidFill>
+              <a:schemeClr val="bg1"/>
+            </a:solidFill>
+            <a:prstDash val="dash"/>
+          </a:ln>
+        </p:spPr>
+        <p:style>
+          <a:lnRef idx="2">
+            <a:schemeClr val="accent1">
+              <a:shade val="50000"/>
+            </a:schemeClr>
+          </a:lnRef>
+          <a:fillRef idx="1">
+            <a:schemeClr val="accent1"/>
+          </a:fillRef>
+          <a:effectRef idx="0">
+            <a:schemeClr val="accent1"/>
+          </a:effectRef>
+          <a:fontRef idx="minor">
+            <a:schemeClr val="lt1"/>
+          </a:fontRef>
+        </p:style>
+        <p:txBody>
+          <a:bodyPr rtlCol="0" anchor="ctr"/>
+          <a:lstStyle/>
+          <a:p>
+            <a:pPr algn="ctr"/>
+            <a:endParaRPr lang="en-US"/>
+          </a:p>
+        </p:txBody>
+      </p:sp>
+      <p:sp>
+        <p:nvSpPr>
+          <p:cNvPr id="38" name="Oval 37"/>
+          <p:cNvSpPr/>
+          <p:nvPr/>
+        </p:nvSpPr>
+        <p:spPr>
+          <a:xfrm rot="19518320">
+            <a:off x="3726087" y="5549314"/>
+            <a:ext cx="3322390" cy="904034"/>
+          </a:xfrm>
+          <a:prstGeom prst="ellipse">
+            <a:avLst/>
+          </a:prstGeom>
+          <a:noFill/>
+          <a:ln w="38100">
+            <a:solidFill>
+              <a:schemeClr val="bg1"/>
+            </a:solidFill>
+            <a:prstDash val="dash"/>
+          </a:ln>
+        </p:spPr>
+        <p:style>
+          <a:lnRef idx="2">
+            <a:schemeClr val="accent1">
+              <a:shade val="50000"/>
+            </a:schemeClr>
+          </a:lnRef>
+          <a:fillRef idx="1">
+            <a:schemeClr val="accent1"/>
+          </a:fillRef>
+          <a:effectRef idx="0">
+            <a:schemeClr val="accent1"/>
+          </a:effectRef>
+          <a:fontRef idx="minor">
+            <a:schemeClr val="lt1"/>
+          </a:fontRef>
+        </p:style>
+        <p:txBody>
+          <a:bodyPr rtlCol="0" anchor="ctr"/>
+          <a:lstStyle/>
+          <a:p>
+            <a:pPr algn="ctr"/>
+            <a:endParaRPr lang="en-US"/>
+          </a:p>
+        </p:txBody>
+      </p:sp>
+    </p:spTree>
+    <p:extLst>
+      <p:ext uri="{BB962C8B-B14F-4D97-AF65-F5344CB8AC3E}">
+        <p14:creationId xmlns:p14="http://schemas.microsoft.com/office/powerpoint/2010/main" val="2142171344"/>
+      </p:ext>
+    </p:extLst>
+  </p:cSld>
+  <p:clrMapOvr>
+    <a:masterClrMapping/>
+  </p:clrMapOvr>
+  <p:timing>
+    <p:tnLst>
+      <p:par>
+        <p:cTn xmlns:p14="http://schemas.microsoft.com/office/powerpoint/2010/main" id="1" dur="indefinite" restart="never" nodeType="tmRoot">
+          <p:childTnLst>
+            <p:seq concurrent="1" nextAc="seek">
+              <p:cTn id="2" dur="indefinite" nodeType="mainSeq">
+                <p:childTnLst>
+                  <p:par>
+                    <p:cTn id="3" fill="hold">
+                      <p:stCondLst>
+                        <p:cond delay="indefinite"/>
+                      </p:stCondLst>
+                      <p:childTnLst>
+                        <p:par>
+                          <p:cTn id="4" fill="hold">
+                            <p:stCondLst>
+                              <p:cond delay="0"/>
+                            </p:stCondLst>
+                            <p:childTnLst>
+                              <p:par>
+                                <p:cTn id="5" presetID="42" presetClass="path" presetSubtype="0" accel="50000" decel="50000" fill="hold" grpId="0" nodeType="clickEffect">
+                                  <p:stCondLst>
+                                    <p:cond delay="0"/>
+                                  </p:stCondLst>
+                                  <p:childTnLst>
+                                    <p:animMotion origin="layout" path="M 4.16667E-6 4.07407E-6 L -0.00157 1.17268 " pathEditMode="relative" rAng="0" ptsTypes="AA">
+                                      <p:cBhvr>
+                                        <p:cTn id="6" dur="1000" fill="hold"/>
+                                        <p:tgtEl>
+                                          <p:spTgt spid="6"/>
+                                        </p:tgtEl>
+                                        <p:attrNameLst>
+                                          <p:attrName>ppt_x</p:attrName>
+                                          <p:attrName>ppt_y</p:attrName>
+                                        </p:attrNameLst>
+                                      </p:cBhvr>
+                                      <p:rCtr x="-87" y="58634"/>
+                                    </p:animMotion>
+                                  </p:childTnLst>
+                                </p:cTn>
+                              </p:par>
+                              <p:par>
+                                <p:cTn id="7" presetID="10" presetClass="exit" presetSubtype="0" fill="hold" nodeType="withEffect">
+                                  <p:stCondLst>
+                                    <p:cond delay="0"/>
+                                  </p:stCondLst>
+                                  <p:childTnLst>
+                                    <p:animEffect transition="out" filter="fade">
+                                      <p:cBhvr>
+                                        <p:cTn id="8" dur="5000"/>
+                                        <p:tgtEl>
+                                          <p:spTgt spid="1026"/>
+                                        </p:tgtEl>
+                                      </p:cBhvr>
+                                    </p:animEffect>
+                                    <p:set>
+                                      <p:cBhvr>
+                                        <p:cTn id="9" dur="1" fill="hold">
+                                          <p:stCondLst>
+                                            <p:cond delay="4999"/>
+                                          </p:stCondLst>
+                                        </p:cTn>
+                                        <p:tgtEl>
+                                          <p:spTgt spid="1026"/>
+                                        </p:tgtEl>
+                                        <p:attrNameLst>
+                                          <p:attrName>style.visibility</p:attrName>
+                                        </p:attrNameLst>
+                                      </p:cBhvr>
+                                      <p:to>
+                                        <p:strVal val="hidden"/>
+                                      </p:to>
+                                    </p:set>
+                                  </p:childTnLst>
+                                </p:cTn>
+                              </p:par>
+                              <p:par>
+                                <p:cTn id="10" presetID="49" presetClass="path" presetSubtype="0" accel="50000" decel="50000" fill="hold" grpId="0" nodeType="withEffect">
+                                  <p:stCondLst>
+                                    <p:cond delay="100"/>
+                                  </p:stCondLst>
+                                  <p:childTnLst>
+                                    <p:animMotion origin="layout" path="M 0 -4.21965E-6 L -1.4 0.85758 " pathEditMode="relative" rAng="0" ptsTypes="AA">
+                                      <p:cBhvr>
+                                        <p:cTn id="11" dur="1000" fill="hold"/>
+                                        <p:tgtEl>
+                                          <p:spTgt spid="8"/>
+                                        </p:tgtEl>
+                                        <p:attrNameLst>
+                                          <p:attrName>ppt_x</p:attrName>
+                                          <p:attrName>ppt_y</p:attrName>
+                                        </p:attrNameLst>
+                                      </p:cBhvr>
+                                      <p:rCtr x="-70000" y="42867"/>
+                                    </p:animMotion>
+                                  </p:childTnLst>
+                                </p:cTn>
+                              </p:par>
+                              <p:par>
+                                <p:cTn id="12" presetID="37" presetClass="path" presetSubtype="0" accel="50000" decel="50000" fill="hold" grpId="0" nodeType="withEffect">
+                                  <p:stCondLst>
+                                    <p:cond delay="200"/>
+                                  </p:stCondLst>
+                                  <p:childTnLst>
+                                    <p:animMotion origin="layout" path="M 0 -2.22222E-6 L 0.49132 0.05602 C 0.59427 0.06875 0.74844 0.07616 0.90885 0.07616 C 1.09219 0.07616 1.23872 0.06875 1.34167 0.05602 L 1.83333 -2.22222E-6 " pathEditMode="relative" rAng="0" ptsTypes="FffFF">
+                                      <p:cBhvr>
+                                        <p:cTn id="13" dur="1000" fill="hold"/>
+                                        <p:tgtEl>
+                                          <p:spTgt spid="4"/>
+                                        </p:tgtEl>
+                                        <p:attrNameLst>
+                                          <p:attrName>ppt_x</p:attrName>
+                                          <p:attrName>ppt_y</p:attrName>
+                                        </p:attrNameLst>
+                                      </p:cBhvr>
+                                      <p:rCtr x="91667" y="3796"/>
+                                    </p:animMotion>
+                                  </p:childTnLst>
+                                </p:cTn>
+                              </p:par>
+                              <p:par>
+                                <p:cTn id="14" presetID="49" presetClass="path" presetSubtype="0" accel="50000" decel="50000" fill="hold" grpId="0" nodeType="withEffect">
+                                  <p:stCondLst>
+                                    <p:cond delay="400"/>
+                                  </p:stCondLst>
+                                  <p:childTnLst>
+                                    <p:animMotion origin="layout" path="M 0 -2.22222E-6 L -0.33333 1.24445 " pathEditMode="relative" rAng="0" ptsTypes="AA">
+                                      <p:cBhvr>
+                                        <p:cTn id="15" dur="1000" fill="hold"/>
+                                        <p:tgtEl>
+                                          <p:spTgt spid="11"/>
+                                        </p:tgtEl>
+                                        <p:attrNameLst>
+                                          <p:attrName>ppt_x</p:attrName>
+                                          <p:attrName>ppt_y</p:attrName>
+                                        </p:attrNameLst>
+                                      </p:cBhvr>
+                                      <p:rCtr x="-16667" y="62222"/>
+                                    </p:animMotion>
+                                  </p:childTnLst>
+                                </p:cTn>
+                              </p:par>
+                              <p:par>
+                                <p:cTn id="16" presetID="49" presetClass="path" presetSubtype="0" accel="50000" decel="50000" fill="hold" grpId="0" nodeType="withEffect">
+                                  <p:stCondLst>
+                                    <p:cond delay="600"/>
+                                  </p:stCondLst>
+                                  <p:childTnLst>
+                                    <p:animMotion origin="layout" path="M -3.33333E-6 -3.33333E-6 L 0.8 1.10602 " pathEditMode="relative" rAng="0" ptsTypes="AA">
+                                      <p:cBhvr>
+                                        <p:cTn id="17" dur="1000" fill="hold"/>
+                                        <p:tgtEl>
+                                          <p:spTgt spid="12"/>
+                                        </p:tgtEl>
+                                        <p:attrNameLst>
+                                          <p:attrName>ppt_x</p:attrName>
+                                          <p:attrName>ppt_y</p:attrName>
+                                        </p:attrNameLst>
+                                      </p:cBhvr>
+                                      <p:rCtr x="40000" y="55301"/>
+                                    </p:animMotion>
+                                  </p:childTnLst>
+                                </p:cTn>
+                              </p:par>
+                              <p:par>
+                                <p:cTn id="18" presetID="49" presetClass="path" presetSubtype="0" accel="50000" decel="50000" fill="hold" grpId="0" nodeType="withEffect">
+                                  <p:stCondLst>
+                                    <p:cond delay="600"/>
+                                  </p:stCondLst>
+                                  <p:childTnLst>
+                                    <p:animMotion origin="layout" path="M -3.33333E-6 1.11111E-6 L 0.65834 -1.15556 " pathEditMode="relative" rAng="0" ptsTypes="AA">
+                                      <p:cBhvr>
+                                        <p:cTn id="19" dur="1000" fill="hold"/>
+                                        <p:tgtEl>
+                                          <p:spTgt spid="13"/>
+                                        </p:tgtEl>
+                                        <p:attrNameLst>
+                                          <p:attrName>ppt_x</p:attrName>
+                                          <p:attrName>ppt_y</p:attrName>
+                                        </p:attrNameLst>
+                                      </p:cBhvr>
+                                      <p:rCtr x="32917" y="-57778"/>
+                                    </p:animMotion>
+                                  </p:childTnLst>
+                                </p:cTn>
+                              </p:par>
+                              <p:par>
+                                <p:cTn id="20" presetID="49" presetClass="path" presetSubtype="0" accel="50000" decel="50000" fill="hold" grpId="0" nodeType="withEffect">
+                                  <p:stCondLst>
+                                    <p:cond delay="800"/>
+                                  </p:stCondLst>
+                                  <p:childTnLst>
+                                    <p:animMotion origin="layout" path="M -3.33333E-6 1.11111E-6 L 0.65834 -1.15556 " pathEditMode="relative" rAng="0" ptsTypes="AA">
+                                      <p:cBhvr>
+                                        <p:cTn id="21" dur="1000" fill="hold"/>
+                                        <p:tgtEl>
+                                          <p:spTgt spid="14"/>
+                                        </p:tgtEl>
+                                        <p:attrNameLst>
+                                          <p:attrName>ppt_x</p:attrName>
+                                          <p:attrName>ppt_y</p:attrName>
+                                        </p:attrNameLst>
+                                      </p:cBhvr>
+                                      <p:rCtr x="32917" y="-57778"/>
+                                    </p:animMotion>
+                                  </p:childTnLst>
+                                </p:cTn>
+                              </p:par>
+                              <p:par>
+                                <p:cTn id="22" presetID="42" presetClass="path" presetSubtype="0" accel="50000" decel="50000" fill="hold" grpId="0" nodeType="withEffect">
+                                  <p:stCondLst>
+                                    <p:cond delay="1100"/>
+                                  </p:stCondLst>
+                                  <p:childTnLst>
+                                    <p:animMotion origin="layout" path="M 4.16667E-6 4.07407E-6 L -0.00157 1.17268 " pathEditMode="relative" rAng="0" ptsTypes="AA">
+                                      <p:cBhvr>
+                                        <p:cTn id="23" dur="1000" fill="hold"/>
+                                        <p:tgtEl>
+                                          <p:spTgt spid="29"/>
+                                        </p:tgtEl>
+                                        <p:attrNameLst>
+                                          <p:attrName>ppt_x</p:attrName>
+                                          <p:attrName>ppt_y</p:attrName>
+                                        </p:attrNameLst>
+                                      </p:cBhvr>
+                                      <p:rCtr x="-87" y="58634"/>
+                                    </p:animMotion>
+                                  </p:childTnLst>
+                                </p:cTn>
+                              </p:par>
+                              <p:par>
+                                <p:cTn id="24" presetID="49" presetClass="path" presetSubtype="0" accel="50000" decel="50000" fill="hold" grpId="0" nodeType="withEffect">
+                                  <p:stCondLst>
+                                    <p:cond delay="1200"/>
+                                  </p:stCondLst>
+                                  <p:childTnLst>
+                                    <p:animMotion origin="layout" path="M -0.04167 0.06667 L -0.03333 -1.14444 " pathEditMode="relative" rAng="0" ptsTypes="AA">
+                                      <p:cBhvr>
+                                        <p:cTn id="25" dur="1000" fill="hold"/>
+                                        <p:tgtEl>
+                                          <p:spTgt spid="15"/>
+                                        </p:tgtEl>
+                                        <p:attrNameLst>
+                                          <p:attrName>ppt_x</p:attrName>
+                                          <p:attrName>ppt_y</p:attrName>
+                                        </p:attrNameLst>
+                                      </p:cBhvr>
+                                      <p:rCtr x="417" y="-60556"/>
+                                    </p:animMotion>
+                                  </p:childTnLst>
+                                </p:cTn>
+                              </p:par>
+                              <p:par>
+                                <p:cTn id="26" presetID="37" presetClass="path" presetSubtype="0" accel="50000" decel="50000" fill="hold" grpId="0" nodeType="withEffect">
+                                  <p:stCondLst>
+                                    <p:cond delay="1300"/>
+                                  </p:stCondLst>
+                                  <p:childTnLst>
+                                    <p:animMotion origin="layout" path="M -0.0085 -0.08264 L 0.48282 -0.02662 C 0.58577 -0.01389 0.73993 -0.00648 0.90035 -0.00648 C 1.08368 -0.00648 1.23021 -0.01389 1.33316 -0.02662 L 1.82483 -0.08264 " pathEditMode="relative" rAng="0" ptsTypes="FffFF">
+                                      <p:cBhvr>
+                                        <p:cTn id="27" dur="1000" fill="hold"/>
+                                        <p:tgtEl>
+                                          <p:spTgt spid="30"/>
+                                        </p:tgtEl>
+                                        <p:attrNameLst>
+                                          <p:attrName>ppt_x</p:attrName>
+                                          <p:attrName>ppt_y</p:attrName>
+                                        </p:attrNameLst>
+                                      </p:cBhvr>
+                                      <p:rCtr x="91667" y="3796"/>
+                                    </p:animMotion>
+                                  </p:childTnLst>
+                                </p:cTn>
+                              </p:par>
+                              <p:par>
+                                <p:cTn id="28" presetID="49" presetClass="path" presetSubtype="0" accel="50000" decel="50000" fill="hold" grpId="0" nodeType="withEffect">
+                                  <p:stCondLst>
+                                    <p:cond delay="1600"/>
+                                  </p:stCondLst>
+                                  <p:childTnLst>
+                                    <p:animMotion origin="layout" path="M -3.33333E-6 -3.33333E-6 L 0.175 1.2 " pathEditMode="relative" rAng="0" ptsTypes="AA">
+                                      <p:cBhvr>
+                                        <p:cTn id="29" dur="1000" fill="hold"/>
+                                        <p:tgtEl>
+                                          <p:spTgt spid="16"/>
+                                        </p:tgtEl>
+                                        <p:attrNameLst>
+                                          <p:attrName>ppt_x</p:attrName>
+                                          <p:attrName>ppt_y</p:attrName>
+                                        </p:attrNameLst>
+                                      </p:cBhvr>
+                                      <p:rCtr x="8750" y="60000"/>
+                                    </p:animMotion>
+                                  </p:childTnLst>
+                                </p:cTn>
+                              </p:par>
+                              <p:par>
+                                <p:cTn id="30" presetID="49" presetClass="path" presetSubtype="0" accel="50000" decel="50000" fill="hold" grpId="0" nodeType="withEffect">
+                                  <p:stCondLst>
+                                    <p:cond delay="1800"/>
+                                  </p:stCondLst>
+                                  <p:childTnLst>
+                                    <p:animMotion origin="layout" path="M -0.0401 -0.04444 L -1.0901 -1.27777 " pathEditMode="relative" rAng="0" ptsTypes="AA">
+                                      <p:cBhvr>
+                                        <p:cTn id="31" dur="1000" fill="hold"/>
+                                        <p:tgtEl>
+                                          <p:spTgt spid="22"/>
+                                        </p:tgtEl>
+                                        <p:attrNameLst>
+                                          <p:attrName>ppt_x</p:attrName>
+                                          <p:attrName>ppt_y</p:attrName>
+                                        </p:attrNameLst>
+                                      </p:cBhvr>
+                                      <p:rCtr x="-52500" y="-61667"/>
+                                    </p:animMotion>
+                                  </p:childTnLst>
+                                </p:cTn>
+                              </p:par>
+                              <p:par>
+                                <p:cTn id="32" presetID="49" presetClass="path" presetSubtype="0" accel="50000" decel="50000" fill="hold" grpId="0" nodeType="withEffect">
+                                  <p:stCondLst>
+                                    <p:cond delay="2000"/>
+                                  </p:stCondLst>
+                                  <p:childTnLst>
+                                    <p:animMotion origin="layout" path="M 0.56441 -0.04444 L 1.22274 -1.2 " pathEditMode="relative" rAng="0" ptsTypes="AA">
+                                      <p:cBhvr>
+                                        <p:cTn id="33" dur="1000" fill="hold"/>
+                                        <p:tgtEl>
+                                          <p:spTgt spid="31"/>
+                                        </p:tgtEl>
+                                        <p:attrNameLst>
+                                          <p:attrName>ppt_x</p:attrName>
+                                          <p:attrName>ppt_y</p:attrName>
+                                        </p:attrNameLst>
+                                      </p:cBhvr>
+                                      <p:rCtr x="32917" y="-57778"/>
+                                    </p:animMotion>
+                                  </p:childTnLst>
+                                </p:cTn>
+                              </p:par>
+                              <p:par>
+                                <p:cTn id="34" presetID="49" presetClass="path" presetSubtype="0" accel="50000" decel="50000" fill="hold" grpId="0" nodeType="withEffect">
+                                  <p:stCondLst>
+                                    <p:cond delay="2200"/>
+                                  </p:stCondLst>
+                                  <p:childTnLst>
+                                    <p:animMotion origin="layout" path="M -3.33333E-6 1.11111E-6 L 0.65834 -1.15556 " pathEditMode="relative" rAng="0" ptsTypes="AA">
+                                      <p:cBhvr>
+                                        <p:cTn id="35" dur="1000" fill="hold"/>
+                                        <p:tgtEl>
+                                          <p:spTgt spid="21"/>
+                                        </p:tgtEl>
+                                        <p:attrNameLst>
+                                          <p:attrName>ppt_x</p:attrName>
+                                          <p:attrName>ppt_y</p:attrName>
+                                        </p:attrNameLst>
+                                      </p:cBhvr>
+                                      <p:rCtr x="32917" y="-57778"/>
+                                    </p:animMotion>
+                                  </p:childTnLst>
+                                </p:cTn>
+                              </p:par>
+                              <p:par>
+                                <p:cTn id="36" presetID="49" presetClass="path" presetSubtype="0" accel="50000" decel="50000" fill="hold" grpId="0" nodeType="withEffect">
+                                  <p:stCondLst>
+                                    <p:cond delay="2600"/>
+                                  </p:stCondLst>
+                                  <p:childTnLst>
+                                    <p:animMotion origin="layout" path="M 0 -4.21965E-6 L -1.4 0.85758 " pathEditMode="relative" rAng="0" ptsTypes="AA">
+                                      <p:cBhvr>
+                                        <p:cTn id="37" dur="1000" fill="hold"/>
+                                        <p:tgtEl>
+                                          <p:spTgt spid="32"/>
+                                        </p:tgtEl>
+                                        <p:attrNameLst>
+                                          <p:attrName>ppt_x</p:attrName>
+                                          <p:attrName>ppt_y</p:attrName>
+                                        </p:attrNameLst>
+                                      </p:cBhvr>
+                                      <p:rCtr x="-70000" y="42867"/>
+                                    </p:animMotion>
+                                  </p:childTnLst>
+                                </p:cTn>
+                              </p:par>
+                              <p:par>
+                                <p:cTn id="38" presetID="49" presetClass="path" presetSubtype="0" accel="50000" decel="50000" fill="hold" grpId="0" nodeType="withEffect">
+                                  <p:stCondLst>
+                                    <p:cond delay="2800"/>
+                                  </p:stCondLst>
+                                  <p:childTnLst>
+                                    <p:animMotion origin="layout" path="M 3.33333E-6 3.33333E-6 L -1.49167 0.11111 " pathEditMode="relative" rAng="0" ptsTypes="AA">
+                                      <p:cBhvr>
+                                        <p:cTn id="39" dur="1000" fill="hold"/>
+                                        <p:tgtEl>
+                                          <p:spTgt spid="17"/>
+                                        </p:tgtEl>
+                                        <p:attrNameLst>
+                                          <p:attrName>ppt_x</p:attrName>
+                                          <p:attrName>ppt_y</p:attrName>
+                                        </p:attrNameLst>
+                                      </p:cBhvr>
+                                      <p:rCtr x="-74583" y="5556"/>
+                                    </p:animMotion>
+                                  </p:childTnLst>
+                                </p:cTn>
+                              </p:par>
+                              <p:par>
+                                <p:cTn id="40" presetID="37" presetClass="path" presetSubtype="0" accel="50000" decel="50000" fill="hold" grpId="0" nodeType="withEffect">
+                                  <p:stCondLst>
+                                    <p:cond delay="3400"/>
+                                  </p:stCondLst>
+                                  <p:childTnLst>
+                                    <p:animMotion origin="layout" path="M -5.55112E-17 -0.27777 L 0.47344 -0.03379 C 0.57257 0.02153 0.72118 0.05394 0.87569 0.05394 C 1.05243 0.05394 1.19358 0.02153 1.29271 -0.03379 L 1.76667 -0.27777 " pathEditMode="relative" rAng="0" ptsTypes="FffFF">
+                                      <p:cBhvr>
+                                        <p:cTn id="41" dur="1000" fill="hold"/>
+                                        <p:tgtEl>
+                                          <p:spTgt spid="19"/>
+                                        </p:tgtEl>
+                                        <p:attrNameLst>
+                                          <p:attrName>ppt_x</p:attrName>
+                                          <p:attrName>ppt_y</p:attrName>
+                                        </p:attrNameLst>
+                                      </p:cBhvr>
+                                      <p:rCtr x="88333" y="16574"/>
+                                    </p:animMotion>
+                                  </p:childTnLst>
+                                </p:cTn>
+                              </p:par>
+                              <p:par>
+                                <p:cTn id="42" presetID="49" presetClass="path" presetSubtype="0" accel="50000" decel="50000" fill="hold" grpId="0" nodeType="withEffect">
+                                  <p:stCondLst>
+                                    <p:cond delay="3700"/>
+                                  </p:stCondLst>
+                                  <p:childTnLst>
+                                    <p:animMotion origin="layout" path="M 0 -4.21965E-6 L -1.4 0.85758 " pathEditMode="relative" rAng="0" ptsTypes="AA">
+                                      <p:cBhvr>
+                                        <p:cTn id="43" dur="1000" fill="hold"/>
+                                        <p:tgtEl>
+                                          <p:spTgt spid="33"/>
+                                        </p:tgtEl>
+                                        <p:attrNameLst>
+                                          <p:attrName>ppt_x</p:attrName>
+                                          <p:attrName>ppt_y</p:attrName>
+                                        </p:attrNameLst>
+                                      </p:cBhvr>
+                                      <p:rCtr x="-70000" y="42867"/>
+                                    </p:animMotion>
+                                  </p:childTnLst>
+                                </p:cTn>
+                              </p:par>
+                              <p:par>
+                                <p:cTn id="44" presetID="49" presetClass="path" presetSubtype="0" accel="50000" decel="50000" fill="hold" grpId="0" nodeType="withEffect">
+                                  <p:stCondLst>
+                                    <p:cond delay="3700"/>
+                                  </p:stCondLst>
+                                  <p:childTnLst>
+                                    <p:animMotion origin="layout" path="M 0.025 -0.2 L -1.46666 -0.08889 " pathEditMode="relative" rAng="0" ptsTypes="AA">
+                                      <p:cBhvr>
+                                        <p:cTn id="45" dur="1000" fill="hold"/>
+                                        <p:tgtEl>
+                                          <p:spTgt spid="18"/>
+                                        </p:tgtEl>
+                                        <p:attrNameLst>
+                                          <p:attrName>ppt_x</p:attrName>
+                                          <p:attrName>ppt_y</p:attrName>
+                                        </p:attrNameLst>
+                                      </p:cBhvr>
+                                      <p:rCtr x="-74583" y="5556"/>
+                                    </p:animMotion>
+                                  </p:childTnLst>
+                                </p:cTn>
+                              </p:par>
+                              <p:par>
+                                <p:cTn id="46" presetID="49" presetClass="path" presetSubtype="0" accel="50000" decel="50000" fill="hold" grpId="0" nodeType="withEffect">
+                                  <p:stCondLst>
+                                    <p:cond delay="3900"/>
+                                  </p:stCondLst>
+                                  <p:childTnLst>
+                                    <p:animMotion origin="layout" path="M 0 -1.11111E-6 L -0.33333 1.24445 " pathEditMode="relative" rAng="0" ptsTypes="AA">
+                                      <p:cBhvr>
+                                        <p:cTn id="47" dur="1000" fill="hold"/>
+                                        <p:tgtEl>
+                                          <p:spTgt spid="27"/>
+                                        </p:tgtEl>
+                                        <p:attrNameLst>
+                                          <p:attrName>ppt_x</p:attrName>
+                                          <p:attrName>ppt_y</p:attrName>
+                                        </p:attrNameLst>
+                                      </p:cBhvr>
+                                      <p:rCtr x="-16667" y="62222"/>
+                                    </p:animMotion>
+                                  </p:childTnLst>
+                                </p:cTn>
+                              </p:par>
+                              <p:par>
+                                <p:cTn id="48" presetID="49" presetClass="path" presetSubtype="0" accel="50000" decel="50000" fill="hold" grpId="0" nodeType="withEffect">
+                                  <p:stCondLst>
+                                    <p:cond delay="4100"/>
+                                  </p:stCondLst>
+                                  <p:childTnLst>
+                                    <p:animMotion origin="layout" path="M -3.33333E-6 -3.33333E-6 L 0.175 1.2 " pathEditMode="relative" rAng="0" ptsTypes="AA">
+                                      <p:cBhvr>
+                                        <p:cTn id="49" dur="1000" fill="hold"/>
+                                        <p:tgtEl>
+                                          <p:spTgt spid="28"/>
+                                        </p:tgtEl>
+                                        <p:attrNameLst>
+                                          <p:attrName>ppt_x</p:attrName>
+                                          <p:attrName>ppt_y</p:attrName>
+                                        </p:attrNameLst>
+                                      </p:cBhvr>
+                                      <p:rCtr x="8750" y="60000"/>
+                                    </p:animMotion>
+                                  </p:childTnLst>
+                                </p:cTn>
+                              </p:par>
+                            </p:childTnLst>
+                          </p:cTn>
+                        </p:par>
+                      </p:childTnLst>
+                    </p:cTn>
+                  </p:par>
+                </p:childTnLst>
+              </p:cTn>
+              <p:prevCondLst>
+                <p:cond evt="onPrev" delay="0">
+                  <p:tgtEl>
+                    <p:sldTgt/>
+                  </p:tgtEl>
+                </p:cond>
+              </p:prevCondLst>
+              <p:nextCondLst>
+                <p:cond evt="onNext" delay="0">
+                  <p:tgtEl>
+                    <p:sldTgt/>
+                  </p:tgtEl>
+                </p:cond>
+              </p:nextCondLst>
+            </p:seq>
+          </p:childTnLst>
+        </p:cTn>
+      </p:par>
+    </p:tnLst>
+    <p:bldLst>
+      <p:bldP spid="4" grpId="0" animBg="1"/>
+      <p:bldP spid="6" grpId="0" animBg="1"/>
+      <p:bldP spid="8" grpId="0" animBg="1"/>
+      <p:bldP spid="11" grpId="0" animBg="1"/>
+      <p:bldP spid="12" grpId="0" animBg="1"/>
+      <p:bldP spid="13" grpId="0" animBg="1"/>
+      <p:bldP spid="14" grpId="0" animBg="1"/>
+      <p:bldP spid="15" grpId="0" animBg="1"/>
+      <p:bldP spid="16" grpId="0" animBg="1"/>
+      <p:bldP spid="17" grpId="0" animBg="1"/>
+      <p:bldP spid="18" grpId="0" animBg="1"/>
+      <p:bldP spid="19" grpId="0" animBg="1"/>
+      <p:bldP spid="21" grpId="0" animBg="1"/>
+      <p:bldP spid="22" grpId="0" animBg="1"/>
+      <p:bldP spid="27" grpId="0" animBg="1"/>
+      <p:bldP spid="28" grpId="0" animBg="1"/>
+      <p:bldP spid="29" grpId="0" animBg="1"/>
+      <p:bldP spid="30" grpId="0" animBg="1"/>
+      <p:bldP spid="31" grpId="0" animBg="1"/>
+      <p:bldP spid="32" grpId="0" animBg="1"/>
+      <p:bldP spid="33" grpId="0" animBg="1"/>
+    </p:bldLst>
+  </p:timing>
+</p:sld>
+</file>
+
+<file path=ppt/slides/slide5.xml><?xml version="1.0" encoding="utf-8"?>
+<p:sld xmlns:a="http://schemas.openxmlformats.org/drawingml/2006/main" xmlns:r="http://schemas.openxmlformats.org/officeDocument/2006/relationships" xmlns:p="http://schemas.openxmlformats.org/presentationml/2006/main">
+  <p:cSld>
+    <p:spTree>
+      <p:nvGrpSpPr>
+        <p:cNvPr id="1" name=""/>
+        <p:cNvGrpSpPr/>
+        <p:nvPr/>
+      </p:nvGrpSpPr>
+      <p:grpSpPr>
+        <a:xfrm>
+          <a:off x="0" y="0"/>
+          <a:ext cx="0" cy="0"/>
+          <a:chOff x="0" y="0"/>
+          <a:chExt cx="0" cy="0"/>
+        </a:xfrm>
+      </p:grpSpPr>
+      <p:sp>
+        <p:nvSpPr>
+          <p:cNvPr id="11" name="TextBox 10"/>
+          <p:cNvSpPr txBox="1"/>
+          <p:nvPr/>
+        </p:nvSpPr>
+        <p:spPr>
+          <a:xfrm>
+            <a:off x="271956" y="228600"/>
+            <a:ext cx="6946325" cy="584775"/>
+          </a:xfrm>
+          <a:prstGeom prst="rect">
+            <a:avLst/>
+          </a:prstGeom>
+          <a:noFill/>
+        </p:spPr>
+        <p:txBody>
+          <a:bodyPr wrap="none" rtlCol="0">
+            <a:spAutoFit/>
+          </a:bodyPr>
+          <a:lstStyle/>
+          <a:p>
+            <a:r>
+              <a:rPr lang="en-US" sz="3200" dirty="0" smtClean="0"/>
+              <a:t>Gist Perception: Impossible Under Load?</a:t>
+            </a:r>
+            <a:endParaRPr lang="en-US" sz="3200" dirty="0"/>
+          </a:p>
+        </p:txBody>
+      </p:sp>
+      <p:pic>
+        <p:nvPicPr>
+          <p:cNvPr id="3" name="Picture 2" descr="ma14.jpg"/>
+          <p:cNvPicPr>
+            <a:picLocks noChangeAspect="1"/>
+          </p:cNvPicPr>
+          <p:nvPr/>
+        </p:nvPicPr>
+        <p:blipFill>
+          <a:blip r:embed="rId3">
+            <a:extLst>
+              <a:ext uri="{28A0092B-C50C-407E-A947-70E740481C1C}">
+                <a14:useLocalDpi xmlns:a14="http://schemas.microsoft.com/office/drawing/2010/main" val="0"/>
+              </a:ext>
+            </a:extLst>
+          </a:blip>
+          <a:stretch>
+            <a:fillRect/>
+          </a:stretch>
+        </p:blipFill>
+        <p:spPr>
+          <a:xfrm>
+            <a:off x="2590800" y="1600200"/>
+            <a:ext cx="4343400" cy="4343400"/>
+          </a:xfrm>
+          <a:prstGeom prst="rect">
+            <a:avLst/>
+          </a:prstGeom>
+        </p:spPr>
+      </p:pic>
+      <p:sp>
+        <p:nvSpPr>
+          <p:cNvPr id="4" name="TextBox 3"/>
+          <p:cNvSpPr txBox="1"/>
+          <p:nvPr/>
+        </p:nvSpPr>
+        <p:spPr>
+          <a:xfrm>
+            <a:off x="2819400" y="-762000"/>
+            <a:ext cx="3983783" cy="7971413"/>
+          </a:xfrm>
+          <a:prstGeom prst="rect">
+            <a:avLst/>
+          </a:prstGeom>
+          <a:noFill/>
+        </p:spPr>
+        <p:txBody>
+          <a:bodyPr wrap="none" rtlCol="0">
+            <a:spAutoFit/>
+          </a:bodyPr>
+          <a:lstStyle/>
+          <a:p>
+            <a:r>
+              <a:rPr lang="en-US" sz="51200" dirty="0" smtClean="0">
+                <a:solidFill>
+                  <a:schemeClr val="bg1">
+                    <a:lumMod val="50000"/>
+                  </a:schemeClr>
+                </a:solidFill>
+              </a:rPr>
+              <a:t>A</a:t>
+            </a:r>
+            <a:endParaRPr lang="en-US" sz="51200" dirty="0">
+              <a:solidFill>
+                <a:schemeClr val="bg1">
+                  <a:lumMod val="50000"/>
+                </a:schemeClr>
+              </a:solidFill>
+            </a:endParaRPr>
+          </a:p>
+        </p:txBody>
+      </p:sp>
+    </p:spTree>
+    <p:extLst>
+      <p:ext uri="{BB962C8B-B14F-4D97-AF65-F5344CB8AC3E}">
+        <p14:creationId xmlns:p14="http://schemas.microsoft.com/office/powerpoint/2010/main" val="2156698725"/>
+      </p:ext>
+    </p:extLst>
+  </p:cSld>
+  <p:clrMapOvr>
+    <a:masterClrMapping/>
+  </p:clrMapOvr>
+  <p:timing>
+    <p:tnLst>
+      <p:par>
+        <p:cTn xmlns:p14="http://schemas.microsoft.com/office/powerpoint/2010/main" id="1" dur="indefinite" restart="never" nodeType="tmRoot"/>
+      </p:par>
+    </p:tnLst>
+  </p:timing>
+</p:sld>
+</file>
+
+<file path=ppt/slides/slide6.xml><?xml version="1.0" encoding="utf-8"?>
 <p:sld xmlns:a="http://schemas.openxmlformats.org/drawingml/2006/main" xmlns:r="http://schemas.openxmlformats.org/officeDocument/2006/relationships" xmlns:p="http://schemas.openxmlformats.org/presentationml/2006/main">
   <p:cSld>
     <p:spTree>
@@ -4373,13 +8487,6 @@
               </a:rPr>
               <a:t>C</a:t>
             </a:r>
-            <a:endParaRPr lang="en-US" sz="75000" dirty="0">
-              <a:solidFill>
-                <a:schemeClr val="tx1">
-                  <a:alpha val="65000"/>
-                </a:schemeClr>
-              </a:solidFill>
-            </a:endParaRPr>
           </a:p>
         </p:txBody>
       </p:sp>
@@ -4415,13 +8522,6 @@
               </a:rPr>
               <a:t>K</a:t>
             </a:r>
-            <a:endParaRPr lang="en-US" sz="75000" dirty="0">
-              <a:solidFill>
-                <a:schemeClr val="tx1">
-                  <a:alpha val="65000"/>
-                </a:schemeClr>
-              </a:solidFill>
-            </a:endParaRPr>
           </a:p>
         </p:txBody>
       </p:sp>
@@ -4457,13 +8557,6 @@
               </a:rPr>
               <a:t>1</a:t>
             </a:r>
-            <a:endParaRPr lang="en-US" sz="75000" dirty="0">
-              <a:solidFill>
-                <a:schemeClr val="tx1">
-                  <a:alpha val="65000"/>
-                </a:schemeClr>
-              </a:solidFill>
-            </a:endParaRPr>
           </a:p>
         </p:txBody>
       </p:sp>
@@ -4499,13 +8592,6 @@
               </a:rPr>
               <a:t>3</a:t>
             </a:r>
-            <a:endParaRPr lang="en-US" sz="75000" dirty="0">
-              <a:solidFill>
-                <a:schemeClr val="tx1">
-                  <a:alpha val="65000"/>
-                </a:schemeClr>
-              </a:solidFill>
-            </a:endParaRPr>
           </a:p>
         </p:txBody>
       </p:sp>
@@ -4541,13 +8627,6 @@
               </a:rPr>
               <a:t>X</a:t>
             </a:r>
-            <a:endParaRPr lang="en-US" sz="75000" dirty="0">
-              <a:solidFill>
-                <a:schemeClr val="tx1">
-                  <a:alpha val="65000"/>
-                </a:schemeClr>
-              </a:solidFill>
-            </a:endParaRPr>
           </a:p>
         </p:txBody>
       </p:sp>
@@ -4583,13 +8662,6 @@
               </a:rPr>
               <a:t>Q</a:t>
             </a:r>
-            <a:endParaRPr lang="en-US" sz="75000" dirty="0">
-              <a:solidFill>
-                <a:schemeClr val="tx1">
-                  <a:alpha val="65000"/>
-                </a:schemeClr>
-              </a:solidFill>
-            </a:endParaRPr>
           </a:p>
         </p:txBody>
       </p:sp>
@@ -4667,13 +8739,6 @@
               </a:rPr>
               <a:t>N</a:t>
             </a:r>
-            <a:endParaRPr lang="en-US" sz="75000" dirty="0">
-              <a:solidFill>
-                <a:schemeClr val="tx1">
-                  <a:alpha val="65000"/>
-                </a:schemeClr>
-              </a:solidFill>
-            </a:endParaRPr>
           </a:p>
         </p:txBody>
       </p:sp>
@@ -4751,13 +8816,6 @@
               </a:rPr>
               <a:t>U</a:t>
             </a:r>
-            <a:endParaRPr lang="en-US" sz="75000" dirty="0">
-              <a:solidFill>
-                <a:schemeClr val="tx1">
-                  <a:alpha val="65000"/>
-                </a:schemeClr>
-              </a:solidFill>
-            </a:endParaRPr>
           </a:p>
         </p:txBody>
       </p:sp>
@@ -5828,7 +9886,7 @@
 </p:sld>
 </file>
 
-<file path=ppt/slides/slide3.xml><?xml version="1.0" encoding="utf-8"?>
+<file path=ppt/slides/slide7.xml><?xml version="1.0" encoding="utf-8"?>
 <p:sld xmlns:a="http://schemas.openxmlformats.org/drawingml/2006/main" xmlns:r="http://schemas.openxmlformats.org/officeDocument/2006/relationships" xmlns:p="http://schemas.openxmlformats.org/presentationml/2006/main">
   <p:cSld>
     <p:spTree>
@@ -5845,281 +9903,395 @@
           <a:chExt cx="0" cy="0"/>
         </a:xfrm>
       </p:grpSpPr>
+      <p:pic>
+        <p:nvPicPr>
+          <p:cNvPr id="29" name="Picture 28"/>
+          <p:cNvPicPr>
+            <a:picLocks noChangeAspect="1"/>
+          </p:cNvPicPr>
+          <p:nvPr/>
+        </p:nvPicPr>
+        <p:blipFill>
+          <a:blip r:embed="rId3"/>
+          <a:stretch>
+            <a:fillRect/>
+          </a:stretch>
+        </p:blipFill>
+        <p:spPr>
+          <a:xfrm>
+            <a:off x="215900" y="0"/>
+            <a:ext cx="8706579" cy="6858000"/>
+          </a:xfrm>
+          <a:prstGeom prst="rect">
+            <a:avLst/>
+          </a:prstGeom>
+        </p:spPr>
+      </p:pic>
+      <p:sp>
+        <p:nvSpPr>
+          <p:cNvPr id="10" name="TextBox 9"/>
+          <p:cNvSpPr txBox="1"/>
+          <p:nvPr/>
+        </p:nvSpPr>
+        <p:spPr>
+          <a:xfrm>
+            <a:off x="7086600" y="6324600"/>
+            <a:ext cx="2438400" cy="369332"/>
+          </a:xfrm>
+          <a:prstGeom prst="rect">
+            <a:avLst/>
+          </a:prstGeom>
+          <a:noFill/>
+        </p:spPr>
+        <p:txBody>
+          <a:bodyPr wrap="square" rtlCol="0">
+            <a:spAutoFit/>
+          </a:bodyPr>
+          <a:lstStyle/>
+          <a:p>
+            <a:r>
+              <a:rPr lang="en-US" dirty="0" smtClean="0"/>
+              <a:t>Cohen et al., 2011</a:t>
+            </a:r>
+            <a:endParaRPr lang="en-US" dirty="0"/>
+          </a:p>
+        </p:txBody>
+      </p:sp>
+      <p:sp>
+        <p:nvSpPr>
+          <p:cNvPr id="11" name="TextBox 10"/>
+          <p:cNvSpPr txBox="1"/>
+          <p:nvPr/>
+        </p:nvSpPr>
+        <p:spPr>
+          <a:xfrm>
+            <a:off x="271956" y="228600"/>
+            <a:ext cx="6946325" cy="584775"/>
+          </a:xfrm>
+          <a:prstGeom prst="rect">
+            <a:avLst/>
+          </a:prstGeom>
+          <a:noFill/>
+        </p:spPr>
+        <p:txBody>
+          <a:bodyPr wrap="none" rtlCol="0">
+            <a:spAutoFit/>
+          </a:bodyPr>
+          <a:lstStyle/>
+          <a:p>
+            <a:r>
+              <a:rPr lang="en-US" sz="3200" dirty="0" smtClean="0"/>
+              <a:t>Gist Perception: Impossible Under Load?</a:t>
+            </a:r>
+            <a:endParaRPr lang="en-US" sz="3200" dirty="0"/>
+          </a:p>
+        </p:txBody>
+      </p:sp>
       <p:grpSp>
         <p:nvGrpSpPr>
-          <p:cNvPr id="19" name="Group 18"/>
+          <p:cNvPr id="5" name="Group 4"/>
           <p:cNvGrpSpPr/>
           <p:nvPr/>
         </p:nvGrpSpPr>
         <p:grpSpPr>
           <a:xfrm>
-            <a:off x="1600200" y="-1371600"/>
-            <a:ext cx="7004050" cy="6290733"/>
-            <a:chOff x="990600" y="795867"/>
-            <a:chExt cx="7004050" cy="6290733"/>
+            <a:off x="7391400" y="228600"/>
+            <a:ext cx="1647104" cy="2203759"/>
+            <a:chOff x="762000" y="1677105"/>
+            <a:chExt cx="3498850" cy="4681322"/>
           </a:xfrm>
         </p:grpSpPr>
-        <p:pic>
-          <p:nvPicPr>
-            <p:cNvPr id="7172" name="Picture 4"/>
-            <p:cNvPicPr>
-              <a:picLocks noChangeAspect="1" noChangeArrowheads="1"/>
-            </p:cNvPicPr>
+        <p:sp>
+          <p:nvSpPr>
+            <p:cNvPr id="7" name="TextBox 6"/>
+            <p:cNvSpPr txBox="1"/>
             <p:nvPr/>
-          </p:nvPicPr>
-          <p:blipFill>
-            <a:blip r:embed="rId3">
-              <a:extLst>
-                <a:ext uri="{28A0092B-C50C-407E-A947-70E740481C1C}">
-                  <a14:useLocalDpi xmlns:a14="http://schemas.microsoft.com/office/drawing/2010/main" val="0"/>
-                </a:ext>
-              </a:extLst>
-            </a:blip>
-            <a:srcRect/>
-            <a:stretch>
-              <a:fillRect/>
-            </a:stretch>
-          </p:blipFill>
-          <p:spPr bwMode="auto">
+          </p:nvSpPr>
+          <p:spPr>
             <a:xfrm>
-              <a:off x="1143000" y="838200"/>
-              <a:ext cx="6851650" cy="5470234"/>
+              <a:off x="2133600" y="2514600"/>
+              <a:ext cx="152400" cy="369332"/>
             </a:xfrm>
             <a:prstGeom prst="rect">
               <a:avLst/>
             </a:prstGeom>
             <a:noFill/>
-            <a:ln>
-              <a:noFill/>
-            </a:ln>
-            <a:effectLst/>
-            <a:extLst>
-              <a:ext uri="{909E8E84-426E-40dd-AFC4-6F175D3DCCD1}">
-                <a14:hiddenFill xmlns:a14="http://schemas.microsoft.com/office/drawing/2010/main">
-                  <a:solidFill>
-                    <a:schemeClr val="accent1"/>
-                  </a:solidFill>
-                </a14:hiddenFill>
-              </a:ext>
-              <a:ext uri="{91240B29-F687-4f45-9708-019B960494DF}">
-                <a14:hiddenLine xmlns:a14="http://schemas.microsoft.com/office/drawing/2010/main" w="9525">
-                  <a:solidFill>
-                    <a:schemeClr val="tx1"/>
-                  </a:solidFill>
-                  <a:miter lim="800000"/>
-                  <a:headEnd/>
-                  <a:tailEnd/>
-                </a14:hiddenLine>
-              </a:ext>
-              <a:ext uri="{AF507438-7753-43e0-B8FC-AC1667EBCBE1}">
-                <a14:hiddenEffects xmlns:a14="http://schemas.microsoft.com/office/drawing/2010/main">
-                  <a:effectLst>
-                    <a:outerShdw dist="35921" dir="2700000" algn="ctr" rotWithShape="0">
-                      <a:schemeClr val="bg2"/>
-                    </a:outerShdw>
-                  </a:effectLst>
-                </a14:hiddenEffects>
-              </a:ext>
-            </a:extLst>
           </p:spPr>
-        </p:pic>
-        <p:sp>
-          <p:nvSpPr>
-            <p:cNvPr id="4" name="Rectangle 3"/>
-            <p:cNvSpPr/>
-            <p:nvPr/>
-          </p:nvSpPr>
-          <p:spPr>
-            <a:xfrm>
-              <a:off x="990600" y="838200"/>
-              <a:ext cx="3276600" cy="6248400"/>
-            </a:xfrm>
-            <a:prstGeom prst="rect">
-              <a:avLst/>
-            </a:prstGeom>
-            <a:ln>
-              <a:solidFill>
-                <a:srgbClr val="FFFFFF"/>
-              </a:solidFill>
-            </a:ln>
-          </p:spPr>
-          <p:style>
-            <a:lnRef idx="2">
-              <a:schemeClr val="accent6"/>
-            </a:lnRef>
-            <a:fillRef idx="1">
-              <a:schemeClr val="lt1"/>
-            </a:fillRef>
-            <a:effectRef idx="0">
-              <a:schemeClr val="accent6"/>
-            </a:effectRef>
-            <a:fontRef idx="minor">
-              <a:schemeClr val="dk1"/>
-            </a:fontRef>
-          </p:style>
           <p:txBody>
-            <a:bodyPr rtlCol="0" anchor="ctr"/>
+            <a:bodyPr wrap="square" rtlCol="0">
+              <a:spAutoFit/>
+            </a:bodyPr>
             <a:lstStyle/>
             <a:p>
-              <a:pPr algn="ctr"/>
-              <a:endParaRPr lang="en-US"/>
+              <a:endParaRPr lang="en-US" dirty="0"/>
             </a:p>
           </p:txBody>
         </p:sp>
+        <p:grpSp>
+          <p:nvGrpSpPr>
+            <p:cNvPr id="28" name="Group 27"/>
+            <p:cNvGrpSpPr/>
+            <p:nvPr/>
+          </p:nvGrpSpPr>
+          <p:grpSpPr>
+            <a:xfrm>
+              <a:off x="946150" y="1677105"/>
+              <a:ext cx="3314700" cy="3077633"/>
+              <a:chOff x="946150" y="1677105"/>
+              <a:chExt cx="3314700" cy="3077633"/>
+            </a:xfrm>
+          </p:grpSpPr>
+          <p:pic>
+            <p:nvPicPr>
+              <p:cNvPr id="6" name="Picture 5" descr="ma1.jpg"/>
+              <p:cNvPicPr>
+                <a:picLocks noChangeAspect="1"/>
+              </p:cNvPicPr>
+              <p:nvPr/>
+            </p:nvPicPr>
+            <p:blipFill>
+              <a:blip r:embed="rId4">
+                <a:extLst>
+                  <a:ext uri="{28A0092B-C50C-407E-A947-70E740481C1C}">
+                    <a14:useLocalDpi xmlns:a14="http://schemas.microsoft.com/office/drawing/2010/main" val="0"/>
+                  </a:ext>
+                </a:extLst>
+              </a:blip>
+              <a:stretch>
+                <a:fillRect/>
+              </a:stretch>
+            </p:blipFill>
+            <p:spPr>
+              <a:xfrm>
+                <a:off x="946150" y="1677105"/>
+                <a:ext cx="819150" cy="819150"/>
+              </a:xfrm>
+              <a:prstGeom prst="rect">
+                <a:avLst/>
+              </a:prstGeom>
+              <a:ln w="38100" cmpd="sng">
+                <a:solidFill>
+                  <a:schemeClr val="tx1"/>
+                </a:solidFill>
+              </a:ln>
+            </p:spPr>
+          </p:pic>
+          <p:pic>
+            <p:nvPicPr>
+              <p:cNvPr id="8" name="Picture 7" descr="ma9.jpg"/>
+              <p:cNvPicPr>
+                <a:picLocks noChangeAspect="1"/>
+              </p:cNvPicPr>
+              <p:nvPr/>
+            </p:nvPicPr>
+            <p:blipFill>
+              <a:blip r:embed="rId5">
+                <a:extLst>
+                  <a:ext uri="{28A0092B-C50C-407E-A947-70E740481C1C}">
+                    <a14:useLocalDpi xmlns:a14="http://schemas.microsoft.com/office/drawing/2010/main" val="0"/>
+                  </a:ext>
+                </a:extLst>
+              </a:blip>
+              <a:stretch>
+                <a:fillRect/>
+              </a:stretch>
+            </p:blipFill>
+            <p:spPr>
+              <a:xfrm>
+                <a:off x="1320800" y="2012244"/>
+                <a:ext cx="819150" cy="819150"/>
+              </a:xfrm>
+              <a:prstGeom prst="rect">
+                <a:avLst/>
+              </a:prstGeom>
+              <a:ln w="38100" cmpd="sng">
+                <a:solidFill>
+                  <a:schemeClr val="tx1"/>
+                </a:solidFill>
+              </a:ln>
+            </p:spPr>
+          </p:pic>
+          <p:pic>
+            <p:nvPicPr>
+              <p:cNvPr id="9" name="Picture 8" descr="ma14.jpg"/>
+              <p:cNvPicPr>
+                <a:picLocks noChangeAspect="1"/>
+              </p:cNvPicPr>
+              <p:nvPr/>
+            </p:nvPicPr>
+            <p:blipFill>
+              <a:blip r:embed="rId6">
+                <a:extLst>
+                  <a:ext uri="{28A0092B-C50C-407E-A947-70E740481C1C}">
+                    <a14:useLocalDpi xmlns:a14="http://schemas.microsoft.com/office/drawing/2010/main" val="0"/>
+                  </a:ext>
+                </a:extLst>
+              </a:blip>
+              <a:stretch>
+                <a:fillRect/>
+              </a:stretch>
+            </p:blipFill>
+            <p:spPr>
+              <a:xfrm>
+                <a:off x="1695450" y="2347383"/>
+                <a:ext cx="819150" cy="819150"/>
+              </a:xfrm>
+              <a:prstGeom prst="rect">
+                <a:avLst/>
+              </a:prstGeom>
+              <a:ln w="38100" cmpd="sng">
+                <a:solidFill>
+                  <a:schemeClr val="tx1"/>
+                </a:solidFill>
+              </a:ln>
+            </p:spPr>
+          </p:pic>
+          <p:pic>
+            <p:nvPicPr>
+              <p:cNvPr id="14" name="Picture 13" descr="ma136.jpg"/>
+              <p:cNvPicPr>
+                <a:picLocks noChangeAspect="1"/>
+              </p:cNvPicPr>
+              <p:nvPr/>
+            </p:nvPicPr>
+            <p:blipFill>
+              <a:blip r:embed="rId7">
+                <a:extLst>
+                  <a:ext uri="{28A0092B-C50C-407E-A947-70E740481C1C}">
+                    <a14:useLocalDpi xmlns:a14="http://schemas.microsoft.com/office/drawing/2010/main" val="0"/>
+                  </a:ext>
+                </a:extLst>
+              </a:blip>
+              <a:stretch>
+                <a:fillRect/>
+              </a:stretch>
+            </p:blipFill>
+            <p:spPr>
+              <a:xfrm>
+                <a:off x="2070100" y="2682522"/>
+                <a:ext cx="819150" cy="819150"/>
+              </a:xfrm>
+              <a:prstGeom prst="rect">
+                <a:avLst/>
+              </a:prstGeom>
+              <a:ln w="38100" cmpd="sng">
+                <a:solidFill>
+                  <a:schemeClr val="tx1"/>
+                </a:solidFill>
+              </a:ln>
+            </p:spPr>
+          </p:pic>
+          <p:pic>
+            <p:nvPicPr>
+              <p:cNvPr id="15" name="Picture 14" descr="ma164.jpg"/>
+              <p:cNvPicPr>
+                <a:picLocks noChangeAspect="1"/>
+              </p:cNvPicPr>
+              <p:nvPr/>
+            </p:nvPicPr>
+            <p:blipFill>
+              <a:blip r:embed="rId8">
+                <a:extLst>
+                  <a:ext uri="{28A0092B-C50C-407E-A947-70E740481C1C}">
+                    <a14:useLocalDpi xmlns:a14="http://schemas.microsoft.com/office/drawing/2010/main" val="0"/>
+                  </a:ext>
+                </a:extLst>
+              </a:blip>
+              <a:stretch>
+                <a:fillRect/>
+              </a:stretch>
+            </p:blipFill>
+            <p:spPr>
+              <a:xfrm>
+                <a:off x="2444750" y="3017661"/>
+                <a:ext cx="819150" cy="819150"/>
+              </a:xfrm>
+              <a:prstGeom prst="rect">
+                <a:avLst/>
+              </a:prstGeom>
+              <a:ln w="38100" cmpd="sng">
+                <a:solidFill>
+                  <a:schemeClr val="tx1"/>
+                </a:solidFill>
+              </a:ln>
+            </p:spPr>
+          </p:pic>
+          <p:pic>
+            <p:nvPicPr>
+              <p:cNvPr id="16" name="Picture 15" descr="a3.jpg"/>
+              <p:cNvPicPr>
+                <a:picLocks noChangeAspect="1"/>
+              </p:cNvPicPr>
+              <p:nvPr/>
+            </p:nvPicPr>
+            <p:blipFill>
+              <a:blip r:embed="rId9">
+                <a:extLst>
+                  <a:ext uri="{28A0092B-C50C-407E-A947-70E740481C1C}">
+                    <a14:useLocalDpi xmlns:a14="http://schemas.microsoft.com/office/drawing/2010/main" val="0"/>
+                  </a:ext>
+                </a:extLst>
+              </a:blip>
+              <a:stretch>
+                <a:fillRect/>
+              </a:stretch>
+            </p:blipFill>
+            <p:spPr>
+              <a:xfrm>
+                <a:off x="2819400" y="3352800"/>
+                <a:ext cx="1066800" cy="1066800"/>
+              </a:xfrm>
+              <a:prstGeom prst="rect">
+                <a:avLst/>
+              </a:prstGeom>
+            </p:spPr>
+          </p:pic>
+          <p:pic>
+            <p:nvPicPr>
+              <p:cNvPr id="17" name="Picture 16" descr="ma9.jpg"/>
+              <p:cNvPicPr>
+                <a:picLocks noChangeAspect="1"/>
+              </p:cNvPicPr>
+              <p:nvPr/>
+            </p:nvPicPr>
+            <p:blipFill>
+              <a:blip r:embed="rId5">
+                <a:extLst>
+                  <a:ext uri="{28A0092B-C50C-407E-A947-70E740481C1C}">
+                    <a14:useLocalDpi xmlns:a14="http://schemas.microsoft.com/office/drawing/2010/main" val="0"/>
+                  </a:ext>
+                </a:extLst>
+              </a:blip>
+              <a:stretch>
+                <a:fillRect/>
+              </a:stretch>
+            </p:blipFill>
+            <p:spPr>
+              <a:xfrm>
+                <a:off x="3441700" y="3935588"/>
+                <a:ext cx="819150" cy="819150"/>
+              </a:xfrm>
+              <a:prstGeom prst="rect">
+                <a:avLst/>
+              </a:prstGeom>
+              <a:ln w="38100" cmpd="sng">
+                <a:solidFill>
+                  <a:schemeClr val="tx1"/>
+                </a:solidFill>
+              </a:ln>
+            </p:spPr>
+          </p:pic>
+        </p:grpSp>
         <p:sp>
           <p:nvSpPr>
-            <p:cNvPr id="26" name="Rectangle 25"/>
-            <p:cNvSpPr/>
-            <p:nvPr/>
-          </p:nvSpPr>
-          <p:spPr>
-            <a:xfrm>
-              <a:off x="4038600" y="795867"/>
-              <a:ext cx="3657600" cy="2709333"/>
-            </a:xfrm>
-            <a:prstGeom prst="rect">
-              <a:avLst/>
-            </a:prstGeom>
-            <a:ln>
-              <a:solidFill>
-                <a:srgbClr val="FFFFFF"/>
-              </a:solidFill>
-            </a:ln>
-          </p:spPr>
-          <p:style>
-            <a:lnRef idx="2">
-              <a:schemeClr val="accent6"/>
-            </a:lnRef>
-            <a:fillRef idx="1">
-              <a:schemeClr val="lt1"/>
-            </a:fillRef>
-            <a:effectRef idx="0">
-              <a:schemeClr val="accent6"/>
-            </a:effectRef>
-            <a:fontRef idx="minor">
-              <a:schemeClr val="dk1"/>
-            </a:fontRef>
-          </p:style>
-          <p:txBody>
-            <a:bodyPr rtlCol="0" anchor="ctr"/>
-            <a:lstStyle/>
-            <a:p>
-              <a:pPr algn="ctr"/>
-              <a:endParaRPr lang="en-US"/>
-            </a:p>
-          </p:txBody>
-        </p:sp>
-      </p:grpSp>
-      <p:sp>
-        <p:nvSpPr>
-          <p:cNvPr id="7" name="TextBox 6"/>
-          <p:cNvSpPr txBox="1"/>
-          <p:nvPr/>
-        </p:nvSpPr>
-        <p:spPr>
-          <a:xfrm>
-            <a:off x="2133600" y="2514600"/>
-            <a:ext cx="152400" cy="369332"/>
-          </a:xfrm>
-          <a:prstGeom prst="rect">
-            <a:avLst/>
-          </a:prstGeom>
-          <a:noFill/>
-        </p:spPr>
-        <p:txBody>
-          <a:bodyPr wrap="square" rtlCol="0">
-            <a:spAutoFit/>
-          </a:bodyPr>
-          <a:lstStyle/>
-          <a:p>
-            <a:endParaRPr lang="en-US" dirty="0"/>
-          </a:p>
-        </p:txBody>
-      </p:sp>
-      <p:sp>
-        <p:nvSpPr>
-          <p:cNvPr id="10" name="TextBox 9"/>
-          <p:cNvSpPr txBox="1"/>
-          <p:nvPr/>
-        </p:nvSpPr>
-        <p:spPr>
-          <a:xfrm>
-            <a:off x="6934200" y="6324600"/>
-            <a:ext cx="2438400" cy="369332"/>
-          </a:xfrm>
-          <a:prstGeom prst="rect">
-            <a:avLst/>
-          </a:prstGeom>
-          <a:noFill/>
-        </p:spPr>
-        <p:txBody>
-          <a:bodyPr wrap="square" rtlCol="0">
-            <a:spAutoFit/>
-          </a:bodyPr>
-          <a:lstStyle/>
-          <a:p>
-            <a:r>
-              <a:rPr lang="en-US" dirty="0" smtClean="0"/>
-              <a:t>Cohen et al., 2011</a:t>
-            </a:r>
-            <a:endParaRPr lang="en-US" dirty="0"/>
-          </a:p>
-        </p:txBody>
-      </p:sp>
-      <p:sp>
-        <p:nvSpPr>
-          <p:cNvPr id="11" name="TextBox 10"/>
-          <p:cNvSpPr txBox="1"/>
-          <p:nvPr/>
-        </p:nvSpPr>
-        <p:spPr>
-          <a:xfrm>
-            <a:off x="271956" y="228600"/>
-            <a:ext cx="6946325" cy="584775"/>
-          </a:xfrm>
-          <a:prstGeom prst="rect">
-            <a:avLst/>
-          </a:prstGeom>
-          <a:noFill/>
-        </p:spPr>
-        <p:txBody>
-          <a:bodyPr wrap="none" rtlCol="0">
-            <a:spAutoFit/>
-          </a:bodyPr>
-          <a:lstStyle/>
-          <a:p>
-            <a:r>
-              <a:rPr lang="en-US" sz="3200" dirty="0" smtClean="0"/>
-              <a:t>Gist Perception: Impossible Under Load?</a:t>
-            </a:r>
-            <a:endParaRPr lang="en-US" sz="3200" dirty="0"/>
-          </a:p>
-        </p:txBody>
-      </p:sp>
-      <p:grpSp>
-        <p:nvGrpSpPr>
-          <p:cNvPr id="27" name="Group 26"/>
-          <p:cNvGrpSpPr/>
-          <p:nvPr/>
-        </p:nvGrpSpPr>
-        <p:grpSpPr>
-          <a:xfrm>
-            <a:off x="6096000" y="4724400"/>
-            <a:ext cx="1286965" cy="923330"/>
-            <a:chOff x="7772400" y="3111652"/>
-            <a:chExt cx="1286965" cy="923330"/>
-          </a:xfrm>
-        </p:grpSpPr>
-        <p:sp>
-          <p:nvSpPr>
-            <p:cNvPr id="2" name="TextBox 1"/>
+            <p:cNvPr id="18" name="TextBox 17"/>
             <p:cNvSpPr txBox="1"/>
             <p:nvPr/>
           </p:nvSpPr>
           <p:spPr>
             <a:xfrm>
-              <a:off x="7994650" y="3111652"/>
-              <a:ext cx="1064715" cy="923330"/>
+              <a:off x="1658161" y="3606800"/>
+              <a:ext cx="865141" cy="1176827"/>
             </a:xfrm>
             <a:prstGeom prst="rect">
               <a:avLst/>
@@ -6133,614 +10305,194 @@
             <a:lstStyle/>
             <a:p>
               <a:r>
-                <a:rPr lang="en-US" dirty="0" smtClean="0"/>
-                <a:t>Blind</a:t>
+                <a:rPr lang="en-US" sz="3000" dirty="0" smtClean="0"/>
+                <a:t>A</a:t>
               </a:r>
-            </a:p>
-            <a:p>
-              <a:r>
-                <a:rPr lang="en-US" dirty="0" smtClean="0"/>
-                <a:t>Classified</a:t>
-              </a:r>
-            </a:p>
-            <a:p>
-              <a:r>
-                <a:rPr lang="en-US" dirty="0" smtClean="0"/>
-                <a:t>Saw</a:t>
-              </a:r>
-              <a:endParaRPr lang="en-US" dirty="0"/>
+              <a:endParaRPr lang="en-US" sz="3000" dirty="0"/>
             </a:p>
           </p:txBody>
         </p:sp>
         <p:sp>
           <p:nvSpPr>
-            <p:cNvPr id="3" name="Rectangle 2"/>
-            <p:cNvSpPr/>
+            <p:cNvPr id="20" name="TextBox 19"/>
+            <p:cNvSpPr txBox="1"/>
             <p:nvPr/>
           </p:nvSpPr>
           <p:spPr>
             <a:xfrm>
-              <a:off x="7772400" y="3746536"/>
-              <a:ext cx="222250" cy="241148"/>
+              <a:off x="2100607" y="4000499"/>
+              <a:ext cx="865141" cy="1176827"/>
             </a:xfrm>
             <a:prstGeom prst="rect">
               <a:avLst/>
             </a:prstGeom>
+            <a:noFill/>
           </p:spPr>
-          <p:style>
-            <a:lnRef idx="2">
-              <a:schemeClr val="accent1">
-                <a:shade val="50000"/>
-              </a:schemeClr>
-            </a:lnRef>
-            <a:fillRef idx="1">
-              <a:schemeClr val="accent1"/>
-            </a:fillRef>
-            <a:effectRef idx="0">
-              <a:schemeClr val="accent1"/>
-            </a:effectRef>
-            <a:fontRef idx="minor">
-              <a:schemeClr val="lt1"/>
-            </a:fontRef>
-          </p:style>
           <p:txBody>
-            <a:bodyPr rtlCol="0" anchor="ctr"/>
+            <a:bodyPr wrap="none" rtlCol="0">
+              <a:spAutoFit/>
+            </a:bodyPr>
             <a:lstStyle/>
             <a:p>
-              <a:pPr algn="ctr"/>
-              <a:endParaRPr lang="en-US"/>
+              <a:r>
+                <a:rPr lang="en-US" sz="3000" dirty="0" smtClean="0"/>
+                <a:t>B</a:t>
+              </a:r>
+              <a:endParaRPr lang="en-US" sz="3000" dirty="0"/>
             </a:p>
           </p:txBody>
         </p:sp>
         <p:sp>
           <p:nvSpPr>
-            <p:cNvPr id="12" name="Rectangle 11"/>
-            <p:cNvSpPr/>
+            <p:cNvPr id="21" name="TextBox 20"/>
+            <p:cNvSpPr txBox="1"/>
             <p:nvPr/>
           </p:nvSpPr>
           <p:spPr>
             <a:xfrm>
-              <a:off x="7772400" y="3429000"/>
-              <a:ext cx="222250" cy="241148"/>
+              <a:off x="2543053" y="4394200"/>
+              <a:ext cx="907840" cy="1176827"/>
             </a:xfrm>
             <a:prstGeom prst="rect">
               <a:avLst/>
             </a:prstGeom>
-            <a:solidFill>
-              <a:srgbClr val="47BB7D"/>
-            </a:solidFill>
+            <a:noFill/>
           </p:spPr>
-          <p:style>
-            <a:lnRef idx="2">
-              <a:schemeClr val="accent3">
-                <a:shade val="50000"/>
-              </a:schemeClr>
-            </a:lnRef>
-            <a:fillRef idx="1">
-              <a:schemeClr val="accent3"/>
-            </a:fillRef>
-            <a:effectRef idx="0">
-              <a:schemeClr val="accent3"/>
-            </a:effectRef>
-            <a:fontRef idx="minor">
-              <a:schemeClr val="lt1"/>
-            </a:fontRef>
-          </p:style>
           <p:txBody>
-            <a:bodyPr rtlCol="0" anchor="ctr"/>
+            <a:bodyPr wrap="none" rtlCol="0">
+              <a:spAutoFit/>
+            </a:bodyPr>
             <a:lstStyle/>
             <a:p>
-              <a:pPr algn="ctr"/>
-              <a:endParaRPr lang="en-US"/>
+              <a:r>
+                <a:rPr lang="en-US" sz="3000" dirty="0"/>
+                <a:t>G</a:t>
+              </a:r>
+              <a:endParaRPr lang="en-US" sz="3000" dirty="0"/>
             </a:p>
           </p:txBody>
         </p:sp>
         <p:sp>
           <p:nvSpPr>
-            <p:cNvPr id="13" name="Rectangle 12"/>
-            <p:cNvSpPr/>
+            <p:cNvPr id="22" name="TextBox 21"/>
+            <p:cNvSpPr txBox="1"/>
             <p:nvPr/>
           </p:nvSpPr>
           <p:spPr>
             <a:xfrm>
-              <a:off x="7772400" y="3124200"/>
-              <a:ext cx="222250" cy="241148"/>
+              <a:off x="2956380" y="4787899"/>
+              <a:ext cx="806482" cy="1176827"/>
             </a:xfrm>
             <a:prstGeom prst="rect">
               <a:avLst/>
             </a:prstGeom>
+            <a:noFill/>
           </p:spPr>
-          <p:style>
-            <a:lnRef idx="2">
-              <a:schemeClr val="accent2">
-                <a:shade val="50000"/>
-              </a:schemeClr>
-            </a:lnRef>
-            <a:fillRef idx="1">
-              <a:schemeClr val="accent2"/>
-            </a:fillRef>
-            <a:effectRef idx="0">
-              <a:schemeClr val="accent2"/>
-            </a:effectRef>
-            <a:fontRef idx="minor">
-              <a:schemeClr val="lt1"/>
-            </a:fontRef>
-          </p:style>
           <p:txBody>
-            <a:bodyPr rtlCol="0" anchor="ctr"/>
+            <a:bodyPr wrap="none" rtlCol="0">
+              <a:spAutoFit/>
+            </a:bodyPr>
             <a:lstStyle/>
             <a:p>
-              <a:pPr algn="ctr"/>
-              <a:endParaRPr lang="en-US"/>
+              <a:r>
+                <a:rPr lang="en-US" sz="3000" dirty="0" smtClean="0"/>
+                <a:t>5</a:t>
+              </a:r>
+              <a:endParaRPr lang="en-US" sz="3000" dirty="0"/>
+            </a:p>
+          </p:txBody>
+        </p:sp>
+        <p:sp>
+          <p:nvSpPr>
+            <p:cNvPr id="23" name="TextBox 22"/>
+            <p:cNvSpPr txBox="1"/>
+            <p:nvPr/>
+          </p:nvSpPr>
+          <p:spPr>
+            <a:xfrm>
+              <a:off x="3352800" y="5181600"/>
+              <a:ext cx="806482" cy="1176827"/>
+            </a:xfrm>
+            <a:prstGeom prst="rect">
+              <a:avLst/>
+            </a:prstGeom>
+            <a:noFill/>
+          </p:spPr>
+          <p:txBody>
+            <a:bodyPr wrap="none" rtlCol="0">
+              <a:spAutoFit/>
+            </a:bodyPr>
+            <a:lstStyle/>
+            <a:p>
+              <a:r>
+                <a:rPr lang="en-US" sz="3000" dirty="0" smtClean="0"/>
+                <a:t>1</a:t>
+              </a:r>
+              <a:endParaRPr lang="en-US" sz="3000" dirty="0"/>
+            </a:p>
+          </p:txBody>
+        </p:sp>
+        <p:sp>
+          <p:nvSpPr>
+            <p:cNvPr id="24" name="TextBox 23"/>
+            <p:cNvSpPr txBox="1"/>
+            <p:nvPr/>
+          </p:nvSpPr>
+          <p:spPr>
+            <a:xfrm>
+              <a:off x="1182216" y="3213099"/>
+              <a:ext cx="907840" cy="1176827"/>
+            </a:xfrm>
+            <a:prstGeom prst="rect">
+              <a:avLst/>
+            </a:prstGeom>
+            <a:noFill/>
+          </p:spPr>
+          <p:txBody>
+            <a:bodyPr wrap="none" rtlCol="0">
+              <a:spAutoFit/>
+            </a:bodyPr>
+            <a:lstStyle/>
+            <a:p>
+              <a:r>
+                <a:rPr lang="en-US" sz="3000" dirty="0" smtClean="0"/>
+                <a:t>G</a:t>
+              </a:r>
+              <a:endParaRPr lang="en-US" sz="3000" dirty="0"/>
+            </a:p>
+          </p:txBody>
+        </p:sp>
+        <p:sp>
+          <p:nvSpPr>
+            <p:cNvPr id="25" name="TextBox 24"/>
+            <p:cNvSpPr txBox="1"/>
+            <p:nvPr/>
+          </p:nvSpPr>
+          <p:spPr>
+            <a:xfrm>
+              <a:off x="762000" y="2819400"/>
+              <a:ext cx="836810" cy="1176827"/>
+            </a:xfrm>
+            <a:prstGeom prst="rect">
+              <a:avLst/>
+            </a:prstGeom>
+            <a:noFill/>
+          </p:spPr>
+          <p:txBody>
+            <a:bodyPr wrap="none" rtlCol="0">
+              <a:spAutoFit/>
+            </a:bodyPr>
+            <a:lstStyle/>
+            <a:p>
+              <a:r>
+                <a:rPr lang="en-US" sz="3000" dirty="0" smtClean="0"/>
+                <a:t>B</a:t>
+              </a:r>
+              <a:endParaRPr lang="en-US" sz="3000" dirty="0"/>
             </a:p>
           </p:txBody>
         </p:sp>
       </p:grpSp>
-      <p:grpSp>
-        <p:nvGrpSpPr>
-          <p:cNvPr id="28" name="Group 27"/>
-          <p:cNvGrpSpPr/>
-          <p:nvPr/>
-        </p:nvGrpSpPr>
-        <p:grpSpPr>
-          <a:xfrm>
-            <a:off x="946150" y="1677105"/>
-            <a:ext cx="3314700" cy="3077633"/>
-            <a:chOff x="946150" y="1677105"/>
-            <a:chExt cx="3314700" cy="3077633"/>
-          </a:xfrm>
-        </p:grpSpPr>
-        <p:pic>
-          <p:nvPicPr>
-            <p:cNvPr id="6" name="Picture 5" descr="ma1.jpg"/>
-            <p:cNvPicPr>
-              <a:picLocks noChangeAspect="1"/>
-            </p:cNvPicPr>
-            <p:nvPr/>
-          </p:nvPicPr>
-          <p:blipFill>
-            <a:blip r:embed="rId4">
-              <a:extLst>
-                <a:ext uri="{28A0092B-C50C-407E-A947-70E740481C1C}">
-                  <a14:useLocalDpi xmlns:a14="http://schemas.microsoft.com/office/drawing/2010/main" val="0"/>
-                </a:ext>
-              </a:extLst>
-            </a:blip>
-            <a:stretch>
-              <a:fillRect/>
-            </a:stretch>
-          </p:blipFill>
-          <p:spPr>
-            <a:xfrm>
-              <a:off x="946150" y="1677105"/>
-              <a:ext cx="819150" cy="819150"/>
-            </a:xfrm>
-            <a:prstGeom prst="rect">
-              <a:avLst/>
-            </a:prstGeom>
-            <a:ln w="38100" cmpd="sng">
-              <a:solidFill>
-                <a:schemeClr val="tx1"/>
-              </a:solidFill>
-            </a:ln>
-          </p:spPr>
-        </p:pic>
-        <p:pic>
-          <p:nvPicPr>
-            <p:cNvPr id="8" name="Picture 7" descr="ma9.jpg"/>
-            <p:cNvPicPr>
-              <a:picLocks noChangeAspect="1"/>
-            </p:cNvPicPr>
-            <p:nvPr/>
-          </p:nvPicPr>
-          <p:blipFill>
-            <a:blip r:embed="rId5">
-              <a:extLst>
-                <a:ext uri="{28A0092B-C50C-407E-A947-70E740481C1C}">
-                  <a14:useLocalDpi xmlns:a14="http://schemas.microsoft.com/office/drawing/2010/main" val="0"/>
-                </a:ext>
-              </a:extLst>
-            </a:blip>
-            <a:stretch>
-              <a:fillRect/>
-            </a:stretch>
-          </p:blipFill>
-          <p:spPr>
-            <a:xfrm>
-              <a:off x="1320800" y="2012244"/>
-              <a:ext cx="819150" cy="819150"/>
-            </a:xfrm>
-            <a:prstGeom prst="rect">
-              <a:avLst/>
-            </a:prstGeom>
-            <a:ln w="38100" cmpd="sng">
-              <a:solidFill>
-                <a:schemeClr val="tx1"/>
-              </a:solidFill>
-            </a:ln>
-          </p:spPr>
-        </p:pic>
-        <p:pic>
-          <p:nvPicPr>
-            <p:cNvPr id="9" name="Picture 8" descr="ma14.jpg"/>
-            <p:cNvPicPr>
-              <a:picLocks noChangeAspect="1"/>
-            </p:cNvPicPr>
-            <p:nvPr/>
-          </p:nvPicPr>
-          <p:blipFill>
-            <a:blip r:embed="rId6">
-              <a:extLst>
-                <a:ext uri="{28A0092B-C50C-407E-A947-70E740481C1C}">
-                  <a14:useLocalDpi xmlns:a14="http://schemas.microsoft.com/office/drawing/2010/main" val="0"/>
-                </a:ext>
-              </a:extLst>
-            </a:blip>
-            <a:stretch>
-              <a:fillRect/>
-            </a:stretch>
-          </p:blipFill>
-          <p:spPr>
-            <a:xfrm>
-              <a:off x="1695450" y="2347383"/>
-              <a:ext cx="819150" cy="819150"/>
-            </a:xfrm>
-            <a:prstGeom prst="rect">
-              <a:avLst/>
-            </a:prstGeom>
-            <a:ln w="38100" cmpd="sng">
-              <a:solidFill>
-                <a:schemeClr val="tx1"/>
-              </a:solidFill>
-            </a:ln>
-          </p:spPr>
-        </p:pic>
-        <p:pic>
-          <p:nvPicPr>
-            <p:cNvPr id="14" name="Picture 13" descr="ma136.jpg"/>
-            <p:cNvPicPr>
-              <a:picLocks noChangeAspect="1"/>
-            </p:cNvPicPr>
-            <p:nvPr/>
-          </p:nvPicPr>
-          <p:blipFill>
-            <a:blip r:embed="rId7">
-              <a:extLst>
-                <a:ext uri="{28A0092B-C50C-407E-A947-70E740481C1C}">
-                  <a14:useLocalDpi xmlns:a14="http://schemas.microsoft.com/office/drawing/2010/main" val="0"/>
-                </a:ext>
-              </a:extLst>
-            </a:blip>
-            <a:stretch>
-              <a:fillRect/>
-            </a:stretch>
-          </p:blipFill>
-          <p:spPr>
-            <a:xfrm>
-              <a:off x="2070100" y="2682522"/>
-              <a:ext cx="819150" cy="819150"/>
-            </a:xfrm>
-            <a:prstGeom prst="rect">
-              <a:avLst/>
-            </a:prstGeom>
-            <a:ln w="38100" cmpd="sng">
-              <a:solidFill>
-                <a:schemeClr val="tx1"/>
-              </a:solidFill>
-            </a:ln>
-          </p:spPr>
-        </p:pic>
-        <p:pic>
-          <p:nvPicPr>
-            <p:cNvPr id="15" name="Picture 14" descr="ma164.jpg"/>
-            <p:cNvPicPr>
-              <a:picLocks noChangeAspect="1"/>
-            </p:cNvPicPr>
-            <p:nvPr/>
-          </p:nvPicPr>
-          <p:blipFill>
-            <a:blip r:embed="rId8">
-              <a:extLst>
-                <a:ext uri="{28A0092B-C50C-407E-A947-70E740481C1C}">
-                  <a14:useLocalDpi xmlns:a14="http://schemas.microsoft.com/office/drawing/2010/main" val="0"/>
-                </a:ext>
-              </a:extLst>
-            </a:blip>
-            <a:stretch>
-              <a:fillRect/>
-            </a:stretch>
-          </p:blipFill>
-          <p:spPr>
-            <a:xfrm>
-              <a:off x="2444750" y="3017661"/>
-              <a:ext cx="819150" cy="819150"/>
-            </a:xfrm>
-            <a:prstGeom prst="rect">
-              <a:avLst/>
-            </a:prstGeom>
-            <a:ln w="38100" cmpd="sng">
-              <a:solidFill>
-                <a:schemeClr val="tx1"/>
-              </a:solidFill>
-            </a:ln>
-          </p:spPr>
-        </p:pic>
-        <p:pic>
-          <p:nvPicPr>
-            <p:cNvPr id="16" name="Picture 15" descr="a3.jpg"/>
-            <p:cNvPicPr>
-              <a:picLocks noChangeAspect="1"/>
-            </p:cNvPicPr>
-            <p:nvPr/>
-          </p:nvPicPr>
-          <p:blipFill>
-            <a:blip r:embed="rId9">
-              <a:extLst>
-                <a:ext uri="{28A0092B-C50C-407E-A947-70E740481C1C}">
-                  <a14:useLocalDpi xmlns:a14="http://schemas.microsoft.com/office/drawing/2010/main" val="0"/>
-                </a:ext>
-              </a:extLst>
-            </a:blip>
-            <a:stretch>
-              <a:fillRect/>
-            </a:stretch>
-          </p:blipFill>
-          <p:spPr>
-            <a:xfrm>
-              <a:off x="2819400" y="3352800"/>
-              <a:ext cx="1066800" cy="1066800"/>
-            </a:xfrm>
-            <a:prstGeom prst="rect">
-              <a:avLst/>
-            </a:prstGeom>
-          </p:spPr>
-        </p:pic>
-        <p:pic>
-          <p:nvPicPr>
-            <p:cNvPr id="17" name="Picture 16" descr="ma9.jpg"/>
-            <p:cNvPicPr>
-              <a:picLocks noChangeAspect="1"/>
-            </p:cNvPicPr>
-            <p:nvPr/>
-          </p:nvPicPr>
-          <p:blipFill>
-            <a:blip r:embed="rId5">
-              <a:extLst>
-                <a:ext uri="{28A0092B-C50C-407E-A947-70E740481C1C}">
-                  <a14:useLocalDpi xmlns:a14="http://schemas.microsoft.com/office/drawing/2010/main" val="0"/>
-                </a:ext>
-              </a:extLst>
-            </a:blip>
-            <a:stretch>
-              <a:fillRect/>
-            </a:stretch>
-          </p:blipFill>
-          <p:spPr>
-            <a:xfrm>
-              <a:off x="3441700" y="3935588"/>
-              <a:ext cx="819150" cy="819150"/>
-            </a:xfrm>
-            <a:prstGeom prst="rect">
-              <a:avLst/>
-            </a:prstGeom>
-            <a:ln w="38100" cmpd="sng">
-              <a:solidFill>
-                <a:schemeClr val="tx1"/>
-              </a:solidFill>
-            </a:ln>
-          </p:spPr>
-        </p:pic>
-      </p:grpSp>
-      <p:sp>
-        <p:nvSpPr>
-          <p:cNvPr id="18" name="TextBox 17"/>
-          <p:cNvSpPr txBox="1"/>
-          <p:nvPr/>
-        </p:nvSpPr>
-        <p:spPr>
-          <a:xfrm>
-            <a:off x="1658162" y="3606800"/>
-            <a:ext cx="555673" cy="861774"/>
-          </a:xfrm>
-          <a:prstGeom prst="rect">
-            <a:avLst/>
-          </a:prstGeom>
-          <a:noFill/>
-        </p:spPr>
-        <p:txBody>
-          <a:bodyPr wrap="none" rtlCol="0">
-            <a:spAutoFit/>
-          </a:bodyPr>
-          <a:lstStyle/>
-          <a:p>
-            <a:r>
-              <a:rPr lang="en-US" sz="5000" dirty="0" smtClean="0"/>
-              <a:t>A</a:t>
-            </a:r>
-            <a:endParaRPr lang="en-US" sz="5000" dirty="0"/>
-          </a:p>
-        </p:txBody>
-      </p:sp>
-      <p:sp>
-        <p:nvSpPr>
-          <p:cNvPr id="20" name="TextBox 19"/>
-          <p:cNvSpPr txBox="1"/>
-          <p:nvPr/>
-        </p:nvSpPr>
-        <p:spPr>
-          <a:xfrm>
-            <a:off x="2100607" y="4000500"/>
-            <a:ext cx="555673" cy="861774"/>
-          </a:xfrm>
-          <a:prstGeom prst="rect">
-            <a:avLst/>
-          </a:prstGeom>
-          <a:noFill/>
-        </p:spPr>
-        <p:txBody>
-          <a:bodyPr wrap="none" rtlCol="0">
-            <a:spAutoFit/>
-          </a:bodyPr>
-          <a:lstStyle/>
-          <a:p>
-            <a:r>
-              <a:rPr lang="en-US" sz="5000" dirty="0" smtClean="0"/>
-              <a:t>A</a:t>
-            </a:r>
-            <a:endParaRPr lang="en-US" sz="5000" dirty="0"/>
-          </a:p>
-        </p:txBody>
-      </p:sp>
-      <p:sp>
-        <p:nvSpPr>
-          <p:cNvPr id="21" name="TextBox 20"/>
-          <p:cNvSpPr txBox="1"/>
-          <p:nvPr/>
-        </p:nvSpPr>
-        <p:spPr>
-          <a:xfrm>
-            <a:off x="2543052" y="4394200"/>
-            <a:ext cx="526556" cy="861774"/>
-          </a:xfrm>
-          <a:prstGeom prst="rect">
-            <a:avLst/>
-          </a:prstGeom>
-          <a:noFill/>
-        </p:spPr>
-        <p:txBody>
-          <a:bodyPr wrap="none" rtlCol="0">
-            <a:spAutoFit/>
-          </a:bodyPr>
-          <a:lstStyle/>
-          <a:p>
-            <a:r>
-              <a:rPr lang="en-US" sz="5000" dirty="0" smtClean="0"/>
-              <a:t>C</a:t>
-            </a:r>
-            <a:endParaRPr lang="en-US" sz="5000" dirty="0"/>
-          </a:p>
-        </p:txBody>
-      </p:sp>
-      <p:sp>
-        <p:nvSpPr>
-          <p:cNvPr id="22" name="TextBox 21"/>
-          <p:cNvSpPr txBox="1"/>
-          <p:nvPr/>
-        </p:nvSpPr>
-        <p:spPr>
-          <a:xfrm>
-            <a:off x="2956380" y="4787900"/>
-            <a:ext cx="509650" cy="861774"/>
-          </a:xfrm>
-          <a:prstGeom prst="rect">
-            <a:avLst/>
-          </a:prstGeom>
-          <a:noFill/>
-        </p:spPr>
-        <p:txBody>
-          <a:bodyPr wrap="none" rtlCol="0">
-            <a:spAutoFit/>
-          </a:bodyPr>
-          <a:lstStyle/>
-          <a:p>
-            <a:r>
-              <a:rPr lang="en-US" sz="5000" dirty="0" smtClean="0"/>
-              <a:t>5</a:t>
-            </a:r>
-            <a:endParaRPr lang="en-US" sz="5000" dirty="0"/>
-          </a:p>
-        </p:txBody>
-      </p:sp>
-      <p:sp>
-        <p:nvSpPr>
-          <p:cNvPr id="23" name="TextBox 22"/>
-          <p:cNvSpPr txBox="1"/>
-          <p:nvPr/>
-        </p:nvSpPr>
-        <p:spPr>
-          <a:xfrm>
-            <a:off x="3352800" y="5181600"/>
-            <a:ext cx="509650" cy="861774"/>
-          </a:xfrm>
-          <a:prstGeom prst="rect">
-            <a:avLst/>
-          </a:prstGeom>
-          <a:noFill/>
-        </p:spPr>
-        <p:txBody>
-          <a:bodyPr wrap="none" rtlCol="0">
-            <a:spAutoFit/>
-          </a:bodyPr>
-          <a:lstStyle/>
-          <a:p>
-            <a:r>
-              <a:rPr lang="en-US" sz="5000" dirty="0" smtClean="0"/>
-              <a:t>1</a:t>
-            </a:r>
-            <a:endParaRPr lang="en-US" sz="5000" dirty="0"/>
-          </a:p>
-        </p:txBody>
-      </p:sp>
-      <p:sp>
-        <p:nvSpPr>
-          <p:cNvPr id="24" name="TextBox 23"/>
-          <p:cNvSpPr txBox="1"/>
-          <p:nvPr/>
-        </p:nvSpPr>
-        <p:spPr>
-          <a:xfrm>
-            <a:off x="1182216" y="3213100"/>
-            <a:ext cx="589174" cy="861774"/>
-          </a:xfrm>
-          <a:prstGeom prst="rect">
-            <a:avLst/>
-          </a:prstGeom>
-          <a:noFill/>
-        </p:spPr>
-        <p:txBody>
-          <a:bodyPr wrap="none" rtlCol="0">
-            <a:spAutoFit/>
-          </a:bodyPr>
-          <a:lstStyle/>
-          <a:p>
-            <a:r>
-              <a:rPr lang="en-US" sz="5000" dirty="0" smtClean="0"/>
-              <a:t>G</a:t>
-            </a:r>
-            <a:endParaRPr lang="en-US" sz="5000" dirty="0"/>
-          </a:p>
-        </p:txBody>
-      </p:sp>
-      <p:sp>
-        <p:nvSpPr>
-          <p:cNvPr id="25" name="TextBox 24"/>
-          <p:cNvSpPr txBox="1"/>
-          <p:nvPr/>
-        </p:nvSpPr>
-        <p:spPr>
-          <a:xfrm>
-            <a:off x="762000" y="2819400"/>
-            <a:ext cx="533444" cy="861774"/>
-          </a:xfrm>
-          <a:prstGeom prst="rect">
-            <a:avLst/>
-          </a:prstGeom>
-          <a:noFill/>
-        </p:spPr>
-        <p:txBody>
-          <a:bodyPr wrap="none" rtlCol="0">
-            <a:spAutoFit/>
-          </a:bodyPr>
-          <a:lstStyle/>
-          <a:p>
-            <a:r>
-              <a:rPr lang="en-US" sz="5000" dirty="0" smtClean="0"/>
-              <a:t>B</a:t>
-            </a:r>
-            <a:endParaRPr lang="en-US" sz="5000" dirty="0"/>
-          </a:p>
-        </p:txBody>
-      </p:sp>
     </p:spTree>
     <p:extLst>
       <p:ext uri="{BB962C8B-B14F-4D97-AF65-F5344CB8AC3E}">
@@ -6761,7 +10513,7 @@
 </p:sld>
 </file>
 
-<file path=ppt/slides/slide4.xml><?xml version="1.0" encoding="utf-8"?>
+<file path=ppt/slides/slide8.xml><?xml version="1.0" encoding="utf-8"?>
 <p:sld xmlns:a="http://schemas.openxmlformats.org/drawingml/2006/main" xmlns:r="http://schemas.openxmlformats.org/officeDocument/2006/relationships" xmlns:p="http://schemas.openxmlformats.org/presentationml/2006/main">
   <p:cSld>
     <p:spTree>
@@ -6778,16 +10530,40 @@
           <a:chExt cx="0" cy="0"/>
         </a:xfrm>
       </p:grpSpPr>
-      <p:sp>
-        <p:nvSpPr>
-          <p:cNvPr id="11" name="TextBox 10"/>
+      <p:pic>
+        <p:nvPicPr>
+          <p:cNvPr id="2" name="Picture 1"/>
+          <p:cNvPicPr>
+            <a:picLocks noChangeAspect="1"/>
+          </p:cNvPicPr>
+          <p:nvPr/>
+        </p:nvPicPr>
+        <p:blipFill>
+          <a:blip r:embed="rId3"/>
+          <a:stretch>
+            <a:fillRect/>
+          </a:stretch>
+        </p:blipFill>
+        <p:spPr>
+          <a:xfrm>
+            <a:off x="215900" y="0"/>
+            <a:ext cx="8706579" cy="6858000"/>
+          </a:xfrm>
+          <a:prstGeom prst="rect">
+            <a:avLst/>
+          </a:prstGeom>
+        </p:spPr>
+      </p:pic>
+      <p:sp>
+        <p:nvSpPr>
+          <p:cNvPr id="10" name="TextBox 9"/>
           <p:cNvSpPr txBox="1"/>
           <p:nvPr/>
         </p:nvSpPr>
         <p:spPr>
           <a:xfrm>
-            <a:off x="271956" y="228600"/>
-            <a:ext cx="6946325" cy="584775"/>
+            <a:off x="7086600" y="6324600"/>
+            <a:ext cx="2438400" cy="369332"/>
           </a:xfrm>
           <a:prstGeom prst="rect">
             <a:avLst/>
@@ -6795,6 +10571,36 @@
           <a:noFill/>
         </p:spPr>
         <p:txBody>
+          <a:bodyPr wrap="square" rtlCol="0">
+            <a:spAutoFit/>
+          </a:bodyPr>
+          <a:lstStyle/>
+          <a:p>
+            <a:r>
+              <a:rPr lang="en-US" dirty="0" smtClean="0"/>
+              <a:t>Cohen et al., 2011</a:t>
+            </a:r>
+            <a:endParaRPr lang="en-US" dirty="0"/>
+          </a:p>
+        </p:txBody>
+      </p:sp>
+      <p:sp>
+        <p:nvSpPr>
+          <p:cNvPr id="11" name="TextBox 10"/>
+          <p:cNvSpPr txBox="1"/>
+          <p:nvPr/>
+        </p:nvSpPr>
+        <p:spPr>
+          <a:xfrm>
+            <a:off x="271956" y="228600"/>
+            <a:ext cx="6946325" cy="584775"/>
+          </a:xfrm>
+          <a:prstGeom prst="rect">
+            <a:avLst/>
+          </a:prstGeom>
+          <a:noFill/>
+        </p:spPr>
+        <p:txBody>
           <a:bodyPr wrap="none" rtlCol="0">
             <a:spAutoFit/>
           </a:bodyPr>
@@ -6808,228 +10614,583 @@
           </a:p>
         </p:txBody>
       </p:sp>
-      <p:sp>
-        <p:nvSpPr>
-          <p:cNvPr id="5" name="Rectangle 4"/>
-          <p:cNvSpPr/>
+      <p:grpSp>
+        <p:nvGrpSpPr>
+          <p:cNvPr id="5" name="Group 4"/>
+          <p:cNvGrpSpPr/>
           <p:nvPr/>
-        </p:nvSpPr>
+        </p:nvGrpSpPr>
+        <p:grpSpPr>
+          <a:xfrm>
+            <a:off x="7391400" y="228600"/>
+            <a:ext cx="1647104" cy="2203759"/>
+            <a:chOff x="762000" y="1677105"/>
+            <a:chExt cx="3498850" cy="4681322"/>
+          </a:xfrm>
+        </p:grpSpPr>
+        <p:sp>
+          <p:nvSpPr>
+            <p:cNvPr id="7" name="TextBox 6"/>
+            <p:cNvSpPr txBox="1"/>
+            <p:nvPr/>
+          </p:nvSpPr>
+          <p:spPr>
+            <a:xfrm>
+              <a:off x="2133600" y="2514600"/>
+              <a:ext cx="152400" cy="369332"/>
+            </a:xfrm>
+            <a:prstGeom prst="rect">
+              <a:avLst/>
+            </a:prstGeom>
+            <a:noFill/>
+          </p:spPr>
+          <p:txBody>
+            <a:bodyPr wrap="square" rtlCol="0">
+              <a:spAutoFit/>
+            </a:bodyPr>
+            <a:lstStyle/>
+            <a:p>
+              <a:endParaRPr lang="en-US" dirty="0"/>
+            </a:p>
+          </p:txBody>
+        </p:sp>
+        <p:grpSp>
+          <p:nvGrpSpPr>
+            <p:cNvPr id="28" name="Group 27"/>
+            <p:cNvGrpSpPr/>
+            <p:nvPr/>
+          </p:nvGrpSpPr>
+          <p:grpSpPr>
+            <a:xfrm>
+              <a:off x="946150" y="1677105"/>
+              <a:ext cx="3314700" cy="3077633"/>
+              <a:chOff x="946150" y="1677105"/>
+              <a:chExt cx="3314700" cy="3077633"/>
+            </a:xfrm>
+          </p:grpSpPr>
+          <p:pic>
+            <p:nvPicPr>
+              <p:cNvPr id="6" name="Picture 5" descr="ma1.jpg"/>
+              <p:cNvPicPr>
+                <a:picLocks noChangeAspect="1"/>
+              </p:cNvPicPr>
+              <p:nvPr/>
+            </p:nvPicPr>
+            <p:blipFill>
+              <a:blip r:embed="rId4">
+                <a:extLst>
+                  <a:ext uri="{28A0092B-C50C-407E-A947-70E740481C1C}">
+                    <a14:useLocalDpi xmlns:a14="http://schemas.microsoft.com/office/drawing/2010/main" val="0"/>
+                  </a:ext>
+                </a:extLst>
+              </a:blip>
+              <a:stretch>
+                <a:fillRect/>
+              </a:stretch>
+            </p:blipFill>
+            <p:spPr>
+              <a:xfrm>
+                <a:off x="946150" y="1677105"/>
+                <a:ext cx="819150" cy="819150"/>
+              </a:xfrm>
+              <a:prstGeom prst="rect">
+                <a:avLst/>
+              </a:prstGeom>
+              <a:ln w="38100" cmpd="sng">
+                <a:solidFill>
+                  <a:schemeClr val="tx1"/>
+                </a:solidFill>
+              </a:ln>
+            </p:spPr>
+          </p:pic>
+          <p:pic>
+            <p:nvPicPr>
+              <p:cNvPr id="8" name="Picture 7" descr="ma9.jpg"/>
+              <p:cNvPicPr>
+                <a:picLocks noChangeAspect="1"/>
+              </p:cNvPicPr>
+              <p:nvPr/>
+            </p:nvPicPr>
+            <p:blipFill>
+              <a:blip r:embed="rId5">
+                <a:extLst>
+                  <a:ext uri="{28A0092B-C50C-407E-A947-70E740481C1C}">
+                    <a14:useLocalDpi xmlns:a14="http://schemas.microsoft.com/office/drawing/2010/main" val="0"/>
+                  </a:ext>
+                </a:extLst>
+              </a:blip>
+              <a:stretch>
+                <a:fillRect/>
+              </a:stretch>
+            </p:blipFill>
+            <p:spPr>
+              <a:xfrm>
+                <a:off x="1320800" y="2012244"/>
+                <a:ext cx="819150" cy="819150"/>
+              </a:xfrm>
+              <a:prstGeom prst="rect">
+                <a:avLst/>
+              </a:prstGeom>
+              <a:ln w="38100" cmpd="sng">
+                <a:solidFill>
+                  <a:schemeClr val="tx1"/>
+                </a:solidFill>
+              </a:ln>
+            </p:spPr>
+          </p:pic>
+          <p:pic>
+            <p:nvPicPr>
+              <p:cNvPr id="9" name="Picture 8" descr="ma14.jpg"/>
+              <p:cNvPicPr>
+                <a:picLocks noChangeAspect="1"/>
+              </p:cNvPicPr>
+              <p:nvPr/>
+            </p:nvPicPr>
+            <p:blipFill>
+              <a:blip r:embed="rId6">
+                <a:extLst>
+                  <a:ext uri="{28A0092B-C50C-407E-A947-70E740481C1C}">
+                    <a14:useLocalDpi xmlns:a14="http://schemas.microsoft.com/office/drawing/2010/main" val="0"/>
+                  </a:ext>
+                </a:extLst>
+              </a:blip>
+              <a:stretch>
+                <a:fillRect/>
+              </a:stretch>
+            </p:blipFill>
+            <p:spPr>
+              <a:xfrm>
+                <a:off x="1695450" y="2347383"/>
+                <a:ext cx="819150" cy="819150"/>
+              </a:xfrm>
+              <a:prstGeom prst="rect">
+                <a:avLst/>
+              </a:prstGeom>
+              <a:ln w="38100" cmpd="sng">
+                <a:solidFill>
+                  <a:schemeClr val="tx1"/>
+                </a:solidFill>
+              </a:ln>
+            </p:spPr>
+          </p:pic>
+          <p:pic>
+            <p:nvPicPr>
+              <p:cNvPr id="14" name="Picture 13" descr="ma136.jpg"/>
+              <p:cNvPicPr>
+                <a:picLocks noChangeAspect="1"/>
+              </p:cNvPicPr>
+              <p:nvPr/>
+            </p:nvPicPr>
+            <p:blipFill>
+              <a:blip r:embed="rId7">
+                <a:extLst>
+                  <a:ext uri="{28A0092B-C50C-407E-A947-70E740481C1C}">
+                    <a14:useLocalDpi xmlns:a14="http://schemas.microsoft.com/office/drawing/2010/main" val="0"/>
+                  </a:ext>
+                </a:extLst>
+              </a:blip>
+              <a:stretch>
+                <a:fillRect/>
+              </a:stretch>
+            </p:blipFill>
+            <p:spPr>
+              <a:xfrm>
+                <a:off x="2070100" y="2682522"/>
+                <a:ext cx="819150" cy="819150"/>
+              </a:xfrm>
+              <a:prstGeom prst="rect">
+                <a:avLst/>
+              </a:prstGeom>
+              <a:ln w="38100" cmpd="sng">
+                <a:solidFill>
+                  <a:schemeClr val="tx1"/>
+                </a:solidFill>
+              </a:ln>
+            </p:spPr>
+          </p:pic>
+          <p:pic>
+            <p:nvPicPr>
+              <p:cNvPr id="15" name="Picture 14" descr="ma164.jpg"/>
+              <p:cNvPicPr>
+                <a:picLocks noChangeAspect="1"/>
+              </p:cNvPicPr>
+              <p:nvPr/>
+            </p:nvPicPr>
+            <p:blipFill>
+              <a:blip r:embed="rId8">
+                <a:extLst>
+                  <a:ext uri="{28A0092B-C50C-407E-A947-70E740481C1C}">
+                    <a14:useLocalDpi xmlns:a14="http://schemas.microsoft.com/office/drawing/2010/main" val="0"/>
+                  </a:ext>
+                </a:extLst>
+              </a:blip>
+              <a:stretch>
+                <a:fillRect/>
+              </a:stretch>
+            </p:blipFill>
+            <p:spPr>
+              <a:xfrm>
+                <a:off x="2444750" y="3017661"/>
+                <a:ext cx="819150" cy="819150"/>
+              </a:xfrm>
+              <a:prstGeom prst="rect">
+                <a:avLst/>
+              </a:prstGeom>
+              <a:ln w="38100" cmpd="sng">
+                <a:solidFill>
+                  <a:schemeClr val="tx1"/>
+                </a:solidFill>
+              </a:ln>
+            </p:spPr>
+          </p:pic>
+          <p:pic>
+            <p:nvPicPr>
+              <p:cNvPr id="16" name="Picture 15" descr="a3.jpg"/>
+              <p:cNvPicPr>
+                <a:picLocks noChangeAspect="1"/>
+              </p:cNvPicPr>
+              <p:nvPr/>
+            </p:nvPicPr>
+            <p:blipFill>
+              <a:blip r:embed="rId9">
+                <a:extLst>
+                  <a:ext uri="{28A0092B-C50C-407E-A947-70E740481C1C}">
+                    <a14:useLocalDpi xmlns:a14="http://schemas.microsoft.com/office/drawing/2010/main" val="0"/>
+                  </a:ext>
+                </a:extLst>
+              </a:blip>
+              <a:stretch>
+                <a:fillRect/>
+              </a:stretch>
+            </p:blipFill>
+            <p:spPr>
+              <a:xfrm>
+                <a:off x="2819400" y="3352800"/>
+                <a:ext cx="1066800" cy="1066800"/>
+              </a:xfrm>
+              <a:prstGeom prst="rect">
+                <a:avLst/>
+              </a:prstGeom>
+            </p:spPr>
+          </p:pic>
+          <p:pic>
+            <p:nvPicPr>
+              <p:cNvPr id="17" name="Picture 16" descr="ma9.jpg"/>
+              <p:cNvPicPr>
+                <a:picLocks noChangeAspect="1"/>
+              </p:cNvPicPr>
+              <p:nvPr/>
+            </p:nvPicPr>
+            <p:blipFill>
+              <a:blip r:embed="rId5">
+                <a:extLst>
+                  <a:ext uri="{28A0092B-C50C-407E-A947-70E740481C1C}">
+                    <a14:useLocalDpi xmlns:a14="http://schemas.microsoft.com/office/drawing/2010/main" val="0"/>
+                  </a:ext>
+                </a:extLst>
+              </a:blip>
+              <a:stretch>
+                <a:fillRect/>
+              </a:stretch>
+            </p:blipFill>
+            <p:spPr>
+              <a:xfrm>
+                <a:off x="3441700" y="3935588"/>
+                <a:ext cx="819150" cy="819150"/>
+              </a:xfrm>
+              <a:prstGeom prst="rect">
+                <a:avLst/>
+              </a:prstGeom>
+              <a:ln w="38100" cmpd="sng">
+                <a:solidFill>
+                  <a:schemeClr val="tx1"/>
+                </a:solidFill>
+              </a:ln>
+            </p:spPr>
+          </p:pic>
+        </p:grpSp>
+        <p:sp>
+          <p:nvSpPr>
+            <p:cNvPr id="18" name="TextBox 17"/>
+            <p:cNvSpPr txBox="1"/>
+            <p:nvPr/>
+          </p:nvSpPr>
+          <p:spPr>
+            <a:xfrm>
+              <a:off x="1658161" y="3606800"/>
+              <a:ext cx="865141" cy="1176827"/>
+            </a:xfrm>
+            <a:prstGeom prst="rect">
+              <a:avLst/>
+            </a:prstGeom>
+            <a:noFill/>
+          </p:spPr>
+          <p:txBody>
+            <a:bodyPr wrap="none" rtlCol="0">
+              <a:spAutoFit/>
+            </a:bodyPr>
+            <a:lstStyle/>
+            <a:p>
+              <a:r>
+                <a:rPr lang="en-US" sz="3000" dirty="0" smtClean="0"/>
+                <a:t>A</a:t>
+              </a:r>
+              <a:endParaRPr lang="en-US" sz="3000" dirty="0"/>
+            </a:p>
+          </p:txBody>
+        </p:sp>
+        <p:sp>
+          <p:nvSpPr>
+            <p:cNvPr id="20" name="TextBox 19"/>
+            <p:cNvSpPr txBox="1"/>
+            <p:nvPr/>
+          </p:nvSpPr>
+          <p:spPr>
+            <a:xfrm>
+              <a:off x="2100607" y="4000499"/>
+              <a:ext cx="865141" cy="1176827"/>
+            </a:xfrm>
+            <a:prstGeom prst="rect">
+              <a:avLst/>
+            </a:prstGeom>
+            <a:noFill/>
+          </p:spPr>
+          <p:txBody>
+            <a:bodyPr wrap="none" rtlCol="0">
+              <a:spAutoFit/>
+            </a:bodyPr>
+            <a:lstStyle/>
+            <a:p>
+              <a:r>
+                <a:rPr lang="en-US" sz="3000" dirty="0" smtClean="0"/>
+                <a:t>B</a:t>
+              </a:r>
+              <a:endParaRPr lang="en-US" sz="3000" dirty="0"/>
+            </a:p>
+          </p:txBody>
+        </p:sp>
+        <p:sp>
+          <p:nvSpPr>
+            <p:cNvPr id="21" name="TextBox 20"/>
+            <p:cNvSpPr txBox="1"/>
+            <p:nvPr/>
+          </p:nvSpPr>
+          <p:spPr>
+            <a:xfrm>
+              <a:off x="2543053" y="4394200"/>
+              <a:ext cx="907840" cy="1176827"/>
+            </a:xfrm>
+            <a:prstGeom prst="rect">
+              <a:avLst/>
+            </a:prstGeom>
+            <a:noFill/>
+          </p:spPr>
+          <p:txBody>
+            <a:bodyPr wrap="none" rtlCol="0">
+              <a:spAutoFit/>
+            </a:bodyPr>
+            <a:lstStyle/>
+            <a:p>
+              <a:r>
+                <a:rPr lang="en-US" sz="3000" dirty="0"/>
+                <a:t>G</a:t>
+              </a:r>
+              <a:endParaRPr lang="en-US" sz="3000" dirty="0"/>
+            </a:p>
+          </p:txBody>
+        </p:sp>
+        <p:sp>
+          <p:nvSpPr>
+            <p:cNvPr id="22" name="TextBox 21"/>
+            <p:cNvSpPr txBox="1"/>
+            <p:nvPr/>
+          </p:nvSpPr>
+          <p:spPr>
+            <a:xfrm>
+              <a:off x="2956380" y="4787899"/>
+              <a:ext cx="806482" cy="1176827"/>
+            </a:xfrm>
+            <a:prstGeom prst="rect">
+              <a:avLst/>
+            </a:prstGeom>
+            <a:noFill/>
+          </p:spPr>
+          <p:txBody>
+            <a:bodyPr wrap="none" rtlCol="0">
+              <a:spAutoFit/>
+            </a:bodyPr>
+            <a:lstStyle/>
+            <a:p>
+              <a:r>
+                <a:rPr lang="en-US" sz="3000" dirty="0" smtClean="0"/>
+                <a:t>5</a:t>
+              </a:r>
+              <a:endParaRPr lang="en-US" sz="3000" dirty="0"/>
+            </a:p>
+          </p:txBody>
+        </p:sp>
+        <p:sp>
+          <p:nvSpPr>
+            <p:cNvPr id="23" name="TextBox 22"/>
+            <p:cNvSpPr txBox="1"/>
+            <p:nvPr/>
+          </p:nvSpPr>
+          <p:spPr>
+            <a:xfrm>
+              <a:off x="3352800" y="5181600"/>
+              <a:ext cx="806482" cy="1176827"/>
+            </a:xfrm>
+            <a:prstGeom prst="rect">
+              <a:avLst/>
+            </a:prstGeom>
+            <a:noFill/>
+          </p:spPr>
+          <p:txBody>
+            <a:bodyPr wrap="none" rtlCol="0">
+              <a:spAutoFit/>
+            </a:bodyPr>
+            <a:lstStyle/>
+            <a:p>
+              <a:r>
+                <a:rPr lang="en-US" sz="3000" dirty="0" smtClean="0"/>
+                <a:t>1</a:t>
+              </a:r>
+              <a:endParaRPr lang="en-US" sz="3000" dirty="0"/>
+            </a:p>
+          </p:txBody>
+        </p:sp>
+        <p:sp>
+          <p:nvSpPr>
+            <p:cNvPr id="24" name="TextBox 23"/>
+            <p:cNvSpPr txBox="1"/>
+            <p:nvPr/>
+          </p:nvSpPr>
+          <p:spPr>
+            <a:xfrm>
+              <a:off x="1182216" y="3213099"/>
+              <a:ext cx="907840" cy="1176827"/>
+            </a:xfrm>
+            <a:prstGeom prst="rect">
+              <a:avLst/>
+            </a:prstGeom>
+            <a:noFill/>
+          </p:spPr>
+          <p:txBody>
+            <a:bodyPr wrap="none" rtlCol="0">
+              <a:spAutoFit/>
+            </a:bodyPr>
+            <a:lstStyle/>
+            <a:p>
+              <a:r>
+                <a:rPr lang="en-US" sz="3000" dirty="0" smtClean="0"/>
+                <a:t>G</a:t>
+              </a:r>
+              <a:endParaRPr lang="en-US" sz="3000" dirty="0"/>
+            </a:p>
+          </p:txBody>
+        </p:sp>
+        <p:sp>
+          <p:nvSpPr>
+            <p:cNvPr id="25" name="TextBox 24"/>
+            <p:cNvSpPr txBox="1"/>
+            <p:nvPr/>
+          </p:nvSpPr>
+          <p:spPr>
+            <a:xfrm>
+              <a:off x="762000" y="2819400"/>
+              <a:ext cx="836810" cy="1176827"/>
+            </a:xfrm>
+            <a:prstGeom prst="rect">
+              <a:avLst/>
+            </a:prstGeom>
+            <a:noFill/>
+          </p:spPr>
+          <p:txBody>
+            <a:bodyPr wrap="none" rtlCol="0">
+              <a:spAutoFit/>
+            </a:bodyPr>
+            <a:lstStyle/>
+            <a:p>
+              <a:r>
+                <a:rPr lang="en-US" sz="3000" dirty="0" smtClean="0"/>
+                <a:t>B</a:t>
+              </a:r>
+              <a:endParaRPr lang="en-US" sz="3000" dirty="0"/>
+            </a:p>
+          </p:txBody>
+        </p:sp>
+      </p:grpSp>
+    </p:spTree>
+    <p:extLst>
+      <p:ext uri="{BB962C8B-B14F-4D97-AF65-F5344CB8AC3E}">
+        <p14:creationId xmlns:p14="http://schemas.microsoft.com/office/powerpoint/2010/main" val="2131962937"/>
+      </p:ext>
+    </p:extLst>
+  </p:cSld>
+  <p:clrMapOvr>
+    <a:masterClrMapping/>
+  </p:clrMapOvr>
+  <p:timing>
+    <p:tnLst>
+      <p:par>
+        <p:cTn xmlns:p14="http://schemas.microsoft.com/office/powerpoint/2010/main" id="1" dur="indefinite" restart="never" nodeType="tmRoot"/>
+      </p:par>
+    </p:tnLst>
+  </p:timing>
+</p:sld>
+</file>
+
+<file path=ppt/slides/slide9.xml><?xml version="1.0" encoding="utf-8"?>
+<p:sld xmlns:a="http://schemas.openxmlformats.org/drawingml/2006/main" xmlns:r="http://schemas.openxmlformats.org/officeDocument/2006/relationships" xmlns:p="http://schemas.openxmlformats.org/presentationml/2006/main">
+  <p:cSld>
+    <p:spTree>
+      <p:nvGrpSpPr>
+        <p:cNvPr id="1" name=""/>
+        <p:cNvGrpSpPr/>
+        <p:nvPr/>
+      </p:nvGrpSpPr>
+      <p:grpSpPr>
+        <a:xfrm>
+          <a:off x="0" y="0"/>
+          <a:ext cx="0" cy="0"/>
+          <a:chOff x="0" y="0"/>
+          <a:chExt cx="0" cy="0"/>
+        </a:xfrm>
+      </p:grpSpPr>
+      <p:pic>
+        <p:nvPicPr>
+          <p:cNvPr id="3" name="Picture 2"/>
+          <p:cNvPicPr>
+            <a:picLocks noChangeAspect="1"/>
+          </p:cNvPicPr>
+          <p:nvPr/>
+        </p:nvPicPr>
+        <p:blipFill>
+          <a:blip r:embed="rId3"/>
+          <a:stretch>
+            <a:fillRect/>
+          </a:stretch>
+        </p:blipFill>
         <p:spPr>
           <a:xfrm>
-            <a:off x="1447800" y="2602468"/>
-            <a:ext cx="1447800" cy="1143000"/>
+            <a:off x="215900" y="0"/>
+            <a:ext cx="8706579" cy="6858000"/>
           </a:xfrm>
           <a:prstGeom prst="rect">
             <a:avLst/>
           </a:prstGeom>
         </p:spPr>
-        <p:style>
-          <a:lnRef idx="2">
-            <a:schemeClr val="accent5">
-              <a:shade val="50000"/>
-            </a:schemeClr>
-          </a:lnRef>
-          <a:fillRef idx="1">
-            <a:schemeClr val="accent5"/>
-          </a:fillRef>
-          <a:effectRef idx="0">
-            <a:schemeClr val="accent5"/>
-          </a:effectRef>
-          <a:fontRef idx="minor">
-            <a:schemeClr val="lt1"/>
-          </a:fontRef>
-        </p:style>
-        <p:txBody>
-          <a:bodyPr rtlCol="0" anchor="ctr"/>
-          <a:lstStyle/>
-          <a:p>
-            <a:pPr algn="ctr"/>
-            <a:r>
-              <a:rPr lang="en-US" dirty="0" smtClean="0"/>
-              <a:t>Four</a:t>
-            </a:r>
-          </a:p>
-          <a:p>
-            <a:pPr algn="ctr"/>
-            <a:r>
-              <a:rPr lang="en-US" dirty="0" smtClean="0"/>
-              <a:t>RSVP</a:t>
-            </a:r>
-            <a:endParaRPr lang="en-US" dirty="0"/>
-          </a:p>
-        </p:txBody>
-      </p:sp>
-      <p:sp>
-        <p:nvSpPr>
-          <p:cNvPr id="29" name="Rectangle 28"/>
-          <p:cNvSpPr/>
+      </p:pic>
+      <p:sp>
+        <p:nvSpPr>
+          <p:cNvPr id="10" name="TextBox 9"/>
+          <p:cNvSpPr txBox="1"/>
           <p:nvPr/>
         </p:nvSpPr>
         <p:spPr>
           <a:xfrm>
-            <a:off x="3200400" y="2602468"/>
-            <a:ext cx="304800" cy="1981200"/>
-          </a:xfrm>
-          <a:prstGeom prst="rect">
-            <a:avLst/>
-          </a:prstGeom>
-        </p:spPr>
-        <p:style>
-          <a:lnRef idx="2">
-            <a:schemeClr val="accent5">
-              <a:shade val="50000"/>
-            </a:schemeClr>
-          </a:lnRef>
-          <a:fillRef idx="1">
-            <a:schemeClr val="accent5"/>
-          </a:fillRef>
-          <a:effectRef idx="0">
-            <a:schemeClr val="accent5"/>
-          </a:effectRef>
-          <a:fontRef idx="minor">
-            <a:schemeClr val="lt1"/>
-          </a:fontRef>
-        </p:style>
-        <p:txBody>
-          <a:bodyPr rtlCol="0" anchor="ctr"/>
-          <a:lstStyle/>
-          <a:p>
-            <a:pPr algn="ctr"/>
-            <a:endParaRPr lang="en-US"/>
-          </a:p>
-        </p:txBody>
-      </p:sp>
-      <p:sp>
-        <p:nvSpPr>
-          <p:cNvPr id="30" name="Rectangle 29"/>
-          <p:cNvSpPr/>
-          <p:nvPr/>
-        </p:nvSpPr>
-        <p:spPr>
-          <a:xfrm>
-            <a:off x="3810000" y="2602468"/>
-            <a:ext cx="1981200" cy="1143000"/>
-          </a:xfrm>
-          <a:prstGeom prst="rect">
-            <a:avLst/>
-          </a:prstGeom>
-        </p:spPr>
-        <p:style>
-          <a:lnRef idx="2">
-            <a:schemeClr val="accent5">
-              <a:shade val="50000"/>
-            </a:schemeClr>
-          </a:lnRef>
-          <a:fillRef idx="1">
-            <a:schemeClr val="accent5"/>
-          </a:fillRef>
-          <a:effectRef idx="0">
-            <a:schemeClr val="accent5"/>
-          </a:effectRef>
-          <a:fontRef idx="minor">
-            <a:schemeClr val="lt1"/>
-          </a:fontRef>
-        </p:style>
-        <p:txBody>
-          <a:bodyPr rtlCol="0" anchor="ctr"/>
-          <a:lstStyle/>
-          <a:p>
-            <a:pPr algn="ctr"/>
-            <a:r>
-              <a:rPr lang="en-US" dirty="0" smtClean="0"/>
-              <a:t>Five RSVP</a:t>
-            </a:r>
-            <a:endParaRPr lang="en-US" dirty="0"/>
-          </a:p>
-        </p:txBody>
-      </p:sp>
-      <p:sp>
-        <p:nvSpPr>
-          <p:cNvPr id="31" name="Rectangle 30"/>
-          <p:cNvSpPr/>
-          <p:nvPr/>
-        </p:nvSpPr>
-        <p:spPr>
-          <a:xfrm>
-            <a:off x="6096000" y="2602468"/>
-            <a:ext cx="1981200" cy="1143000"/>
-          </a:xfrm>
-          <a:prstGeom prst="rect">
-            <a:avLst/>
-          </a:prstGeom>
-        </p:spPr>
-        <p:style>
-          <a:lnRef idx="2">
-            <a:schemeClr val="accent5">
-              <a:shade val="50000"/>
-            </a:schemeClr>
-          </a:lnRef>
-          <a:fillRef idx="1">
-            <a:schemeClr val="accent5"/>
-          </a:fillRef>
-          <a:effectRef idx="0">
-            <a:schemeClr val="accent5"/>
-          </a:effectRef>
-          <a:fontRef idx="minor">
-            <a:schemeClr val="lt1"/>
-          </a:fontRef>
-        </p:style>
-        <p:txBody>
-          <a:bodyPr rtlCol="0" anchor="ctr"/>
-          <a:lstStyle/>
-          <a:p>
-            <a:pPr algn="ctr"/>
-            <a:r>
-              <a:rPr lang="en-US" dirty="0" smtClean="0"/>
-              <a:t>Five Background</a:t>
-            </a:r>
-            <a:endParaRPr lang="en-US" dirty="0"/>
-          </a:p>
-        </p:txBody>
-      </p:sp>
-      <p:cxnSp>
-        <p:nvCxnSpPr>
-          <p:cNvPr id="7168" name="Straight Arrow Connector 7167"/>
-          <p:cNvCxnSpPr/>
-          <p:nvPr/>
-        </p:nvCxnSpPr>
-        <p:spPr>
-          <a:xfrm>
-            <a:off x="1447800" y="2373868"/>
-            <a:ext cx="6629400" cy="0"/>
-          </a:xfrm>
-          <a:prstGeom prst="straightConnector1">
-            <a:avLst/>
-          </a:prstGeom>
-          <a:ln>
-            <a:tailEnd type="arrow"/>
-          </a:ln>
-        </p:spPr>
-        <p:style>
-          <a:lnRef idx="3">
-            <a:schemeClr val="dk1"/>
-          </a:lnRef>
-          <a:fillRef idx="0">
-            <a:schemeClr val="dk1"/>
-          </a:fillRef>
-          <a:effectRef idx="2">
-            <a:schemeClr val="dk1"/>
-          </a:effectRef>
-          <a:fontRef idx="minor">
-            <a:schemeClr val="tx1"/>
-          </a:fontRef>
-        </p:style>
-      </p:cxnSp>
-      <p:sp>
-        <p:nvSpPr>
-          <p:cNvPr id="7169" name="TextBox 7168"/>
-          <p:cNvSpPr txBox="1"/>
-          <p:nvPr/>
-        </p:nvSpPr>
-        <p:spPr>
-          <a:xfrm>
-            <a:off x="2667000" y="5193268"/>
-            <a:ext cx="1421879" cy="369332"/>
+            <a:off x="7086600" y="6324600"/>
+            <a:ext cx="2438400" cy="369332"/>
           </a:xfrm>
           <a:prstGeom prst="rect">
             <a:avLst/>
@@ -7037,14 +11198,14 @@
           <a:noFill/>
         </p:spPr>
         <p:txBody>
-          <a:bodyPr wrap="none" rtlCol="0">
+          <a:bodyPr wrap="square" rtlCol="0">
             <a:spAutoFit/>
           </a:bodyPr>
           <a:lstStyle/>
           <a:p>
             <a:r>
               <a:rPr lang="en-US" dirty="0" smtClean="0"/>
-              <a:t>Critical Trial</a:t>
+              <a:t>Cohen et al., 2011</a:t>
             </a:r>
             <a:endParaRPr lang="en-US" dirty="0"/>
           </a:p>
@@ -7052,14 +11213,14 @@
       </p:sp>
       <p:sp>
         <p:nvSpPr>
-          <p:cNvPr id="7170" name="TextBox 7169"/>
+          <p:cNvPr id="11" name="TextBox 10"/>
           <p:cNvSpPr txBox="1"/>
           <p:nvPr/>
         </p:nvSpPr>
         <p:spPr>
           <a:xfrm>
-            <a:off x="914400" y="3974068"/>
-            <a:ext cx="2234318" cy="923330"/>
+            <a:off x="271956" y="228600"/>
+            <a:ext cx="6946325" cy="584775"/>
           </a:xfrm>
           <a:prstGeom prst="rect">
             <a:avLst/>
@@ -7073,1174 +11234,523 @@
           <a:lstStyle/>
           <a:p>
             <a:r>
-              <a:rPr lang="en-US" dirty="0" smtClean="0"/>
-              <a:t>Performance ~50%</a:t>
+              <a:rPr lang="en-US" sz="3200" dirty="0" smtClean="0"/>
+              <a:t>Gist Perception: Impossible Under Load?</a:t>
             </a:r>
-          </a:p>
-          <a:p>
-            <a:r>
-              <a:rPr lang="en-US" dirty="0" smtClean="0"/>
-              <a:t>Always correct on 0/1</a:t>
-            </a:r>
-          </a:p>
-          <a:p>
-            <a:r>
-              <a:rPr lang="en-US" dirty="0" smtClean="0"/>
-              <a:t>Never 2/3/4</a:t>
-            </a:r>
-            <a:endParaRPr lang="en-US" dirty="0"/>
-          </a:p>
-        </p:txBody>
-      </p:sp>
-      <p:sp>
-        <p:nvSpPr>
-          <p:cNvPr id="7171" name="TextBox 7170"/>
-          <p:cNvSpPr txBox="1"/>
-          <p:nvPr/>
-        </p:nvSpPr>
-        <p:spPr>
-          <a:xfrm>
-            <a:off x="2743200" y="5879068"/>
-            <a:ext cx="1224877" cy="369332"/>
-          </a:xfrm>
-          <a:prstGeom prst="rect">
-            <a:avLst/>
-          </a:prstGeom>
-          <a:noFill/>
-        </p:spPr>
-        <p:txBody>
-          <a:bodyPr wrap="none" rtlCol="0">
-            <a:spAutoFit/>
-          </a:bodyPr>
-          <a:lstStyle/>
-          <a:p>
-            <a:r>
-              <a:rPr lang="en-US" dirty="0" smtClean="0"/>
-              <a:t>~90% Blind</a:t>
-            </a:r>
-            <a:endParaRPr lang="en-US" dirty="0"/>
-          </a:p>
-        </p:txBody>
-      </p:sp>
-      <p:sp>
-        <p:nvSpPr>
-          <p:cNvPr id="7173" name="TextBox 7172"/>
-          <p:cNvSpPr txBox="1"/>
-          <p:nvPr/>
-        </p:nvSpPr>
-        <p:spPr>
-          <a:xfrm>
-            <a:off x="3810000" y="3974068"/>
-            <a:ext cx="1967205" cy="369332"/>
-          </a:xfrm>
-          <a:prstGeom prst="rect">
-            <a:avLst/>
-          </a:prstGeom>
-          <a:noFill/>
-        </p:spPr>
-        <p:txBody>
-          <a:bodyPr wrap="none" rtlCol="0">
-            <a:spAutoFit/>
-          </a:bodyPr>
-          <a:lstStyle/>
-          <a:p>
-            <a:r>
-              <a:rPr lang="en-US" dirty="0" smtClean="0"/>
-              <a:t>Performance ~60%</a:t>
-            </a:r>
-            <a:endParaRPr lang="en-US" dirty="0"/>
-          </a:p>
-        </p:txBody>
-      </p:sp>
-      <p:sp>
-        <p:nvSpPr>
-          <p:cNvPr id="7174" name="TextBox 7173"/>
-          <p:cNvSpPr txBox="1"/>
-          <p:nvPr/>
-        </p:nvSpPr>
-        <p:spPr>
-          <a:xfrm>
-            <a:off x="6477000" y="3974068"/>
-            <a:ext cx="1224877" cy="369332"/>
-          </a:xfrm>
-          <a:prstGeom prst="rect">
-            <a:avLst/>
-          </a:prstGeom>
-          <a:noFill/>
-        </p:spPr>
-        <p:txBody>
-          <a:bodyPr wrap="none" rtlCol="0">
-            <a:spAutoFit/>
-          </a:bodyPr>
-          <a:lstStyle/>
-          <a:p>
-            <a:r>
-              <a:rPr lang="en-US" dirty="0" smtClean="0"/>
-              <a:t>~10% Blind</a:t>
-            </a:r>
-            <a:endParaRPr lang="en-US" dirty="0"/>
+            <a:endParaRPr lang="en-US" sz="3200" dirty="0"/>
           </a:p>
         </p:txBody>
       </p:sp>
       <p:grpSp>
         <p:nvGrpSpPr>
-          <p:cNvPr id="41" name="Group 40"/>
+          <p:cNvPr id="5" name="Group 4"/>
           <p:cNvGrpSpPr/>
           <p:nvPr/>
         </p:nvGrpSpPr>
         <p:grpSpPr>
           <a:xfrm>
-            <a:off x="2673350" y="1066800"/>
-            <a:ext cx="1212850" cy="1126107"/>
-            <a:chOff x="946150" y="1677105"/>
-            <a:chExt cx="3314700" cy="3077633"/>
+            <a:off x="7391400" y="228600"/>
+            <a:ext cx="1647104" cy="2203759"/>
+            <a:chOff x="762000" y="1677105"/>
+            <a:chExt cx="3498850" cy="4681322"/>
           </a:xfrm>
         </p:grpSpPr>
-        <p:pic>
-          <p:nvPicPr>
-            <p:cNvPr id="42" name="Picture 41" descr="ma1.jpg"/>
-            <p:cNvPicPr>
-              <a:picLocks noChangeAspect="1"/>
-            </p:cNvPicPr>
+        <p:sp>
+          <p:nvSpPr>
+            <p:cNvPr id="7" name="TextBox 6"/>
+            <p:cNvSpPr txBox="1"/>
             <p:nvPr/>
-          </p:nvPicPr>
-          <p:blipFill>
-            <a:blip r:embed="rId3">
-              <a:extLst>
-                <a:ext uri="{28A0092B-C50C-407E-A947-70E740481C1C}">
-                  <a14:useLocalDpi xmlns:a14="http://schemas.microsoft.com/office/drawing/2010/main" val="0"/>
-                </a:ext>
-              </a:extLst>
-            </a:blip>
-            <a:stretch>
-              <a:fillRect/>
-            </a:stretch>
-          </p:blipFill>
+          </p:nvSpPr>
           <p:spPr>
             <a:xfrm>
-              <a:off x="946150" y="1677105"/>
-              <a:ext cx="819150" cy="819150"/>
+              <a:off x="2133600" y="2514600"/>
+              <a:ext cx="152400" cy="369332"/>
             </a:xfrm>
             <a:prstGeom prst="rect">
               <a:avLst/>
             </a:prstGeom>
-            <a:ln w="38100" cmpd="sng">
-              <a:solidFill>
-                <a:schemeClr val="tx1"/>
-              </a:solidFill>
-            </a:ln>
+            <a:noFill/>
           </p:spPr>
-        </p:pic>
-        <p:pic>
-          <p:nvPicPr>
-            <p:cNvPr id="43" name="Picture 42" descr="ma9.jpg"/>
-            <p:cNvPicPr>
-              <a:picLocks noChangeAspect="1"/>
-            </p:cNvPicPr>
+          <p:txBody>
+            <a:bodyPr wrap="square" rtlCol="0">
+              <a:spAutoFit/>
+            </a:bodyPr>
+            <a:lstStyle/>
+            <a:p>
+              <a:endParaRPr lang="en-US" dirty="0"/>
+            </a:p>
+          </p:txBody>
+        </p:sp>
+        <p:grpSp>
+          <p:nvGrpSpPr>
+            <p:cNvPr id="28" name="Group 27"/>
+            <p:cNvGrpSpPr/>
             <p:nvPr/>
-          </p:nvPicPr>
-          <p:blipFill>
-            <a:blip r:embed="rId4">
-              <a:extLst>
-                <a:ext uri="{28A0092B-C50C-407E-A947-70E740481C1C}">
-                  <a14:useLocalDpi xmlns:a14="http://schemas.microsoft.com/office/drawing/2010/main" val="0"/>
-                </a:ext>
-              </a:extLst>
-            </a:blip>
-            <a:stretch>
-              <a:fillRect/>
-            </a:stretch>
-          </p:blipFill>
+          </p:nvGrpSpPr>
+          <p:grpSpPr>
+            <a:xfrm>
+              <a:off x="946150" y="1677105"/>
+              <a:ext cx="3314700" cy="3077633"/>
+              <a:chOff x="946150" y="1677105"/>
+              <a:chExt cx="3314700" cy="3077633"/>
+            </a:xfrm>
+          </p:grpSpPr>
+          <p:pic>
+            <p:nvPicPr>
+              <p:cNvPr id="6" name="Picture 5" descr="ma1.jpg"/>
+              <p:cNvPicPr>
+                <a:picLocks noChangeAspect="1"/>
+              </p:cNvPicPr>
+              <p:nvPr/>
+            </p:nvPicPr>
+            <p:blipFill>
+              <a:blip r:embed="rId4">
+                <a:extLst>
+                  <a:ext uri="{28A0092B-C50C-407E-A947-70E740481C1C}">
+                    <a14:useLocalDpi xmlns:a14="http://schemas.microsoft.com/office/drawing/2010/main" val="0"/>
+                  </a:ext>
+                </a:extLst>
+              </a:blip>
+              <a:stretch>
+                <a:fillRect/>
+              </a:stretch>
+            </p:blipFill>
+            <p:spPr>
+              <a:xfrm>
+                <a:off x="946150" y="1677105"/>
+                <a:ext cx="819150" cy="819150"/>
+              </a:xfrm>
+              <a:prstGeom prst="rect">
+                <a:avLst/>
+              </a:prstGeom>
+              <a:ln w="38100" cmpd="sng">
+                <a:solidFill>
+                  <a:schemeClr val="tx1"/>
+                </a:solidFill>
+              </a:ln>
+            </p:spPr>
+          </p:pic>
+          <p:pic>
+            <p:nvPicPr>
+              <p:cNvPr id="8" name="Picture 7" descr="ma9.jpg"/>
+              <p:cNvPicPr>
+                <a:picLocks noChangeAspect="1"/>
+              </p:cNvPicPr>
+              <p:nvPr/>
+            </p:nvPicPr>
+            <p:blipFill>
+              <a:blip r:embed="rId5">
+                <a:extLst>
+                  <a:ext uri="{28A0092B-C50C-407E-A947-70E740481C1C}">
+                    <a14:useLocalDpi xmlns:a14="http://schemas.microsoft.com/office/drawing/2010/main" val="0"/>
+                  </a:ext>
+                </a:extLst>
+              </a:blip>
+              <a:stretch>
+                <a:fillRect/>
+              </a:stretch>
+            </p:blipFill>
+            <p:spPr>
+              <a:xfrm>
+                <a:off x="1320800" y="2012244"/>
+                <a:ext cx="819150" cy="819150"/>
+              </a:xfrm>
+              <a:prstGeom prst="rect">
+                <a:avLst/>
+              </a:prstGeom>
+              <a:ln w="38100" cmpd="sng">
+                <a:solidFill>
+                  <a:schemeClr val="tx1"/>
+                </a:solidFill>
+              </a:ln>
+            </p:spPr>
+          </p:pic>
+          <p:pic>
+            <p:nvPicPr>
+              <p:cNvPr id="9" name="Picture 8" descr="ma14.jpg"/>
+              <p:cNvPicPr>
+                <a:picLocks noChangeAspect="1"/>
+              </p:cNvPicPr>
+              <p:nvPr/>
+            </p:nvPicPr>
+            <p:blipFill>
+              <a:blip r:embed="rId6">
+                <a:extLst>
+                  <a:ext uri="{28A0092B-C50C-407E-A947-70E740481C1C}">
+                    <a14:useLocalDpi xmlns:a14="http://schemas.microsoft.com/office/drawing/2010/main" val="0"/>
+                  </a:ext>
+                </a:extLst>
+              </a:blip>
+              <a:stretch>
+                <a:fillRect/>
+              </a:stretch>
+            </p:blipFill>
+            <p:spPr>
+              <a:xfrm>
+                <a:off x="1695450" y="2347383"/>
+                <a:ext cx="819150" cy="819150"/>
+              </a:xfrm>
+              <a:prstGeom prst="rect">
+                <a:avLst/>
+              </a:prstGeom>
+              <a:ln w="38100" cmpd="sng">
+                <a:solidFill>
+                  <a:schemeClr val="tx1"/>
+                </a:solidFill>
+              </a:ln>
+            </p:spPr>
+          </p:pic>
+          <p:pic>
+            <p:nvPicPr>
+              <p:cNvPr id="14" name="Picture 13" descr="ma136.jpg"/>
+              <p:cNvPicPr>
+                <a:picLocks noChangeAspect="1"/>
+              </p:cNvPicPr>
+              <p:nvPr/>
+            </p:nvPicPr>
+            <p:blipFill>
+              <a:blip r:embed="rId7">
+                <a:extLst>
+                  <a:ext uri="{28A0092B-C50C-407E-A947-70E740481C1C}">
+                    <a14:useLocalDpi xmlns:a14="http://schemas.microsoft.com/office/drawing/2010/main" val="0"/>
+                  </a:ext>
+                </a:extLst>
+              </a:blip>
+              <a:stretch>
+                <a:fillRect/>
+              </a:stretch>
+            </p:blipFill>
+            <p:spPr>
+              <a:xfrm>
+                <a:off x="2070100" y="2682522"/>
+                <a:ext cx="819150" cy="819150"/>
+              </a:xfrm>
+              <a:prstGeom prst="rect">
+                <a:avLst/>
+              </a:prstGeom>
+              <a:ln w="38100" cmpd="sng">
+                <a:solidFill>
+                  <a:schemeClr val="tx1"/>
+                </a:solidFill>
+              </a:ln>
+            </p:spPr>
+          </p:pic>
+          <p:pic>
+            <p:nvPicPr>
+              <p:cNvPr id="15" name="Picture 14" descr="ma164.jpg"/>
+              <p:cNvPicPr>
+                <a:picLocks noChangeAspect="1"/>
+              </p:cNvPicPr>
+              <p:nvPr/>
+            </p:nvPicPr>
+            <p:blipFill>
+              <a:blip r:embed="rId8">
+                <a:extLst>
+                  <a:ext uri="{28A0092B-C50C-407E-A947-70E740481C1C}">
+                    <a14:useLocalDpi xmlns:a14="http://schemas.microsoft.com/office/drawing/2010/main" val="0"/>
+                  </a:ext>
+                </a:extLst>
+              </a:blip>
+              <a:stretch>
+                <a:fillRect/>
+              </a:stretch>
+            </p:blipFill>
+            <p:spPr>
+              <a:xfrm>
+                <a:off x="2444750" y="3017661"/>
+                <a:ext cx="819150" cy="819150"/>
+              </a:xfrm>
+              <a:prstGeom prst="rect">
+                <a:avLst/>
+              </a:prstGeom>
+              <a:ln w="38100" cmpd="sng">
+                <a:solidFill>
+                  <a:schemeClr val="tx1"/>
+                </a:solidFill>
+              </a:ln>
+            </p:spPr>
+          </p:pic>
+          <p:pic>
+            <p:nvPicPr>
+              <p:cNvPr id="16" name="Picture 15" descr="a3.jpg"/>
+              <p:cNvPicPr>
+                <a:picLocks noChangeAspect="1"/>
+              </p:cNvPicPr>
+              <p:nvPr/>
+            </p:nvPicPr>
+            <p:blipFill>
+              <a:blip r:embed="rId9">
+                <a:extLst>
+                  <a:ext uri="{28A0092B-C50C-407E-A947-70E740481C1C}">
+                    <a14:useLocalDpi xmlns:a14="http://schemas.microsoft.com/office/drawing/2010/main" val="0"/>
+                  </a:ext>
+                </a:extLst>
+              </a:blip>
+              <a:stretch>
+                <a:fillRect/>
+              </a:stretch>
+            </p:blipFill>
+            <p:spPr>
+              <a:xfrm>
+                <a:off x="2819400" y="3352800"/>
+                <a:ext cx="1066800" cy="1066800"/>
+              </a:xfrm>
+              <a:prstGeom prst="rect">
+                <a:avLst/>
+              </a:prstGeom>
+            </p:spPr>
+          </p:pic>
+          <p:pic>
+            <p:nvPicPr>
+              <p:cNvPr id="17" name="Picture 16" descr="ma9.jpg"/>
+              <p:cNvPicPr>
+                <a:picLocks noChangeAspect="1"/>
+              </p:cNvPicPr>
+              <p:nvPr/>
+            </p:nvPicPr>
+            <p:blipFill>
+              <a:blip r:embed="rId5">
+                <a:extLst>
+                  <a:ext uri="{28A0092B-C50C-407E-A947-70E740481C1C}">
+                    <a14:useLocalDpi xmlns:a14="http://schemas.microsoft.com/office/drawing/2010/main" val="0"/>
+                  </a:ext>
+                </a:extLst>
+              </a:blip>
+              <a:stretch>
+                <a:fillRect/>
+              </a:stretch>
+            </p:blipFill>
+            <p:spPr>
+              <a:xfrm>
+                <a:off x="3441700" y="3935588"/>
+                <a:ext cx="819150" cy="819150"/>
+              </a:xfrm>
+              <a:prstGeom prst="rect">
+                <a:avLst/>
+              </a:prstGeom>
+              <a:ln w="38100" cmpd="sng">
+                <a:solidFill>
+                  <a:schemeClr val="tx1"/>
+                </a:solidFill>
+              </a:ln>
+            </p:spPr>
+          </p:pic>
+        </p:grpSp>
+        <p:sp>
+          <p:nvSpPr>
+            <p:cNvPr id="18" name="TextBox 17"/>
+            <p:cNvSpPr txBox="1"/>
+            <p:nvPr/>
+          </p:nvSpPr>
           <p:spPr>
             <a:xfrm>
-              <a:off x="1320800" y="2012244"/>
-              <a:ext cx="819150" cy="819150"/>
+              <a:off x="1658161" y="3606800"/>
+              <a:ext cx="865141" cy="1176827"/>
             </a:xfrm>
             <a:prstGeom prst="rect">
               <a:avLst/>
             </a:prstGeom>
-            <a:ln w="38100" cmpd="sng">
-              <a:solidFill>
-                <a:schemeClr val="tx1"/>
-              </a:solidFill>
-            </a:ln>
+            <a:noFill/>
           </p:spPr>
-        </p:pic>
-        <p:pic>
-          <p:nvPicPr>
-            <p:cNvPr id="44" name="Picture 43" descr="ma14.jpg"/>
-            <p:cNvPicPr>
-              <a:picLocks noChangeAspect="1"/>
-            </p:cNvPicPr>
+          <p:txBody>
+            <a:bodyPr wrap="none" rtlCol="0">
+              <a:spAutoFit/>
+            </a:bodyPr>
+            <a:lstStyle/>
+            <a:p>
+              <a:r>
+                <a:rPr lang="en-US" sz="3000" dirty="0" smtClean="0"/>
+                <a:t>A</a:t>
+              </a:r>
+              <a:endParaRPr lang="en-US" sz="3000" dirty="0"/>
+            </a:p>
+          </p:txBody>
+        </p:sp>
+        <p:sp>
+          <p:nvSpPr>
+            <p:cNvPr id="20" name="TextBox 19"/>
+            <p:cNvSpPr txBox="1"/>
             <p:nvPr/>
-          </p:nvPicPr>
-          <p:blipFill>
-            <a:blip r:embed="rId5">
-              <a:extLst>
-                <a:ext uri="{28A0092B-C50C-407E-A947-70E740481C1C}">
-                  <a14:useLocalDpi xmlns:a14="http://schemas.microsoft.com/office/drawing/2010/main" val="0"/>
-                </a:ext>
-              </a:extLst>
-            </a:blip>
-            <a:stretch>
-              <a:fillRect/>
-            </a:stretch>
-          </p:blipFill>
+          </p:nvSpPr>
           <p:spPr>
             <a:xfrm>
-              <a:off x="1695450" y="2347383"/>
-              <a:ext cx="819150" cy="819150"/>
+              <a:off x="2100607" y="4000499"/>
+              <a:ext cx="865141" cy="1176827"/>
             </a:xfrm>
             <a:prstGeom prst="rect">
               <a:avLst/>
             </a:prstGeom>
-            <a:ln w="38100" cmpd="sng">
-              <a:solidFill>
-                <a:schemeClr val="tx1"/>
-              </a:solidFill>
-            </a:ln>
+            <a:noFill/>
           </p:spPr>
-        </p:pic>
-        <p:pic>
-          <p:nvPicPr>
-            <p:cNvPr id="45" name="Picture 44" descr="ma136.jpg"/>
-            <p:cNvPicPr>
-              <a:picLocks noChangeAspect="1"/>
-            </p:cNvPicPr>
+          <p:txBody>
+            <a:bodyPr wrap="none" rtlCol="0">
+              <a:spAutoFit/>
+            </a:bodyPr>
+            <a:lstStyle/>
+            <a:p>
+              <a:r>
+                <a:rPr lang="en-US" sz="3000" dirty="0" smtClean="0"/>
+                <a:t>B</a:t>
+              </a:r>
+              <a:endParaRPr lang="en-US" sz="3000" dirty="0"/>
+            </a:p>
+          </p:txBody>
+        </p:sp>
+        <p:sp>
+          <p:nvSpPr>
+            <p:cNvPr id="21" name="TextBox 20"/>
+            <p:cNvSpPr txBox="1"/>
             <p:nvPr/>
-          </p:nvPicPr>
-          <p:blipFill>
-            <a:blip r:embed="rId6">
-              <a:extLst>
-                <a:ext uri="{28A0092B-C50C-407E-A947-70E740481C1C}">
-                  <a14:useLocalDpi xmlns:a14="http://schemas.microsoft.com/office/drawing/2010/main" val="0"/>
-                </a:ext>
-              </a:extLst>
-            </a:blip>
-            <a:stretch>
-              <a:fillRect/>
-            </a:stretch>
-          </p:blipFill>
+          </p:nvSpPr>
           <p:spPr>
             <a:xfrm>
-              <a:off x="2070100" y="2682522"/>
-              <a:ext cx="819150" cy="819150"/>
+              <a:off x="2543053" y="4394200"/>
+              <a:ext cx="907840" cy="1176827"/>
             </a:xfrm>
             <a:prstGeom prst="rect">
               <a:avLst/>
             </a:prstGeom>
-            <a:ln w="38100" cmpd="sng">
-              <a:solidFill>
-                <a:schemeClr val="tx1"/>
-              </a:solidFill>
-            </a:ln>
+            <a:noFill/>
           </p:spPr>
-        </p:pic>
-        <p:pic>
-          <p:nvPicPr>
-            <p:cNvPr id="46" name="Picture 45" descr="ma164.jpg"/>
-            <p:cNvPicPr>
-              <a:picLocks noChangeAspect="1"/>
-            </p:cNvPicPr>
+          <p:txBody>
+            <a:bodyPr wrap="none" rtlCol="0">
+              <a:spAutoFit/>
+            </a:bodyPr>
+            <a:lstStyle/>
+            <a:p>
+              <a:r>
+                <a:rPr lang="en-US" sz="3000" dirty="0"/>
+                <a:t>G</a:t>
+              </a:r>
+              <a:endParaRPr lang="en-US" sz="3000" dirty="0"/>
+            </a:p>
+          </p:txBody>
+        </p:sp>
+        <p:sp>
+          <p:nvSpPr>
+            <p:cNvPr id="22" name="TextBox 21"/>
+            <p:cNvSpPr txBox="1"/>
             <p:nvPr/>
-          </p:nvPicPr>
-          <p:blipFill>
-            <a:blip r:embed="rId7">
-              <a:extLst>
-                <a:ext uri="{28A0092B-C50C-407E-A947-70E740481C1C}">
-                  <a14:useLocalDpi xmlns:a14="http://schemas.microsoft.com/office/drawing/2010/main" val="0"/>
-                </a:ext>
-              </a:extLst>
-            </a:blip>
-            <a:stretch>
-              <a:fillRect/>
-            </a:stretch>
-          </p:blipFill>
+          </p:nvSpPr>
           <p:spPr>
             <a:xfrm>
-              <a:off x="2444750" y="3017661"/>
-              <a:ext cx="819150" cy="819150"/>
+              <a:off x="2956380" y="4787899"/>
+              <a:ext cx="806482" cy="1176827"/>
             </a:xfrm>
             <a:prstGeom prst="rect">
               <a:avLst/>
             </a:prstGeom>
-            <a:ln w="38100" cmpd="sng">
-              <a:solidFill>
-                <a:schemeClr val="tx1"/>
-              </a:solidFill>
-            </a:ln>
+            <a:noFill/>
           </p:spPr>
-        </p:pic>
-        <p:pic>
-          <p:nvPicPr>
-            <p:cNvPr id="47" name="Picture 46" descr="a3.jpg"/>
-            <p:cNvPicPr>
-              <a:picLocks noChangeAspect="1"/>
-            </p:cNvPicPr>
+          <p:txBody>
+            <a:bodyPr wrap="none" rtlCol="0">
+              <a:spAutoFit/>
+            </a:bodyPr>
+            <a:lstStyle/>
+            <a:p>
+              <a:r>
+                <a:rPr lang="en-US" sz="3000" dirty="0" smtClean="0"/>
+                <a:t>5</a:t>
+              </a:r>
+              <a:endParaRPr lang="en-US" sz="3000" dirty="0"/>
+            </a:p>
+          </p:txBody>
+        </p:sp>
+        <p:sp>
+          <p:nvSpPr>
+            <p:cNvPr id="23" name="TextBox 22"/>
+            <p:cNvSpPr txBox="1"/>
             <p:nvPr/>
-          </p:nvPicPr>
-          <p:blipFill>
-            <a:blip r:embed="rId8">
-              <a:extLst>
-                <a:ext uri="{28A0092B-C50C-407E-A947-70E740481C1C}">
-                  <a14:useLocalDpi xmlns:a14="http://schemas.microsoft.com/office/drawing/2010/main" val="0"/>
-                </a:ext>
-              </a:extLst>
-            </a:blip>
-            <a:stretch>
-              <a:fillRect/>
-            </a:stretch>
-          </p:blipFill>
+          </p:nvSpPr>
           <p:spPr>
             <a:xfrm>
-              <a:off x="2819400" y="3352800"/>
-              <a:ext cx="1066800" cy="1066800"/>
+              <a:off x="3352800" y="5181600"/>
+              <a:ext cx="806482" cy="1176827"/>
             </a:xfrm>
             <a:prstGeom prst="rect">
               <a:avLst/>
             </a:prstGeom>
+            <a:noFill/>
           </p:spPr>
-        </p:pic>
-        <p:pic>
-          <p:nvPicPr>
-            <p:cNvPr id="48" name="Picture 47" descr="ma9.jpg"/>
-            <p:cNvPicPr>
-              <a:picLocks noChangeAspect="1"/>
-            </p:cNvPicPr>
+          <p:txBody>
+            <a:bodyPr wrap="none" rtlCol="0">
+              <a:spAutoFit/>
+            </a:bodyPr>
+            <a:lstStyle/>
+            <a:p>
+              <a:r>
+                <a:rPr lang="en-US" sz="3000" dirty="0" smtClean="0"/>
+                <a:t>1</a:t>
+              </a:r>
+              <a:endParaRPr lang="en-US" sz="3000" dirty="0"/>
+            </a:p>
+          </p:txBody>
+        </p:sp>
+        <p:sp>
+          <p:nvSpPr>
+            <p:cNvPr id="24" name="TextBox 23"/>
+            <p:cNvSpPr txBox="1"/>
             <p:nvPr/>
-          </p:nvPicPr>
-          <p:blipFill>
-            <a:blip r:embed="rId4">
-              <a:extLst>
-                <a:ext uri="{28A0092B-C50C-407E-A947-70E740481C1C}">
-                  <a14:useLocalDpi xmlns:a14="http://schemas.microsoft.com/office/drawing/2010/main" val="0"/>
-                </a:ext>
-              </a:extLst>
-            </a:blip>
-            <a:stretch>
-              <a:fillRect/>
-            </a:stretch>
-          </p:blipFill>
+          </p:nvSpPr>
           <p:spPr>
             <a:xfrm>
-              <a:off x="3441700" y="3935588"/>
-              <a:ext cx="819150" cy="819150"/>
+              <a:off x="1182216" y="3213099"/>
+              <a:ext cx="907840" cy="1176827"/>
             </a:xfrm>
             <a:prstGeom prst="rect">
               <a:avLst/>
             </a:prstGeom>
-            <a:ln w="38100" cmpd="sng">
-              <a:solidFill>
-                <a:schemeClr val="tx1"/>
-              </a:solidFill>
-            </a:ln>
+            <a:noFill/>
           </p:spPr>
-        </p:pic>
-      </p:grpSp>
-      <p:grpSp>
-        <p:nvGrpSpPr>
-          <p:cNvPr id="7178" name="Group 7177"/>
-          <p:cNvGrpSpPr/>
-          <p:nvPr/>
-        </p:nvGrpSpPr>
-        <p:grpSpPr>
-          <a:xfrm>
-            <a:off x="1377950" y="1131180"/>
-            <a:ext cx="1137927" cy="1061727"/>
-            <a:chOff x="990600" y="838200"/>
-            <a:chExt cx="1137927" cy="1061727"/>
-          </a:xfrm>
-        </p:grpSpPr>
-        <p:pic>
-          <p:nvPicPr>
-            <p:cNvPr id="50" name="Picture 49" descr="ma1.jpg"/>
-            <p:cNvPicPr>
-              <a:picLocks noChangeAspect="1"/>
-            </p:cNvPicPr>
+          <p:txBody>
+            <a:bodyPr wrap="none" rtlCol="0">
+              <a:spAutoFit/>
+            </a:bodyPr>
+            <a:lstStyle/>
+            <a:p>
+              <a:r>
+                <a:rPr lang="en-US" sz="3000" dirty="0" smtClean="0"/>
+                <a:t>G</a:t>
+              </a:r>
+              <a:endParaRPr lang="en-US" sz="3000" dirty="0"/>
+            </a:p>
+          </p:txBody>
+        </p:sp>
+        <p:sp>
+          <p:nvSpPr>
+            <p:cNvPr id="25" name="TextBox 24"/>
+            <p:cNvSpPr txBox="1"/>
             <p:nvPr/>
-          </p:nvPicPr>
-          <p:blipFill>
-            <a:blip r:embed="rId3">
-              <a:extLst>
-                <a:ext uri="{28A0092B-C50C-407E-A947-70E740481C1C}">
-                  <a14:useLocalDpi xmlns:a14="http://schemas.microsoft.com/office/drawing/2010/main" val="0"/>
-                </a:ext>
-              </a:extLst>
-            </a:blip>
-            <a:stretch>
-              <a:fillRect/>
-            </a:stretch>
-          </p:blipFill>
+          </p:nvSpPr>
           <p:spPr>
             <a:xfrm>
-              <a:off x="990600" y="838200"/>
-              <a:ext cx="299727" cy="299727"/>
+              <a:off x="762000" y="2819400"/>
+              <a:ext cx="836810" cy="1176827"/>
             </a:xfrm>
             <a:prstGeom prst="rect">
               <a:avLst/>
             </a:prstGeom>
-            <a:ln w="38100" cmpd="sng">
-              <a:solidFill>
-                <a:schemeClr val="tx1"/>
-              </a:solidFill>
-            </a:ln>
+            <a:noFill/>
           </p:spPr>
-        </p:pic>
-        <p:pic>
-          <p:nvPicPr>
-            <p:cNvPr id="51" name="Picture 50" descr="ma9.jpg"/>
-            <p:cNvPicPr>
-              <a:picLocks noChangeAspect="1"/>
-            </p:cNvPicPr>
-            <p:nvPr/>
-          </p:nvPicPr>
-          <p:blipFill>
-            <a:blip r:embed="rId4">
-              <a:extLst>
-                <a:ext uri="{28A0092B-C50C-407E-A947-70E740481C1C}">
-                  <a14:useLocalDpi xmlns:a14="http://schemas.microsoft.com/office/drawing/2010/main" val="0"/>
-                </a:ext>
-              </a:extLst>
-            </a:blip>
-            <a:stretch>
-              <a:fillRect/>
-            </a:stretch>
-          </p:blipFill>
-          <p:spPr>
-            <a:xfrm>
-              <a:off x="1127685" y="960827"/>
-              <a:ext cx="299727" cy="299727"/>
-            </a:xfrm>
-            <a:prstGeom prst="rect">
-              <a:avLst/>
-            </a:prstGeom>
-            <a:ln w="38100" cmpd="sng">
-              <a:solidFill>
-                <a:schemeClr val="tx1"/>
-              </a:solidFill>
-            </a:ln>
-          </p:spPr>
-        </p:pic>
-        <p:pic>
-          <p:nvPicPr>
-            <p:cNvPr id="52" name="Picture 51" descr="ma14.jpg"/>
-            <p:cNvPicPr>
-              <a:picLocks noChangeAspect="1"/>
-            </p:cNvPicPr>
-            <p:nvPr/>
-          </p:nvPicPr>
-          <p:blipFill>
-            <a:blip r:embed="rId5">
-              <a:extLst>
-                <a:ext uri="{28A0092B-C50C-407E-A947-70E740481C1C}">
-                  <a14:useLocalDpi xmlns:a14="http://schemas.microsoft.com/office/drawing/2010/main" val="0"/>
-                </a:ext>
-              </a:extLst>
-            </a:blip>
-            <a:stretch>
-              <a:fillRect/>
-            </a:stretch>
-          </p:blipFill>
-          <p:spPr>
-            <a:xfrm>
-              <a:off x="1264769" y="1083455"/>
-              <a:ext cx="299727" cy="299727"/>
-            </a:xfrm>
-            <a:prstGeom prst="rect">
-              <a:avLst/>
-            </a:prstGeom>
-            <a:ln w="38100" cmpd="sng">
-              <a:solidFill>
-                <a:schemeClr val="tx1"/>
-              </a:solidFill>
-            </a:ln>
-          </p:spPr>
-        </p:pic>
-        <p:pic>
-          <p:nvPicPr>
-            <p:cNvPr id="53" name="Picture 52" descr="ma136.jpg"/>
-            <p:cNvPicPr>
-              <a:picLocks noChangeAspect="1"/>
-            </p:cNvPicPr>
-            <p:nvPr/>
-          </p:nvPicPr>
-          <p:blipFill>
-            <a:blip r:embed="rId6">
-              <a:extLst>
-                <a:ext uri="{28A0092B-C50C-407E-A947-70E740481C1C}">
-                  <a14:useLocalDpi xmlns:a14="http://schemas.microsoft.com/office/drawing/2010/main" val="0"/>
-                </a:ext>
-              </a:extLst>
-            </a:blip>
-            <a:stretch>
-              <a:fillRect/>
-            </a:stretch>
-          </p:blipFill>
-          <p:spPr>
-            <a:xfrm>
-              <a:off x="1401854" y="1206082"/>
-              <a:ext cx="299727" cy="299727"/>
-            </a:xfrm>
-            <a:prstGeom prst="rect">
-              <a:avLst/>
-            </a:prstGeom>
-            <a:ln w="38100" cmpd="sng">
-              <a:solidFill>
-                <a:schemeClr val="tx1"/>
-              </a:solidFill>
-            </a:ln>
-          </p:spPr>
-        </p:pic>
-        <p:pic>
-          <p:nvPicPr>
-            <p:cNvPr id="54" name="Picture 53" descr="ma164.jpg"/>
-            <p:cNvPicPr>
-              <a:picLocks noChangeAspect="1"/>
-            </p:cNvPicPr>
-            <p:nvPr/>
-          </p:nvPicPr>
-          <p:blipFill>
-            <a:blip r:embed="rId7">
-              <a:extLst>
-                <a:ext uri="{28A0092B-C50C-407E-A947-70E740481C1C}">
-                  <a14:useLocalDpi xmlns:a14="http://schemas.microsoft.com/office/drawing/2010/main" val="0"/>
-                </a:ext>
-              </a:extLst>
-            </a:blip>
-            <a:stretch>
-              <a:fillRect/>
-            </a:stretch>
-          </p:blipFill>
-          <p:spPr>
-            <a:xfrm>
-              <a:off x="1538938" y="1328710"/>
-              <a:ext cx="299727" cy="299727"/>
-            </a:xfrm>
-            <a:prstGeom prst="rect">
-              <a:avLst/>
-            </a:prstGeom>
-            <a:ln w="38100" cmpd="sng">
-              <a:solidFill>
-                <a:schemeClr val="tx1"/>
-              </a:solidFill>
-            </a:ln>
-          </p:spPr>
-        </p:pic>
-        <p:pic>
-          <p:nvPicPr>
-            <p:cNvPr id="57" name="Picture 56" descr="ma9.jpg"/>
-            <p:cNvPicPr>
-              <a:picLocks noChangeAspect="1"/>
-            </p:cNvPicPr>
-            <p:nvPr/>
-          </p:nvPicPr>
-          <p:blipFill>
-            <a:blip r:embed="rId4">
-              <a:extLst>
-                <a:ext uri="{28A0092B-C50C-407E-A947-70E740481C1C}">
-                  <a14:useLocalDpi xmlns:a14="http://schemas.microsoft.com/office/drawing/2010/main" val="0"/>
-                </a:ext>
-              </a:extLst>
-            </a:blip>
-            <a:stretch>
-              <a:fillRect/>
-            </a:stretch>
-          </p:blipFill>
-          <p:spPr>
-            <a:xfrm>
-              <a:off x="1676400" y="1447800"/>
-              <a:ext cx="299727" cy="299727"/>
-            </a:xfrm>
-            <a:prstGeom prst="rect">
-              <a:avLst/>
-            </a:prstGeom>
-            <a:ln w="38100" cmpd="sng">
-              <a:solidFill>
-                <a:schemeClr val="tx1"/>
-              </a:solidFill>
-            </a:ln>
-          </p:spPr>
-        </p:pic>
-        <p:pic>
-          <p:nvPicPr>
-            <p:cNvPr id="56" name="Picture 55" descr="ma9.jpg"/>
-            <p:cNvPicPr>
-              <a:picLocks noChangeAspect="1"/>
-            </p:cNvPicPr>
-            <p:nvPr/>
-          </p:nvPicPr>
-          <p:blipFill>
-            <a:blip r:embed="rId4">
-              <a:extLst>
-                <a:ext uri="{28A0092B-C50C-407E-A947-70E740481C1C}">
-                  <a14:useLocalDpi xmlns:a14="http://schemas.microsoft.com/office/drawing/2010/main" val="0"/>
-                </a:ext>
-              </a:extLst>
-            </a:blip>
-            <a:stretch>
-              <a:fillRect/>
-            </a:stretch>
-          </p:blipFill>
-          <p:spPr>
-            <a:xfrm>
-              <a:off x="1828800" y="1600200"/>
-              <a:ext cx="299727" cy="299727"/>
-            </a:xfrm>
-            <a:prstGeom prst="rect">
-              <a:avLst/>
-            </a:prstGeom>
-            <a:ln w="38100" cmpd="sng">
-              <a:solidFill>
-                <a:schemeClr val="tx1"/>
-              </a:solidFill>
-            </a:ln>
-          </p:spPr>
-        </p:pic>
+          <p:txBody>
+            <a:bodyPr wrap="none" rtlCol="0">
+              <a:spAutoFit/>
+            </a:bodyPr>
+            <a:lstStyle/>
+            <a:p>
+              <a:r>
+                <a:rPr lang="en-US" sz="3000" dirty="0" smtClean="0"/>
+                <a:t>B</a:t>
+              </a:r>
+              <a:endParaRPr lang="en-US" sz="3000" dirty="0"/>
+            </a:p>
+          </p:txBody>
+        </p:sp>
       </p:grpSp>
-      <p:grpSp>
-        <p:nvGrpSpPr>
-          <p:cNvPr id="68" name="Group 67"/>
-          <p:cNvGrpSpPr/>
-          <p:nvPr/>
-        </p:nvGrpSpPr>
-        <p:grpSpPr>
-          <a:xfrm>
-            <a:off x="6553200" y="1066800"/>
-            <a:ext cx="1212850" cy="1126107"/>
-            <a:chOff x="946150" y="1677105"/>
-            <a:chExt cx="3314700" cy="3077633"/>
-          </a:xfrm>
-        </p:grpSpPr>
-        <p:pic>
-          <p:nvPicPr>
-            <p:cNvPr id="69" name="Picture 68" descr="ma1.jpg"/>
-            <p:cNvPicPr>
-              <a:picLocks noChangeAspect="1"/>
-            </p:cNvPicPr>
-            <p:nvPr/>
-          </p:nvPicPr>
-          <p:blipFill>
-            <a:blip r:embed="rId3">
-              <a:extLst>
-                <a:ext uri="{28A0092B-C50C-407E-A947-70E740481C1C}">
-                  <a14:useLocalDpi xmlns:a14="http://schemas.microsoft.com/office/drawing/2010/main" val="0"/>
-                </a:ext>
-              </a:extLst>
-            </a:blip>
-            <a:stretch>
-              <a:fillRect/>
-            </a:stretch>
-          </p:blipFill>
-          <p:spPr>
-            <a:xfrm>
-              <a:off x="946150" y="1677105"/>
-              <a:ext cx="819150" cy="819150"/>
-            </a:xfrm>
-            <a:prstGeom prst="rect">
-              <a:avLst/>
-            </a:prstGeom>
-            <a:ln w="38100" cmpd="sng">
-              <a:solidFill>
-                <a:schemeClr val="tx1"/>
-              </a:solidFill>
-            </a:ln>
-          </p:spPr>
-        </p:pic>
-        <p:pic>
-          <p:nvPicPr>
-            <p:cNvPr id="70" name="Picture 69" descr="ma9.jpg"/>
-            <p:cNvPicPr>
-              <a:picLocks noChangeAspect="1"/>
-            </p:cNvPicPr>
-            <p:nvPr/>
-          </p:nvPicPr>
-          <p:blipFill>
-            <a:blip r:embed="rId4">
-              <a:extLst>
-                <a:ext uri="{28A0092B-C50C-407E-A947-70E740481C1C}">
-                  <a14:useLocalDpi xmlns:a14="http://schemas.microsoft.com/office/drawing/2010/main" val="0"/>
-                </a:ext>
-              </a:extLst>
-            </a:blip>
-            <a:stretch>
-              <a:fillRect/>
-            </a:stretch>
-          </p:blipFill>
-          <p:spPr>
-            <a:xfrm>
-              <a:off x="1320800" y="2012244"/>
-              <a:ext cx="819150" cy="819150"/>
-            </a:xfrm>
-            <a:prstGeom prst="rect">
-              <a:avLst/>
-            </a:prstGeom>
-            <a:ln w="38100" cmpd="sng">
-              <a:solidFill>
-                <a:schemeClr val="tx1"/>
-              </a:solidFill>
-            </a:ln>
-          </p:spPr>
-        </p:pic>
-        <p:pic>
-          <p:nvPicPr>
-            <p:cNvPr id="71" name="Picture 70" descr="ma14.jpg"/>
-            <p:cNvPicPr>
-              <a:picLocks noChangeAspect="1"/>
-            </p:cNvPicPr>
-            <p:nvPr/>
-          </p:nvPicPr>
-          <p:blipFill>
-            <a:blip r:embed="rId5">
-              <a:extLst>
-                <a:ext uri="{28A0092B-C50C-407E-A947-70E740481C1C}">
-                  <a14:useLocalDpi xmlns:a14="http://schemas.microsoft.com/office/drawing/2010/main" val="0"/>
-                </a:ext>
-              </a:extLst>
-            </a:blip>
-            <a:stretch>
-              <a:fillRect/>
-            </a:stretch>
-          </p:blipFill>
-          <p:spPr>
-            <a:xfrm>
-              <a:off x="1695450" y="2347383"/>
-              <a:ext cx="819150" cy="819150"/>
-            </a:xfrm>
-            <a:prstGeom prst="rect">
-              <a:avLst/>
-            </a:prstGeom>
-            <a:ln w="38100" cmpd="sng">
-              <a:solidFill>
-                <a:schemeClr val="tx1"/>
-              </a:solidFill>
-            </a:ln>
-          </p:spPr>
-        </p:pic>
-        <p:pic>
-          <p:nvPicPr>
-            <p:cNvPr id="72" name="Picture 71" descr="ma136.jpg"/>
-            <p:cNvPicPr>
-              <a:picLocks noChangeAspect="1"/>
-            </p:cNvPicPr>
-            <p:nvPr/>
-          </p:nvPicPr>
-          <p:blipFill>
-            <a:blip r:embed="rId6">
-              <a:extLst>
-                <a:ext uri="{28A0092B-C50C-407E-A947-70E740481C1C}">
-                  <a14:useLocalDpi xmlns:a14="http://schemas.microsoft.com/office/drawing/2010/main" val="0"/>
-                </a:ext>
-              </a:extLst>
-            </a:blip>
-            <a:stretch>
-              <a:fillRect/>
-            </a:stretch>
-          </p:blipFill>
-          <p:spPr>
-            <a:xfrm>
-              <a:off x="2070100" y="2682522"/>
-              <a:ext cx="819150" cy="819150"/>
-            </a:xfrm>
-            <a:prstGeom prst="rect">
-              <a:avLst/>
-            </a:prstGeom>
-            <a:ln w="38100" cmpd="sng">
-              <a:solidFill>
-                <a:schemeClr val="tx1"/>
-              </a:solidFill>
-            </a:ln>
-          </p:spPr>
-        </p:pic>
-        <p:pic>
-          <p:nvPicPr>
-            <p:cNvPr id="73" name="Picture 72" descr="ma164.jpg"/>
-            <p:cNvPicPr>
-              <a:picLocks noChangeAspect="1"/>
-            </p:cNvPicPr>
-            <p:nvPr/>
-          </p:nvPicPr>
-          <p:blipFill>
-            <a:blip r:embed="rId7">
-              <a:extLst>
-                <a:ext uri="{28A0092B-C50C-407E-A947-70E740481C1C}">
-                  <a14:useLocalDpi xmlns:a14="http://schemas.microsoft.com/office/drawing/2010/main" val="0"/>
-                </a:ext>
-              </a:extLst>
-            </a:blip>
-            <a:stretch>
-              <a:fillRect/>
-            </a:stretch>
-          </p:blipFill>
-          <p:spPr>
-            <a:xfrm>
-              <a:off x="2444750" y="3017661"/>
-              <a:ext cx="819150" cy="819150"/>
-            </a:xfrm>
-            <a:prstGeom prst="rect">
-              <a:avLst/>
-            </a:prstGeom>
-            <a:ln w="38100" cmpd="sng">
-              <a:solidFill>
-                <a:schemeClr val="tx1"/>
-              </a:solidFill>
-            </a:ln>
-          </p:spPr>
-        </p:pic>
-        <p:pic>
-          <p:nvPicPr>
-            <p:cNvPr id="74" name="Picture 73" descr="a3.jpg"/>
-            <p:cNvPicPr>
-              <a:picLocks noChangeAspect="1"/>
-            </p:cNvPicPr>
-            <p:nvPr/>
-          </p:nvPicPr>
-          <p:blipFill>
-            <a:blip r:embed="rId8">
-              <a:extLst>
-                <a:ext uri="{28A0092B-C50C-407E-A947-70E740481C1C}">
-                  <a14:useLocalDpi xmlns:a14="http://schemas.microsoft.com/office/drawing/2010/main" val="0"/>
-                </a:ext>
-              </a:extLst>
-            </a:blip>
-            <a:stretch>
-              <a:fillRect/>
-            </a:stretch>
-          </p:blipFill>
-          <p:spPr>
-            <a:xfrm>
-              <a:off x="2819400" y="3352800"/>
-              <a:ext cx="1066800" cy="1066800"/>
-            </a:xfrm>
-            <a:prstGeom prst="rect">
-              <a:avLst/>
-            </a:prstGeom>
-          </p:spPr>
-        </p:pic>
-        <p:pic>
-          <p:nvPicPr>
-            <p:cNvPr id="75" name="Picture 74" descr="ma9.jpg"/>
-            <p:cNvPicPr>
-              <a:picLocks noChangeAspect="1"/>
-            </p:cNvPicPr>
-            <p:nvPr/>
-          </p:nvPicPr>
-          <p:blipFill>
-            <a:blip r:embed="rId4">
-              <a:extLst>
-                <a:ext uri="{28A0092B-C50C-407E-A947-70E740481C1C}">
-                  <a14:useLocalDpi xmlns:a14="http://schemas.microsoft.com/office/drawing/2010/main" val="0"/>
-                </a:ext>
-              </a:extLst>
-            </a:blip>
-            <a:stretch>
-              <a:fillRect/>
-            </a:stretch>
-          </p:blipFill>
-          <p:spPr>
-            <a:xfrm>
-              <a:off x="3441700" y="3935588"/>
-              <a:ext cx="819150" cy="819150"/>
-            </a:xfrm>
-            <a:prstGeom prst="rect">
-              <a:avLst/>
-            </a:prstGeom>
-            <a:ln w="38100" cmpd="sng">
-              <a:solidFill>
-                <a:schemeClr val="tx1"/>
-              </a:solidFill>
-            </a:ln>
-          </p:spPr>
-        </p:pic>
-      </p:grpSp>
-      <p:grpSp>
-        <p:nvGrpSpPr>
-          <p:cNvPr id="76" name="Group 75"/>
-          <p:cNvGrpSpPr/>
-          <p:nvPr/>
-        </p:nvGrpSpPr>
-        <p:grpSpPr>
-          <a:xfrm>
-            <a:off x="4419600" y="1066800"/>
-            <a:ext cx="1212850" cy="1126107"/>
-            <a:chOff x="946150" y="1677105"/>
-            <a:chExt cx="3314700" cy="3077633"/>
-          </a:xfrm>
-        </p:grpSpPr>
-        <p:pic>
-          <p:nvPicPr>
-            <p:cNvPr id="77" name="Picture 76" descr="ma1.jpg"/>
-            <p:cNvPicPr>
-              <a:picLocks noChangeAspect="1"/>
-            </p:cNvPicPr>
-            <p:nvPr/>
-          </p:nvPicPr>
-          <p:blipFill>
-            <a:blip r:embed="rId3">
-              <a:extLst>
-                <a:ext uri="{28A0092B-C50C-407E-A947-70E740481C1C}">
-                  <a14:useLocalDpi xmlns:a14="http://schemas.microsoft.com/office/drawing/2010/main" val="0"/>
-                </a:ext>
-              </a:extLst>
-            </a:blip>
-            <a:stretch>
-              <a:fillRect/>
-            </a:stretch>
-          </p:blipFill>
-          <p:spPr>
-            <a:xfrm>
-              <a:off x="946150" y="1677105"/>
-              <a:ext cx="819150" cy="819150"/>
-            </a:xfrm>
-            <a:prstGeom prst="rect">
-              <a:avLst/>
-            </a:prstGeom>
-            <a:ln w="38100" cmpd="sng">
-              <a:solidFill>
-                <a:schemeClr val="tx1"/>
-              </a:solidFill>
-            </a:ln>
-          </p:spPr>
-        </p:pic>
-        <p:pic>
-          <p:nvPicPr>
-            <p:cNvPr id="78" name="Picture 77" descr="ma9.jpg"/>
-            <p:cNvPicPr>
-              <a:picLocks noChangeAspect="1"/>
-            </p:cNvPicPr>
-            <p:nvPr/>
-          </p:nvPicPr>
-          <p:blipFill>
-            <a:blip r:embed="rId4">
-              <a:extLst>
-                <a:ext uri="{28A0092B-C50C-407E-A947-70E740481C1C}">
-                  <a14:useLocalDpi xmlns:a14="http://schemas.microsoft.com/office/drawing/2010/main" val="0"/>
-                </a:ext>
-              </a:extLst>
-            </a:blip>
-            <a:stretch>
-              <a:fillRect/>
-            </a:stretch>
-          </p:blipFill>
-          <p:spPr>
-            <a:xfrm>
-              <a:off x="1320800" y="2012244"/>
-              <a:ext cx="819150" cy="819150"/>
-            </a:xfrm>
-            <a:prstGeom prst="rect">
-              <a:avLst/>
-            </a:prstGeom>
-            <a:ln w="38100" cmpd="sng">
-              <a:solidFill>
-                <a:schemeClr val="tx1"/>
-              </a:solidFill>
-            </a:ln>
-          </p:spPr>
-        </p:pic>
-        <p:pic>
-          <p:nvPicPr>
-            <p:cNvPr id="79" name="Picture 78" descr="ma14.jpg"/>
-            <p:cNvPicPr>
-              <a:picLocks noChangeAspect="1"/>
-            </p:cNvPicPr>
-            <p:nvPr/>
-          </p:nvPicPr>
-          <p:blipFill>
-            <a:blip r:embed="rId5">
-              <a:extLst>
-                <a:ext uri="{28A0092B-C50C-407E-A947-70E740481C1C}">
-                  <a14:useLocalDpi xmlns:a14="http://schemas.microsoft.com/office/drawing/2010/main" val="0"/>
-                </a:ext>
-              </a:extLst>
-            </a:blip>
-            <a:stretch>
-              <a:fillRect/>
-            </a:stretch>
-          </p:blipFill>
-          <p:spPr>
-            <a:xfrm>
-              <a:off x="1695450" y="2347383"/>
-              <a:ext cx="819150" cy="819150"/>
-            </a:xfrm>
-            <a:prstGeom prst="rect">
-              <a:avLst/>
-            </a:prstGeom>
-            <a:ln w="38100" cmpd="sng">
-              <a:solidFill>
-                <a:schemeClr val="tx1"/>
-              </a:solidFill>
-            </a:ln>
-          </p:spPr>
-        </p:pic>
-        <p:pic>
-          <p:nvPicPr>
-            <p:cNvPr id="80" name="Picture 79" descr="ma136.jpg"/>
-            <p:cNvPicPr>
-              <a:picLocks noChangeAspect="1"/>
-            </p:cNvPicPr>
-            <p:nvPr/>
-          </p:nvPicPr>
-          <p:blipFill>
-            <a:blip r:embed="rId6">
-              <a:extLst>
-                <a:ext uri="{28A0092B-C50C-407E-A947-70E740481C1C}">
-                  <a14:useLocalDpi xmlns:a14="http://schemas.microsoft.com/office/drawing/2010/main" val="0"/>
-                </a:ext>
-              </a:extLst>
-            </a:blip>
-            <a:stretch>
-              <a:fillRect/>
-            </a:stretch>
-          </p:blipFill>
-          <p:spPr>
-            <a:xfrm>
-              <a:off x="2070100" y="2682522"/>
-              <a:ext cx="819150" cy="819150"/>
-            </a:xfrm>
-            <a:prstGeom prst="rect">
-              <a:avLst/>
-            </a:prstGeom>
-            <a:ln w="38100" cmpd="sng">
-              <a:solidFill>
-                <a:schemeClr val="tx1"/>
-              </a:solidFill>
-            </a:ln>
-          </p:spPr>
-        </p:pic>
-        <p:pic>
-          <p:nvPicPr>
-            <p:cNvPr id="81" name="Picture 80" descr="ma164.jpg"/>
-            <p:cNvPicPr>
-              <a:picLocks noChangeAspect="1"/>
-            </p:cNvPicPr>
-            <p:nvPr/>
-          </p:nvPicPr>
-          <p:blipFill>
-            <a:blip r:embed="rId7">
-              <a:extLst>
-                <a:ext uri="{28A0092B-C50C-407E-A947-70E740481C1C}">
-                  <a14:useLocalDpi xmlns:a14="http://schemas.microsoft.com/office/drawing/2010/main" val="0"/>
-                </a:ext>
-              </a:extLst>
-            </a:blip>
-            <a:stretch>
-              <a:fillRect/>
-            </a:stretch>
-          </p:blipFill>
-          <p:spPr>
-            <a:xfrm>
-              <a:off x="2444750" y="3017661"/>
-              <a:ext cx="819150" cy="819150"/>
-            </a:xfrm>
-            <a:prstGeom prst="rect">
-              <a:avLst/>
-            </a:prstGeom>
-            <a:ln w="38100" cmpd="sng">
-              <a:solidFill>
-                <a:schemeClr val="tx1"/>
-              </a:solidFill>
-            </a:ln>
-          </p:spPr>
-        </p:pic>
-        <p:pic>
-          <p:nvPicPr>
-            <p:cNvPr id="82" name="Picture 81" descr="a3.jpg"/>
-            <p:cNvPicPr>
-              <a:picLocks noChangeAspect="1"/>
-            </p:cNvPicPr>
-            <p:nvPr/>
-          </p:nvPicPr>
-          <p:blipFill>
-            <a:blip r:embed="rId8">
-              <a:extLst>
-                <a:ext uri="{28A0092B-C50C-407E-A947-70E740481C1C}">
-                  <a14:useLocalDpi xmlns:a14="http://schemas.microsoft.com/office/drawing/2010/main" val="0"/>
-                </a:ext>
-              </a:extLst>
-            </a:blip>
-            <a:stretch>
-              <a:fillRect/>
-            </a:stretch>
-          </p:blipFill>
-          <p:spPr>
-            <a:xfrm>
-              <a:off x="2819400" y="3352800"/>
-              <a:ext cx="1066800" cy="1066800"/>
-            </a:xfrm>
-            <a:prstGeom prst="rect">
-              <a:avLst/>
-            </a:prstGeom>
-          </p:spPr>
-        </p:pic>
-        <p:pic>
-          <p:nvPicPr>
-            <p:cNvPr id="83" name="Picture 82" descr="ma9.jpg"/>
-            <p:cNvPicPr>
-              <a:picLocks noChangeAspect="1"/>
-            </p:cNvPicPr>
-            <p:nvPr/>
-          </p:nvPicPr>
-          <p:blipFill>
-            <a:blip r:embed="rId4">
-              <a:extLst>
-                <a:ext uri="{28A0092B-C50C-407E-A947-70E740481C1C}">
-                  <a14:useLocalDpi xmlns:a14="http://schemas.microsoft.com/office/drawing/2010/main" val="0"/>
-                </a:ext>
-              </a:extLst>
-            </a:blip>
-            <a:stretch>
-              <a:fillRect/>
-            </a:stretch>
-          </p:blipFill>
-          <p:spPr>
-            <a:xfrm>
-              <a:off x="3441700" y="3935588"/>
-              <a:ext cx="819150" cy="819150"/>
-            </a:xfrm>
-            <a:prstGeom prst="rect">
-              <a:avLst/>
-            </a:prstGeom>
-            <a:ln w="38100" cmpd="sng">
-              <a:solidFill>
-                <a:schemeClr val="tx1"/>
-              </a:solidFill>
-            </a:ln>
-          </p:spPr>
-        </p:pic>
-      </p:grpSp>
-      <p:sp>
-        <p:nvSpPr>
-          <p:cNvPr id="7179" name="TextBox 7178"/>
-          <p:cNvSpPr txBox="1"/>
-          <p:nvPr/>
-        </p:nvSpPr>
-        <p:spPr>
-          <a:xfrm>
-            <a:off x="8001000" y="533400"/>
-            <a:ext cx="677890" cy="369332"/>
-          </a:xfrm>
-          <a:prstGeom prst="rect">
-            <a:avLst/>
-          </a:prstGeom>
-          <a:noFill/>
-        </p:spPr>
-        <p:txBody>
-          <a:bodyPr wrap="none" rtlCol="0">
-            <a:spAutoFit/>
-          </a:bodyPr>
-          <a:lstStyle/>
-          <a:p>
-            <a:r>
-              <a:rPr lang="en-US" dirty="0" smtClean="0"/>
-              <a:t>(n=4)</a:t>
-            </a:r>
-            <a:endParaRPr lang="en-US" dirty="0"/>
-          </a:p>
-        </p:txBody>
-      </p:sp>
     </p:spTree>
     <p:extLst>
       <p:ext uri="{BB962C8B-B14F-4D97-AF65-F5344CB8AC3E}">
-        <p14:creationId xmlns:p14="http://schemas.microsoft.com/office/powerpoint/2010/main" val="2397960789"/>
+        <p14:creationId xmlns:p14="http://schemas.microsoft.com/office/powerpoint/2010/main" val="676241581"/>
       </p:ext>
     </p:extLst>
   </p:cSld>

--- a/docs/20150311_birman_psych254final.pptx
+++ b/docs/20150311_birman_psych254final.pptx
@@ -5,18 +5,23 @@
     <p:sldMasterId id="2147483780" r:id="rId1"/>
   </p:sldMasterIdLst>
   <p:notesMasterIdLst>
-    <p:notesMasterId r:id="rId11"/>
+    <p:notesMasterId r:id="rId16"/>
   </p:notesMasterIdLst>
   <p:sldIdLst>
     <p:sldId id="256" r:id="rId2"/>
     <p:sldId id="303" r:id="rId3"/>
     <p:sldId id="304" r:id="rId4"/>
     <p:sldId id="305" r:id="rId5"/>
-    <p:sldId id="306" r:id="rId6"/>
-    <p:sldId id="302" r:id="rId7"/>
-    <p:sldId id="264" r:id="rId8"/>
-    <p:sldId id="307" r:id="rId9"/>
-    <p:sldId id="308" r:id="rId10"/>
+    <p:sldId id="312" r:id="rId6"/>
+    <p:sldId id="306" r:id="rId7"/>
+    <p:sldId id="302" r:id="rId8"/>
+    <p:sldId id="313" r:id="rId9"/>
+    <p:sldId id="264" r:id="rId10"/>
+    <p:sldId id="311" r:id="rId11"/>
+    <p:sldId id="310" r:id="rId12"/>
+    <p:sldId id="309" r:id="rId13"/>
+    <p:sldId id="307" r:id="rId14"/>
+    <p:sldId id="308" r:id="rId15"/>
   </p:sldIdLst>
   <p:sldSz cx="9144000" cy="6858000" type="screen4x3"/>
   <p:notesSz cx="6858000" cy="9144000"/>
@@ -200,7 +205,7 @@
           <a:p>
             <a:fld id="{7DB4435A-84EC-410C-8C2F-EF04E51DF035}" type="datetimeFigureOut">
               <a:rPr lang="en-US" smtClean="0"/>
-              <a:t>2/26/15</a:t>
+              <a:t>3/5/2015</a:t>
             </a:fld>
             <a:endParaRPr lang="en-US"/>
           </a:p>
@@ -552,6 +557,358 @@
 </p:notes>
 </file>
 
+<file path=ppt/notesSlides/notesSlide10.xml><?xml version="1.0" encoding="utf-8"?>
+<p:notes xmlns:a="http://schemas.openxmlformats.org/drawingml/2006/main" xmlns:r="http://schemas.openxmlformats.org/officeDocument/2006/relationships" xmlns:p="http://schemas.openxmlformats.org/presentationml/2006/main">
+  <p:cSld>
+    <p:spTree>
+      <p:nvGrpSpPr>
+        <p:cNvPr id="1" name=""/>
+        <p:cNvGrpSpPr/>
+        <p:nvPr/>
+      </p:nvGrpSpPr>
+      <p:grpSpPr>
+        <a:xfrm>
+          <a:off x="0" y="0"/>
+          <a:ext cx="0" cy="0"/>
+          <a:chOff x="0" y="0"/>
+          <a:chExt cx="0" cy="0"/>
+        </a:xfrm>
+      </p:grpSpPr>
+      <p:sp>
+        <p:nvSpPr>
+          <p:cNvPr id="2" name="Slide Image Placeholder 1"/>
+          <p:cNvSpPr>
+            <a:spLocks noGrp="1" noRot="1" noChangeAspect="1"/>
+          </p:cNvSpPr>
+          <p:nvPr>
+            <p:ph type="sldImg"/>
+          </p:nvPr>
+        </p:nvSpPr>
+        <p:spPr/>
+      </p:sp>
+      <p:sp>
+        <p:nvSpPr>
+          <p:cNvPr id="3" name="Notes Placeholder 2"/>
+          <p:cNvSpPr>
+            <a:spLocks noGrp="1"/>
+          </p:cNvSpPr>
+          <p:nvPr>
+            <p:ph type="body" idx="1"/>
+          </p:nvPr>
+        </p:nvSpPr>
+        <p:spPr/>
+        <p:txBody>
+          <a:bodyPr/>
+          <a:lstStyle/>
+          <a:p>
+            <a:r>
+              <a:rPr lang="en-US" dirty="0" smtClean="0"/>
+              <a:t>Some tasks DO interfere enough to inhibit awareness. No awareness without attention. So is attention the precursor to awareness?</a:t>
+            </a:r>
+            <a:endParaRPr lang="en-US" dirty="0"/>
+          </a:p>
+        </p:txBody>
+      </p:sp>
+      <p:sp>
+        <p:nvSpPr>
+          <p:cNvPr id="4" name="Slide Number Placeholder 3"/>
+          <p:cNvSpPr>
+            <a:spLocks noGrp="1"/>
+          </p:cNvSpPr>
+          <p:nvPr>
+            <p:ph type="sldNum" sz="quarter" idx="10"/>
+          </p:nvPr>
+        </p:nvSpPr>
+        <p:spPr/>
+        <p:txBody>
+          <a:bodyPr/>
+          <a:lstStyle/>
+          <a:p>
+            <a:fld id="{24543040-5F58-4D6A-B5BF-6B98E12DA37D}" type="slidenum">
+              <a:rPr lang="en-US" smtClean="0"/>
+              <a:t>11</a:t>
+            </a:fld>
+            <a:endParaRPr lang="en-US"/>
+          </a:p>
+        </p:txBody>
+      </p:sp>
+    </p:spTree>
+    <p:extLst>
+      <p:ext uri="{BB962C8B-B14F-4D97-AF65-F5344CB8AC3E}">
+        <p14:creationId xmlns:p14="http://schemas.microsoft.com/office/powerpoint/2010/main" val="1271083850"/>
+      </p:ext>
+    </p:extLst>
+  </p:cSld>
+  <p:clrMapOvr>
+    <a:masterClrMapping/>
+  </p:clrMapOvr>
+</p:notes>
+</file>
+
+<file path=ppt/notesSlides/notesSlide11.xml><?xml version="1.0" encoding="utf-8"?>
+<p:notes xmlns:a="http://schemas.openxmlformats.org/drawingml/2006/main" xmlns:r="http://schemas.openxmlformats.org/officeDocument/2006/relationships" xmlns:p="http://schemas.openxmlformats.org/presentationml/2006/main">
+  <p:cSld>
+    <p:spTree>
+      <p:nvGrpSpPr>
+        <p:cNvPr id="1" name=""/>
+        <p:cNvGrpSpPr/>
+        <p:nvPr/>
+      </p:nvGrpSpPr>
+      <p:grpSpPr>
+        <a:xfrm>
+          <a:off x="0" y="0"/>
+          <a:ext cx="0" cy="0"/>
+          <a:chOff x="0" y="0"/>
+          <a:chExt cx="0" cy="0"/>
+        </a:xfrm>
+      </p:grpSpPr>
+      <p:sp>
+        <p:nvSpPr>
+          <p:cNvPr id="2" name="Slide Image Placeholder 1"/>
+          <p:cNvSpPr>
+            <a:spLocks noGrp="1" noRot="1" noChangeAspect="1"/>
+          </p:cNvSpPr>
+          <p:nvPr>
+            <p:ph type="sldImg"/>
+          </p:nvPr>
+        </p:nvSpPr>
+        <p:spPr/>
+      </p:sp>
+      <p:sp>
+        <p:nvSpPr>
+          <p:cNvPr id="3" name="Notes Placeholder 2"/>
+          <p:cNvSpPr>
+            <a:spLocks noGrp="1"/>
+          </p:cNvSpPr>
+          <p:nvPr>
+            <p:ph type="body" idx="1"/>
+          </p:nvPr>
+        </p:nvSpPr>
+        <p:spPr/>
+        <p:txBody>
+          <a:bodyPr/>
+          <a:lstStyle/>
+          <a:p>
+            <a:r>
+              <a:rPr lang="en-US" dirty="0" smtClean="0"/>
+              <a:t>Some tasks DO interfere enough to inhibit awareness. No awareness without attention. So is attention the precursor to awareness?</a:t>
+            </a:r>
+            <a:endParaRPr lang="en-US" dirty="0"/>
+          </a:p>
+        </p:txBody>
+      </p:sp>
+      <p:sp>
+        <p:nvSpPr>
+          <p:cNvPr id="4" name="Slide Number Placeholder 3"/>
+          <p:cNvSpPr>
+            <a:spLocks noGrp="1"/>
+          </p:cNvSpPr>
+          <p:nvPr>
+            <p:ph type="sldNum" sz="quarter" idx="10"/>
+          </p:nvPr>
+        </p:nvSpPr>
+        <p:spPr/>
+        <p:txBody>
+          <a:bodyPr/>
+          <a:lstStyle/>
+          <a:p>
+            <a:fld id="{24543040-5F58-4D6A-B5BF-6B98E12DA37D}" type="slidenum">
+              <a:rPr lang="en-US" smtClean="0"/>
+              <a:t>12</a:t>
+            </a:fld>
+            <a:endParaRPr lang="en-US"/>
+          </a:p>
+        </p:txBody>
+      </p:sp>
+    </p:spTree>
+    <p:extLst>
+      <p:ext uri="{BB962C8B-B14F-4D97-AF65-F5344CB8AC3E}">
+        <p14:creationId xmlns:p14="http://schemas.microsoft.com/office/powerpoint/2010/main" val="1271083850"/>
+      </p:ext>
+    </p:extLst>
+  </p:cSld>
+  <p:clrMapOvr>
+    <a:masterClrMapping/>
+  </p:clrMapOvr>
+</p:notes>
+</file>
+
+<file path=ppt/notesSlides/notesSlide12.xml><?xml version="1.0" encoding="utf-8"?>
+<p:notes xmlns:a="http://schemas.openxmlformats.org/drawingml/2006/main" xmlns:r="http://schemas.openxmlformats.org/officeDocument/2006/relationships" xmlns:p="http://schemas.openxmlformats.org/presentationml/2006/main">
+  <p:cSld>
+    <p:spTree>
+      <p:nvGrpSpPr>
+        <p:cNvPr id="1" name=""/>
+        <p:cNvGrpSpPr/>
+        <p:nvPr/>
+      </p:nvGrpSpPr>
+      <p:grpSpPr>
+        <a:xfrm>
+          <a:off x="0" y="0"/>
+          <a:ext cx="0" cy="0"/>
+          <a:chOff x="0" y="0"/>
+          <a:chExt cx="0" cy="0"/>
+        </a:xfrm>
+      </p:grpSpPr>
+      <p:sp>
+        <p:nvSpPr>
+          <p:cNvPr id="2" name="Slide Image Placeholder 1"/>
+          <p:cNvSpPr>
+            <a:spLocks noGrp="1" noRot="1" noChangeAspect="1"/>
+          </p:cNvSpPr>
+          <p:nvPr>
+            <p:ph type="sldImg"/>
+          </p:nvPr>
+        </p:nvSpPr>
+        <p:spPr/>
+      </p:sp>
+      <p:sp>
+        <p:nvSpPr>
+          <p:cNvPr id="3" name="Notes Placeholder 2"/>
+          <p:cNvSpPr>
+            <a:spLocks noGrp="1"/>
+          </p:cNvSpPr>
+          <p:nvPr>
+            <p:ph type="body" idx="1"/>
+          </p:nvPr>
+        </p:nvSpPr>
+        <p:spPr/>
+        <p:txBody>
+          <a:bodyPr/>
+          <a:lstStyle/>
+          <a:p>
+            <a:r>
+              <a:rPr lang="en-US" dirty="0" smtClean="0"/>
+              <a:t>Some tasks DO interfere enough to inhibit awareness. No awareness without attention. So is attention the precursor to awareness?</a:t>
+            </a:r>
+            <a:endParaRPr lang="en-US" dirty="0"/>
+          </a:p>
+        </p:txBody>
+      </p:sp>
+      <p:sp>
+        <p:nvSpPr>
+          <p:cNvPr id="4" name="Slide Number Placeholder 3"/>
+          <p:cNvSpPr>
+            <a:spLocks noGrp="1"/>
+          </p:cNvSpPr>
+          <p:nvPr>
+            <p:ph type="sldNum" sz="quarter" idx="10"/>
+          </p:nvPr>
+        </p:nvSpPr>
+        <p:spPr/>
+        <p:txBody>
+          <a:bodyPr/>
+          <a:lstStyle/>
+          <a:p>
+            <a:fld id="{24543040-5F58-4D6A-B5BF-6B98E12DA37D}" type="slidenum">
+              <a:rPr lang="en-US" smtClean="0"/>
+              <a:t>13</a:t>
+            </a:fld>
+            <a:endParaRPr lang="en-US"/>
+          </a:p>
+        </p:txBody>
+      </p:sp>
+    </p:spTree>
+    <p:extLst>
+      <p:ext uri="{BB962C8B-B14F-4D97-AF65-F5344CB8AC3E}">
+        <p14:creationId xmlns:p14="http://schemas.microsoft.com/office/powerpoint/2010/main" val="1271083850"/>
+      </p:ext>
+    </p:extLst>
+  </p:cSld>
+  <p:clrMapOvr>
+    <a:masterClrMapping/>
+  </p:clrMapOvr>
+</p:notes>
+</file>
+
+<file path=ppt/notesSlides/notesSlide13.xml><?xml version="1.0" encoding="utf-8"?>
+<p:notes xmlns:a="http://schemas.openxmlformats.org/drawingml/2006/main" xmlns:r="http://schemas.openxmlformats.org/officeDocument/2006/relationships" xmlns:p="http://schemas.openxmlformats.org/presentationml/2006/main">
+  <p:cSld>
+    <p:spTree>
+      <p:nvGrpSpPr>
+        <p:cNvPr id="1" name=""/>
+        <p:cNvGrpSpPr/>
+        <p:nvPr/>
+      </p:nvGrpSpPr>
+      <p:grpSpPr>
+        <a:xfrm>
+          <a:off x="0" y="0"/>
+          <a:ext cx="0" cy="0"/>
+          <a:chOff x="0" y="0"/>
+          <a:chExt cx="0" cy="0"/>
+        </a:xfrm>
+      </p:grpSpPr>
+      <p:sp>
+        <p:nvSpPr>
+          <p:cNvPr id="2" name="Slide Image Placeholder 1"/>
+          <p:cNvSpPr>
+            <a:spLocks noGrp="1" noRot="1" noChangeAspect="1"/>
+          </p:cNvSpPr>
+          <p:nvPr>
+            <p:ph type="sldImg"/>
+          </p:nvPr>
+        </p:nvSpPr>
+        <p:spPr/>
+      </p:sp>
+      <p:sp>
+        <p:nvSpPr>
+          <p:cNvPr id="3" name="Notes Placeholder 2"/>
+          <p:cNvSpPr>
+            <a:spLocks noGrp="1"/>
+          </p:cNvSpPr>
+          <p:nvPr>
+            <p:ph type="body" idx="1"/>
+          </p:nvPr>
+        </p:nvSpPr>
+        <p:spPr/>
+        <p:txBody>
+          <a:bodyPr/>
+          <a:lstStyle/>
+          <a:p>
+            <a:r>
+              <a:rPr lang="en-US" dirty="0" smtClean="0"/>
+              <a:t>Some tasks DO interfere enough to inhibit awareness. No awareness without attention. So is attention the precursor to awareness?</a:t>
+            </a:r>
+            <a:endParaRPr lang="en-US" dirty="0"/>
+          </a:p>
+        </p:txBody>
+      </p:sp>
+      <p:sp>
+        <p:nvSpPr>
+          <p:cNvPr id="4" name="Slide Number Placeholder 3"/>
+          <p:cNvSpPr>
+            <a:spLocks noGrp="1"/>
+          </p:cNvSpPr>
+          <p:nvPr>
+            <p:ph type="sldNum" sz="quarter" idx="10"/>
+          </p:nvPr>
+        </p:nvSpPr>
+        <p:spPr/>
+        <p:txBody>
+          <a:bodyPr/>
+          <a:lstStyle/>
+          <a:p>
+            <a:fld id="{24543040-5F58-4D6A-B5BF-6B98E12DA37D}" type="slidenum">
+              <a:rPr lang="en-US" smtClean="0"/>
+              <a:t>14</a:t>
+            </a:fld>
+            <a:endParaRPr lang="en-US"/>
+          </a:p>
+        </p:txBody>
+      </p:sp>
+    </p:spTree>
+    <p:extLst>
+      <p:ext uri="{BB962C8B-B14F-4D97-AF65-F5344CB8AC3E}">
+        <p14:creationId xmlns:p14="http://schemas.microsoft.com/office/powerpoint/2010/main" val="1271083850"/>
+      </p:ext>
+    </p:extLst>
+  </p:cSld>
+  <p:clrMapOvr>
+    <a:masterClrMapping/>
+  </p:clrMapOvr>
+</p:notes>
+</file>
+
 <file path=ppt/notesSlides/notesSlide2.xml><?xml version="1.0" encoding="utf-8"?>
 <p:notes xmlns:a="http://schemas.openxmlformats.org/drawingml/2006/main" xmlns:r="http://schemas.openxmlformats.org/officeDocument/2006/relationships" xmlns:p="http://schemas.openxmlformats.org/presentationml/2006/main">
   <p:cSld>
@@ -874,10 +1231,6 @@
           <a:bodyPr/>
           <a:lstStyle/>
           <a:p>
-            <a:r>
-              <a:rPr lang="en-US" dirty="0" smtClean="0"/>
-              <a:t>Some tasks DO interfere enough to inhibit awareness. No awareness without attention. So is attention the precursor to awareness?</a:t>
-            </a:r>
             <a:endParaRPr lang="en-US" dirty="0"/>
           </a:p>
         </p:txBody>
@@ -1164,6 +1517,94 @@
             <a:fld id="{24543040-5F58-4D6A-B5BF-6B98E12DA37D}" type="slidenum">
               <a:rPr lang="en-US" smtClean="0"/>
               <a:t>9</a:t>
+            </a:fld>
+            <a:endParaRPr lang="en-US"/>
+          </a:p>
+        </p:txBody>
+      </p:sp>
+    </p:spTree>
+    <p:extLst>
+      <p:ext uri="{BB962C8B-B14F-4D97-AF65-F5344CB8AC3E}">
+        <p14:creationId xmlns:p14="http://schemas.microsoft.com/office/powerpoint/2010/main" val="1271083850"/>
+      </p:ext>
+    </p:extLst>
+  </p:cSld>
+  <p:clrMapOvr>
+    <a:masterClrMapping/>
+  </p:clrMapOvr>
+</p:notes>
+</file>
+
+<file path=ppt/notesSlides/notesSlide9.xml><?xml version="1.0" encoding="utf-8"?>
+<p:notes xmlns:a="http://schemas.openxmlformats.org/drawingml/2006/main" xmlns:r="http://schemas.openxmlformats.org/officeDocument/2006/relationships" xmlns:p="http://schemas.openxmlformats.org/presentationml/2006/main">
+  <p:cSld>
+    <p:spTree>
+      <p:nvGrpSpPr>
+        <p:cNvPr id="1" name=""/>
+        <p:cNvGrpSpPr/>
+        <p:nvPr/>
+      </p:nvGrpSpPr>
+      <p:grpSpPr>
+        <a:xfrm>
+          <a:off x="0" y="0"/>
+          <a:ext cx="0" cy="0"/>
+          <a:chOff x="0" y="0"/>
+          <a:chExt cx="0" cy="0"/>
+        </a:xfrm>
+      </p:grpSpPr>
+      <p:sp>
+        <p:nvSpPr>
+          <p:cNvPr id="2" name="Slide Image Placeholder 1"/>
+          <p:cNvSpPr>
+            <a:spLocks noGrp="1" noRot="1" noChangeAspect="1"/>
+          </p:cNvSpPr>
+          <p:nvPr>
+            <p:ph type="sldImg"/>
+          </p:nvPr>
+        </p:nvSpPr>
+        <p:spPr/>
+      </p:sp>
+      <p:sp>
+        <p:nvSpPr>
+          <p:cNvPr id="3" name="Notes Placeholder 2"/>
+          <p:cNvSpPr>
+            <a:spLocks noGrp="1"/>
+          </p:cNvSpPr>
+          <p:nvPr>
+            <p:ph type="body" idx="1"/>
+          </p:nvPr>
+        </p:nvSpPr>
+        <p:spPr/>
+        <p:txBody>
+          <a:bodyPr/>
+          <a:lstStyle/>
+          <a:p>
+            <a:r>
+              <a:rPr lang="en-US" dirty="0" smtClean="0"/>
+              <a:t>Some tasks DO interfere enough to inhibit awareness. No awareness without attention. So is attention the precursor to awareness?</a:t>
+            </a:r>
+            <a:endParaRPr lang="en-US" dirty="0"/>
+          </a:p>
+        </p:txBody>
+      </p:sp>
+      <p:sp>
+        <p:nvSpPr>
+          <p:cNvPr id="4" name="Slide Number Placeholder 3"/>
+          <p:cNvSpPr>
+            <a:spLocks noGrp="1"/>
+          </p:cNvSpPr>
+          <p:nvPr>
+            <p:ph type="sldNum" sz="quarter" idx="10"/>
+          </p:nvPr>
+        </p:nvSpPr>
+        <p:spPr/>
+        <p:txBody>
+          <a:bodyPr/>
+          <a:lstStyle/>
+          <a:p>
+            <a:fld id="{24543040-5F58-4D6A-B5BF-6B98E12DA37D}" type="slidenum">
+              <a:rPr lang="en-US" smtClean="0"/>
+              <a:t>10</a:t>
             </a:fld>
             <a:endParaRPr lang="en-US"/>
           </a:p>
@@ -1363,7 +1804,7 @@
           <a:p>
             <a:fld id="{A6CF0A64-6BA4-45FB-9C25-D8A7F1D28DE8}" type="datetimeFigureOut">
               <a:rPr lang="en-US" smtClean="0"/>
-              <a:t>2/26/15</a:t>
+              <a:t>3/5/2015</a:t>
             </a:fld>
             <a:endParaRPr lang="en-US"/>
           </a:p>
@@ -1533,7 +1974,7 @@
           <a:p>
             <a:fld id="{A6CF0A64-6BA4-45FB-9C25-D8A7F1D28DE8}" type="datetimeFigureOut">
               <a:rPr lang="en-US" smtClean="0"/>
-              <a:t>2/26/15</a:t>
+              <a:t>3/5/2015</a:t>
             </a:fld>
             <a:endParaRPr lang="en-US"/>
           </a:p>
@@ -1713,7 +2154,7 @@
           <a:p>
             <a:fld id="{A6CF0A64-6BA4-45FB-9C25-D8A7F1D28DE8}" type="datetimeFigureOut">
               <a:rPr lang="en-US" smtClean="0"/>
-              <a:t>2/26/15</a:t>
+              <a:t>3/5/2015</a:t>
             </a:fld>
             <a:endParaRPr lang="en-US"/>
           </a:p>
@@ -1883,7 +2324,7 @@
           <a:p>
             <a:fld id="{A6CF0A64-6BA4-45FB-9C25-D8A7F1D28DE8}" type="datetimeFigureOut">
               <a:rPr lang="en-US" smtClean="0"/>
-              <a:t>2/26/15</a:t>
+              <a:t>3/5/2015</a:t>
             </a:fld>
             <a:endParaRPr lang="en-US"/>
           </a:p>
@@ -1944,7 +2385,7 @@
   <p:timing>
     <p:tnLst>
       <p:par>
-        <p:cTn xmlns:p14="http://schemas.microsoft.com/office/powerpoint/2010/main" id="1" dur="indefinite" restart="never" nodeType="tmRoot"/>
+        <p:cTn id="1" dur="indefinite" restart="never" nodeType="tmRoot"/>
       </p:par>
     </p:tnLst>
   </p:timing>
@@ -2136,7 +2577,7 @@
           <a:p>
             <a:fld id="{A6CF0A64-6BA4-45FB-9C25-D8A7F1D28DE8}" type="datetimeFigureOut">
               <a:rPr lang="en-US" smtClean="0"/>
-              <a:t>2/26/15</a:t>
+              <a:t>3/5/2015</a:t>
             </a:fld>
             <a:endParaRPr lang="en-US"/>
           </a:p>
@@ -2424,7 +2865,7 @@
           <a:p>
             <a:fld id="{A6CF0A64-6BA4-45FB-9C25-D8A7F1D28DE8}" type="datetimeFigureOut">
               <a:rPr lang="en-US" smtClean="0"/>
-              <a:t>2/26/15</a:t>
+              <a:t>3/5/2015</a:t>
             </a:fld>
             <a:endParaRPr lang="en-US"/>
           </a:p>
@@ -2846,7 +3287,7 @@
           <a:p>
             <a:fld id="{A6CF0A64-6BA4-45FB-9C25-D8A7F1D28DE8}" type="datetimeFigureOut">
               <a:rPr lang="en-US" smtClean="0"/>
-              <a:t>2/26/15</a:t>
+              <a:t>3/5/2015</a:t>
             </a:fld>
             <a:endParaRPr lang="en-US"/>
           </a:p>
@@ -2964,7 +3405,7 @@
           <a:p>
             <a:fld id="{A6CF0A64-6BA4-45FB-9C25-D8A7F1D28DE8}" type="datetimeFigureOut">
               <a:rPr lang="en-US" smtClean="0"/>
-              <a:t>2/26/15</a:t>
+              <a:t>3/5/2015</a:t>
             </a:fld>
             <a:endParaRPr lang="en-US"/>
           </a:p>
@@ -3059,7 +3500,7 @@
           <a:p>
             <a:fld id="{A6CF0A64-6BA4-45FB-9C25-D8A7F1D28DE8}" type="datetimeFigureOut">
               <a:rPr lang="en-US" smtClean="0"/>
-              <a:t>2/26/15</a:t>
+              <a:t>3/5/2015</a:t>
             </a:fld>
             <a:endParaRPr lang="en-US"/>
           </a:p>
@@ -3336,7 +3777,7 @@
           <a:p>
             <a:fld id="{A6CF0A64-6BA4-45FB-9C25-D8A7F1D28DE8}" type="datetimeFigureOut">
               <a:rPr lang="en-US" smtClean="0"/>
-              <a:t>2/26/15</a:t>
+              <a:t>3/5/2015</a:t>
             </a:fld>
             <a:endParaRPr lang="en-US"/>
           </a:p>
@@ -3589,7 +4030,7 @@
           <a:p>
             <a:fld id="{A6CF0A64-6BA4-45FB-9C25-D8A7F1D28DE8}" type="datetimeFigureOut">
               <a:rPr lang="en-US" smtClean="0"/>
-              <a:t>2/26/15</a:t>
+              <a:t>3/5/2015</a:t>
             </a:fld>
             <a:endParaRPr lang="en-US"/>
           </a:p>
@@ -3802,7 +4243,7 @@
           <a:p>
             <a:fld id="{A6CF0A64-6BA4-45FB-9C25-D8A7F1D28DE8}" type="datetimeFigureOut">
               <a:rPr lang="en-US" smtClean="0"/>
-              <a:t>2/26/15</a:t>
+              <a:t>3/5/2015</a:t>
             </a:fld>
             <a:endParaRPr lang="en-US"/>
           </a:p>
@@ -3910,7 +4351,7 @@
   <p:timing>
     <p:tnLst>
       <p:par>
-        <p:cTn xmlns:p14="http://schemas.microsoft.com/office/powerpoint/2010/main" id="1" dur="indefinite" restart="never" nodeType="tmRoot"/>
+        <p:cTn id="1" dur="indefinite" restart="never" nodeType="tmRoot"/>
       </p:par>
     </p:tnLst>
   </p:timing>
@@ -4203,14 +4644,19 @@
           <a:p>
             <a:r>
               <a:rPr lang="en-US" dirty="0" smtClean="0"/>
-              <a:t>Natural Scene Perception Requires Attention</a:t>
+              <a:t>Natural Scene Perception Requires </a:t>
             </a:r>
-            <a:br>
-              <a:rPr lang="en-US" dirty="0" smtClean="0"/>
-            </a:br>
             <a:r>
               <a:rPr lang="en-US" dirty="0" smtClean="0"/>
-              <a:t>(Cohen et al. 2011)</a:t>
+              <a:t>Attention (</a:t>
+            </a:r>
+            <a:r>
+              <a:rPr lang="en-US" dirty="0" smtClean="0"/>
+              <a:t>Cohen et al. 2011</a:t>
+            </a:r>
+            <a:r>
+              <a:rPr lang="en-US" dirty="0" smtClean="0"/>
+              <a:t>)</a:t>
             </a:r>
             <a:endParaRPr lang="en-US" dirty="0"/>
           </a:p>
@@ -4255,7 +4701,11 @@
             <a:pPr algn="r"/>
             <a:r>
               <a:rPr lang="en-US" dirty="0" smtClean="0"/>
-              <a:t>Psych 254 Mid – 2015-02-18</a:t>
+              <a:t>Psych 254 </a:t>
+            </a:r>
+            <a:r>
+              <a:rPr lang="en-US" dirty="0" smtClean="0"/>
+              <a:t>Final – 2015-03-11</a:t>
             </a:r>
             <a:endParaRPr lang="en-US" dirty="0"/>
           </a:p>
@@ -4274,7 +4724,3250 @@
   <p:timing>
     <p:tnLst>
       <p:par>
-        <p:cTn xmlns:p14="http://schemas.microsoft.com/office/powerpoint/2010/main" id="1" dur="indefinite" restart="never" nodeType="tmRoot"/>
+        <p:cTn id="1" dur="indefinite" restart="never" nodeType="tmRoot"/>
+      </p:par>
+    </p:tnLst>
+  </p:timing>
+</p:sld>
+</file>
+
+<file path=ppt/slides/slide10.xml><?xml version="1.0" encoding="utf-8"?>
+<p:sld xmlns:a="http://schemas.openxmlformats.org/drawingml/2006/main" xmlns:r="http://schemas.openxmlformats.org/officeDocument/2006/relationships" xmlns:p="http://schemas.openxmlformats.org/presentationml/2006/main">
+  <p:cSld>
+    <p:spTree>
+      <p:nvGrpSpPr>
+        <p:cNvPr id="1" name=""/>
+        <p:cNvGrpSpPr/>
+        <p:nvPr/>
+      </p:nvGrpSpPr>
+      <p:grpSpPr>
+        <a:xfrm>
+          <a:off x="0" y="0"/>
+          <a:ext cx="0" cy="0"/>
+          <a:chOff x="0" y="0"/>
+          <a:chExt cx="0" cy="0"/>
+        </a:xfrm>
+      </p:grpSpPr>
+      <p:pic>
+        <p:nvPicPr>
+          <p:cNvPr id="1026" name="Picture 2"/>
+          <p:cNvPicPr>
+            <a:picLocks noChangeAspect="1" noChangeArrowheads="1"/>
+          </p:cNvPicPr>
+          <p:nvPr/>
+        </p:nvPicPr>
+        <p:blipFill>
+          <a:blip r:embed="rId3">
+            <a:extLst>
+              <a:ext uri="{28A0092B-C50C-407E-A947-70E740481C1C}">
+                <a14:useLocalDpi xmlns:a14="http://schemas.microsoft.com/office/drawing/2010/main" val="0"/>
+              </a:ext>
+            </a:extLst>
+          </a:blip>
+          <a:srcRect/>
+          <a:stretch>
+            <a:fillRect/>
+          </a:stretch>
+        </p:blipFill>
+        <p:spPr bwMode="auto">
+          <a:xfrm>
+            <a:off x="271956" y="1017443"/>
+            <a:ext cx="9031081" cy="5557588"/>
+          </a:xfrm>
+          <a:prstGeom prst="rect">
+            <a:avLst/>
+          </a:prstGeom>
+          <a:noFill/>
+          <a:ln>
+            <a:noFill/>
+          </a:ln>
+          <a:effectLst/>
+          <a:extLst>
+            <a:ext uri="{909E8E84-426E-40DD-AFC4-6F175D3DCCD1}">
+              <a14:hiddenFill xmlns:a14="http://schemas.microsoft.com/office/drawing/2010/main">
+                <a:solidFill>
+                  <a:schemeClr val="accent1"/>
+                </a:solidFill>
+              </a14:hiddenFill>
+            </a:ext>
+            <a:ext uri="{91240B29-F687-4F45-9708-019B960494DF}">
+              <a14:hiddenLine xmlns:a14="http://schemas.microsoft.com/office/drawing/2010/main" w="9525">
+                <a:solidFill>
+                  <a:schemeClr val="tx1"/>
+                </a:solidFill>
+                <a:miter lim="800000"/>
+                <a:headEnd/>
+                <a:tailEnd/>
+              </a14:hiddenLine>
+            </a:ext>
+            <a:ext uri="{AF507438-7753-43E0-B8FC-AC1667EBCBE1}">
+              <a14:hiddenEffects xmlns:a14="http://schemas.microsoft.com/office/drawing/2010/main">
+                <a:effectLst>
+                  <a:outerShdw dist="35921" dir="2700000" algn="ctr" rotWithShape="0">
+                    <a:schemeClr val="bg2"/>
+                  </a:outerShdw>
+                </a:effectLst>
+              </a14:hiddenEffects>
+            </a:ext>
+          </a:extLst>
+        </p:spPr>
+      </p:pic>
+      <p:sp>
+        <p:nvSpPr>
+          <p:cNvPr id="11" name="TextBox 10"/>
+          <p:cNvSpPr txBox="1"/>
+          <p:nvPr/>
+        </p:nvSpPr>
+        <p:spPr>
+          <a:xfrm>
+            <a:off x="271956" y="228600"/>
+            <a:ext cx="6946325" cy="584775"/>
+          </a:xfrm>
+          <a:prstGeom prst="rect">
+            <a:avLst/>
+          </a:prstGeom>
+          <a:noFill/>
+        </p:spPr>
+        <p:txBody>
+          <a:bodyPr wrap="none" rtlCol="0">
+            <a:spAutoFit/>
+          </a:bodyPr>
+          <a:lstStyle/>
+          <a:p>
+            <a:r>
+              <a:rPr lang="en-US" sz="3200" dirty="0" smtClean="0"/>
+              <a:t>Gist Perception: Impossible Under Load?</a:t>
+            </a:r>
+            <a:endParaRPr lang="en-US" sz="3200" dirty="0"/>
+          </a:p>
+        </p:txBody>
+      </p:sp>
+      <p:grpSp>
+        <p:nvGrpSpPr>
+          <p:cNvPr id="5" name="Group 4"/>
+          <p:cNvGrpSpPr/>
+          <p:nvPr/>
+        </p:nvGrpSpPr>
+        <p:grpSpPr>
+          <a:xfrm>
+            <a:off x="7391400" y="228600"/>
+            <a:ext cx="1647104" cy="2203759"/>
+            <a:chOff x="762000" y="1677105"/>
+            <a:chExt cx="3498850" cy="4681322"/>
+          </a:xfrm>
+        </p:grpSpPr>
+        <p:sp>
+          <p:nvSpPr>
+            <p:cNvPr id="7" name="TextBox 6"/>
+            <p:cNvSpPr txBox="1"/>
+            <p:nvPr/>
+          </p:nvSpPr>
+          <p:spPr>
+            <a:xfrm>
+              <a:off x="2133600" y="2514600"/>
+              <a:ext cx="152400" cy="369332"/>
+            </a:xfrm>
+            <a:prstGeom prst="rect">
+              <a:avLst/>
+            </a:prstGeom>
+            <a:noFill/>
+          </p:spPr>
+          <p:txBody>
+            <a:bodyPr wrap="square" rtlCol="0">
+              <a:spAutoFit/>
+            </a:bodyPr>
+            <a:lstStyle/>
+            <a:p>
+              <a:endParaRPr lang="en-US" dirty="0"/>
+            </a:p>
+          </p:txBody>
+        </p:sp>
+        <p:grpSp>
+          <p:nvGrpSpPr>
+            <p:cNvPr id="28" name="Group 27"/>
+            <p:cNvGrpSpPr/>
+            <p:nvPr/>
+          </p:nvGrpSpPr>
+          <p:grpSpPr>
+            <a:xfrm>
+              <a:off x="946150" y="1677105"/>
+              <a:ext cx="3314700" cy="3077633"/>
+              <a:chOff x="946150" y="1677105"/>
+              <a:chExt cx="3314700" cy="3077633"/>
+            </a:xfrm>
+          </p:grpSpPr>
+          <p:pic>
+            <p:nvPicPr>
+              <p:cNvPr id="6" name="Picture 5" descr="ma1.jpg"/>
+              <p:cNvPicPr>
+                <a:picLocks noChangeAspect="1"/>
+              </p:cNvPicPr>
+              <p:nvPr/>
+            </p:nvPicPr>
+            <p:blipFill>
+              <a:blip r:embed="rId4" cstate="print">
+                <a:extLst>
+                  <a:ext uri="{28A0092B-C50C-407E-A947-70E740481C1C}">
+                    <a14:useLocalDpi xmlns:a14="http://schemas.microsoft.com/office/drawing/2010/main" val="0"/>
+                  </a:ext>
+                </a:extLst>
+              </a:blip>
+              <a:stretch>
+                <a:fillRect/>
+              </a:stretch>
+            </p:blipFill>
+            <p:spPr>
+              <a:xfrm>
+                <a:off x="946150" y="1677105"/>
+                <a:ext cx="819150" cy="819150"/>
+              </a:xfrm>
+              <a:prstGeom prst="rect">
+                <a:avLst/>
+              </a:prstGeom>
+              <a:ln w="38100" cmpd="sng">
+                <a:solidFill>
+                  <a:schemeClr val="tx1"/>
+                </a:solidFill>
+              </a:ln>
+            </p:spPr>
+          </p:pic>
+          <p:pic>
+            <p:nvPicPr>
+              <p:cNvPr id="8" name="Picture 7" descr="ma9.jpg"/>
+              <p:cNvPicPr>
+                <a:picLocks noChangeAspect="1"/>
+              </p:cNvPicPr>
+              <p:nvPr/>
+            </p:nvPicPr>
+            <p:blipFill>
+              <a:blip r:embed="rId5" cstate="print">
+                <a:extLst>
+                  <a:ext uri="{28A0092B-C50C-407E-A947-70E740481C1C}">
+                    <a14:useLocalDpi xmlns:a14="http://schemas.microsoft.com/office/drawing/2010/main" val="0"/>
+                  </a:ext>
+                </a:extLst>
+              </a:blip>
+              <a:stretch>
+                <a:fillRect/>
+              </a:stretch>
+            </p:blipFill>
+            <p:spPr>
+              <a:xfrm>
+                <a:off x="1320800" y="2012244"/>
+                <a:ext cx="819150" cy="819150"/>
+              </a:xfrm>
+              <a:prstGeom prst="rect">
+                <a:avLst/>
+              </a:prstGeom>
+              <a:ln w="38100" cmpd="sng">
+                <a:solidFill>
+                  <a:schemeClr val="tx1"/>
+                </a:solidFill>
+              </a:ln>
+            </p:spPr>
+          </p:pic>
+          <p:pic>
+            <p:nvPicPr>
+              <p:cNvPr id="9" name="Picture 8" descr="ma14.jpg"/>
+              <p:cNvPicPr>
+                <a:picLocks noChangeAspect="1"/>
+              </p:cNvPicPr>
+              <p:nvPr/>
+            </p:nvPicPr>
+            <p:blipFill>
+              <a:blip r:embed="rId6" cstate="print">
+                <a:extLst>
+                  <a:ext uri="{28A0092B-C50C-407E-A947-70E740481C1C}">
+                    <a14:useLocalDpi xmlns:a14="http://schemas.microsoft.com/office/drawing/2010/main" val="0"/>
+                  </a:ext>
+                </a:extLst>
+              </a:blip>
+              <a:stretch>
+                <a:fillRect/>
+              </a:stretch>
+            </p:blipFill>
+            <p:spPr>
+              <a:xfrm>
+                <a:off x="1695450" y="2347383"/>
+                <a:ext cx="819150" cy="819150"/>
+              </a:xfrm>
+              <a:prstGeom prst="rect">
+                <a:avLst/>
+              </a:prstGeom>
+              <a:ln w="38100" cmpd="sng">
+                <a:solidFill>
+                  <a:schemeClr val="tx1"/>
+                </a:solidFill>
+              </a:ln>
+            </p:spPr>
+          </p:pic>
+          <p:pic>
+            <p:nvPicPr>
+              <p:cNvPr id="14" name="Picture 13" descr="ma136.jpg"/>
+              <p:cNvPicPr>
+                <a:picLocks noChangeAspect="1"/>
+              </p:cNvPicPr>
+              <p:nvPr/>
+            </p:nvPicPr>
+            <p:blipFill>
+              <a:blip r:embed="rId7" cstate="print">
+                <a:extLst>
+                  <a:ext uri="{28A0092B-C50C-407E-A947-70E740481C1C}">
+                    <a14:useLocalDpi xmlns:a14="http://schemas.microsoft.com/office/drawing/2010/main" val="0"/>
+                  </a:ext>
+                </a:extLst>
+              </a:blip>
+              <a:stretch>
+                <a:fillRect/>
+              </a:stretch>
+            </p:blipFill>
+            <p:spPr>
+              <a:xfrm>
+                <a:off x="2070100" y="2682522"/>
+                <a:ext cx="819150" cy="819150"/>
+              </a:xfrm>
+              <a:prstGeom prst="rect">
+                <a:avLst/>
+              </a:prstGeom>
+              <a:ln w="38100" cmpd="sng">
+                <a:solidFill>
+                  <a:schemeClr val="tx1"/>
+                </a:solidFill>
+              </a:ln>
+            </p:spPr>
+          </p:pic>
+          <p:pic>
+            <p:nvPicPr>
+              <p:cNvPr id="15" name="Picture 14" descr="ma164.jpg"/>
+              <p:cNvPicPr>
+                <a:picLocks noChangeAspect="1"/>
+              </p:cNvPicPr>
+              <p:nvPr/>
+            </p:nvPicPr>
+            <p:blipFill>
+              <a:blip r:embed="rId8" cstate="print">
+                <a:extLst>
+                  <a:ext uri="{28A0092B-C50C-407E-A947-70E740481C1C}">
+                    <a14:useLocalDpi xmlns:a14="http://schemas.microsoft.com/office/drawing/2010/main" val="0"/>
+                  </a:ext>
+                </a:extLst>
+              </a:blip>
+              <a:stretch>
+                <a:fillRect/>
+              </a:stretch>
+            </p:blipFill>
+            <p:spPr>
+              <a:xfrm>
+                <a:off x="2444750" y="3017661"/>
+                <a:ext cx="819150" cy="819150"/>
+              </a:xfrm>
+              <a:prstGeom prst="rect">
+                <a:avLst/>
+              </a:prstGeom>
+              <a:ln w="38100" cmpd="sng">
+                <a:solidFill>
+                  <a:schemeClr val="tx1"/>
+                </a:solidFill>
+              </a:ln>
+            </p:spPr>
+          </p:pic>
+          <p:pic>
+            <p:nvPicPr>
+              <p:cNvPr id="16" name="Picture 15" descr="a3.jpg"/>
+              <p:cNvPicPr>
+                <a:picLocks noChangeAspect="1"/>
+              </p:cNvPicPr>
+              <p:nvPr/>
+            </p:nvPicPr>
+            <p:blipFill>
+              <a:blip r:embed="rId9" cstate="print">
+                <a:extLst>
+                  <a:ext uri="{28A0092B-C50C-407E-A947-70E740481C1C}">
+                    <a14:useLocalDpi xmlns:a14="http://schemas.microsoft.com/office/drawing/2010/main" val="0"/>
+                  </a:ext>
+                </a:extLst>
+              </a:blip>
+              <a:stretch>
+                <a:fillRect/>
+              </a:stretch>
+            </p:blipFill>
+            <p:spPr>
+              <a:xfrm>
+                <a:off x="2819400" y="3352800"/>
+                <a:ext cx="1066800" cy="1066800"/>
+              </a:xfrm>
+              <a:prstGeom prst="rect">
+                <a:avLst/>
+              </a:prstGeom>
+            </p:spPr>
+          </p:pic>
+          <p:pic>
+            <p:nvPicPr>
+              <p:cNvPr id="17" name="Picture 16" descr="ma9.jpg"/>
+              <p:cNvPicPr>
+                <a:picLocks noChangeAspect="1"/>
+              </p:cNvPicPr>
+              <p:nvPr/>
+            </p:nvPicPr>
+            <p:blipFill>
+              <a:blip r:embed="rId5" cstate="print">
+                <a:extLst>
+                  <a:ext uri="{28A0092B-C50C-407E-A947-70E740481C1C}">
+                    <a14:useLocalDpi xmlns:a14="http://schemas.microsoft.com/office/drawing/2010/main" val="0"/>
+                  </a:ext>
+                </a:extLst>
+              </a:blip>
+              <a:stretch>
+                <a:fillRect/>
+              </a:stretch>
+            </p:blipFill>
+            <p:spPr>
+              <a:xfrm>
+                <a:off x="3441700" y="3935588"/>
+                <a:ext cx="819150" cy="819150"/>
+              </a:xfrm>
+              <a:prstGeom prst="rect">
+                <a:avLst/>
+              </a:prstGeom>
+              <a:ln w="38100" cmpd="sng">
+                <a:solidFill>
+                  <a:schemeClr val="tx1"/>
+                </a:solidFill>
+              </a:ln>
+            </p:spPr>
+          </p:pic>
+        </p:grpSp>
+        <p:sp>
+          <p:nvSpPr>
+            <p:cNvPr id="18" name="TextBox 17"/>
+            <p:cNvSpPr txBox="1"/>
+            <p:nvPr/>
+          </p:nvSpPr>
+          <p:spPr>
+            <a:xfrm>
+              <a:off x="1658161" y="3606800"/>
+              <a:ext cx="865141" cy="1176827"/>
+            </a:xfrm>
+            <a:prstGeom prst="rect">
+              <a:avLst/>
+            </a:prstGeom>
+            <a:noFill/>
+          </p:spPr>
+          <p:txBody>
+            <a:bodyPr wrap="none" rtlCol="0">
+              <a:spAutoFit/>
+            </a:bodyPr>
+            <a:lstStyle/>
+            <a:p>
+              <a:r>
+                <a:rPr lang="en-US" sz="3000" dirty="0" smtClean="0"/>
+                <a:t>A</a:t>
+              </a:r>
+              <a:endParaRPr lang="en-US" sz="3000" dirty="0"/>
+            </a:p>
+          </p:txBody>
+        </p:sp>
+        <p:sp>
+          <p:nvSpPr>
+            <p:cNvPr id="20" name="TextBox 19"/>
+            <p:cNvSpPr txBox="1"/>
+            <p:nvPr/>
+          </p:nvSpPr>
+          <p:spPr>
+            <a:xfrm>
+              <a:off x="2100607" y="4000499"/>
+              <a:ext cx="865141" cy="1176827"/>
+            </a:xfrm>
+            <a:prstGeom prst="rect">
+              <a:avLst/>
+            </a:prstGeom>
+            <a:noFill/>
+          </p:spPr>
+          <p:txBody>
+            <a:bodyPr wrap="none" rtlCol="0">
+              <a:spAutoFit/>
+            </a:bodyPr>
+            <a:lstStyle/>
+            <a:p>
+              <a:r>
+                <a:rPr lang="en-US" sz="3000" dirty="0" smtClean="0"/>
+                <a:t>B</a:t>
+              </a:r>
+              <a:endParaRPr lang="en-US" sz="3000" dirty="0"/>
+            </a:p>
+          </p:txBody>
+        </p:sp>
+        <p:sp>
+          <p:nvSpPr>
+            <p:cNvPr id="21" name="TextBox 20"/>
+            <p:cNvSpPr txBox="1"/>
+            <p:nvPr/>
+          </p:nvSpPr>
+          <p:spPr>
+            <a:xfrm>
+              <a:off x="2543053" y="4394200"/>
+              <a:ext cx="907840" cy="1176827"/>
+            </a:xfrm>
+            <a:prstGeom prst="rect">
+              <a:avLst/>
+            </a:prstGeom>
+            <a:noFill/>
+          </p:spPr>
+          <p:txBody>
+            <a:bodyPr wrap="none" rtlCol="0">
+              <a:spAutoFit/>
+            </a:bodyPr>
+            <a:lstStyle/>
+            <a:p>
+              <a:r>
+                <a:rPr lang="en-US" sz="3000" dirty="0"/>
+                <a:t>G</a:t>
+              </a:r>
+            </a:p>
+          </p:txBody>
+        </p:sp>
+        <p:sp>
+          <p:nvSpPr>
+            <p:cNvPr id="22" name="TextBox 21"/>
+            <p:cNvSpPr txBox="1"/>
+            <p:nvPr/>
+          </p:nvSpPr>
+          <p:spPr>
+            <a:xfrm>
+              <a:off x="2956380" y="4787899"/>
+              <a:ext cx="806482" cy="1176827"/>
+            </a:xfrm>
+            <a:prstGeom prst="rect">
+              <a:avLst/>
+            </a:prstGeom>
+            <a:noFill/>
+          </p:spPr>
+          <p:txBody>
+            <a:bodyPr wrap="none" rtlCol="0">
+              <a:spAutoFit/>
+            </a:bodyPr>
+            <a:lstStyle/>
+            <a:p>
+              <a:r>
+                <a:rPr lang="en-US" sz="3000" dirty="0" smtClean="0"/>
+                <a:t>5</a:t>
+              </a:r>
+              <a:endParaRPr lang="en-US" sz="3000" dirty="0"/>
+            </a:p>
+          </p:txBody>
+        </p:sp>
+        <p:sp>
+          <p:nvSpPr>
+            <p:cNvPr id="23" name="TextBox 22"/>
+            <p:cNvSpPr txBox="1"/>
+            <p:nvPr/>
+          </p:nvSpPr>
+          <p:spPr>
+            <a:xfrm>
+              <a:off x="3352800" y="5181600"/>
+              <a:ext cx="806482" cy="1176827"/>
+            </a:xfrm>
+            <a:prstGeom prst="rect">
+              <a:avLst/>
+            </a:prstGeom>
+            <a:noFill/>
+          </p:spPr>
+          <p:txBody>
+            <a:bodyPr wrap="none" rtlCol="0">
+              <a:spAutoFit/>
+            </a:bodyPr>
+            <a:lstStyle/>
+            <a:p>
+              <a:r>
+                <a:rPr lang="en-US" sz="3000" dirty="0" smtClean="0"/>
+                <a:t>1</a:t>
+              </a:r>
+              <a:endParaRPr lang="en-US" sz="3000" dirty="0"/>
+            </a:p>
+          </p:txBody>
+        </p:sp>
+        <p:sp>
+          <p:nvSpPr>
+            <p:cNvPr id="24" name="TextBox 23"/>
+            <p:cNvSpPr txBox="1"/>
+            <p:nvPr/>
+          </p:nvSpPr>
+          <p:spPr>
+            <a:xfrm>
+              <a:off x="1182216" y="3213099"/>
+              <a:ext cx="907840" cy="1176827"/>
+            </a:xfrm>
+            <a:prstGeom prst="rect">
+              <a:avLst/>
+            </a:prstGeom>
+            <a:noFill/>
+          </p:spPr>
+          <p:txBody>
+            <a:bodyPr wrap="none" rtlCol="0">
+              <a:spAutoFit/>
+            </a:bodyPr>
+            <a:lstStyle/>
+            <a:p>
+              <a:r>
+                <a:rPr lang="en-US" sz="3000" dirty="0" smtClean="0"/>
+                <a:t>G</a:t>
+              </a:r>
+              <a:endParaRPr lang="en-US" sz="3000" dirty="0"/>
+            </a:p>
+          </p:txBody>
+        </p:sp>
+        <p:sp>
+          <p:nvSpPr>
+            <p:cNvPr id="25" name="TextBox 24"/>
+            <p:cNvSpPr txBox="1"/>
+            <p:nvPr/>
+          </p:nvSpPr>
+          <p:spPr>
+            <a:xfrm>
+              <a:off x="762000" y="2819400"/>
+              <a:ext cx="836810" cy="1176827"/>
+            </a:xfrm>
+            <a:prstGeom prst="rect">
+              <a:avLst/>
+            </a:prstGeom>
+            <a:noFill/>
+          </p:spPr>
+          <p:txBody>
+            <a:bodyPr wrap="none" rtlCol="0">
+              <a:spAutoFit/>
+            </a:bodyPr>
+            <a:lstStyle/>
+            <a:p>
+              <a:r>
+                <a:rPr lang="en-US" sz="3000" dirty="0" smtClean="0"/>
+                <a:t>B</a:t>
+              </a:r>
+              <a:endParaRPr lang="en-US" sz="3000" dirty="0"/>
+            </a:p>
+          </p:txBody>
+        </p:sp>
+      </p:grpSp>
+      <p:sp>
+        <p:nvSpPr>
+          <p:cNvPr id="2" name="Rectangle 1"/>
+          <p:cNvSpPr/>
+          <p:nvPr/>
+        </p:nvSpPr>
+        <p:spPr>
+          <a:xfrm>
+            <a:off x="2362200" y="5105400"/>
+            <a:ext cx="533400" cy="533400"/>
+          </a:xfrm>
+          <a:prstGeom prst="rect">
+            <a:avLst/>
+          </a:prstGeom>
+          <a:solidFill>
+            <a:schemeClr val="bg1"/>
+          </a:solidFill>
+          <a:ln>
+            <a:solidFill>
+              <a:schemeClr val="bg1"/>
+            </a:solidFill>
+          </a:ln>
+        </p:spPr>
+        <p:style>
+          <a:lnRef idx="2">
+            <a:schemeClr val="accent1">
+              <a:shade val="50000"/>
+            </a:schemeClr>
+          </a:lnRef>
+          <a:fillRef idx="1">
+            <a:schemeClr val="accent1"/>
+          </a:fillRef>
+          <a:effectRef idx="0">
+            <a:schemeClr val="accent1"/>
+          </a:effectRef>
+          <a:fontRef idx="minor">
+            <a:schemeClr val="lt1"/>
+          </a:fontRef>
+        </p:style>
+        <p:txBody>
+          <a:bodyPr rtlCol="0" anchor="ctr"/>
+          <a:lstStyle/>
+          <a:p>
+            <a:pPr algn="ctr"/>
+            <a:endParaRPr lang="en-US"/>
+          </a:p>
+        </p:txBody>
+      </p:sp>
+      <p:sp>
+        <p:nvSpPr>
+          <p:cNvPr id="26" name="Rectangle 25"/>
+          <p:cNvSpPr/>
+          <p:nvPr/>
+        </p:nvSpPr>
+        <p:spPr>
+          <a:xfrm>
+            <a:off x="4114800" y="1953532"/>
+            <a:ext cx="533400" cy="3685268"/>
+          </a:xfrm>
+          <a:prstGeom prst="rect">
+            <a:avLst/>
+          </a:prstGeom>
+          <a:solidFill>
+            <a:schemeClr val="bg1"/>
+          </a:solidFill>
+          <a:ln>
+            <a:solidFill>
+              <a:schemeClr val="bg1"/>
+            </a:solidFill>
+          </a:ln>
+        </p:spPr>
+        <p:style>
+          <a:lnRef idx="2">
+            <a:schemeClr val="accent1">
+              <a:shade val="50000"/>
+            </a:schemeClr>
+          </a:lnRef>
+          <a:fillRef idx="1">
+            <a:schemeClr val="accent1"/>
+          </a:fillRef>
+          <a:effectRef idx="0">
+            <a:schemeClr val="accent1"/>
+          </a:effectRef>
+          <a:fontRef idx="minor">
+            <a:schemeClr val="lt1"/>
+          </a:fontRef>
+        </p:style>
+        <p:txBody>
+          <a:bodyPr rtlCol="0" anchor="ctr"/>
+          <a:lstStyle/>
+          <a:p>
+            <a:pPr algn="ctr"/>
+            <a:endParaRPr lang="en-US"/>
+          </a:p>
+        </p:txBody>
+      </p:sp>
+      <p:sp>
+        <p:nvSpPr>
+          <p:cNvPr id="27" name="Rectangle 26"/>
+          <p:cNvSpPr/>
+          <p:nvPr/>
+        </p:nvSpPr>
+        <p:spPr>
+          <a:xfrm>
+            <a:off x="5867400" y="5372100"/>
+            <a:ext cx="533400" cy="468528"/>
+          </a:xfrm>
+          <a:prstGeom prst="rect">
+            <a:avLst/>
+          </a:prstGeom>
+          <a:solidFill>
+            <a:schemeClr val="bg1"/>
+          </a:solidFill>
+          <a:ln>
+            <a:solidFill>
+              <a:schemeClr val="bg1"/>
+            </a:solidFill>
+          </a:ln>
+        </p:spPr>
+        <p:style>
+          <a:lnRef idx="2">
+            <a:schemeClr val="accent1">
+              <a:shade val="50000"/>
+            </a:schemeClr>
+          </a:lnRef>
+          <a:fillRef idx="1">
+            <a:schemeClr val="accent1"/>
+          </a:fillRef>
+          <a:effectRef idx="0">
+            <a:schemeClr val="accent1"/>
+          </a:effectRef>
+          <a:fontRef idx="minor">
+            <a:schemeClr val="lt1"/>
+          </a:fontRef>
+        </p:style>
+        <p:txBody>
+          <a:bodyPr rtlCol="0" anchor="ctr"/>
+          <a:lstStyle/>
+          <a:p>
+            <a:pPr algn="ctr"/>
+            <a:endParaRPr lang="en-US"/>
+          </a:p>
+        </p:txBody>
+      </p:sp>
+      <p:sp>
+        <p:nvSpPr>
+          <p:cNvPr id="3" name="Rectangle 2"/>
+          <p:cNvSpPr/>
+          <p:nvPr/>
+        </p:nvSpPr>
+        <p:spPr>
+          <a:xfrm>
+            <a:off x="4838700" y="1677413"/>
+            <a:ext cx="2019300" cy="4647187"/>
+          </a:xfrm>
+          <a:prstGeom prst="rect">
+            <a:avLst/>
+          </a:prstGeom>
+          <a:solidFill>
+            <a:schemeClr val="bg1"/>
+          </a:solidFill>
+          <a:ln>
+            <a:solidFill>
+              <a:schemeClr val="bg1"/>
+            </a:solidFill>
+          </a:ln>
+        </p:spPr>
+        <p:style>
+          <a:lnRef idx="2">
+            <a:schemeClr val="accent1">
+              <a:shade val="50000"/>
+            </a:schemeClr>
+          </a:lnRef>
+          <a:fillRef idx="1">
+            <a:schemeClr val="accent1"/>
+          </a:fillRef>
+          <a:effectRef idx="0">
+            <a:schemeClr val="accent1"/>
+          </a:effectRef>
+          <a:fontRef idx="minor">
+            <a:schemeClr val="lt1"/>
+          </a:fontRef>
+        </p:style>
+        <p:txBody>
+          <a:bodyPr rtlCol="0" anchor="ctr"/>
+          <a:lstStyle/>
+          <a:p>
+            <a:pPr algn="ctr"/>
+            <a:endParaRPr lang="en-US"/>
+          </a:p>
+        </p:txBody>
+      </p:sp>
+      <p:sp>
+        <p:nvSpPr>
+          <p:cNvPr id="29" name="Rectangle 28"/>
+          <p:cNvSpPr/>
+          <p:nvPr/>
+        </p:nvSpPr>
+        <p:spPr>
+          <a:xfrm>
+            <a:off x="6858000" y="3962400"/>
+            <a:ext cx="1987694" cy="494794"/>
+          </a:xfrm>
+          <a:prstGeom prst="rect">
+            <a:avLst/>
+          </a:prstGeom>
+          <a:solidFill>
+            <a:schemeClr val="bg1"/>
+          </a:solidFill>
+          <a:ln>
+            <a:solidFill>
+              <a:schemeClr val="bg1"/>
+            </a:solidFill>
+          </a:ln>
+        </p:spPr>
+        <p:style>
+          <a:lnRef idx="2">
+            <a:schemeClr val="accent1">
+              <a:shade val="50000"/>
+            </a:schemeClr>
+          </a:lnRef>
+          <a:fillRef idx="1">
+            <a:schemeClr val="accent1"/>
+          </a:fillRef>
+          <a:effectRef idx="0">
+            <a:schemeClr val="accent1"/>
+          </a:effectRef>
+          <a:fontRef idx="minor">
+            <a:schemeClr val="lt1"/>
+          </a:fontRef>
+        </p:style>
+        <p:txBody>
+          <a:bodyPr rtlCol="0" anchor="ctr"/>
+          <a:lstStyle/>
+          <a:p>
+            <a:pPr algn="ctr"/>
+            <a:endParaRPr lang="en-US"/>
+          </a:p>
+        </p:txBody>
+      </p:sp>
+      <p:sp>
+        <p:nvSpPr>
+          <p:cNvPr id="30" name="TextBox 29"/>
+          <p:cNvSpPr txBox="1"/>
+          <p:nvPr/>
+        </p:nvSpPr>
+        <p:spPr>
+          <a:xfrm>
+            <a:off x="990600" y="1228677"/>
+            <a:ext cx="5867400" cy="370673"/>
+          </a:xfrm>
+          <a:prstGeom prst="rect">
+            <a:avLst/>
+          </a:prstGeom>
+          <a:solidFill>
+            <a:schemeClr val="bg1"/>
+          </a:solidFill>
+        </p:spPr>
+        <p:txBody>
+          <a:bodyPr wrap="square" rtlCol="0">
+            <a:spAutoFit/>
+          </a:bodyPr>
+          <a:lstStyle/>
+          <a:p>
+            <a:pPr algn="ctr"/>
+            <a:r>
+              <a:rPr lang="en-US" dirty="0" smtClean="0"/>
+              <a:t>Cohen et al. (n=30) vs. Birman (n=29): Category Gist</a:t>
+            </a:r>
+            <a:endParaRPr lang="en-US" dirty="0"/>
+          </a:p>
+        </p:txBody>
+      </p:sp>
+    </p:spTree>
+    <p:extLst>
+      <p:ext uri="{BB962C8B-B14F-4D97-AF65-F5344CB8AC3E}">
+        <p14:creationId xmlns:p14="http://schemas.microsoft.com/office/powerpoint/2010/main" val="2040328353"/>
+      </p:ext>
+    </p:extLst>
+  </p:cSld>
+  <p:clrMapOvr>
+    <a:masterClrMapping/>
+  </p:clrMapOvr>
+  <p:timing>
+    <p:tnLst>
+      <p:par>
+        <p:cTn id="1" dur="indefinite" restart="never" nodeType="tmRoot"/>
+      </p:par>
+    </p:tnLst>
+  </p:timing>
+</p:sld>
+</file>
+
+<file path=ppt/slides/slide11.xml><?xml version="1.0" encoding="utf-8"?>
+<p:sld xmlns:a="http://schemas.openxmlformats.org/drawingml/2006/main" xmlns:r="http://schemas.openxmlformats.org/officeDocument/2006/relationships" xmlns:p="http://schemas.openxmlformats.org/presentationml/2006/main">
+  <p:cSld>
+    <p:spTree>
+      <p:nvGrpSpPr>
+        <p:cNvPr id="1" name=""/>
+        <p:cNvGrpSpPr/>
+        <p:nvPr/>
+      </p:nvGrpSpPr>
+      <p:grpSpPr>
+        <a:xfrm>
+          <a:off x="0" y="0"/>
+          <a:ext cx="0" cy="0"/>
+          <a:chOff x="0" y="0"/>
+          <a:chExt cx="0" cy="0"/>
+        </a:xfrm>
+      </p:grpSpPr>
+      <p:pic>
+        <p:nvPicPr>
+          <p:cNvPr id="1026" name="Picture 2"/>
+          <p:cNvPicPr>
+            <a:picLocks noChangeAspect="1" noChangeArrowheads="1"/>
+          </p:cNvPicPr>
+          <p:nvPr/>
+        </p:nvPicPr>
+        <p:blipFill>
+          <a:blip r:embed="rId3">
+            <a:extLst>
+              <a:ext uri="{28A0092B-C50C-407E-A947-70E740481C1C}">
+                <a14:useLocalDpi xmlns:a14="http://schemas.microsoft.com/office/drawing/2010/main" val="0"/>
+              </a:ext>
+            </a:extLst>
+          </a:blip>
+          <a:srcRect/>
+          <a:stretch>
+            <a:fillRect/>
+          </a:stretch>
+        </p:blipFill>
+        <p:spPr bwMode="auto">
+          <a:xfrm>
+            <a:off x="271956" y="1017443"/>
+            <a:ext cx="9031081" cy="5557588"/>
+          </a:xfrm>
+          <a:prstGeom prst="rect">
+            <a:avLst/>
+          </a:prstGeom>
+          <a:noFill/>
+          <a:ln>
+            <a:noFill/>
+          </a:ln>
+          <a:effectLst/>
+          <a:extLst>
+            <a:ext uri="{909E8E84-426E-40DD-AFC4-6F175D3DCCD1}">
+              <a14:hiddenFill xmlns:a14="http://schemas.microsoft.com/office/drawing/2010/main">
+                <a:solidFill>
+                  <a:schemeClr val="accent1"/>
+                </a:solidFill>
+              </a14:hiddenFill>
+            </a:ext>
+            <a:ext uri="{91240B29-F687-4F45-9708-019B960494DF}">
+              <a14:hiddenLine xmlns:a14="http://schemas.microsoft.com/office/drawing/2010/main" w="9525">
+                <a:solidFill>
+                  <a:schemeClr val="tx1"/>
+                </a:solidFill>
+                <a:miter lim="800000"/>
+                <a:headEnd/>
+                <a:tailEnd/>
+              </a14:hiddenLine>
+            </a:ext>
+            <a:ext uri="{AF507438-7753-43E0-B8FC-AC1667EBCBE1}">
+              <a14:hiddenEffects xmlns:a14="http://schemas.microsoft.com/office/drawing/2010/main">
+                <a:effectLst>
+                  <a:outerShdw dist="35921" dir="2700000" algn="ctr" rotWithShape="0">
+                    <a:schemeClr val="bg2"/>
+                  </a:outerShdw>
+                </a:effectLst>
+              </a14:hiddenEffects>
+            </a:ext>
+          </a:extLst>
+        </p:spPr>
+      </p:pic>
+      <p:sp>
+        <p:nvSpPr>
+          <p:cNvPr id="11" name="TextBox 10"/>
+          <p:cNvSpPr txBox="1"/>
+          <p:nvPr/>
+        </p:nvSpPr>
+        <p:spPr>
+          <a:xfrm>
+            <a:off x="271956" y="228600"/>
+            <a:ext cx="6946325" cy="584775"/>
+          </a:xfrm>
+          <a:prstGeom prst="rect">
+            <a:avLst/>
+          </a:prstGeom>
+          <a:noFill/>
+        </p:spPr>
+        <p:txBody>
+          <a:bodyPr wrap="none" rtlCol="0">
+            <a:spAutoFit/>
+          </a:bodyPr>
+          <a:lstStyle/>
+          <a:p>
+            <a:r>
+              <a:rPr lang="en-US" sz="3200" dirty="0" smtClean="0"/>
+              <a:t>Gist Perception: Impossible Under Load?</a:t>
+            </a:r>
+            <a:endParaRPr lang="en-US" sz="3200" dirty="0"/>
+          </a:p>
+        </p:txBody>
+      </p:sp>
+      <p:grpSp>
+        <p:nvGrpSpPr>
+          <p:cNvPr id="5" name="Group 4"/>
+          <p:cNvGrpSpPr/>
+          <p:nvPr/>
+        </p:nvGrpSpPr>
+        <p:grpSpPr>
+          <a:xfrm>
+            <a:off x="7391400" y="228600"/>
+            <a:ext cx="1647104" cy="2203759"/>
+            <a:chOff x="762000" y="1677105"/>
+            <a:chExt cx="3498850" cy="4681322"/>
+          </a:xfrm>
+        </p:grpSpPr>
+        <p:sp>
+          <p:nvSpPr>
+            <p:cNvPr id="7" name="TextBox 6"/>
+            <p:cNvSpPr txBox="1"/>
+            <p:nvPr/>
+          </p:nvSpPr>
+          <p:spPr>
+            <a:xfrm>
+              <a:off x="2133600" y="2514600"/>
+              <a:ext cx="152400" cy="369332"/>
+            </a:xfrm>
+            <a:prstGeom prst="rect">
+              <a:avLst/>
+            </a:prstGeom>
+            <a:noFill/>
+          </p:spPr>
+          <p:txBody>
+            <a:bodyPr wrap="square" rtlCol="0">
+              <a:spAutoFit/>
+            </a:bodyPr>
+            <a:lstStyle/>
+            <a:p>
+              <a:endParaRPr lang="en-US" dirty="0"/>
+            </a:p>
+          </p:txBody>
+        </p:sp>
+        <p:grpSp>
+          <p:nvGrpSpPr>
+            <p:cNvPr id="28" name="Group 27"/>
+            <p:cNvGrpSpPr/>
+            <p:nvPr/>
+          </p:nvGrpSpPr>
+          <p:grpSpPr>
+            <a:xfrm>
+              <a:off x="946150" y="1677105"/>
+              <a:ext cx="3314700" cy="3077633"/>
+              <a:chOff x="946150" y="1677105"/>
+              <a:chExt cx="3314700" cy="3077633"/>
+            </a:xfrm>
+          </p:grpSpPr>
+          <p:pic>
+            <p:nvPicPr>
+              <p:cNvPr id="6" name="Picture 5" descr="ma1.jpg"/>
+              <p:cNvPicPr>
+                <a:picLocks noChangeAspect="1"/>
+              </p:cNvPicPr>
+              <p:nvPr/>
+            </p:nvPicPr>
+            <p:blipFill>
+              <a:blip r:embed="rId4" cstate="print">
+                <a:extLst>
+                  <a:ext uri="{28A0092B-C50C-407E-A947-70E740481C1C}">
+                    <a14:useLocalDpi xmlns:a14="http://schemas.microsoft.com/office/drawing/2010/main" val="0"/>
+                  </a:ext>
+                </a:extLst>
+              </a:blip>
+              <a:stretch>
+                <a:fillRect/>
+              </a:stretch>
+            </p:blipFill>
+            <p:spPr>
+              <a:xfrm>
+                <a:off x="946150" y="1677105"/>
+                <a:ext cx="819150" cy="819150"/>
+              </a:xfrm>
+              <a:prstGeom prst="rect">
+                <a:avLst/>
+              </a:prstGeom>
+              <a:ln w="38100" cmpd="sng">
+                <a:solidFill>
+                  <a:schemeClr val="tx1"/>
+                </a:solidFill>
+              </a:ln>
+            </p:spPr>
+          </p:pic>
+          <p:pic>
+            <p:nvPicPr>
+              <p:cNvPr id="8" name="Picture 7" descr="ma9.jpg"/>
+              <p:cNvPicPr>
+                <a:picLocks noChangeAspect="1"/>
+              </p:cNvPicPr>
+              <p:nvPr/>
+            </p:nvPicPr>
+            <p:blipFill>
+              <a:blip r:embed="rId5" cstate="print">
+                <a:extLst>
+                  <a:ext uri="{28A0092B-C50C-407E-A947-70E740481C1C}">
+                    <a14:useLocalDpi xmlns:a14="http://schemas.microsoft.com/office/drawing/2010/main" val="0"/>
+                  </a:ext>
+                </a:extLst>
+              </a:blip>
+              <a:stretch>
+                <a:fillRect/>
+              </a:stretch>
+            </p:blipFill>
+            <p:spPr>
+              <a:xfrm>
+                <a:off x="1320800" y="2012244"/>
+                <a:ext cx="819150" cy="819150"/>
+              </a:xfrm>
+              <a:prstGeom prst="rect">
+                <a:avLst/>
+              </a:prstGeom>
+              <a:ln w="38100" cmpd="sng">
+                <a:solidFill>
+                  <a:schemeClr val="tx1"/>
+                </a:solidFill>
+              </a:ln>
+            </p:spPr>
+          </p:pic>
+          <p:pic>
+            <p:nvPicPr>
+              <p:cNvPr id="9" name="Picture 8" descr="ma14.jpg"/>
+              <p:cNvPicPr>
+                <a:picLocks noChangeAspect="1"/>
+              </p:cNvPicPr>
+              <p:nvPr/>
+            </p:nvPicPr>
+            <p:blipFill>
+              <a:blip r:embed="rId6" cstate="print">
+                <a:extLst>
+                  <a:ext uri="{28A0092B-C50C-407E-A947-70E740481C1C}">
+                    <a14:useLocalDpi xmlns:a14="http://schemas.microsoft.com/office/drawing/2010/main" val="0"/>
+                  </a:ext>
+                </a:extLst>
+              </a:blip>
+              <a:stretch>
+                <a:fillRect/>
+              </a:stretch>
+            </p:blipFill>
+            <p:spPr>
+              <a:xfrm>
+                <a:off x="1695450" y="2347383"/>
+                <a:ext cx="819150" cy="819150"/>
+              </a:xfrm>
+              <a:prstGeom prst="rect">
+                <a:avLst/>
+              </a:prstGeom>
+              <a:ln w="38100" cmpd="sng">
+                <a:solidFill>
+                  <a:schemeClr val="tx1"/>
+                </a:solidFill>
+              </a:ln>
+            </p:spPr>
+          </p:pic>
+          <p:pic>
+            <p:nvPicPr>
+              <p:cNvPr id="14" name="Picture 13" descr="ma136.jpg"/>
+              <p:cNvPicPr>
+                <a:picLocks noChangeAspect="1"/>
+              </p:cNvPicPr>
+              <p:nvPr/>
+            </p:nvPicPr>
+            <p:blipFill>
+              <a:blip r:embed="rId7" cstate="print">
+                <a:extLst>
+                  <a:ext uri="{28A0092B-C50C-407E-A947-70E740481C1C}">
+                    <a14:useLocalDpi xmlns:a14="http://schemas.microsoft.com/office/drawing/2010/main" val="0"/>
+                  </a:ext>
+                </a:extLst>
+              </a:blip>
+              <a:stretch>
+                <a:fillRect/>
+              </a:stretch>
+            </p:blipFill>
+            <p:spPr>
+              <a:xfrm>
+                <a:off x="2070100" y="2682522"/>
+                <a:ext cx="819150" cy="819150"/>
+              </a:xfrm>
+              <a:prstGeom prst="rect">
+                <a:avLst/>
+              </a:prstGeom>
+              <a:ln w="38100" cmpd="sng">
+                <a:solidFill>
+                  <a:schemeClr val="tx1"/>
+                </a:solidFill>
+              </a:ln>
+            </p:spPr>
+          </p:pic>
+          <p:pic>
+            <p:nvPicPr>
+              <p:cNvPr id="15" name="Picture 14" descr="ma164.jpg"/>
+              <p:cNvPicPr>
+                <a:picLocks noChangeAspect="1"/>
+              </p:cNvPicPr>
+              <p:nvPr/>
+            </p:nvPicPr>
+            <p:blipFill>
+              <a:blip r:embed="rId8" cstate="print">
+                <a:extLst>
+                  <a:ext uri="{28A0092B-C50C-407E-A947-70E740481C1C}">
+                    <a14:useLocalDpi xmlns:a14="http://schemas.microsoft.com/office/drawing/2010/main" val="0"/>
+                  </a:ext>
+                </a:extLst>
+              </a:blip>
+              <a:stretch>
+                <a:fillRect/>
+              </a:stretch>
+            </p:blipFill>
+            <p:spPr>
+              <a:xfrm>
+                <a:off x="2444750" y="3017661"/>
+                <a:ext cx="819150" cy="819150"/>
+              </a:xfrm>
+              <a:prstGeom prst="rect">
+                <a:avLst/>
+              </a:prstGeom>
+              <a:ln w="38100" cmpd="sng">
+                <a:solidFill>
+                  <a:schemeClr val="tx1"/>
+                </a:solidFill>
+              </a:ln>
+            </p:spPr>
+          </p:pic>
+          <p:pic>
+            <p:nvPicPr>
+              <p:cNvPr id="16" name="Picture 15" descr="a3.jpg"/>
+              <p:cNvPicPr>
+                <a:picLocks noChangeAspect="1"/>
+              </p:cNvPicPr>
+              <p:nvPr/>
+            </p:nvPicPr>
+            <p:blipFill>
+              <a:blip r:embed="rId9" cstate="print">
+                <a:extLst>
+                  <a:ext uri="{28A0092B-C50C-407E-A947-70E740481C1C}">
+                    <a14:useLocalDpi xmlns:a14="http://schemas.microsoft.com/office/drawing/2010/main" val="0"/>
+                  </a:ext>
+                </a:extLst>
+              </a:blip>
+              <a:stretch>
+                <a:fillRect/>
+              </a:stretch>
+            </p:blipFill>
+            <p:spPr>
+              <a:xfrm>
+                <a:off x="2819400" y="3352800"/>
+                <a:ext cx="1066800" cy="1066800"/>
+              </a:xfrm>
+              <a:prstGeom prst="rect">
+                <a:avLst/>
+              </a:prstGeom>
+            </p:spPr>
+          </p:pic>
+          <p:pic>
+            <p:nvPicPr>
+              <p:cNvPr id="17" name="Picture 16" descr="ma9.jpg"/>
+              <p:cNvPicPr>
+                <a:picLocks noChangeAspect="1"/>
+              </p:cNvPicPr>
+              <p:nvPr/>
+            </p:nvPicPr>
+            <p:blipFill>
+              <a:blip r:embed="rId5" cstate="print">
+                <a:extLst>
+                  <a:ext uri="{28A0092B-C50C-407E-A947-70E740481C1C}">
+                    <a14:useLocalDpi xmlns:a14="http://schemas.microsoft.com/office/drawing/2010/main" val="0"/>
+                  </a:ext>
+                </a:extLst>
+              </a:blip>
+              <a:stretch>
+                <a:fillRect/>
+              </a:stretch>
+            </p:blipFill>
+            <p:spPr>
+              <a:xfrm>
+                <a:off x="3441700" y="3935588"/>
+                <a:ext cx="819150" cy="819150"/>
+              </a:xfrm>
+              <a:prstGeom prst="rect">
+                <a:avLst/>
+              </a:prstGeom>
+              <a:ln w="38100" cmpd="sng">
+                <a:solidFill>
+                  <a:schemeClr val="tx1"/>
+                </a:solidFill>
+              </a:ln>
+            </p:spPr>
+          </p:pic>
+        </p:grpSp>
+        <p:sp>
+          <p:nvSpPr>
+            <p:cNvPr id="18" name="TextBox 17"/>
+            <p:cNvSpPr txBox="1"/>
+            <p:nvPr/>
+          </p:nvSpPr>
+          <p:spPr>
+            <a:xfrm>
+              <a:off x="1658161" y="3606800"/>
+              <a:ext cx="865141" cy="1176827"/>
+            </a:xfrm>
+            <a:prstGeom prst="rect">
+              <a:avLst/>
+            </a:prstGeom>
+            <a:noFill/>
+          </p:spPr>
+          <p:txBody>
+            <a:bodyPr wrap="none" rtlCol="0">
+              <a:spAutoFit/>
+            </a:bodyPr>
+            <a:lstStyle/>
+            <a:p>
+              <a:r>
+                <a:rPr lang="en-US" sz="3000" dirty="0" smtClean="0"/>
+                <a:t>A</a:t>
+              </a:r>
+              <a:endParaRPr lang="en-US" sz="3000" dirty="0"/>
+            </a:p>
+          </p:txBody>
+        </p:sp>
+        <p:sp>
+          <p:nvSpPr>
+            <p:cNvPr id="20" name="TextBox 19"/>
+            <p:cNvSpPr txBox="1"/>
+            <p:nvPr/>
+          </p:nvSpPr>
+          <p:spPr>
+            <a:xfrm>
+              <a:off x="2100607" y="4000499"/>
+              <a:ext cx="865141" cy="1176827"/>
+            </a:xfrm>
+            <a:prstGeom prst="rect">
+              <a:avLst/>
+            </a:prstGeom>
+            <a:noFill/>
+          </p:spPr>
+          <p:txBody>
+            <a:bodyPr wrap="none" rtlCol="0">
+              <a:spAutoFit/>
+            </a:bodyPr>
+            <a:lstStyle/>
+            <a:p>
+              <a:r>
+                <a:rPr lang="en-US" sz="3000" dirty="0" smtClean="0"/>
+                <a:t>B</a:t>
+              </a:r>
+              <a:endParaRPr lang="en-US" sz="3000" dirty="0"/>
+            </a:p>
+          </p:txBody>
+        </p:sp>
+        <p:sp>
+          <p:nvSpPr>
+            <p:cNvPr id="21" name="TextBox 20"/>
+            <p:cNvSpPr txBox="1"/>
+            <p:nvPr/>
+          </p:nvSpPr>
+          <p:spPr>
+            <a:xfrm>
+              <a:off x="2543053" y="4394200"/>
+              <a:ext cx="907840" cy="1176827"/>
+            </a:xfrm>
+            <a:prstGeom prst="rect">
+              <a:avLst/>
+            </a:prstGeom>
+            <a:noFill/>
+          </p:spPr>
+          <p:txBody>
+            <a:bodyPr wrap="none" rtlCol="0">
+              <a:spAutoFit/>
+            </a:bodyPr>
+            <a:lstStyle/>
+            <a:p>
+              <a:r>
+                <a:rPr lang="en-US" sz="3000" dirty="0"/>
+                <a:t>G</a:t>
+              </a:r>
+            </a:p>
+          </p:txBody>
+        </p:sp>
+        <p:sp>
+          <p:nvSpPr>
+            <p:cNvPr id="22" name="TextBox 21"/>
+            <p:cNvSpPr txBox="1"/>
+            <p:nvPr/>
+          </p:nvSpPr>
+          <p:spPr>
+            <a:xfrm>
+              <a:off x="2956380" y="4787899"/>
+              <a:ext cx="806482" cy="1176827"/>
+            </a:xfrm>
+            <a:prstGeom prst="rect">
+              <a:avLst/>
+            </a:prstGeom>
+            <a:noFill/>
+          </p:spPr>
+          <p:txBody>
+            <a:bodyPr wrap="none" rtlCol="0">
+              <a:spAutoFit/>
+            </a:bodyPr>
+            <a:lstStyle/>
+            <a:p>
+              <a:r>
+                <a:rPr lang="en-US" sz="3000" dirty="0" smtClean="0"/>
+                <a:t>5</a:t>
+              </a:r>
+              <a:endParaRPr lang="en-US" sz="3000" dirty="0"/>
+            </a:p>
+          </p:txBody>
+        </p:sp>
+        <p:sp>
+          <p:nvSpPr>
+            <p:cNvPr id="23" name="TextBox 22"/>
+            <p:cNvSpPr txBox="1"/>
+            <p:nvPr/>
+          </p:nvSpPr>
+          <p:spPr>
+            <a:xfrm>
+              <a:off x="3352800" y="5181600"/>
+              <a:ext cx="806482" cy="1176827"/>
+            </a:xfrm>
+            <a:prstGeom prst="rect">
+              <a:avLst/>
+            </a:prstGeom>
+            <a:noFill/>
+          </p:spPr>
+          <p:txBody>
+            <a:bodyPr wrap="none" rtlCol="0">
+              <a:spAutoFit/>
+            </a:bodyPr>
+            <a:lstStyle/>
+            <a:p>
+              <a:r>
+                <a:rPr lang="en-US" sz="3000" dirty="0" smtClean="0"/>
+                <a:t>1</a:t>
+              </a:r>
+              <a:endParaRPr lang="en-US" sz="3000" dirty="0"/>
+            </a:p>
+          </p:txBody>
+        </p:sp>
+        <p:sp>
+          <p:nvSpPr>
+            <p:cNvPr id="24" name="TextBox 23"/>
+            <p:cNvSpPr txBox="1"/>
+            <p:nvPr/>
+          </p:nvSpPr>
+          <p:spPr>
+            <a:xfrm>
+              <a:off x="1182216" y="3213099"/>
+              <a:ext cx="907840" cy="1176827"/>
+            </a:xfrm>
+            <a:prstGeom prst="rect">
+              <a:avLst/>
+            </a:prstGeom>
+            <a:noFill/>
+          </p:spPr>
+          <p:txBody>
+            <a:bodyPr wrap="none" rtlCol="0">
+              <a:spAutoFit/>
+            </a:bodyPr>
+            <a:lstStyle/>
+            <a:p>
+              <a:r>
+                <a:rPr lang="en-US" sz="3000" dirty="0" smtClean="0"/>
+                <a:t>G</a:t>
+              </a:r>
+              <a:endParaRPr lang="en-US" sz="3000" dirty="0"/>
+            </a:p>
+          </p:txBody>
+        </p:sp>
+        <p:sp>
+          <p:nvSpPr>
+            <p:cNvPr id="25" name="TextBox 24"/>
+            <p:cNvSpPr txBox="1"/>
+            <p:nvPr/>
+          </p:nvSpPr>
+          <p:spPr>
+            <a:xfrm>
+              <a:off x="762000" y="2819400"/>
+              <a:ext cx="836810" cy="1176827"/>
+            </a:xfrm>
+            <a:prstGeom prst="rect">
+              <a:avLst/>
+            </a:prstGeom>
+            <a:noFill/>
+          </p:spPr>
+          <p:txBody>
+            <a:bodyPr wrap="none" rtlCol="0">
+              <a:spAutoFit/>
+            </a:bodyPr>
+            <a:lstStyle/>
+            <a:p>
+              <a:r>
+                <a:rPr lang="en-US" sz="3000" dirty="0" smtClean="0"/>
+                <a:t>B</a:t>
+              </a:r>
+              <a:endParaRPr lang="en-US" sz="3000" dirty="0"/>
+            </a:p>
+          </p:txBody>
+        </p:sp>
+      </p:grpSp>
+      <p:sp>
+        <p:nvSpPr>
+          <p:cNvPr id="2" name="Rectangle 1"/>
+          <p:cNvSpPr/>
+          <p:nvPr/>
+        </p:nvSpPr>
+        <p:spPr>
+          <a:xfrm>
+            <a:off x="2362200" y="5105400"/>
+            <a:ext cx="533400" cy="533400"/>
+          </a:xfrm>
+          <a:prstGeom prst="rect">
+            <a:avLst/>
+          </a:prstGeom>
+          <a:solidFill>
+            <a:schemeClr val="bg1"/>
+          </a:solidFill>
+          <a:ln>
+            <a:solidFill>
+              <a:schemeClr val="bg1"/>
+            </a:solidFill>
+          </a:ln>
+        </p:spPr>
+        <p:style>
+          <a:lnRef idx="2">
+            <a:schemeClr val="accent1">
+              <a:shade val="50000"/>
+            </a:schemeClr>
+          </a:lnRef>
+          <a:fillRef idx="1">
+            <a:schemeClr val="accent1"/>
+          </a:fillRef>
+          <a:effectRef idx="0">
+            <a:schemeClr val="accent1"/>
+          </a:effectRef>
+          <a:fontRef idx="minor">
+            <a:schemeClr val="lt1"/>
+          </a:fontRef>
+        </p:style>
+        <p:txBody>
+          <a:bodyPr rtlCol="0" anchor="ctr"/>
+          <a:lstStyle/>
+          <a:p>
+            <a:pPr algn="ctr"/>
+            <a:endParaRPr lang="en-US"/>
+          </a:p>
+        </p:txBody>
+      </p:sp>
+      <p:sp>
+        <p:nvSpPr>
+          <p:cNvPr id="26" name="Rectangle 25"/>
+          <p:cNvSpPr/>
+          <p:nvPr/>
+        </p:nvSpPr>
+        <p:spPr>
+          <a:xfrm>
+            <a:off x="4114800" y="1953532"/>
+            <a:ext cx="533400" cy="3685268"/>
+          </a:xfrm>
+          <a:prstGeom prst="rect">
+            <a:avLst/>
+          </a:prstGeom>
+          <a:solidFill>
+            <a:schemeClr val="bg1"/>
+          </a:solidFill>
+          <a:ln>
+            <a:solidFill>
+              <a:schemeClr val="bg1"/>
+            </a:solidFill>
+          </a:ln>
+        </p:spPr>
+        <p:style>
+          <a:lnRef idx="2">
+            <a:schemeClr val="accent1">
+              <a:shade val="50000"/>
+            </a:schemeClr>
+          </a:lnRef>
+          <a:fillRef idx="1">
+            <a:schemeClr val="accent1"/>
+          </a:fillRef>
+          <a:effectRef idx="0">
+            <a:schemeClr val="accent1"/>
+          </a:effectRef>
+          <a:fontRef idx="minor">
+            <a:schemeClr val="lt1"/>
+          </a:fontRef>
+        </p:style>
+        <p:txBody>
+          <a:bodyPr rtlCol="0" anchor="ctr"/>
+          <a:lstStyle/>
+          <a:p>
+            <a:pPr algn="ctr"/>
+            <a:endParaRPr lang="en-US"/>
+          </a:p>
+        </p:txBody>
+      </p:sp>
+      <p:sp>
+        <p:nvSpPr>
+          <p:cNvPr id="27" name="Rectangle 26"/>
+          <p:cNvSpPr/>
+          <p:nvPr/>
+        </p:nvSpPr>
+        <p:spPr>
+          <a:xfrm>
+            <a:off x="5867400" y="5372100"/>
+            <a:ext cx="533400" cy="468528"/>
+          </a:xfrm>
+          <a:prstGeom prst="rect">
+            <a:avLst/>
+          </a:prstGeom>
+          <a:solidFill>
+            <a:schemeClr val="bg1"/>
+          </a:solidFill>
+          <a:ln>
+            <a:solidFill>
+              <a:schemeClr val="bg1"/>
+            </a:solidFill>
+          </a:ln>
+        </p:spPr>
+        <p:style>
+          <a:lnRef idx="2">
+            <a:schemeClr val="accent1">
+              <a:shade val="50000"/>
+            </a:schemeClr>
+          </a:lnRef>
+          <a:fillRef idx="1">
+            <a:schemeClr val="accent1"/>
+          </a:fillRef>
+          <a:effectRef idx="0">
+            <a:schemeClr val="accent1"/>
+          </a:effectRef>
+          <a:fontRef idx="minor">
+            <a:schemeClr val="lt1"/>
+          </a:fontRef>
+        </p:style>
+        <p:txBody>
+          <a:bodyPr rtlCol="0" anchor="ctr"/>
+          <a:lstStyle/>
+          <a:p>
+            <a:pPr algn="ctr"/>
+            <a:endParaRPr lang="en-US"/>
+          </a:p>
+        </p:txBody>
+      </p:sp>
+      <p:sp>
+        <p:nvSpPr>
+          <p:cNvPr id="29" name="Rectangle 28"/>
+          <p:cNvSpPr/>
+          <p:nvPr/>
+        </p:nvSpPr>
+        <p:spPr>
+          <a:xfrm>
+            <a:off x="6858000" y="3962400"/>
+            <a:ext cx="1987694" cy="494794"/>
+          </a:xfrm>
+          <a:prstGeom prst="rect">
+            <a:avLst/>
+          </a:prstGeom>
+          <a:solidFill>
+            <a:schemeClr val="bg1"/>
+          </a:solidFill>
+          <a:ln>
+            <a:solidFill>
+              <a:schemeClr val="bg1"/>
+            </a:solidFill>
+          </a:ln>
+        </p:spPr>
+        <p:style>
+          <a:lnRef idx="2">
+            <a:schemeClr val="accent1">
+              <a:shade val="50000"/>
+            </a:schemeClr>
+          </a:lnRef>
+          <a:fillRef idx="1">
+            <a:schemeClr val="accent1"/>
+          </a:fillRef>
+          <a:effectRef idx="0">
+            <a:schemeClr val="accent1"/>
+          </a:effectRef>
+          <a:fontRef idx="minor">
+            <a:schemeClr val="lt1"/>
+          </a:fontRef>
+        </p:style>
+        <p:txBody>
+          <a:bodyPr rtlCol="0" anchor="ctr"/>
+          <a:lstStyle/>
+          <a:p>
+            <a:pPr algn="ctr"/>
+            <a:endParaRPr lang="en-US"/>
+          </a:p>
+        </p:txBody>
+      </p:sp>
+      <p:sp>
+        <p:nvSpPr>
+          <p:cNvPr id="30" name="TextBox 29"/>
+          <p:cNvSpPr txBox="1"/>
+          <p:nvPr/>
+        </p:nvSpPr>
+        <p:spPr>
+          <a:xfrm>
+            <a:off x="990600" y="1228677"/>
+            <a:ext cx="5867400" cy="370673"/>
+          </a:xfrm>
+          <a:prstGeom prst="rect">
+            <a:avLst/>
+          </a:prstGeom>
+          <a:solidFill>
+            <a:schemeClr val="bg1"/>
+          </a:solidFill>
+        </p:spPr>
+        <p:txBody>
+          <a:bodyPr wrap="square" rtlCol="0">
+            <a:spAutoFit/>
+          </a:bodyPr>
+          <a:lstStyle/>
+          <a:p>
+            <a:pPr algn="ctr"/>
+            <a:r>
+              <a:rPr lang="en-US" dirty="0" smtClean="0"/>
+              <a:t>Cohen et al. (n=30) vs. Birman (n=29): Category Gist</a:t>
+            </a:r>
+            <a:endParaRPr lang="en-US" dirty="0"/>
+          </a:p>
+        </p:txBody>
+      </p:sp>
+    </p:spTree>
+    <p:extLst>
+      <p:ext uri="{BB962C8B-B14F-4D97-AF65-F5344CB8AC3E}">
+        <p14:creationId xmlns:p14="http://schemas.microsoft.com/office/powerpoint/2010/main" val="4019340548"/>
+      </p:ext>
+    </p:extLst>
+  </p:cSld>
+  <p:clrMapOvr>
+    <a:masterClrMapping/>
+  </p:clrMapOvr>
+  <p:timing>
+    <p:tnLst>
+      <p:par>
+        <p:cTn id="1" dur="indefinite" restart="never" nodeType="tmRoot"/>
+      </p:par>
+    </p:tnLst>
+  </p:timing>
+</p:sld>
+</file>
+
+<file path=ppt/slides/slide12.xml><?xml version="1.0" encoding="utf-8"?>
+<p:sld xmlns:a="http://schemas.openxmlformats.org/drawingml/2006/main" xmlns:r="http://schemas.openxmlformats.org/officeDocument/2006/relationships" xmlns:p="http://schemas.openxmlformats.org/presentationml/2006/main">
+  <p:cSld>
+    <p:spTree>
+      <p:nvGrpSpPr>
+        <p:cNvPr id="1" name=""/>
+        <p:cNvGrpSpPr/>
+        <p:nvPr/>
+      </p:nvGrpSpPr>
+      <p:grpSpPr>
+        <a:xfrm>
+          <a:off x="0" y="0"/>
+          <a:ext cx="0" cy="0"/>
+          <a:chOff x="0" y="0"/>
+          <a:chExt cx="0" cy="0"/>
+        </a:xfrm>
+      </p:grpSpPr>
+      <p:pic>
+        <p:nvPicPr>
+          <p:cNvPr id="1026" name="Picture 2"/>
+          <p:cNvPicPr>
+            <a:picLocks noChangeAspect="1" noChangeArrowheads="1"/>
+          </p:cNvPicPr>
+          <p:nvPr/>
+        </p:nvPicPr>
+        <p:blipFill>
+          <a:blip r:embed="rId3">
+            <a:extLst>
+              <a:ext uri="{28A0092B-C50C-407E-A947-70E740481C1C}">
+                <a14:useLocalDpi xmlns:a14="http://schemas.microsoft.com/office/drawing/2010/main" val="0"/>
+              </a:ext>
+            </a:extLst>
+          </a:blip>
+          <a:srcRect/>
+          <a:stretch>
+            <a:fillRect/>
+          </a:stretch>
+        </p:blipFill>
+        <p:spPr bwMode="auto">
+          <a:xfrm>
+            <a:off x="271956" y="1017443"/>
+            <a:ext cx="9031081" cy="5557588"/>
+          </a:xfrm>
+          <a:prstGeom prst="rect">
+            <a:avLst/>
+          </a:prstGeom>
+          <a:noFill/>
+          <a:ln>
+            <a:noFill/>
+          </a:ln>
+          <a:effectLst/>
+          <a:extLst>
+            <a:ext uri="{909E8E84-426E-40DD-AFC4-6F175D3DCCD1}">
+              <a14:hiddenFill xmlns:a14="http://schemas.microsoft.com/office/drawing/2010/main">
+                <a:solidFill>
+                  <a:schemeClr val="accent1"/>
+                </a:solidFill>
+              </a14:hiddenFill>
+            </a:ext>
+            <a:ext uri="{91240B29-F687-4F45-9708-019B960494DF}">
+              <a14:hiddenLine xmlns:a14="http://schemas.microsoft.com/office/drawing/2010/main" w="9525">
+                <a:solidFill>
+                  <a:schemeClr val="tx1"/>
+                </a:solidFill>
+                <a:miter lim="800000"/>
+                <a:headEnd/>
+                <a:tailEnd/>
+              </a14:hiddenLine>
+            </a:ext>
+            <a:ext uri="{AF507438-7753-43E0-B8FC-AC1667EBCBE1}">
+              <a14:hiddenEffects xmlns:a14="http://schemas.microsoft.com/office/drawing/2010/main">
+                <a:effectLst>
+                  <a:outerShdw dist="35921" dir="2700000" algn="ctr" rotWithShape="0">
+                    <a:schemeClr val="bg2"/>
+                  </a:outerShdw>
+                </a:effectLst>
+              </a14:hiddenEffects>
+            </a:ext>
+          </a:extLst>
+        </p:spPr>
+      </p:pic>
+      <p:sp>
+        <p:nvSpPr>
+          <p:cNvPr id="11" name="TextBox 10"/>
+          <p:cNvSpPr txBox="1"/>
+          <p:nvPr/>
+        </p:nvSpPr>
+        <p:spPr>
+          <a:xfrm>
+            <a:off x="271956" y="228600"/>
+            <a:ext cx="6946325" cy="584775"/>
+          </a:xfrm>
+          <a:prstGeom prst="rect">
+            <a:avLst/>
+          </a:prstGeom>
+          <a:noFill/>
+        </p:spPr>
+        <p:txBody>
+          <a:bodyPr wrap="none" rtlCol="0">
+            <a:spAutoFit/>
+          </a:bodyPr>
+          <a:lstStyle/>
+          <a:p>
+            <a:r>
+              <a:rPr lang="en-US" sz="3200" dirty="0" smtClean="0"/>
+              <a:t>Gist Perception: Impossible Under Load?</a:t>
+            </a:r>
+            <a:endParaRPr lang="en-US" sz="3200" dirty="0"/>
+          </a:p>
+        </p:txBody>
+      </p:sp>
+      <p:grpSp>
+        <p:nvGrpSpPr>
+          <p:cNvPr id="5" name="Group 4"/>
+          <p:cNvGrpSpPr/>
+          <p:nvPr/>
+        </p:nvGrpSpPr>
+        <p:grpSpPr>
+          <a:xfrm>
+            <a:off x="7391400" y="228600"/>
+            <a:ext cx="1647104" cy="2203759"/>
+            <a:chOff x="762000" y="1677105"/>
+            <a:chExt cx="3498850" cy="4681322"/>
+          </a:xfrm>
+        </p:grpSpPr>
+        <p:sp>
+          <p:nvSpPr>
+            <p:cNvPr id="7" name="TextBox 6"/>
+            <p:cNvSpPr txBox="1"/>
+            <p:nvPr/>
+          </p:nvSpPr>
+          <p:spPr>
+            <a:xfrm>
+              <a:off x="2133600" y="2514600"/>
+              <a:ext cx="152400" cy="369332"/>
+            </a:xfrm>
+            <a:prstGeom prst="rect">
+              <a:avLst/>
+            </a:prstGeom>
+            <a:noFill/>
+          </p:spPr>
+          <p:txBody>
+            <a:bodyPr wrap="square" rtlCol="0">
+              <a:spAutoFit/>
+            </a:bodyPr>
+            <a:lstStyle/>
+            <a:p>
+              <a:endParaRPr lang="en-US" dirty="0"/>
+            </a:p>
+          </p:txBody>
+        </p:sp>
+        <p:grpSp>
+          <p:nvGrpSpPr>
+            <p:cNvPr id="28" name="Group 27"/>
+            <p:cNvGrpSpPr/>
+            <p:nvPr/>
+          </p:nvGrpSpPr>
+          <p:grpSpPr>
+            <a:xfrm>
+              <a:off x="946150" y="1677105"/>
+              <a:ext cx="3314700" cy="3077633"/>
+              <a:chOff x="946150" y="1677105"/>
+              <a:chExt cx="3314700" cy="3077633"/>
+            </a:xfrm>
+          </p:grpSpPr>
+          <p:pic>
+            <p:nvPicPr>
+              <p:cNvPr id="6" name="Picture 5" descr="ma1.jpg"/>
+              <p:cNvPicPr>
+                <a:picLocks noChangeAspect="1"/>
+              </p:cNvPicPr>
+              <p:nvPr/>
+            </p:nvPicPr>
+            <p:blipFill>
+              <a:blip r:embed="rId4" cstate="print">
+                <a:extLst>
+                  <a:ext uri="{28A0092B-C50C-407E-A947-70E740481C1C}">
+                    <a14:useLocalDpi xmlns:a14="http://schemas.microsoft.com/office/drawing/2010/main" val="0"/>
+                  </a:ext>
+                </a:extLst>
+              </a:blip>
+              <a:stretch>
+                <a:fillRect/>
+              </a:stretch>
+            </p:blipFill>
+            <p:spPr>
+              <a:xfrm>
+                <a:off x="946150" y="1677105"/>
+                <a:ext cx="819150" cy="819150"/>
+              </a:xfrm>
+              <a:prstGeom prst="rect">
+                <a:avLst/>
+              </a:prstGeom>
+              <a:ln w="38100" cmpd="sng">
+                <a:solidFill>
+                  <a:schemeClr val="tx1"/>
+                </a:solidFill>
+              </a:ln>
+            </p:spPr>
+          </p:pic>
+          <p:pic>
+            <p:nvPicPr>
+              <p:cNvPr id="8" name="Picture 7" descr="ma9.jpg"/>
+              <p:cNvPicPr>
+                <a:picLocks noChangeAspect="1"/>
+              </p:cNvPicPr>
+              <p:nvPr/>
+            </p:nvPicPr>
+            <p:blipFill>
+              <a:blip r:embed="rId5" cstate="print">
+                <a:extLst>
+                  <a:ext uri="{28A0092B-C50C-407E-A947-70E740481C1C}">
+                    <a14:useLocalDpi xmlns:a14="http://schemas.microsoft.com/office/drawing/2010/main" val="0"/>
+                  </a:ext>
+                </a:extLst>
+              </a:blip>
+              <a:stretch>
+                <a:fillRect/>
+              </a:stretch>
+            </p:blipFill>
+            <p:spPr>
+              <a:xfrm>
+                <a:off x="1320800" y="2012244"/>
+                <a:ext cx="819150" cy="819150"/>
+              </a:xfrm>
+              <a:prstGeom prst="rect">
+                <a:avLst/>
+              </a:prstGeom>
+              <a:ln w="38100" cmpd="sng">
+                <a:solidFill>
+                  <a:schemeClr val="tx1"/>
+                </a:solidFill>
+              </a:ln>
+            </p:spPr>
+          </p:pic>
+          <p:pic>
+            <p:nvPicPr>
+              <p:cNvPr id="9" name="Picture 8" descr="ma14.jpg"/>
+              <p:cNvPicPr>
+                <a:picLocks noChangeAspect="1"/>
+              </p:cNvPicPr>
+              <p:nvPr/>
+            </p:nvPicPr>
+            <p:blipFill>
+              <a:blip r:embed="rId6" cstate="print">
+                <a:extLst>
+                  <a:ext uri="{28A0092B-C50C-407E-A947-70E740481C1C}">
+                    <a14:useLocalDpi xmlns:a14="http://schemas.microsoft.com/office/drawing/2010/main" val="0"/>
+                  </a:ext>
+                </a:extLst>
+              </a:blip>
+              <a:stretch>
+                <a:fillRect/>
+              </a:stretch>
+            </p:blipFill>
+            <p:spPr>
+              <a:xfrm>
+                <a:off x="1695450" y="2347383"/>
+                <a:ext cx="819150" cy="819150"/>
+              </a:xfrm>
+              <a:prstGeom prst="rect">
+                <a:avLst/>
+              </a:prstGeom>
+              <a:ln w="38100" cmpd="sng">
+                <a:solidFill>
+                  <a:schemeClr val="tx1"/>
+                </a:solidFill>
+              </a:ln>
+            </p:spPr>
+          </p:pic>
+          <p:pic>
+            <p:nvPicPr>
+              <p:cNvPr id="14" name="Picture 13" descr="ma136.jpg"/>
+              <p:cNvPicPr>
+                <a:picLocks noChangeAspect="1"/>
+              </p:cNvPicPr>
+              <p:nvPr/>
+            </p:nvPicPr>
+            <p:blipFill>
+              <a:blip r:embed="rId7" cstate="print">
+                <a:extLst>
+                  <a:ext uri="{28A0092B-C50C-407E-A947-70E740481C1C}">
+                    <a14:useLocalDpi xmlns:a14="http://schemas.microsoft.com/office/drawing/2010/main" val="0"/>
+                  </a:ext>
+                </a:extLst>
+              </a:blip>
+              <a:stretch>
+                <a:fillRect/>
+              </a:stretch>
+            </p:blipFill>
+            <p:spPr>
+              <a:xfrm>
+                <a:off x="2070100" y="2682522"/>
+                <a:ext cx="819150" cy="819150"/>
+              </a:xfrm>
+              <a:prstGeom prst="rect">
+                <a:avLst/>
+              </a:prstGeom>
+              <a:ln w="38100" cmpd="sng">
+                <a:solidFill>
+                  <a:schemeClr val="tx1"/>
+                </a:solidFill>
+              </a:ln>
+            </p:spPr>
+          </p:pic>
+          <p:pic>
+            <p:nvPicPr>
+              <p:cNvPr id="15" name="Picture 14" descr="ma164.jpg"/>
+              <p:cNvPicPr>
+                <a:picLocks noChangeAspect="1"/>
+              </p:cNvPicPr>
+              <p:nvPr/>
+            </p:nvPicPr>
+            <p:blipFill>
+              <a:blip r:embed="rId8" cstate="print">
+                <a:extLst>
+                  <a:ext uri="{28A0092B-C50C-407E-A947-70E740481C1C}">
+                    <a14:useLocalDpi xmlns:a14="http://schemas.microsoft.com/office/drawing/2010/main" val="0"/>
+                  </a:ext>
+                </a:extLst>
+              </a:blip>
+              <a:stretch>
+                <a:fillRect/>
+              </a:stretch>
+            </p:blipFill>
+            <p:spPr>
+              <a:xfrm>
+                <a:off x="2444750" y="3017661"/>
+                <a:ext cx="819150" cy="819150"/>
+              </a:xfrm>
+              <a:prstGeom prst="rect">
+                <a:avLst/>
+              </a:prstGeom>
+              <a:ln w="38100" cmpd="sng">
+                <a:solidFill>
+                  <a:schemeClr val="tx1"/>
+                </a:solidFill>
+              </a:ln>
+            </p:spPr>
+          </p:pic>
+          <p:pic>
+            <p:nvPicPr>
+              <p:cNvPr id="16" name="Picture 15" descr="a3.jpg"/>
+              <p:cNvPicPr>
+                <a:picLocks noChangeAspect="1"/>
+              </p:cNvPicPr>
+              <p:nvPr/>
+            </p:nvPicPr>
+            <p:blipFill>
+              <a:blip r:embed="rId9" cstate="print">
+                <a:extLst>
+                  <a:ext uri="{28A0092B-C50C-407E-A947-70E740481C1C}">
+                    <a14:useLocalDpi xmlns:a14="http://schemas.microsoft.com/office/drawing/2010/main" val="0"/>
+                  </a:ext>
+                </a:extLst>
+              </a:blip>
+              <a:stretch>
+                <a:fillRect/>
+              </a:stretch>
+            </p:blipFill>
+            <p:spPr>
+              <a:xfrm>
+                <a:off x="2819400" y="3352800"/>
+                <a:ext cx="1066800" cy="1066800"/>
+              </a:xfrm>
+              <a:prstGeom prst="rect">
+                <a:avLst/>
+              </a:prstGeom>
+            </p:spPr>
+          </p:pic>
+          <p:pic>
+            <p:nvPicPr>
+              <p:cNvPr id="17" name="Picture 16" descr="ma9.jpg"/>
+              <p:cNvPicPr>
+                <a:picLocks noChangeAspect="1"/>
+              </p:cNvPicPr>
+              <p:nvPr/>
+            </p:nvPicPr>
+            <p:blipFill>
+              <a:blip r:embed="rId5" cstate="print">
+                <a:extLst>
+                  <a:ext uri="{28A0092B-C50C-407E-A947-70E740481C1C}">
+                    <a14:useLocalDpi xmlns:a14="http://schemas.microsoft.com/office/drawing/2010/main" val="0"/>
+                  </a:ext>
+                </a:extLst>
+              </a:blip>
+              <a:stretch>
+                <a:fillRect/>
+              </a:stretch>
+            </p:blipFill>
+            <p:spPr>
+              <a:xfrm>
+                <a:off x="3441700" y="3935588"/>
+                <a:ext cx="819150" cy="819150"/>
+              </a:xfrm>
+              <a:prstGeom prst="rect">
+                <a:avLst/>
+              </a:prstGeom>
+              <a:ln w="38100" cmpd="sng">
+                <a:solidFill>
+                  <a:schemeClr val="tx1"/>
+                </a:solidFill>
+              </a:ln>
+            </p:spPr>
+          </p:pic>
+        </p:grpSp>
+        <p:sp>
+          <p:nvSpPr>
+            <p:cNvPr id="18" name="TextBox 17"/>
+            <p:cNvSpPr txBox="1"/>
+            <p:nvPr/>
+          </p:nvSpPr>
+          <p:spPr>
+            <a:xfrm>
+              <a:off x="1658161" y="3606800"/>
+              <a:ext cx="865141" cy="1176827"/>
+            </a:xfrm>
+            <a:prstGeom prst="rect">
+              <a:avLst/>
+            </a:prstGeom>
+            <a:noFill/>
+          </p:spPr>
+          <p:txBody>
+            <a:bodyPr wrap="none" rtlCol="0">
+              <a:spAutoFit/>
+            </a:bodyPr>
+            <a:lstStyle/>
+            <a:p>
+              <a:r>
+                <a:rPr lang="en-US" sz="3000" dirty="0" smtClean="0"/>
+                <a:t>A</a:t>
+              </a:r>
+              <a:endParaRPr lang="en-US" sz="3000" dirty="0"/>
+            </a:p>
+          </p:txBody>
+        </p:sp>
+        <p:sp>
+          <p:nvSpPr>
+            <p:cNvPr id="20" name="TextBox 19"/>
+            <p:cNvSpPr txBox="1"/>
+            <p:nvPr/>
+          </p:nvSpPr>
+          <p:spPr>
+            <a:xfrm>
+              <a:off x="2100607" y="4000499"/>
+              <a:ext cx="865141" cy="1176827"/>
+            </a:xfrm>
+            <a:prstGeom prst="rect">
+              <a:avLst/>
+            </a:prstGeom>
+            <a:noFill/>
+          </p:spPr>
+          <p:txBody>
+            <a:bodyPr wrap="none" rtlCol="0">
+              <a:spAutoFit/>
+            </a:bodyPr>
+            <a:lstStyle/>
+            <a:p>
+              <a:r>
+                <a:rPr lang="en-US" sz="3000" dirty="0" smtClean="0"/>
+                <a:t>B</a:t>
+              </a:r>
+              <a:endParaRPr lang="en-US" sz="3000" dirty="0"/>
+            </a:p>
+          </p:txBody>
+        </p:sp>
+        <p:sp>
+          <p:nvSpPr>
+            <p:cNvPr id="21" name="TextBox 20"/>
+            <p:cNvSpPr txBox="1"/>
+            <p:nvPr/>
+          </p:nvSpPr>
+          <p:spPr>
+            <a:xfrm>
+              <a:off x="2543053" y="4394200"/>
+              <a:ext cx="907840" cy="1176827"/>
+            </a:xfrm>
+            <a:prstGeom prst="rect">
+              <a:avLst/>
+            </a:prstGeom>
+            <a:noFill/>
+          </p:spPr>
+          <p:txBody>
+            <a:bodyPr wrap="none" rtlCol="0">
+              <a:spAutoFit/>
+            </a:bodyPr>
+            <a:lstStyle/>
+            <a:p>
+              <a:r>
+                <a:rPr lang="en-US" sz="3000" dirty="0"/>
+                <a:t>G</a:t>
+              </a:r>
+            </a:p>
+          </p:txBody>
+        </p:sp>
+        <p:sp>
+          <p:nvSpPr>
+            <p:cNvPr id="22" name="TextBox 21"/>
+            <p:cNvSpPr txBox="1"/>
+            <p:nvPr/>
+          </p:nvSpPr>
+          <p:spPr>
+            <a:xfrm>
+              <a:off x="2956380" y="4787899"/>
+              <a:ext cx="806482" cy="1176827"/>
+            </a:xfrm>
+            <a:prstGeom prst="rect">
+              <a:avLst/>
+            </a:prstGeom>
+            <a:noFill/>
+          </p:spPr>
+          <p:txBody>
+            <a:bodyPr wrap="none" rtlCol="0">
+              <a:spAutoFit/>
+            </a:bodyPr>
+            <a:lstStyle/>
+            <a:p>
+              <a:r>
+                <a:rPr lang="en-US" sz="3000" dirty="0" smtClean="0"/>
+                <a:t>5</a:t>
+              </a:r>
+              <a:endParaRPr lang="en-US" sz="3000" dirty="0"/>
+            </a:p>
+          </p:txBody>
+        </p:sp>
+        <p:sp>
+          <p:nvSpPr>
+            <p:cNvPr id="23" name="TextBox 22"/>
+            <p:cNvSpPr txBox="1"/>
+            <p:nvPr/>
+          </p:nvSpPr>
+          <p:spPr>
+            <a:xfrm>
+              <a:off x="3352800" y="5181600"/>
+              <a:ext cx="806482" cy="1176827"/>
+            </a:xfrm>
+            <a:prstGeom prst="rect">
+              <a:avLst/>
+            </a:prstGeom>
+            <a:noFill/>
+          </p:spPr>
+          <p:txBody>
+            <a:bodyPr wrap="none" rtlCol="0">
+              <a:spAutoFit/>
+            </a:bodyPr>
+            <a:lstStyle/>
+            <a:p>
+              <a:r>
+                <a:rPr lang="en-US" sz="3000" dirty="0" smtClean="0"/>
+                <a:t>1</a:t>
+              </a:r>
+              <a:endParaRPr lang="en-US" sz="3000" dirty="0"/>
+            </a:p>
+          </p:txBody>
+        </p:sp>
+        <p:sp>
+          <p:nvSpPr>
+            <p:cNvPr id="24" name="TextBox 23"/>
+            <p:cNvSpPr txBox="1"/>
+            <p:nvPr/>
+          </p:nvSpPr>
+          <p:spPr>
+            <a:xfrm>
+              <a:off x="1182216" y="3213099"/>
+              <a:ext cx="907840" cy="1176827"/>
+            </a:xfrm>
+            <a:prstGeom prst="rect">
+              <a:avLst/>
+            </a:prstGeom>
+            <a:noFill/>
+          </p:spPr>
+          <p:txBody>
+            <a:bodyPr wrap="none" rtlCol="0">
+              <a:spAutoFit/>
+            </a:bodyPr>
+            <a:lstStyle/>
+            <a:p>
+              <a:r>
+                <a:rPr lang="en-US" sz="3000" dirty="0" smtClean="0"/>
+                <a:t>G</a:t>
+              </a:r>
+              <a:endParaRPr lang="en-US" sz="3000" dirty="0"/>
+            </a:p>
+          </p:txBody>
+        </p:sp>
+        <p:sp>
+          <p:nvSpPr>
+            <p:cNvPr id="25" name="TextBox 24"/>
+            <p:cNvSpPr txBox="1"/>
+            <p:nvPr/>
+          </p:nvSpPr>
+          <p:spPr>
+            <a:xfrm>
+              <a:off x="762000" y="2819400"/>
+              <a:ext cx="836810" cy="1176827"/>
+            </a:xfrm>
+            <a:prstGeom prst="rect">
+              <a:avLst/>
+            </a:prstGeom>
+            <a:noFill/>
+          </p:spPr>
+          <p:txBody>
+            <a:bodyPr wrap="none" rtlCol="0">
+              <a:spAutoFit/>
+            </a:bodyPr>
+            <a:lstStyle/>
+            <a:p>
+              <a:r>
+                <a:rPr lang="en-US" sz="3000" dirty="0" smtClean="0"/>
+                <a:t>B</a:t>
+              </a:r>
+              <a:endParaRPr lang="en-US" sz="3000" dirty="0"/>
+            </a:p>
+          </p:txBody>
+        </p:sp>
+      </p:grpSp>
+      <p:sp>
+        <p:nvSpPr>
+          <p:cNvPr id="26" name="TextBox 25"/>
+          <p:cNvSpPr txBox="1"/>
+          <p:nvPr/>
+        </p:nvSpPr>
+        <p:spPr>
+          <a:xfrm>
+            <a:off x="990600" y="1228677"/>
+            <a:ext cx="5867400" cy="370673"/>
+          </a:xfrm>
+          <a:prstGeom prst="rect">
+            <a:avLst/>
+          </a:prstGeom>
+          <a:solidFill>
+            <a:schemeClr val="bg1"/>
+          </a:solidFill>
+        </p:spPr>
+        <p:txBody>
+          <a:bodyPr wrap="square" rtlCol="0">
+            <a:spAutoFit/>
+          </a:bodyPr>
+          <a:lstStyle/>
+          <a:p>
+            <a:pPr algn="ctr"/>
+            <a:r>
+              <a:rPr lang="en-US" dirty="0" smtClean="0"/>
+              <a:t>Cohen et al. (n=30) vs. Birman (n=29): Category Gist</a:t>
+            </a:r>
+            <a:endParaRPr lang="en-US" dirty="0"/>
+          </a:p>
+        </p:txBody>
+      </p:sp>
+    </p:spTree>
+    <p:extLst>
+      <p:ext uri="{BB962C8B-B14F-4D97-AF65-F5344CB8AC3E}">
+        <p14:creationId xmlns:p14="http://schemas.microsoft.com/office/powerpoint/2010/main" val="2249957594"/>
+      </p:ext>
+    </p:extLst>
+  </p:cSld>
+  <p:clrMapOvr>
+    <a:masterClrMapping/>
+  </p:clrMapOvr>
+  <p:timing>
+    <p:tnLst>
+      <p:par>
+        <p:cTn id="1" dur="indefinite" restart="never" nodeType="tmRoot"/>
+      </p:par>
+    </p:tnLst>
+  </p:timing>
+</p:sld>
+</file>
+
+<file path=ppt/slides/slide13.xml><?xml version="1.0" encoding="utf-8"?>
+<p:sld xmlns:a="http://schemas.openxmlformats.org/drawingml/2006/main" xmlns:r="http://schemas.openxmlformats.org/officeDocument/2006/relationships" xmlns:p="http://schemas.openxmlformats.org/presentationml/2006/main">
+  <p:cSld>
+    <p:spTree>
+      <p:nvGrpSpPr>
+        <p:cNvPr id="1" name=""/>
+        <p:cNvGrpSpPr/>
+        <p:nvPr/>
+      </p:nvGrpSpPr>
+      <p:grpSpPr>
+        <a:xfrm>
+          <a:off x="0" y="0"/>
+          <a:ext cx="0" cy="0"/>
+          <a:chOff x="0" y="0"/>
+          <a:chExt cx="0" cy="0"/>
+        </a:xfrm>
+      </p:grpSpPr>
+      <p:pic>
+        <p:nvPicPr>
+          <p:cNvPr id="2050" name="Picture 2"/>
+          <p:cNvPicPr>
+            <a:picLocks noChangeAspect="1" noChangeArrowheads="1"/>
+          </p:cNvPicPr>
+          <p:nvPr/>
+        </p:nvPicPr>
+        <p:blipFill>
+          <a:blip r:embed="rId3">
+            <a:extLst>
+              <a:ext uri="{28A0092B-C50C-407E-A947-70E740481C1C}">
+                <a14:useLocalDpi xmlns:a14="http://schemas.microsoft.com/office/drawing/2010/main" val="0"/>
+              </a:ext>
+            </a:extLst>
+          </a:blip>
+          <a:srcRect/>
+          <a:stretch>
+            <a:fillRect/>
+          </a:stretch>
+        </p:blipFill>
+        <p:spPr bwMode="auto">
+          <a:xfrm>
+            <a:off x="457200" y="951677"/>
+            <a:ext cx="8839200" cy="6138333"/>
+          </a:xfrm>
+          <a:prstGeom prst="rect">
+            <a:avLst/>
+          </a:prstGeom>
+          <a:noFill/>
+          <a:ln>
+            <a:noFill/>
+          </a:ln>
+          <a:effectLst/>
+          <a:extLst>
+            <a:ext uri="{909E8E84-426E-40DD-AFC4-6F175D3DCCD1}">
+              <a14:hiddenFill xmlns:a14="http://schemas.microsoft.com/office/drawing/2010/main">
+                <a:solidFill>
+                  <a:schemeClr val="accent1"/>
+                </a:solidFill>
+              </a14:hiddenFill>
+            </a:ext>
+            <a:ext uri="{91240B29-F687-4F45-9708-019B960494DF}">
+              <a14:hiddenLine xmlns:a14="http://schemas.microsoft.com/office/drawing/2010/main" w="9525">
+                <a:solidFill>
+                  <a:schemeClr val="tx1"/>
+                </a:solidFill>
+                <a:miter lim="800000"/>
+                <a:headEnd/>
+                <a:tailEnd/>
+              </a14:hiddenLine>
+            </a:ext>
+            <a:ext uri="{AF507438-7753-43E0-B8FC-AC1667EBCBE1}">
+              <a14:hiddenEffects xmlns:a14="http://schemas.microsoft.com/office/drawing/2010/main">
+                <a:effectLst>
+                  <a:outerShdw dist="35921" dir="2700000" algn="ctr" rotWithShape="0">
+                    <a:schemeClr val="bg2"/>
+                  </a:outerShdw>
+                </a:effectLst>
+              </a14:hiddenEffects>
+            </a:ext>
+          </a:extLst>
+        </p:spPr>
+      </p:pic>
+      <p:sp>
+        <p:nvSpPr>
+          <p:cNvPr id="11" name="TextBox 10"/>
+          <p:cNvSpPr txBox="1"/>
+          <p:nvPr/>
+        </p:nvSpPr>
+        <p:spPr>
+          <a:xfrm>
+            <a:off x="271956" y="228600"/>
+            <a:ext cx="6946325" cy="584775"/>
+          </a:xfrm>
+          <a:prstGeom prst="rect">
+            <a:avLst/>
+          </a:prstGeom>
+          <a:noFill/>
+        </p:spPr>
+        <p:txBody>
+          <a:bodyPr wrap="none" rtlCol="0">
+            <a:spAutoFit/>
+          </a:bodyPr>
+          <a:lstStyle/>
+          <a:p>
+            <a:r>
+              <a:rPr lang="en-US" sz="3200" dirty="0" smtClean="0"/>
+              <a:t>Gist Perception: Impossible Under Load?</a:t>
+            </a:r>
+            <a:endParaRPr lang="en-US" sz="3200" dirty="0"/>
+          </a:p>
+        </p:txBody>
+      </p:sp>
+      <p:grpSp>
+        <p:nvGrpSpPr>
+          <p:cNvPr id="5" name="Group 4"/>
+          <p:cNvGrpSpPr/>
+          <p:nvPr/>
+        </p:nvGrpSpPr>
+        <p:grpSpPr>
+          <a:xfrm>
+            <a:off x="7391400" y="228600"/>
+            <a:ext cx="1647104" cy="2203759"/>
+            <a:chOff x="762000" y="1677105"/>
+            <a:chExt cx="3498850" cy="4681322"/>
+          </a:xfrm>
+        </p:grpSpPr>
+        <p:sp>
+          <p:nvSpPr>
+            <p:cNvPr id="7" name="TextBox 6"/>
+            <p:cNvSpPr txBox="1"/>
+            <p:nvPr/>
+          </p:nvSpPr>
+          <p:spPr>
+            <a:xfrm>
+              <a:off x="2133600" y="2514600"/>
+              <a:ext cx="152400" cy="369332"/>
+            </a:xfrm>
+            <a:prstGeom prst="rect">
+              <a:avLst/>
+            </a:prstGeom>
+            <a:noFill/>
+          </p:spPr>
+          <p:txBody>
+            <a:bodyPr wrap="square" rtlCol="0">
+              <a:spAutoFit/>
+            </a:bodyPr>
+            <a:lstStyle/>
+            <a:p>
+              <a:endParaRPr lang="en-US" dirty="0"/>
+            </a:p>
+          </p:txBody>
+        </p:sp>
+        <p:grpSp>
+          <p:nvGrpSpPr>
+            <p:cNvPr id="28" name="Group 27"/>
+            <p:cNvGrpSpPr/>
+            <p:nvPr/>
+          </p:nvGrpSpPr>
+          <p:grpSpPr>
+            <a:xfrm>
+              <a:off x="946150" y="1677105"/>
+              <a:ext cx="3314700" cy="3077633"/>
+              <a:chOff x="946150" y="1677105"/>
+              <a:chExt cx="3314700" cy="3077633"/>
+            </a:xfrm>
+          </p:grpSpPr>
+          <p:pic>
+            <p:nvPicPr>
+              <p:cNvPr id="6" name="Picture 5" descr="ma1.jpg"/>
+              <p:cNvPicPr>
+                <a:picLocks noChangeAspect="1"/>
+              </p:cNvPicPr>
+              <p:nvPr/>
+            </p:nvPicPr>
+            <p:blipFill>
+              <a:blip r:embed="rId4" cstate="print">
+                <a:extLst>
+                  <a:ext uri="{28A0092B-C50C-407E-A947-70E740481C1C}">
+                    <a14:useLocalDpi xmlns:a14="http://schemas.microsoft.com/office/drawing/2010/main" val="0"/>
+                  </a:ext>
+                </a:extLst>
+              </a:blip>
+              <a:stretch>
+                <a:fillRect/>
+              </a:stretch>
+            </p:blipFill>
+            <p:spPr>
+              <a:xfrm>
+                <a:off x="946150" y="1677105"/>
+                <a:ext cx="819150" cy="819150"/>
+              </a:xfrm>
+              <a:prstGeom prst="rect">
+                <a:avLst/>
+              </a:prstGeom>
+              <a:ln w="38100" cmpd="sng">
+                <a:solidFill>
+                  <a:schemeClr val="tx1"/>
+                </a:solidFill>
+              </a:ln>
+            </p:spPr>
+          </p:pic>
+          <p:pic>
+            <p:nvPicPr>
+              <p:cNvPr id="8" name="Picture 7" descr="ma9.jpg"/>
+              <p:cNvPicPr>
+                <a:picLocks noChangeAspect="1"/>
+              </p:cNvPicPr>
+              <p:nvPr/>
+            </p:nvPicPr>
+            <p:blipFill>
+              <a:blip r:embed="rId5" cstate="print">
+                <a:extLst>
+                  <a:ext uri="{28A0092B-C50C-407E-A947-70E740481C1C}">
+                    <a14:useLocalDpi xmlns:a14="http://schemas.microsoft.com/office/drawing/2010/main" val="0"/>
+                  </a:ext>
+                </a:extLst>
+              </a:blip>
+              <a:stretch>
+                <a:fillRect/>
+              </a:stretch>
+            </p:blipFill>
+            <p:spPr>
+              <a:xfrm>
+                <a:off x="1320800" y="2012244"/>
+                <a:ext cx="819150" cy="819150"/>
+              </a:xfrm>
+              <a:prstGeom prst="rect">
+                <a:avLst/>
+              </a:prstGeom>
+              <a:ln w="38100" cmpd="sng">
+                <a:solidFill>
+                  <a:schemeClr val="tx1"/>
+                </a:solidFill>
+              </a:ln>
+            </p:spPr>
+          </p:pic>
+          <p:pic>
+            <p:nvPicPr>
+              <p:cNvPr id="9" name="Picture 8" descr="ma14.jpg"/>
+              <p:cNvPicPr>
+                <a:picLocks noChangeAspect="1"/>
+              </p:cNvPicPr>
+              <p:nvPr/>
+            </p:nvPicPr>
+            <p:blipFill>
+              <a:blip r:embed="rId6" cstate="print">
+                <a:extLst>
+                  <a:ext uri="{28A0092B-C50C-407E-A947-70E740481C1C}">
+                    <a14:useLocalDpi xmlns:a14="http://schemas.microsoft.com/office/drawing/2010/main" val="0"/>
+                  </a:ext>
+                </a:extLst>
+              </a:blip>
+              <a:stretch>
+                <a:fillRect/>
+              </a:stretch>
+            </p:blipFill>
+            <p:spPr>
+              <a:xfrm>
+                <a:off x="1695450" y="2347383"/>
+                <a:ext cx="819150" cy="819150"/>
+              </a:xfrm>
+              <a:prstGeom prst="rect">
+                <a:avLst/>
+              </a:prstGeom>
+              <a:ln w="38100" cmpd="sng">
+                <a:solidFill>
+                  <a:schemeClr val="tx1"/>
+                </a:solidFill>
+              </a:ln>
+            </p:spPr>
+          </p:pic>
+          <p:pic>
+            <p:nvPicPr>
+              <p:cNvPr id="14" name="Picture 13" descr="ma136.jpg"/>
+              <p:cNvPicPr>
+                <a:picLocks noChangeAspect="1"/>
+              </p:cNvPicPr>
+              <p:nvPr/>
+            </p:nvPicPr>
+            <p:blipFill>
+              <a:blip r:embed="rId7" cstate="print">
+                <a:extLst>
+                  <a:ext uri="{28A0092B-C50C-407E-A947-70E740481C1C}">
+                    <a14:useLocalDpi xmlns:a14="http://schemas.microsoft.com/office/drawing/2010/main" val="0"/>
+                  </a:ext>
+                </a:extLst>
+              </a:blip>
+              <a:stretch>
+                <a:fillRect/>
+              </a:stretch>
+            </p:blipFill>
+            <p:spPr>
+              <a:xfrm>
+                <a:off x="2070100" y="2682522"/>
+                <a:ext cx="819150" cy="819150"/>
+              </a:xfrm>
+              <a:prstGeom prst="rect">
+                <a:avLst/>
+              </a:prstGeom>
+              <a:ln w="38100" cmpd="sng">
+                <a:solidFill>
+                  <a:schemeClr val="tx1"/>
+                </a:solidFill>
+              </a:ln>
+            </p:spPr>
+          </p:pic>
+          <p:pic>
+            <p:nvPicPr>
+              <p:cNvPr id="15" name="Picture 14" descr="ma164.jpg"/>
+              <p:cNvPicPr>
+                <a:picLocks noChangeAspect="1"/>
+              </p:cNvPicPr>
+              <p:nvPr/>
+            </p:nvPicPr>
+            <p:blipFill>
+              <a:blip r:embed="rId8" cstate="print">
+                <a:extLst>
+                  <a:ext uri="{28A0092B-C50C-407E-A947-70E740481C1C}">
+                    <a14:useLocalDpi xmlns:a14="http://schemas.microsoft.com/office/drawing/2010/main" val="0"/>
+                  </a:ext>
+                </a:extLst>
+              </a:blip>
+              <a:stretch>
+                <a:fillRect/>
+              </a:stretch>
+            </p:blipFill>
+            <p:spPr>
+              <a:xfrm>
+                <a:off x="2444750" y="3017661"/>
+                <a:ext cx="819150" cy="819150"/>
+              </a:xfrm>
+              <a:prstGeom prst="rect">
+                <a:avLst/>
+              </a:prstGeom>
+              <a:ln w="38100" cmpd="sng">
+                <a:solidFill>
+                  <a:schemeClr val="tx1"/>
+                </a:solidFill>
+              </a:ln>
+            </p:spPr>
+          </p:pic>
+          <p:pic>
+            <p:nvPicPr>
+              <p:cNvPr id="16" name="Picture 15" descr="a3.jpg"/>
+              <p:cNvPicPr>
+                <a:picLocks noChangeAspect="1"/>
+              </p:cNvPicPr>
+              <p:nvPr/>
+            </p:nvPicPr>
+            <p:blipFill>
+              <a:blip r:embed="rId9" cstate="print">
+                <a:extLst>
+                  <a:ext uri="{28A0092B-C50C-407E-A947-70E740481C1C}">
+                    <a14:useLocalDpi xmlns:a14="http://schemas.microsoft.com/office/drawing/2010/main" val="0"/>
+                  </a:ext>
+                </a:extLst>
+              </a:blip>
+              <a:stretch>
+                <a:fillRect/>
+              </a:stretch>
+            </p:blipFill>
+            <p:spPr>
+              <a:xfrm>
+                <a:off x="2819400" y="3352800"/>
+                <a:ext cx="1066800" cy="1066800"/>
+              </a:xfrm>
+              <a:prstGeom prst="rect">
+                <a:avLst/>
+              </a:prstGeom>
+            </p:spPr>
+          </p:pic>
+          <p:pic>
+            <p:nvPicPr>
+              <p:cNvPr id="17" name="Picture 16" descr="ma9.jpg"/>
+              <p:cNvPicPr>
+                <a:picLocks noChangeAspect="1"/>
+              </p:cNvPicPr>
+              <p:nvPr/>
+            </p:nvPicPr>
+            <p:blipFill>
+              <a:blip r:embed="rId5" cstate="print">
+                <a:extLst>
+                  <a:ext uri="{28A0092B-C50C-407E-A947-70E740481C1C}">
+                    <a14:useLocalDpi xmlns:a14="http://schemas.microsoft.com/office/drawing/2010/main" val="0"/>
+                  </a:ext>
+                </a:extLst>
+              </a:blip>
+              <a:stretch>
+                <a:fillRect/>
+              </a:stretch>
+            </p:blipFill>
+            <p:spPr>
+              <a:xfrm>
+                <a:off x="3441700" y="3935588"/>
+                <a:ext cx="819150" cy="819150"/>
+              </a:xfrm>
+              <a:prstGeom prst="rect">
+                <a:avLst/>
+              </a:prstGeom>
+              <a:ln w="38100" cmpd="sng">
+                <a:solidFill>
+                  <a:schemeClr val="tx1"/>
+                </a:solidFill>
+              </a:ln>
+            </p:spPr>
+          </p:pic>
+        </p:grpSp>
+        <p:sp>
+          <p:nvSpPr>
+            <p:cNvPr id="18" name="TextBox 17"/>
+            <p:cNvSpPr txBox="1"/>
+            <p:nvPr/>
+          </p:nvSpPr>
+          <p:spPr>
+            <a:xfrm>
+              <a:off x="1658161" y="3606800"/>
+              <a:ext cx="865141" cy="1176827"/>
+            </a:xfrm>
+            <a:prstGeom prst="rect">
+              <a:avLst/>
+            </a:prstGeom>
+            <a:noFill/>
+          </p:spPr>
+          <p:txBody>
+            <a:bodyPr wrap="none" rtlCol="0">
+              <a:spAutoFit/>
+            </a:bodyPr>
+            <a:lstStyle/>
+            <a:p>
+              <a:r>
+                <a:rPr lang="en-US" sz="3000" dirty="0" smtClean="0"/>
+                <a:t>A</a:t>
+              </a:r>
+              <a:endParaRPr lang="en-US" sz="3000" dirty="0"/>
+            </a:p>
+          </p:txBody>
+        </p:sp>
+        <p:sp>
+          <p:nvSpPr>
+            <p:cNvPr id="20" name="TextBox 19"/>
+            <p:cNvSpPr txBox="1"/>
+            <p:nvPr/>
+          </p:nvSpPr>
+          <p:spPr>
+            <a:xfrm>
+              <a:off x="2100607" y="4000499"/>
+              <a:ext cx="865141" cy="1176827"/>
+            </a:xfrm>
+            <a:prstGeom prst="rect">
+              <a:avLst/>
+            </a:prstGeom>
+            <a:noFill/>
+          </p:spPr>
+          <p:txBody>
+            <a:bodyPr wrap="none" rtlCol="0">
+              <a:spAutoFit/>
+            </a:bodyPr>
+            <a:lstStyle/>
+            <a:p>
+              <a:r>
+                <a:rPr lang="en-US" sz="3000" dirty="0" smtClean="0"/>
+                <a:t>B</a:t>
+              </a:r>
+              <a:endParaRPr lang="en-US" sz="3000" dirty="0"/>
+            </a:p>
+          </p:txBody>
+        </p:sp>
+        <p:sp>
+          <p:nvSpPr>
+            <p:cNvPr id="21" name="TextBox 20"/>
+            <p:cNvSpPr txBox="1"/>
+            <p:nvPr/>
+          </p:nvSpPr>
+          <p:spPr>
+            <a:xfrm>
+              <a:off x="2543053" y="4394200"/>
+              <a:ext cx="907840" cy="1176827"/>
+            </a:xfrm>
+            <a:prstGeom prst="rect">
+              <a:avLst/>
+            </a:prstGeom>
+            <a:noFill/>
+          </p:spPr>
+          <p:txBody>
+            <a:bodyPr wrap="none" rtlCol="0">
+              <a:spAutoFit/>
+            </a:bodyPr>
+            <a:lstStyle/>
+            <a:p>
+              <a:r>
+                <a:rPr lang="en-US" sz="3000" dirty="0"/>
+                <a:t>G</a:t>
+              </a:r>
+            </a:p>
+          </p:txBody>
+        </p:sp>
+        <p:sp>
+          <p:nvSpPr>
+            <p:cNvPr id="22" name="TextBox 21"/>
+            <p:cNvSpPr txBox="1"/>
+            <p:nvPr/>
+          </p:nvSpPr>
+          <p:spPr>
+            <a:xfrm>
+              <a:off x="2956380" y="4787899"/>
+              <a:ext cx="806482" cy="1176827"/>
+            </a:xfrm>
+            <a:prstGeom prst="rect">
+              <a:avLst/>
+            </a:prstGeom>
+            <a:noFill/>
+          </p:spPr>
+          <p:txBody>
+            <a:bodyPr wrap="none" rtlCol="0">
+              <a:spAutoFit/>
+            </a:bodyPr>
+            <a:lstStyle/>
+            <a:p>
+              <a:r>
+                <a:rPr lang="en-US" sz="3000" dirty="0" smtClean="0"/>
+                <a:t>5</a:t>
+              </a:r>
+              <a:endParaRPr lang="en-US" sz="3000" dirty="0"/>
+            </a:p>
+          </p:txBody>
+        </p:sp>
+        <p:sp>
+          <p:nvSpPr>
+            <p:cNvPr id="23" name="TextBox 22"/>
+            <p:cNvSpPr txBox="1"/>
+            <p:nvPr/>
+          </p:nvSpPr>
+          <p:spPr>
+            <a:xfrm>
+              <a:off x="3352800" y="5181600"/>
+              <a:ext cx="806482" cy="1176827"/>
+            </a:xfrm>
+            <a:prstGeom prst="rect">
+              <a:avLst/>
+            </a:prstGeom>
+            <a:noFill/>
+          </p:spPr>
+          <p:txBody>
+            <a:bodyPr wrap="none" rtlCol="0">
+              <a:spAutoFit/>
+            </a:bodyPr>
+            <a:lstStyle/>
+            <a:p>
+              <a:r>
+                <a:rPr lang="en-US" sz="3000" dirty="0" smtClean="0"/>
+                <a:t>1</a:t>
+              </a:r>
+              <a:endParaRPr lang="en-US" sz="3000" dirty="0"/>
+            </a:p>
+          </p:txBody>
+        </p:sp>
+        <p:sp>
+          <p:nvSpPr>
+            <p:cNvPr id="24" name="TextBox 23"/>
+            <p:cNvSpPr txBox="1"/>
+            <p:nvPr/>
+          </p:nvSpPr>
+          <p:spPr>
+            <a:xfrm>
+              <a:off x="1182216" y="3213099"/>
+              <a:ext cx="907840" cy="1176827"/>
+            </a:xfrm>
+            <a:prstGeom prst="rect">
+              <a:avLst/>
+            </a:prstGeom>
+            <a:noFill/>
+          </p:spPr>
+          <p:txBody>
+            <a:bodyPr wrap="none" rtlCol="0">
+              <a:spAutoFit/>
+            </a:bodyPr>
+            <a:lstStyle/>
+            <a:p>
+              <a:r>
+                <a:rPr lang="en-US" sz="3000" dirty="0" smtClean="0"/>
+                <a:t>G</a:t>
+              </a:r>
+              <a:endParaRPr lang="en-US" sz="3000" dirty="0"/>
+            </a:p>
+          </p:txBody>
+        </p:sp>
+        <p:sp>
+          <p:nvSpPr>
+            <p:cNvPr id="25" name="TextBox 24"/>
+            <p:cNvSpPr txBox="1"/>
+            <p:nvPr/>
+          </p:nvSpPr>
+          <p:spPr>
+            <a:xfrm>
+              <a:off x="762000" y="2819400"/>
+              <a:ext cx="836810" cy="1176827"/>
+            </a:xfrm>
+            <a:prstGeom prst="rect">
+              <a:avLst/>
+            </a:prstGeom>
+            <a:noFill/>
+          </p:spPr>
+          <p:txBody>
+            <a:bodyPr wrap="none" rtlCol="0">
+              <a:spAutoFit/>
+            </a:bodyPr>
+            <a:lstStyle/>
+            <a:p>
+              <a:r>
+                <a:rPr lang="en-US" sz="3000" dirty="0" smtClean="0"/>
+                <a:t>B</a:t>
+              </a:r>
+              <a:endParaRPr lang="en-US" sz="3000" dirty="0"/>
+            </a:p>
+          </p:txBody>
+        </p:sp>
+      </p:grpSp>
+      <p:sp>
+        <p:nvSpPr>
+          <p:cNvPr id="26" name="TextBox 25"/>
+          <p:cNvSpPr txBox="1"/>
+          <p:nvPr/>
+        </p:nvSpPr>
+        <p:spPr>
+          <a:xfrm>
+            <a:off x="990600" y="1228677"/>
+            <a:ext cx="5867400" cy="370673"/>
+          </a:xfrm>
+          <a:prstGeom prst="rect">
+            <a:avLst/>
+          </a:prstGeom>
+          <a:solidFill>
+            <a:schemeClr val="bg1"/>
+          </a:solidFill>
+        </p:spPr>
+        <p:txBody>
+          <a:bodyPr wrap="square" rtlCol="0">
+            <a:spAutoFit/>
+          </a:bodyPr>
+          <a:lstStyle/>
+          <a:p>
+            <a:pPr algn="ctr"/>
+            <a:r>
+              <a:rPr lang="en-US" dirty="0" smtClean="0"/>
+              <a:t>Birman (n=29): Image Identification</a:t>
+            </a:r>
+            <a:endParaRPr lang="en-US" dirty="0"/>
+          </a:p>
+        </p:txBody>
+      </p:sp>
+    </p:spTree>
+    <p:extLst>
+      <p:ext uri="{BB962C8B-B14F-4D97-AF65-F5344CB8AC3E}">
+        <p14:creationId xmlns:p14="http://schemas.microsoft.com/office/powerpoint/2010/main" val="2131962937"/>
+      </p:ext>
+    </p:extLst>
+  </p:cSld>
+  <p:clrMapOvr>
+    <a:masterClrMapping/>
+  </p:clrMapOvr>
+  <p:timing>
+    <p:tnLst>
+      <p:par>
+        <p:cTn id="1" dur="indefinite" restart="never" nodeType="tmRoot"/>
+      </p:par>
+    </p:tnLst>
+  </p:timing>
+</p:sld>
+</file>
+
+<file path=ppt/slides/slide14.xml><?xml version="1.0" encoding="utf-8"?>
+<p:sld xmlns:a="http://schemas.openxmlformats.org/drawingml/2006/main" xmlns:r="http://schemas.openxmlformats.org/officeDocument/2006/relationships" xmlns:p="http://schemas.openxmlformats.org/presentationml/2006/main">
+  <p:cSld>
+    <p:spTree>
+      <p:nvGrpSpPr>
+        <p:cNvPr id="1" name=""/>
+        <p:cNvGrpSpPr/>
+        <p:nvPr/>
+      </p:nvGrpSpPr>
+      <p:grpSpPr>
+        <a:xfrm>
+          <a:off x="0" y="0"/>
+          <a:ext cx="0" cy="0"/>
+          <a:chOff x="0" y="0"/>
+          <a:chExt cx="0" cy="0"/>
+        </a:xfrm>
+      </p:grpSpPr>
+      <p:pic>
+        <p:nvPicPr>
+          <p:cNvPr id="3074" name="Picture 2"/>
+          <p:cNvPicPr>
+            <a:picLocks noChangeAspect="1" noChangeArrowheads="1"/>
+          </p:cNvPicPr>
+          <p:nvPr/>
+        </p:nvPicPr>
+        <p:blipFill>
+          <a:blip r:embed="rId3">
+            <a:extLst>
+              <a:ext uri="{28A0092B-C50C-407E-A947-70E740481C1C}">
+                <a14:useLocalDpi xmlns:a14="http://schemas.microsoft.com/office/drawing/2010/main" val="0"/>
+              </a:ext>
+            </a:extLst>
+          </a:blip>
+          <a:srcRect/>
+          <a:stretch>
+            <a:fillRect/>
+          </a:stretch>
+        </p:blipFill>
+        <p:spPr bwMode="auto">
+          <a:xfrm>
+            <a:off x="228600" y="762000"/>
+            <a:ext cx="8991600" cy="6244167"/>
+          </a:xfrm>
+          <a:prstGeom prst="rect">
+            <a:avLst/>
+          </a:prstGeom>
+          <a:noFill/>
+          <a:ln>
+            <a:noFill/>
+          </a:ln>
+          <a:effectLst/>
+          <a:extLst>
+            <a:ext uri="{909E8E84-426E-40DD-AFC4-6F175D3DCCD1}">
+              <a14:hiddenFill xmlns:a14="http://schemas.microsoft.com/office/drawing/2010/main">
+                <a:solidFill>
+                  <a:schemeClr val="accent1"/>
+                </a:solidFill>
+              </a14:hiddenFill>
+            </a:ext>
+            <a:ext uri="{91240B29-F687-4F45-9708-019B960494DF}">
+              <a14:hiddenLine xmlns:a14="http://schemas.microsoft.com/office/drawing/2010/main" w="9525">
+                <a:solidFill>
+                  <a:schemeClr val="tx1"/>
+                </a:solidFill>
+                <a:miter lim="800000"/>
+                <a:headEnd/>
+                <a:tailEnd/>
+              </a14:hiddenLine>
+            </a:ext>
+            <a:ext uri="{AF507438-7753-43E0-B8FC-AC1667EBCBE1}">
+              <a14:hiddenEffects xmlns:a14="http://schemas.microsoft.com/office/drawing/2010/main">
+                <a:effectLst>
+                  <a:outerShdw dist="35921" dir="2700000" algn="ctr" rotWithShape="0">
+                    <a:schemeClr val="bg2"/>
+                  </a:outerShdw>
+                </a:effectLst>
+              </a14:hiddenEffects>
+            </a:ext>
+          </a:extLst>
+        </p:spPr>
+      </p:pic>
+      <p:sp>
+        <p:nvSpPr>
+          <p:cNvPr id="11" name="TextBox 10"/>
+          <p:cNvSpPr txBox="1"/>
+          <p:nvPr/>
+        </p:nvSpPr>
+        <p:spPr>
+          <a:xfrm>
+            <a:off x="271956" y="228600"/>
+            <a:ext cx="4680320" cy="584775"/>
+          </a:xfrm>
+          <a:prstGeom prst="rect">
+            <a:avLst/>
+          </a:prstGeom>
+          <a:noFill/>
+        </p:spPr>
+        <p:txBody>
+          <a:bodyPr wrap="none" rtlCol="0">
+            <a:spAutoFit/>
+          </a:bodyPr>
+          <a:lstStyle/>
+          <a:p>
+            <a:r>
+              <a:rPr lang="en-US" sz="3200" dirty="0" smtClean="0"/>
+              <a:t>College Students vs. </a:t>
+            </a:r>
+            <a:r>
+              <a:rPr lang="en-US" sz="3200" dirty="0" err="1" smtClean="0"/>
+              <a:t>MTurk</a:t>
+            </a:r>
+            <a:endParaRPr lang="en-US" sz="3200" dirty="0"/>
+          </a:p>
+        </p:txBody>
+      </p:sp>
+    </p:spTree>
+    <p:extLst>
+      <p:ext uri="{BB962C8B-B14F-4D97-AF65-F5344CB8AC3E}">
+        <p14:creationId xmlns:p14="http://schemas.microsoft.com/office/powerpoint/2010/main" val="676241581"/>
+      </p:ext>
+    </p:extLst>
+  </p:cSld>
+  <p:clrMapOvr>
+    <a:masterClrMapping/>
+  </p:clrMapOvr>
+  <p:timing>
+    <p:tnLst>
+      <p:par>
+        <p:cTn id="1" dur="indefinite" restart="never" nodeType="tmRoot"/>
       </p:par>
     </p:tnLst>
   </p:timing>
@@ -4333,14 +8026,14 @@
           </a:ln>
           <a:effectLst/>
           <a:extLst>
-            <a:ext uri="{909E8E84-426E-40dd-AFC4-6F175D3DCCD1}">
+            <a:ext uri="{909E8E84-426E-40DD-AFC4-6F175D3DCCD1}">
               <a14:hiddenFill xmlns:a14="http://schemas.microsoft.com/office/drawing/2010/main">
                 <a:solidFill>
                   <a:schemeClr val="accent1"/>
                 </a:solidFill>
               </a14:hiddenFill>
             </a:ext>
-            <a:ext uri="{91240B29-F687-4f45-9708-019B960494DF}">
+            <a:ext uri="{91240B29-F687-4F45-9708-019B960494DF}">
               <a14:hiddenLine xmlns:a14="http://schemas.microsoft.com/office/drawing/2010/main" w="9525">
                 <a:solidFill>
                   <a:schemeClr val="tx1"/>
@@ -4350,7 +8043,7 @@
                 <a:tailEnd/>
               </a14:hiddenLine>
             </a:ext>
-            <a:ext uri="{AF507438-7753-43e0-B8FC-AC1667EBCBE1}">
+            <a:ext uri="{AF507438-7753-43E0-B8FC-AC1667EBCBE1}">
               <a14:hiddenEffects xmlns:a14="http://schemas.microsoft.com/office/drawing/2010/main">
                 <a:effectLst>
                   <a:outerShdw dist="35921" dir="2700000" algn="ctr" rotWithShape="0">
@@ -4393,7 +8086,7 @@
           </a:prstGeom>
           <a:noFill/>
           <a:extLst>
-            <a:ext uri="{909E8E84-426E-40dd-AFC4-6F175D3DCCD1}">
+            <a:ext uri="{909E8E84-426E-40DD-AFC4-6F175D3DCCD1}">
               <a14:hiddenFill xmlns:a14="http://schemas.microsoft.com/office/drawing/2010/main">
                 <a:solidFill>
                   <a:srgbClr val="FFFFFF"/>
@@ -5336,7 +9029,7 @@
   <p:timing>
     <p:tnLst>
       <p:par>
-        <p:cTn xmlns:p14="http://schemas.microsoft.com/office/powerpoint/2010/main" id="1" dur="indefinite" restart="never" nodeType="tmRoot">
+        <p:cTn id="1" dur="indefinite" restart="never" nodeType="tmRoot">
           <p:childTnLst>
             <p:seq concurrent="1" nextAc="seek">
               <p:cTn id="2" dur="indefinite" nodeType="mainSeq">
@@ -5985,7 +9678,7 @@
   <p:timing>
     <p:tnLst>
       <p:par>
-        <p:cTn xmlns:p14="http://schemas.microsoft.com/office/powerpoint/2010/main" id="1" dur="indefinite" restart="never" nodeType="tmRoot"/>
+        <p:cTn id="1" dur="indefinite" restart="never" nodeType="tmRoot"/>
       </p:par>
     </p:tnLst>
   </p:timing>
@@ -6044,14 +9737,14 @@
           </a:ln>
           <a:effectLst/>
           <a:extLst>
-            <a:ext uri="{909E8E84-426E-40dd-AFC4-6F175D3DCCD1}">
+            <a:ext uri="{909E8E84-426E-40DD-AFC4-6F175D3DCCD1}">
               <a14:hiddenFill xmlns:a14="http://schemas.microsoft.com/office/drawing/2010/main">
                 <a:solidFill>
                   <a:schemeClr val="accent1"/>
                 </a:solidFill>
               </a14:hiddenFill>
             </a:ext>
-            <a:ext uri="{91240B29-F687-4f45-9708-019B960494DF}">
+            <a:ext uri="{91240B29-F687-4F45-9708-019B960494DF}">
               <a14:hiddenLine xmlns:a14="http://schemas.microsoft.com/office/drawing/2010/main" w="9525">
                 <a:solidFill>
                   <a:schemeClr val="tx1"/>
@@ -6061,7 +9754,7 @@
                 <a:tailEnd/>
               </a14:hiddenLine>
             </a:ext>
-            <a:ext uri="{AF507438-7753-43e0-B8FC-AC1667EBCBE1}">
+            <a:ext uri="{AF507438-7753-43E0-B8FC-AC1667EBCBE1}">
               <a14:hiddenEffects xmlns:a14="http://schemas.microsoft.com/office/drawing/2010/main">
                 <a:effectLst>
                   <a:outerShdw dist="35921" dir="2700000" algn="ctr" rotWithShape="0">
@@ -6104,7 +9797,7 @@
           </a:prstGeom>
           <a:noFill/>
           <a:extLst>
-            <a:ext uri="{909E8E84-426E-40dd-AFC4-6F175D3DCCD1}">
+            <a:ext uri="{909E8E84-426E-40DD-AFC4-6F175D3DCCD1}">
               <a14:hiddenFill xmlns:a14="http://schemas.microsoft.com/office/drawing/2010/main">
                 <a:solidFill>
                   <a:srgbClr val="FFFFFF"/>
@@ -7329,7 +11022,7 @@
   <p:timing>
     <p:tnLst>
       <p:par>
-        <p:cTn xmlns:p14="http://schemas.microsoft.com/office/powerpoint/2010/main" id="1" dur="indefinite" restart="never" nodeType="tmRoot">
+        <p:cTn id="1" dur="indefinite" restart="never" nodeType="tmRoot">
           <p:childTnLst>
             <p:seq concurrent="1" nextAc="seek">
               <p:cTn id="2" dur="indefinite" nodeType="mainSeq">
@@ -7982,7 +11675,7 @@
         </p:nvSpPr>
         <p:spPr>
           <a:xfrm>
-            <a:off x="2819400" y="-762000"/>
+            <a:off x="2819400" y="-351413"/>
             <a:ext cx="3983783" cy="7971413"/>
           </a:xfrm>
           <a:prstGeom prst="rect">
@@ -8019,6 +11712,186 @@
     </p:spTree>
     <p:extLst>
       <p:ext uri="{BB962C8B-B14F-4D97-AF65-F5344CB8AC3E}">
+        <p14:creationId xmlns:p14="http://schemas.microsoft.com/office/powerpoint/2010/main" val="129683187"/>
+      </p:ext>
+    </p:extLst>
+  </p:cSld>
+  <p:clrMapOvr>
+    <a:masterClrMapping/>
+  </p:clrMapOvr>
+  <p:timing>
+    <p:tnLst>
+      <p:par>
+        <p:cTn id="1" dur="indefinite" restart="never" nodeType="tmRoot"/>
+      </p:par>
+    </p:tnLst>
+  </p:timing>
+</p:sld>
+</file>
+
+<file path=ppt/slides/slide6.xml><?xml version="1.0" encoding="utf-8"?>
+<p:sld xmlns:a="http://schemas.openxmlformats.org/drawingml/2006/main" xmlns:r="http://schemas.openxmlformats.org/officeDocument/2006/relationships" xmlns:p="http://schemas.openxmlformats.org/presentationml/2006/main">
+  <p:cSld>
+    <p:spTree>
+      <p:nvGrpSpPr>
+        <p:cNvPr id="1" name=""/>
+        <p:cNvGrpSpPr/>
+        <p:nvPr/>
+      </p:nvGrpSpPr>
+      <p:grpSpPr>
+        <a:xfrm>
+          <a:off x="0" y="0"/>
+          <a:ext cx="0" cy="0"/>
+          <a:chOff x="0" y="0"/>
+          <a:chExt cx="0" cy="0"/>
+        </a:xfrm>
+      </p:grpSpPr>
+      <p:sp>
+        <p:nvSpPr>
+          <p:cNvPr id="11" name="TextBox 10"/>
+          <p:cNvSpPr txBox="1"/>
+          <p:nvPr/>
+        </p:nvSpPr>
+        <p:spPr>
+          <a:xfrm>
+            <a:off x="271956" y="228600"/>
+            <a:ext cx="6946325" cy="584775"/>
+          </a:xfrm>
+          <a:prstGeom prst="rect">
+            <a:avLst/>
+          </a:prstGeom>
+          <a:noFill/>
+        </p:spPr>
+        <p:txBody>
+          <a:bodyPr wrap="none" rtlCol="0">
+            <a:spAutoFit/>
+          </a:bodyPr>
+          <a:lstStyle/>
+          <a:p>
+            <a:r>
+              <a:rPr lang="en-US" sz="3200" dirty="0" smtClean="0"/>
+              <a:t>Gist Perception: Impossible Under Load?</a:t>
+            </a:r>
+            <a:endParaRPr lang="en-US" sz="3200" dirty="0"/>
+          </a:p>
+        </p:txBody>
+      </p:sp>
+      <p:pic>
+        <p:nvPicPr>
+          <p:cNvPr id="3" name="Picture 2" descr="ma14.jpg"/>
+          <p:cNvPicPr>
+            <a:picLocks noChangeAspect="1"/>
+          </p:cNvPicPr>
+          <p:nvPr/>
+        </p:nvPicPr>
+        <p:blipFill>
+          <a:blip r:embed="rId3">
+            <a:extLst>
+              <a:ext uri="{28A0092B-C50C-407E-A947-70E740481C1C}">
+                <a14:useLocalDpi xmlns:a14="http://schemas.microsoft.com/office/drawing/2010/main" val="0"/>
+              </a:ext>
+            </a:extLst>
+          </a:blip>
+          <a:stretch>
+            <a:fillRect/>
+          </a:stretch>
+        </p:blipFill>
+        <p:spPr>
+          <a:xfrm>
+            <a:off x="2590800" y="1600200"/>
+            <a:ext cx="4343400" cy="4343400"/>
+          </a:xfrm>
+          <a:prstGeom prst="rect">
+            <a:avLst/>
+          </a:prstGeom>
+        </p:spPr>
+      </p:pic>
+      <p:sp>
+        <p:nvSpPr>
+          <p:cNvPr id="4" name="TextBox 3"/>
+          <p:cNvSpPr txBox="1"/>
+          <p:nvPr/>
+        </p:nvSpPr>
+        <p:spPr>
+          <a:xfrm>
+            <a:off x="2819400" y="-351413"/>
+            <a:ext cx="3983783" cy="7971413"/>
+          </a:xfrm>
+          <a:prstGeom prst="rect">
+            <a:avLst/>
+          </a:prstGeom>
+          <a:noFill/>
+        </p:spPr>
+        <p:txBody>
+          <a:bodyPr wrap="none" rtlCol="0">
+            <a:spAutoFit/>
+          </a:bodyPr>
+          <a:lstStyle/>
+          <a:p>
+            <a:r>
+              <a:rPr lang="en-US" sz="51200" dirty="0" smtClean="0">
+                <a:solidFill>
+                  <a:schemeClr val="bg1">
+                    <a:lumMod val="50000"/>
+                  </a:schemeClr>
+                </a:solidFill>
+              </a:rPr>
+              <a:t>A</a:t>
+            </a:r>
+            <a:endParaRPr lang="en-US" sz="51200" dirty="0">
+              <a:solidFill>
+                <a:schemeClr val="bg1">
+                  <a:lumMod val="50000"/>
+                </a:schemeClr>
+              </a:solidFill>
+            </a:endParaRPr>
+          </a:p>
+        </p:txBody>
+      </p:sp>
+      <p:pic>
+        <p:nvPicPr>
+          <p:cNvPr id="4098" name="Picture 2" descr="C:\Users\Dan\proj\repo254\code\stim\Exp1B_Targets\a3.jpg"/>
+          <p:cNvPicPr>
+            <a:picLocks noChangeAspect="1" noChangeArrowheads="1"/>
+          </p:cNvPicPr>
+          <p:nvPr/>
+        </p:nvPicPr>
+        <p:blipFill>
+          <a:blip r:embed="rId4">
+            <a:extLst>
+              <a:ext uri="{28A0092B-C50C-407E-A947-70E740481C1C}">
+                <a14:useLocalDpi xmlns:a14="http://schemas.microsoft.com/office/drawing/2010/main" val="0"/>
+              </a:ext>
+            </a:extLst>
+          </a:blip>
+          <a:srcRect/>
+          <a:stretch>
+            <a:fillRect/>
+          </a:stretch>
+        </p:blipFill>
+        <p:spPr bwMode="auto">
+          <a:xfrm>
+            <a:off x="2590800" y="1600200"/>
+            <a:ext cx="4343400" cy="4343400"/>
+          </a:xfrm>
+          <a:prstGeom prst="rect">
+            <a:avLst/>
+          </a:prstGeom>
+          <a:noFill/>
+          <a:extLst>
+            <a:ext uri="{909E8E84-426E-40DD-AFC4-6F175D3DCCD1}">
+              <a14:hiddenFill xmlns:a14="http://schemas.microsoft.com/office/drawing/2010/main">
+                <a:solidFill>
+                  <a:srgbClr val="FFFFFF"/>
+                </a:solidFill>
+              </a14:hiddenFill>
+            </a:ext>
+          </a:extLst>
+        </p:spPr>
+      </p:pic>
+    </p:spTree>
+    <p:extLst>
+      <p:ext uri="{BB962C8B-B14F-4D97-AF65-F5344CB8AC3E}">
         <p14:creationId xmlns:p14="http://schemas.microsoft.com/office/powerpoint/2010/main" val="2156698725"/>
       </p:ext>
     </p:extLst>
@@ -8029,14 +11902,14 @@
   <p:timing>
     <p:tnLst>
       <p:par>
-        <p:cTn xmlns:p14="http://schemas.microsoft.com/office/powerpoint/2010/main" id="1" dur="indefinite" restart="never" nodeType="tmRoot"/>
+        <p:cTn id="1" dur="indefinite" restart="never" nodeType="tmRoot"/>
       </p:par>
     </p:tnLst>
   </p:timing>
 </p:sld>
 </file>
 
-<file path=ppt/slides/slide6.xml><?xml version="1.0" encoding="utf-8"?>
+<file path=ppt/slides/slide7.xml><?xml version="1.0" encoding="utf-8"?>
 <p:sld xmlns:a="http://schemas.openxmlformats.org/drawingml/2006/main" xmlns:r="http://schemas.openxmlformats.org/officeDocument/2006/relationships" xmlns:p="http://schemas.openxmlformats.org/presentationml/2006/main">
   <p:cSld>
     <p:spTree>
@@ -8878,7 +12751,7 @@
   <p:timing>
     <p:tnLst>
       <p:par>
-        <p:cTn xmlns:p14="http://schemas.microsoft.com/office/powerpoint/2010/main" id="1" dur="indefinite" restart="never" nodeType="tmRoot">
+        <p:cTn id="1" dur="indefinite" restart="never" nodeType="tmRoot">
           <p:childTnLst>
             <p:seq concurrent="1" nextAc="seek">
               <p:cTn id="2" dur="indefinite" nodeType="mainSeq">
@@ -8979,7 +12852,7 @@
                               <p:par>
                                 <p:cTn id="11" presetID="1" presetClass="exit" presetSubtype="0" fill="hold" grpId="1" nodeType="withEffect">
                                   <p:stCondLst>
-                                    <p:cond delay="2200"/>
+                                    <p:cond delay="2100"/>
                                   </p:stCondLst>
                                   <p:childTnLst>
                                     <p:set>
@@ -9006,7 +12879,7 @@
                               <p:par>
                                 <p:cTn id="13" presetID="1" presetClass="entr" presetSubtype="0" fill="hold" nodeType="withEffect">
                                   <p:stCondLst>
-                                    <p:cond delay="2200"/>
+                                    <p:cond delay="2100"/>
                                   </p:stCondLst>
                                   <p:childTnLst>
                                     <p:set>
@@ -9033,7 +12906,7 @@
                               <p:par>
                                 <p:cTn id="15" presetID="1" presetClass="entr" presetSubtype="0" fill="hold" grpId="0" nodeType="withEffect">
                                   <p:stCondLst>
-                                    <p:cond delay="2200"/>
+                                    <p:cond delay="2100"/>
                                   </p:stCondLst>
                                   <p:childTnLst>
                                     <p:set>
@@ -9060,7 +12933,7 @@
                               <p:par>
                                 <p:cTn id="17" presetID="1" presetClass="exit" presetSubtype="0" fill="hold" grpId="1" nodeType="withEffect">
                                   <p:stCondLst>
-                                    <p:cond delay="2400"/>
+                                    <p:cond delay="2200"/>
                                   </p:stCondLst>
                                   <p:childTnLst>
                                     <p:set>
@@ -9087,7 +12960,7 @@
                               <p:par>
                                 <p:cTn id="19" presetID="1" presetClass="entr" presetSubtype="0" fill="hold" nodeType="withEffect">
                                   <p:stCondLst>
-                                    <p:cond delay="2400"/>
+                                    <p:cond delay="2200"/>
                                   </p:stCondLst>
                                   <p:childTnLst>
                                     <p:set>
@@ -9114,7 +12987,7 @@
                               <p:par>
                                 <p:cTn id="21" presetID="1" presetClass="entr" presetSubtype="0" fill="hold" grpId="0" nodeType="withEffect">
                                   <p:stCondLst>
-                                    <p:cond delay="2400"/>
+                                    <p:cond delay="2200"/>
                                   </p:stCondLst>
                                   <p:childTnLst>
                                     <p:set>
@@ -9141,7 +13014,7 @@
                               <p:par>
                                 <p:cTn id="23" presetID="1" presetClass="exit" presetSubtype="0" fill="hold" grpId="1" nodeType="withEffect">
                                   <p:stCondLst>
-                                    <p:cond delay="2600"/>
+                                    <p:cond delay="2300"/>
                                   </p:stCondLst>
                                   <p:childTnLst>
                                     <p:set>
@@ -9168,7 +13041,7 @@
                               <p:par>
                                 <p:cTn id="25" presetID="1" presetClass="entr" presetSubtype="0" fill="hold" nodeType="withEffect">
                                   <p:stCondLst>
-                                    <p:cond delay="2600"/>
+                                    <p:cond delay="2300"/>
                                   </p:stCondLst>
                                   <p:childTnLst>
                                     <p:set>
@@ -9195,7 +13068,7 @@
                               <p:par>
                                 <p:cTn id="27" presetID="1" presetClass="entr" presetSubtype="0" fill="hold" grpId="0" nodeType="withEffect">
                                   <p:stCondLst>
-                                    <p:cond delay="2600"/>
+                                    <p:cond delay="2300"/>
                                   </p:stCondLst>
                                   <p:childTnLst>
                                     <p:set>
@@ -9222,7 +13095,7 @@
                               <p:par>
                                 <p:cTn id="29" presetID="1" presetClass="exit" presetSubtype="0" fill="hold" grpId="1" nodeType="withEffect">
                                   <p:stCondLst>
-                                    <p:cond delay="2800"/>
+                                    <p:cond delay="2400"/>
                                   </p:stCondLst>
                                   <p:childTnLst>
                                     <p:set>
@@ -9249,7 +13122,7 @@
                               <p:par>
                                 <p:cTn id="31" presetID="1" presetClass="entr" presetSubtype="0" fill="hold" nodeType="withEffect">
                                   <p:stCondLst>
-                                    <p:cond delay="2800"/>
+                                    <p:cond delay="2400"/>
                                   </p:stCondLst>
                                   <p:childTnLst>
                                     <p:set>
@@ -9276,7 +13149,7 @@
                               <p:par>
                                 <p:cTn id="33" presetID="1" presetClass="entr" presetSubtype="0" fill="hold" grpId="0" nodeType="withEffect">
                                   <p:stCondLst>
-                                    <p:cond delay="2800"/>
+                                    <p:cond delay="2400"/>
                                   </p:stCondLst>
                                   <p:childTnLst>
                                     <p:set>
@@ -9303,7 +13176,7 @@
                               <p:par>
                                 <p:cTn id="35" presetID="1" presetClass="exit" presetSubtype="0" fill="hold" grpId="1" nodeType="withEffect">
                                   <p:stCondLst>
-                                    <p:cond delay="3000"/>
+                                    <p:cond delay="2500"/>
                                   </p:stCondLst>
                                   <p:childTnLst>
                                     <p:set>
@@ -9330,7 +13203,7 @@
                               <p:par>
                                 <p:cTn id="37" presetID="1" presetClass="entr" presetSubtype="0" fill="hold" nodeType="withEffect">
                                   <p:stCondLst>
-                                    <p:cond delay="3000"/>
+                                    <p:cond delay="2500"/>
                                   </p:stCondLst>
                                   <p:childTnLst>
                                     <p:set>
@@ -9357,7 +13230,7 @@
                               <p:par>
                                 <p:cTn id="39" presetID="1" presetClass="entr" presetSubtype="0" fill="hold" grpId="0" nodeType="withEffect">
                                   <p:stCondLst>
-                                    <p:cond delay="3000"/>
+                                    <p:cond delay="2500"/>
                                   </p:stCondLst>
                                   <p:childTnLst>
                                     <p:set>
@@ -9384,7 +13257,7 @@
                               <p:par>
                                 <p:cTn id="41" presetID="1" presetClass="exit" presetSubtype="0" fill="hold" grpId="1" nodeType="withEffect">
                                   <p:stCondLst>
-                                    <p:cond delay="3200"/>
+                                    <p:cond delay="2600"/>
                                   </p:stCondLst>
                                   <p:childTnLst>
                                     <p:set>
@@ -9411,7 +13284,7 @@
                               <p:par>
                                 <p:cTn id="43" presetID="1" presetClass="entr" presetSubtype="0" fill="hold" nodeType="withEffect">
                                   <p:stCondLst>
-                                    <p:cond delay="3200"/>
+                                    <p:cond delay="2600"/>
                                   </p:stCondLst>
                                   <p:childTnLst>
                                     <p:set>
@@ -9438,7 +13311,7 @@
                               <p:par>
                                 <p:cTn id="45" presetID="1" presetClass="entr" presetSubtype="0" fill="hold" grpId="0" nodeType="withEffect">
                                   <p:stCondLst>
-                                    <p:cond delay="3200"/>
+                                    <p:cond delay="2600"/>
                                   </p:stCondLst>
                                   <p:childTnLst>
                                     <p:set>
@@ -9465,7 +13338,7 @@
                               <p:par>
                                 <p:cTn id="47" presetID="1" presetClass="exit" presetSubtype="0" fill="hold" grpId="1" nodeType="withEffect">
                                   <p:stCondLst>
-                                    <p:cond delay="3400"/>
+                                    <p:cond delay="2700"/>
                                   </p:stCondLst>
                                   <p:childTnLst>
                                     <p:set>
@@ -9492,7 +13365,7 @@
                               <p:par>
                                 <p:cTn id="49" presetID="1" presetClass="entr" presetSubtype="0" fill="hold" nodeType="withEffect">
                                   <p:stCondLst>
-                                    <p:cond delay="3400"/>
+                                    <p:cond delay="2700"/>
                                   </p:stCondLst>
                                   <p:childTnLst>
                                     <p:set>
@@ -9519,7 +13392,7 @@
                               <p:par>
                                 <p:cTn id="51" presetID="1" presetClass="entr" presetSubtype="0" fill="hold" grpId="0" nodeType="withEffect">
                                   <p:stCondLst>
-                                    <p:cond delay="3400"/>
+                                    <p:cond delay="2700"/>
                                   </p:stCondLst>
                                   <p:childTnLst>
                                     <p:set>
@@ -9546,7 +13419,7 @@
                               <p:par>
                                 <p:cTn id="53" presetID="1" presetClass="exit" presetSubtype="0" fill="hold" grpId="1" nodeType="withEffect">
                                   <p:stCondLst>
-                                    <p:cond delay="3600"/>
+                                    <p:cond delay="2800"/>
                                   </p:stCondLst>
                                   <p:childTnLst>
                                     <p:set>
@@ -9573,7 +13446,7 @@
                               <p:par>
                                 <p:cTn id="55" presetID="1" presetClass="entr" presetSubtype="0" fill="hold" nodeType="withEffect">
                                   <p:stCondLst>
-                                    <p:cond delay="3600"/>
+                                    <p:cond delay="2800"/>
                                   </p:stCondLst>
                                   <p:childTnLst>
                                     <p:set>
@@ -9600,7 +13473,7 @@
                               <p:par>
                                 <p:cTn id="57" presetID="1" presetClass="entr" presetSubtype="0" fill="hold" grpId="0" nodeType="withEffect">
                                   <p:stCondLst>
-                                    <p:cond delay="3600"/>
+                                    <p:cond delay="2800"/>
                                   </p:stCondLst>
                                   <p:childTnLst>
                                     <p:set>
@@ -9627,7 +13500,7 @@
                               <p:par>
                                 <p:cTn id="59" presetID="1" presetClass="exit" presetSubtype="0" fill="hold" grpId="1" nodeType="withEffect">
                                   <p:stCondLst>
-                                    <p:cond delay="3700"/>
+                                    <p:cond delay="2900"/>
                                   </p:stCondLst>
                                   <p:childTnLst>
                                     <p:set>
@@ -9654,7 +13527,7 @@
                               <p:par>
                                 <p:cTn id="61" presetID="1" presetClass="entr" presetSubtype="0" fill="hold" nodeType="withEffect">
                                   <p:stCondLst>
-                                    <p:cond delay="3700"/>
+                                    <p:cond delay="2900"/>
                                   </p:stCondLst>
                                   <p:childTnLst>
                                     <p:set>
@@ -9681,7 +13554,7 @@
                               <p:par>
                                 <p:cTn id="63" presetID="1" presetClass="entr" presetSubtype="0" fill="hold" grpId="0" nodeType="withEffect">
                                   <p:stCondLst>
-                                    <p:cond delay="3700"/>
+                                    <p:cond delay="2900"/>
                                   </p:stCondLst>
                                   <p:childTnLst>
                                     <p:set>
@@ -9708,7 +13581,7 @@
                               <p:par>
                                 <p:cTn id="65" presetID="1" presetClass="exit" presetSubtype="0" fill="hold" grpId="1" nodeType="withEffect">
                                   <p:stCondLst>
-                                    <p:cond delay="3800"/>
+                                    <p:cond delay="3000"/>
                                   </p:stCondLst>
                                   <p:childTnLst>
                                     <p:set>
@@ -9735,7 +13608,7 @@
                               <p:par>
                                 <p:cTn id="67" presetID="1" presetClass="entr" presetSubtype="0" fill="hold" nodeType="withEffect">
                                   <p:stCondLst>
-                                    <p:cond delay="3800"/>
+                                    <p:cond delay="3000"/>
                                   </p:stCondLst>
                                   <p:childTnLst>
                                     <p:set>
@@ -9762,7 +13635,7 @@
                               <p:par>
                                 <p:cTn id="69" presetID="1" presetClass="entr" presetSubtype="0" fill="hold" grpId="0" nodeType="withEffect">
                                   <p:stCondLst>
-                                    <p:cond delay="3900"/>
+                                    <p:cond delay="3100"/>
                                   </p:stCondLst>
                                   <p:childTnLst>
                                     <p:set>
@@ -9886,7 +13759,7 @@
 </p:sld>
 </file>
 
-<file path=ppt/slides/slide7.xml><?xml version="1.0" encoding="utf-8"?>
+<file path=ppt/slides/slide8.xml><?xml version="1.0" encoding="utf-8"?>
 <p:sld xmlns:a="http://schemas.openxmlformats.org/drawingml/2006/main" xmlns:r="http://schemas.openxmlformats.org/officeDocument/2006/relationships" xmlns:p="http://schemas.openxmlformats.org/presentationml/2006/main">
   <p:cSld>
     <p:spTree>
@@ -9903,60 +13776,6 @@
           <a:chExt cx="0" cy="0"/>
         </a:xfrm>
       </p:grpSpPr>
-      <p:pic>
-        <p:nvPicPr>
-          <p:cNvPr id="29" name="Picture 28"/>
-          <p:cNvPicPr>
-            <a:picLocks noChangeAspect="1"/>
-          </p:cNvPicPr>
-          <p:nvPr/>
-        </p:nvPicPr>
-        <p:blipFill>
-          <a:blip r:embed="rId3"/>
-          <a:stretch>
-            <a:fillRect/>
-          </a:stretch>
-        </p:blipFill>
-        <p:spPr>
-          <a:xfrm>
-            <a:off x="215900" y="0"/>
-            <a:ext cx="8706579" cy="6858000"/>
-          </a:xfrm>
-          <a:prstGeom prst="rect">
-            <a:avLst/>
-          </a:prstGeom>
-        </p:spPr>
-      </p:pic>
-      <p:sp>
-        <p:nvSpPr>
-          <p:cNvPr id="10" name="TextBox 9"/>
-          <p:cNvSpPr txBox="1"/>
-          <p:nvPr/>
-        </p:nvSpPr>
-        <p:spPr>
-          <a:xfrm>
-            <a:off x="7086600" y="6324600"/>
-            <a:ext cx="2438400" cy="369332"/>
-          </a:xfrm>
-          <a:prstGeom prst="rect">
-            <a:avLst/>
-          </a:prstGeom>
-          <a:noFill/>
-        </p:spPr>
-        <p:txBody>
-          <a:bodyPr wrap="square" rtlCol="0">
-            <a:spAutoFit/>
-          </a:bodyPr>
-          <a:lstStyle/>
-          <a:p>
-            <a:r>
-              <a:rPr lang="en-US" dirty="0" smtClean="0"/>
-              <a:t>Cohen et al., 2011</a:t>
-            </a:r>
-            <a:endParaRPr lang="en-US" dirty="0"/>
-          </a:p>
-        </p:txBody>
-      </p:sp>
       <p:sp>
         <p:nvSpPr>
           <p:cNvPr id="11" name="TextBox 10"/>
@@ -10050,7 +13869,7 @@
               <p:nvPr/>
             </p:nvPicPr>
             <p:blipFill>
-              <a:blip r:embed="rId4">
+              <a:blip r:embed="rId3" cstate="print">
                 <a:extLst>
                   <a:ext uri="{28A0092B-C50C-407E-A947-70E740481C1C}">
                     <a14:useLocalDpi xmlns:a14="http://schemas.microsoft.com/office/drawing/2010/main" val="0"/>
@@ -10085,7 +13904,7 @@
               <p:nvPr/>
             </p:nvPicPr>
             <p:blipFill>
-              <a:blip r:embed="rId5">
+              <a:blip r:embed="rId4" cstate="print">
                 <a:extLst>
                   <a:ext uri="{28A0092B-C50C-407E-A947-70E740481C1C}">
                     <a14:useLocalDpi xmlns:a14="http://schemas.microsoft.com/office/drawing/2010/main" val="0"/>
@@ -10120,7 +13939,7 @@
               <p:nvPr/>
             </p:nvPicPr>
             <p:blipFill>
-              <a:blip r:embed="rId6">
+              <a:blip r:embed="rId5" cstate="print">
                 <a:extLst>
                   <a:ext uri="{28A0092B-C50C-407E-A947-70E740481C1C}">
                     <a14:useLocalDpi xmlns:a14="http://schemas.microsoft.com/office/drawing/2010/main" val="0"/>
@@ -10155,7 +13974,7 @@
               <p:nvPr/>
             </p:nvPicPr>
             <p:blipFill>
-              <a:blip r:embed="rId7">
+              <a:blip r:embed="rId6" cstate="print">
                 <a:extLst>
                   <a:ext uri="{28A0092B-C50C-407E-A947-70E740481C1C}">
                     <a14:useLocalDpi xmlns:a14="http://schemas.microsoft.com/office/drawing/2010/main" val="0"/>
@@ -10190,7 +14009,7 @@
               <p:nvPr/>
             </p:nvPicPr>
             <p:blipFill>
-              <a:blip r:embed="rId8">
+              <a:blip r:embed="rId7" cstate="print">
                 <a:extLst>
                   <a:ext uri="{28A0092B-C50C-407E-A947-70E740481C1C}">
                     <a14:useLocalDpi xmlns:a14="http://schemas.microsoft.com/office/drawing/2010/main" val="0"/>
@@ -10225,7 +14044,7 @@
               <p:nvPr/>
             </p:nvPicPr>
             <p:blipFill>
-              <a:blip r:embed="rId9">
+              <a:blip r:embed="rId8" cstate="print">
                 <a:extLst>
                   <a:ext uri="{28A0092B-C50C-407E-A947-70E740481C1C}">
                     <a14:useLocalDpi xmlns:a14="http://schemas.microsoft.com/office/drawing/2010/main" val="0"/>
@@ -10255,7 +14074,7 @@
               <p:nvPr/>
             </p:nvPicPr>
             <p:blipFill>
-              <a:blip r:embed="rId5">
+              <a:blip r:embed="rId4" cstate="print">
                 <a:extLst>
                   <a:ext uri="{28A0092B-C50C-407E-A947-70E740481C1C}">
                     <a14:useLocalDpi xmlns:a14="http://schemas.microsoft.com/office/drawing/2010/main" val="0"/>
@@ -10368,7 +14187,6 @@
                 <a:rPr lang="en-US" sz="3000" dirty="0"/>
                 <a:t>G</a:t>
               </a:r>
-              <a:endParaRPr lang="en-US" sz="3000" dirty="0"/>
             </a:p>
           </p:txBody>
         </p:sp>
@@ -10496,7 +14314,7 @@
     </p:spTree>
     <p:extLst>
       <p:ext uri="{BB962C8B-B14F-4D97-AF65-F5344CB8AC3E}">
-        <p14:creationId xmlns:p14="http://schemas.microsoft.com/office/powerpoint/2010/main" val="3258667986"/>
+        <p14:creationId xmlns:p14="http://schemas.microsoft.com/office/powerpoint/2010/main" val="2112040224"/>
       </p:ext>
     </p:extLst>
   </p:cSld>
@@ -10506,14 +14324,14 @@
   <p:timing>
     <p:tnLst>
       <p:par>
-        <p:cTn xmlns:p14="http://schemas.microsoft.com/office/powerpoint/2010/main" id="1" dur="indefinite" restart="never" nodeType="tmRoot"/>
+        <p:cTn id="1" dur="indefinite" restart="never" nodeType="tmRoot"/>
       </p:par>
     </p:tnLst>
   </p:timing>
 </p:sld>
 </file>
 
-<file path=ppt/slides/slide8.xml><?xml version="1.0" encoding="utf-8"?>
+<file path=ppt/slides/slide9.xml><?xml version="1.0" encoding="utf-8"?>
 <p:sld xmlns:a="http://schemas.openxmlformats.org/drawingml/2006/main" xmlns:r="http://schemas.openxmlformats.org/officeDocument/2006/relationships" xmlns:p="http://schemas.openxmlformats.org/presentationml/2006/main">
   <p:cSld>
     <p:spTree>
@@ -10532,58 +14350,68 @@
       </p:grpSpPr>
       <p:pic>
         <p:nvPicPr>
-          <p:cNvPr id="2" name="Picture 1"/>
+          <p:cNvPr id="1026" name="Picture 2"/>
           <p:cNvPicPr>
-            <a:picLocks noChangeAspect="1"/>
+            <a:picLocks noChangeAspect="1" noChangeArrowheads="1"/>
           </p:cNvPicPr>
           <p:nvPr/>
         </p:nvPicPr>
         <p:blipFill>
-          <a:blip r:embed="rId3"/>
+          <a:blip r:embed="rId3">
+            <a:extLst>
+              <a:ext uri="{28A0092B-C50C-407E-A947-70E740481C1C}">
+                <a14:useLocalDpi xmlns:a14="http://schemas.microsoft.com/office/drawing/2010/main" val="0"/>
+              </a:ext>
+            </a:extLst>
+          </a:blip>
+          <a:srcRect/>
           <a:stretch>
             <a:fillRect/>
           </a:stretch>
         </p:blipFill>
-        <p:spPr>
+        <p:spPr bwMode="auto">
           <a:xfrm>
-            <a:off x="215900" y="0"/>
-            <a:ext cx="8706579" cy="6858000"/>
-          </a:xfrm>
-          <a:prstGeom prst="rect">
-            <a:avLst/>
-          </a:prstGeom>
-        </p:spPr>
-      </p:pic>
-      <p:sp>
-        <p:nvSpPr>
-          <p:cNvPr id="10" name="TextBox 9"/>
-          <p:cNvSpPr txBox="1"/>
-          <p:nvPr/>
-        </p:nvSpPr>
-        <p:spPr>
-          <a:xfrm>
-            <a:off x="7086600" y="6324600"/>
-            <a:ext cx="2438400" cy="369332"/>
+            <a:off x="271956" y="1017443"/>
+            <a:ext cx="9031081" cy="5557588"/>
           </a:xfrm>
           <a:prstGeom prst="rect">
             <a:avLst/>
           </a:prstGeom>
           <a:noFill/>
+          <a:ln>
+            <a:noFill/>
+          </a:ln>
+          <a:effectLst/>
+          <a:extLst>
+            <a:ext uri="{909E8E84-426E-40DD-AFC4-6F175D3DCCD1}">
+              <a14:hiddenFill xmlns:a14="http://schemas.microsoft.com/office/drawing/2010/main">
+                <a:solidFill>
+                  <a:schemeClr val="accent1"/>
+                </a:solidFill>
+              </a14:hiddenFill>
+            </a:ext>
+            <a:ext uri="{91240B29-F687-4F45-9708-019B960494DF}">
+              <a14:hiddenLine xmlns:a14="http://schemas.microsoft.com/office/drawing/2010/main" w="9525">
+                <a:solidFill>
+                  <a:schemeClr val="tx1"/>
+                </a:solidFill>
+                <a:miter lim="800000"/>
+                <a:headEnd/>
+                <a:tailEnd/>
+              </a14:hiddenLine>
+            </a:ext>
+            <a:ext uri="{AF507438-7753-43E0-B8FC-AC1667EBCBE1}">
+              <a14:hiddenEffects xmlns:a14="http://schemas.microsoft.com/office/drawing/2010/main">
+                <a:effectLst>
+                  <a:outerShdw dist="35921" dir="2700000" algn="ctr" rotWithShape="0">
+                    <a:schemeClr val="bg2"/>
+                  </a:outerShdw>
+                </a:effectLst>
+              </a14:hiddenEffects>
+            </a:ext>
+          </a:extLst>
         </p:spPr>
-        <p:txBody>
-          <a:bodyPr wrap="square" rtlCol="0">
-            <a:spAutoFit/>
-          </a:bodyPr>
-          <a:lstStyle/>
-          <a:p>
-            <a:r>
-              <a:rPr lang="en-US" dirty="0" smtClean="0"/>
-              <a:t>Cohen et al., 2011</a:t>
-            </a:r>
-            <a:endParaRPr lang="en-US" dirty="0"/>
-          </a:p>
-        </p:txBody>
-      </p:sp>
+      </p:pic>
       <p:sp>
         <p:nvSpPr>
           <p:cNvPr id="11" name="TextBox 10"/>
@@ -10677,7 +14505,7 @@
               <p:nvPr/>
             </p:nvPicPr>
             <p:blipFill>
-              <a:blip r:embed="rId4">
+              <a:blip r:embed="rId4" cstate="print">
                 <a:extLst>
                   <a:ext uri="{28A0092B-C50C-407E-A947-70E740481C1C}">
                     <a14:useLocalDpi xmlns:a14="http://schemas.microsoft.com/office/drawing/2010/main" val="0"/>
@@ -10712,7 +14540,7 @@
               <p:nvPr/>
             </p:nvPicPr>
             <p:blipFill>
-              <a:blip r:embed="rId5">
+              <a:blip r:embed="rId5" cstate="print">
                 <a:extLst>
                   <a:ext uri="{28A0092B-C50C-407E-A947-70E740481C1C}">
                     <a14:useLocalDpi xmlns:a14="http://schemas.microsoft.com/office/drawing/2010/main" val="0"/>
@@ -10747,7 +14575,7 @@
               <p:nvPr/>
             </p:nvPicPr>
             <p:blipFill>
-              <a:blip r:embed="rId6">
+              <a:blip r:embed="rId6" cstate="print">
                 <a:extLst>
                   <a:ext uri="{28A0092B-C50C-407E-A947-70E740481C1C}">
                     <a14:useLocalDpi xmlns:a14="http://schemas.microsoft.com/office/drawing/2010/main" val="0"/>
@@ -10782,7 +14610,7 @@
               <p:nvPr/>
             </p:nvPicPr>
             <p:blipFill>
-              <a:blip r:embed="rId7">
+              <a:blip r:embed="rId7" cstate="print">
                 <a:extLst>
                   <a:ext uri="{28A0092B-C50C-407E-A947-70E740481C1C}">
                     <a14:useLocalDpi xmlns:a14="http://schemas.microsoft.com/office/drawing/2010/main" val="0"/>
@@ -10817,7 +14645,7 @@
               <p:nvPr/>
             </p:nvPicPr>
             <p:blipFill>
-              <a:blip r:embed="rId8">
+              <a:blip r:embed="rId8" cstate="print">
                 <a:extLst>
                   <a:ext uri="{28A0092B-C50C-407E-A947-70E740481C1C}">
                     <a14:useLocalDpi xmlns:a14="http://schemas.microsoft.com/office/drawing/2010/main" val="0"/>
@@ -10852,7 +14680,7 @@
               <p:nvPr/>
             </p:nvPicPr>
             <p:blipFill>
-              <a:blip r:embed="rId9">
+              <a:blip r:embed="rId9" cstate="print">
                 <a:extLst>
                   <a:ext uri="{28A0092B-C50C-407E-A947-70E740481C1C}">
                     <a14:useLocalDpi xmlns:a14="http://schemas.microsoft.com/office/drawing/2010/main" val="0"/>
@@ -10882,7 +14710,7 @@
               <p:nvPr/>
             </p:nvPicPr>
             <p:blipFill>
-              <a:blip r:embed="rId5">
+              <a:blip r:embed="rId5" cstate="print">
                 <a:extLst>
                   <a:ext uri="{28A0092B-C50C-407E-A947-70E740481C1C}">
                     <a14:useLocalDpi xmlns:a14="http://schemas.microsoft.com/office/drawing/2010/main" val="0"/>
@@ -10995,7 +14823,6 @@
                 <a:rPr lang="en-US" sz="3000" dirty="0"/>
                 <a:t>G</a:t>
               </a:r>
-              <a:endParaRPr lang="en-US" sz="3000" dirty="0"/>
             </a:p>
           </p:txBody>
         </p:sp>
@@ -11120,10 +14947,283 @@
           </p:txBody>
         </p:sp>
       </p:grpSp>
+      <p:sp>
+        <p:nvSpPr>
+          <p:cNvPr id="2" name="Rectangle 1"/>
+          <p:cNvSpPr/>
+          <p:nvPr/>
+        </p:nvSpPr>
+        <p:spPr>
+          <a:xfrm>
+            <a:off x="2362200" y="5105400"/>
+            <a:ext cx="533400" cy="533400"/>
+          </a:xfrm>
+          <a:prstGeom prst="rect">
+            <a:avLst/>
+          </a:prstGeom>
+          <a:solidFill>
+            <a:schemeClr val="bg1"/>
+          </a:solidFill>
+          <a:ln>
+            <a:solidFill>
+              <a:schemeClr val="bg1"/>
+            </a:solidFill>
+          </a:ln>
+        </p:spPr>
+        <p:style>
+          <a:lnRef idx="2">
+            <a:schemeClr val="accent1">
+              <a:shade val="50000"/>
+            </a:schemeClr>
+          </a:lnRef>
+          <a:fillRef idx="1">
+            <a:schemeClr val="accent1"/>
+          </a:fillRef>
+          <a:effectRef idx="0">
+            <a:schemeClr val="accent1"/>
+          </a:effectRef>
+          <a:fontRef idx="minor">
+            <a:schemeClr val="lt1"/>
+          </a:fontRef>
+        </p:style>
+        <p:txBody>
+          <a:bodyPr rtlCol="0" anchor="ctr"/>
+          <a:lstStyle/>
+          <a:p>
+            <a:pPr algn="ctr"/>
+            <a:endParaRPr lang="en-US"/>
+          </a:p>
+        </p:txBody>
+      </p:sp>
+      <p:sp>
+        <p:nvSpPr>
+          <p:cNvPr id="26" name="Rectangle 25"/>
+          <p:cNvSpPr/>
+          <p:nvPr/>
+        </p:nvSpPr>
+        <p:spPr>
+          <a:xfrm>
+            <a:off x="4114800" y="1953532"/>
+            <a:ext cx="533400" cy="3685268"/>
+          </a:xfrm>
+          <a:prstGeom prst="rect">
+            <a:avLst/>
+          </a:prstGeom>
+          <a:solidFill>
+            <a:schemeClr val="bg1"/>
+          </a:solidFill>
+          <a:ln>
+            <a:solidFill>
+              <a:schemeClr val="bg1"/>
+            </a:solidFill>
+          </a:ln>
+        </p:spPr>
+        <p:style>
+          <a:lnRef idx="2">
+            <a:schemeClr val="accent1">
+              <a:shade val="50000"/>
+            </a:schemeClr>
+          </a:lnRef>
+          <a:fillRef idx="1">
+            <a:schemeClr val="accent1"/>
+          </a:fillRef>
+          <a:effectRef idx="0">
+            <a:schemeClr val="accent1"/>
+          </a:effectRef>
+          <a:fontRef idx="minor">
+            <a:schemeClr val="lt1"/>
+          </a:fontRef>
+        </p:style>
+        <p:txBody>
+          <a:bodyPr rtlCol="0" anchor="ctr"/>
+          <a:lstStyle/>
+          <a:p>
+            <a:pPr algn="ctr"/>
+            <a:endParaRPr lang="en-US"/>
+          </a:p>
+        </p:txBody>
+      </p:sp>
+      <p:sp>
+        <p:nvSpPr>
+          <p:cNvPr id="27" name="Rectangle 26"/>
+          <p:cNvSpPr/>
+          <p:nvPr/>
+        </p:nvSpPr>
+        <p:spPr>
+          <a:xfrm>
+            <a:off x="5867400" y="5372100"/>
+            <a:ext cx="533400" cy="468528"/>
+          </a:xfrm>
+          <a:prstGeom prst="rect">
+            <a:avLst/>
+          </a:prstGeom>
+          <a:solidFill>
+            <a:schemeClr val="bg1"/>
+          </a:solidFill>
+          <a:ln>
+            <a:solidFill>
+              <a:schemeClr val="bg1"/>
+            </a:solidFill>
+          </a:ln>
+        </p:spPr>
+        <p:style>
+          <a:lnRef idx="2">
+            <a:schemeClr val="accent1">
+              <a:shade val="50000"/>
+            </a:schemeClr>
+          </a:lnRef>
+          <a:fillRef idx="1">
+            <a:schemeClr val="accent1"/>
+          </a:fillRef>
+          <a:effectRef idx="0">
+            <a:schemeClr val="accent1"/>
+          </a:effectRef>
+          <a:fontRef idx="minor">
+            <a:schemeClr val="lt1"/>
+          </a:fontRef>
+        </p:style>
+        <p:txBody>
+          <a:bodyPr rtlCol="0" anchor="ctr"/>
+          <a:lstStyle/>
+          <a:p>
+            <a:pPr algn="ctr"/>
+            <a:endParaRPr lang="en-US"/>
+          </a:p>
+        </p:txBody>
+      </p:sp>
+      <p:sp>
+        <p:nvSpPr>
+          <p:cNvPr id="3" name="Rectangle 2"/>
+          <p:cNvSpPr/>
+          <p:nvPr/>
+        </p:nvSpPr>
+        <p:spPr>
+          <a:xfrm>
+            <a:off x="2819400" y="1677413"/>
+            <a:ext cx="4038600" cy="4647187"/>
+          </a:xfrm>
+          <a:prstGeom prst="rect">
+            <a:avLst/>
+          </a:prstGeom>
+          <a:solidFill>
+            <a:schemeClr val="bg1"/>
+          </a:solidFill>
+          <a:ln>
+            <a:solidFill>
+              <a:schemeClr val="bg1"/>
+            </a:solidFill>
+          </a:ln>
+        </p:spPr>
+        <p:style>
+          <a:lnRef idx="2">
+            <a:schemeClr val="accent1">
+              <a:shade val="50000"/>
+            </a:schemeClr>
+          </a:lnRef>
+          <a:fillRef idx="1">
+            <a:schemeClr val="accent1"/>
+          </a:fillRef>
+          <a:effectRef idx="0">
+            <a:schemeClr val="accent1"/>
+          </a:effectRef>
+          <a:fontRef idx="minor">
+            <a:schemeClr val="lt1"/>
+          </a:fontRef>
+        </p:style>
+        <p:txBody>
+          <a:bodyPr rtlCol="0" anchor="ctr"/>
+          <a:lstStyle/>
+          <a:p>
+            <a:pPr algn="ctr"/>
+            <a:endParaRPr lang="en-US"/>
+          </a:p>
+        </p:txBody>
+      </p:sp>
+      <p:sp>
+        <p:nvSpPr>
+          <p:cNvPr id="4" name="Rectangle 3"/>
+          <p:cNvSpPr/>
+          <p:nvPr/>
+        </p:nvSpPr>
+        <p:spPr>
+          <a:xfrm>
+            <a:off x="6858000" y="3962400"/>
+            <a:ext cx="1987694" cy="494794"/>
+          </a:xfrm>
+          <a:prstGeom prst="rect">
+            <a:avLst/>
+          </a:prstGeom>
+          <a:solidFill>
+            <a:schemeClr val="bg1"/>
+          </a:solidFill>
+          <a:ln>
+            <a:solidFill>
+              <a:schemeClr val="bg1"/>
+            </a:solidFill>
+          </a:ln>
+        </p:spPr>
+        <p:style>
+          <a:lnRef idx="2">
+            <a:schemeClr val="accent1">
+              <a:shade val="50000"/>
+            </a:schemeClr>
+          </a:lnRef>
+          <a:fillRef idx="1">
+            <a:schemeClr val="accent1"/>
+          </a:fillRef>
+          <a:effectRef idx="0">
+            <a:schemeClr val="accent1"/>
+          </a:effectRef>
+          <a:fontRef idx="minor">
+            <a:schemeClr val="lt1"/>
+          </a:fontRef>
+        </p:style>
+        <p:txBody>
+          <a:bodyPr rtlCol="0" anchor="ctr"/>
+          <a:lstStyle/>
+          <a:p>
+            <a:pPr algn="ctr"/>
+            <a:endParaRPr lang="en-US"/>
+          </a:p>
+        </p:txBody>
+      </p:sp>
+      <p:sp>
+        <p:nvSpPr>
+          <p:cNvPr id="12" name="TextBox 11"/>
+          <p:cNvSpPr txBox="1"/>
+          <p:nvPr/>
+        </p:nvSpPr>
+        <p:spPr>
+          <a:xfrm>
+            <a:off x="990600" y="1228677"/>
+            <a:ext cx="5867400" cy="370673"/>
+          </a:xfrm>
+          <a:prstGeom prst="rect">
+            <a:avLst/>
+          </a:prstGeom>
+          <a:solidFill>
+            <a:schemeClr val="bg1"/>
+          </a:solidFill>
+        </p:spPr>
+        <p:txBody>
+          <a:bodyPr wrap="square" rtlCol="0">
+            <a:spAutoFit/>
+          </a:bodyPr>
+          <a:lstStyle/>
+          <a:p>
+            <a:pPr algn="ctr"/>
+            <a:r>
+              <a:rPr lang="en-US" dirty="0" smtClean="0"/>
+              <a:t>Cohen et al. (n=30) vs. Birman (n=29): Category Gist</a:t>
+            </a:r>
+            <a:endParaRPr lang="en-US" dirty="0"/>
+          </a:p>
+        </p:txBody>
+      </p:sp>
     </p:spTree>
     <p:extLst>
       <p:ext uri="{BB962C8B-B14F-4D97-AF65-F5344CB8AC3E}">
-        <p14:creationId xmlns:p14="http://schemas.microsoft.com/office/powerpoint/2010/main" val="2131962937"/>
+        <p14:creationId xmlns:p14="http://schemas.microsoft.com/office/powerpoint/2010/main" val="3258667986"/>
       </p:ext>
     </p:extLst>
   </p:cSld>
@@ -11133,634 +15233,7 @@
   <p:timing>
     <p:tnLst>
       <p:par>
-        <p:cTn xmlns:p14="http://schemas.microsoft.com/office/powerpoint/2010/main" id="1" dur="indefinite" restart="never" nodeType="tmRoot"/>
-      </p:par>
-    </p:tnLst>
-  </p:timing>
-</p:sld>
-</file>
-
-<file path=ppt/slides/slide9.xml><?xml version="1.0" encoding="utf-8"?>
-<p:sld xmlns:a="http://schemas.openxmlformats.org/drawingml/2006/main" xmlns:r="http://schemas.openxmlformats.org/officeDocument/2006/relationships" xmlns:p="http://schemas.openxmlformats.org/presentationml/2006/main">
-  <p:cSld>
-    <p:spTree>
-      <p:nvGrpSpPr>
-        <p:cNvPr id="1" name=""/>
-        <p:cNvGrpSpPr/>
-        <p:nvPr/>
-      </p:nvGrpSpPr>
-      <p:grpSpPr>
-        <a:xfrm>
-          <a:off x="0" y="0"/>
-          <a:ext cx="0" cy="0"/>
-          <a:chOff x="0" y="0"/>
-          <a:chExt cx="0" cy="0"/>
-        </a:xfrm>
-      </p:grpSpPr>
-      <p:pic>
-        <p:nvPicPr>
-          <p:cNvPr id="3" name="Picture 2"/>
-          <p:cNvPicPr>
-            <a:picLocks noChangeAspect="1"/>
-          </p:cNvPicPr>
-          <p:nvPr/>
-        </p:nvPicPr>
-        <p:blipFill>
-          <a:blip r:embed="rId3"/>
-          <a:stretch>
-            <a:fillRect/>
-          </a:stretch>
-        </p:blipFill>
-        <p:spPr>
-          <a:xfrm>
-            <a:off x="215900" y="0"/>
-            <a:ext cx="8706579" cy="6858000"/>
-          </a:xfrm>
-          <a:prstGeom prst="rect">
-            <a:avLst/>
-          </a:prstGeom>
-        </p:spPr>
-      </p:pic>
-      <p:sp>
-        <p:nvSpPr>
-          <p:cNvPr id="10" name="TextBox 9"/>
-          <p:cNvSpPr txBox="1"/>
-          <p:nvPr/>
-        </p:nvSpPr>
-        <p:spPr>
-          <a:xfrm>
-            <a:off x="7086600" y="6324600"/>
-            <a:ext cx="2438400" cy="369332"/>
-          </a:xfrm>
-          <a:prstGeom prst="rect">
-            <a:avLst/>
-          </a:prstGeom>
-          <a:noFill/>
-        </p:spPr>
-        <p:txBody>
-          <a:bodyPr wrap="square" rtlCol="0">
-            <a:spAutoFit/>
-          </a:bodyPr>
-          <a:lstStyle/>
-          <a:p>
-            <a:r>
-              <a:rPr lang="en-US" dirty="0" smtClean="0"/>
-              <a:t>Cohen et al., 2011</a:t>
-            </a:r>
-            <a:endParaRPr lang="en-US" dirty="0"/>
-          </a:p>
-        </p:txBody>
-      </p:sp>
-      <p:sp>
-        <p:nvSpPr>
-          <p:cNvPr id="11" name="TextBox 10"/>
-          <p:cNvSpPr txBox="1"/>
-          <p:nvPr/>
-        </p:nvSpPr>
-        <p:spPr>
-          <a:xfrm>
-            <a:off x="271956" y="228600"/>
-            <a:ext cx="6946325" cy="584775"/>
-          </a:xfrm>
-          <a:prstGeom prst="rect">
-            <a:avLst/>
-          </a:prstGeom>
-          <a:noFill/>
-        </p:spPr>
-        <p:txBody>
-          <a:bodyPr wrap="none" rtlCol="0">
-            <a:spAutoFit/>
-          </a:bodyPr>
-          <a:lstStyle/>
-          <a:p>
-            <a:r>
-              <a:rPr lang="en-US" sz="3200" dirty="0" smtClean="0"/>
-              <a:t>Gist Perception: Impossible Under Load?</a:t>
-            </a:r>
-            <a:endParaRPr lang="en-US" sz="3200" dirty="0"/>
-          </a:p>
-        </p:txBody>
-      </p:sp>
-      <p:grpSp>
-        <p:nvGrpSpPr>
-          <p:cNvPr id="5" name="Group 4"/>
-          <p:cNvGrpSpPr/>
-          <p:nvPr/>
-        </p:nvGrpSpPr>
-        <p:grpSpPr>
-          <a:xfrm>
-            <a:off x="7391400" y="228600"/>
-            <a:ext cx="1647104" cy="2203759"/>
-            <a:chOff x="762000" y="1677105"/>
-            <a:chExt cx="3498850" cy="4681322"/>
-          </a:xfrm>
-        </p:grpSpPr>
-        <p:sp>
-          <p:nvSpPr>
-            <p:cNvPr id="7" name="TextBox 6"/>
-            <p:cNvSpPr txBox="1"/>
-            <p:nvPr/>
-          </p:nvSpPr>
-          <p:spPr>
-            <a:xfrm>
-              <a:off x="2133600" y="2514600"/>
-              <a:ext cx="152400" cy="369332"/>
-            </a:xfrm>
-            <a:prstGeom prst="rect">
-              <a:avLst/>
-            </a:prstGeom>
-            <a:noFill/>
-          </p:spPr>
-          <p:txBody>
-            <a:bodyPr wrap="square" rtlCol="0">
-              <a:spAutoFit/>
-            </a:bodyPr>
-            <a:lstStyle/>
-            <a:p>
-              <a:endParaRPr lang="en-US" dirty="0"/>
-            </a:p>
-          </p:txBody>
-        </p:sp>
-        <p:grpSp>
-          <p:nvGrpSpPr>
-            <p:cNvPr id="28" name="Group 27"/>
-            <p:cNvGrpSpPr/>
-            <p:nvPr/>
-          </p:nvGrpSpPr>
-          <p:grpSpPr>
-            <a:xfrm>
-              <a:off x="946150" y="1677105"/>
-              <a:ext cx="3314700" cy="3077633"/>
-              <a:chOff x="946150" y="1677105"/>
-              <a:chExt cx="3314700" cy="3077633"/>
-            </a:xfrm>
-          </p:grpSpPr>
-          <p:pic>
-            <p:nvPicPr>
-              <p:cNvPr id="6" name="Picture 5" descr="ma1.jpg"/>
-              <p:cNvPicPr>
-                <a:picLocks noChangeAspect="1"/>
-              </p:cNvPicPr>
-              <p:nvPr/>
-            </p:nvPicPr>
-            <p:blipFill>
-              <a:blip r:embed="rId4">
-                <a:extLst>
-                  <a:ext uri="{28A0092B-C50C-407E-A947-70E740481C1C}">
-                    <a14:useLocalDpi xmlns:a14="http://schemas.microsoft.com/office/drawing/2010/main" val="0"/>
-                  </a:ext>
-                </a:extLst>
-              </a:blip>
-              <a:stretch>
-                <a:fillRect/>
-              </a:stretch>
-            </p:blipFill>
-            <p:spPr>
-              <a:xfrm>
-                <a:off x="946150" y="1677105"/>
-                <a:ext cx="819150" cy="819150"/>
-              </a:xfrm>
-              <a:prstGeom prst="rect">
-                <a:avLst/>
-              </a:prstGeom>
-              <a:ln w="38100" cmpd="sng">
-                <a:solidFill>
-                  <a:schemeClr val="tx1"/>
-                </a:solidFill>
-              </a:ln>
-            </p:spPr>
-          </p:pic>
-          <p:pic>
-            <p:nvPicPr>
-              <p:cNvPr id="8" name="Picture 7" descr="ma9.jpg"/>
-              <p:cNvPicPr>
-                <a:picLocks noChangeAspect="1"/>
-              </p:cNvPicPr>
-              <p:nvPr/>
-            </p:nvPicPr>
-            <p:blipFill>
-              <a:blip r:embed="rId5">
-                <a:extLst>
-                  <a:ext uri="{28A0092B-C50C-407E-A947-70E740481C1C}">
-                    <a14:useLocalDpi xmlns:a14="http://schemas.microsoft.com/office/drawing/2010/main" val="0"/>
-                  </a:ext>
-                </a:extLst>
-              </a:blip>
-              <a:stretch>
-                <a:fillRect/>
-              </a:stretch>
-            </p:blipFill>
-            <p:spPr>
-              <a:xfrm>
-                <a:off x="1320800" y="2012244"/>
-                <a:ext cx="819150" cy="819150"/>
-              </a:xfrm>
-              <a:prstGeom prst="rect">
-                <a:avLst/>
-              </a:prstGeom>
-              <a:ln w="38100" cmpd="sng">
-                <a:solidFill>
-                  <a:schemeClr val="tx1"/>
-                </a:solidFill>
-              </a:ln>
-            </p:spPr>
-          </p:pic>
-          <p:pic>
-            <p:nvPicPr>
-              <p:cNvPr id="9" name="Picture 8" descr="ma14.jpg"/>
-              <p:cNvPicPr>
-                <a:picLocks noChangeAspect="1"/>
-              </p:cNvPicPr>
-              <p:nvPr/>
-            </p:nvPicPr>
-            <p:blipFill>
-              <a:blip r:embed="rId6">
-                <a:extLst>
-                  <a:ext uri="{28A0092B-C50C-407E-A947-70E740481C1C}">
-                    <a14:useLocalDpi xmlns:a14="http://schemas.microsoft.com/office/drawing/2010/main" val="0"/>
-                  </a:ext>
-                </a:extLst>
-              </a:blip>
-              <a:stretch>
-                <a:fillRect/>
-              </a:stretch>
-            </p:blipFill>
-            <p:spPr>
-              <a:xfrm>
-                <a:off x="1695450" y="2347383"/>
-                <a:ext cx="819150" cy="819150"/>
-              </a:xfrm>
-              <a:prstGeom prst="rect">
-                <a:avLst/>
-              </a:prstGeom>
-              <a:ln w="38100" cmpd="sng">
-                <a:solidFill>
-                  <a:schemeClr val="tx1"/>
-                </a:solidFill>
-              </a:ln>
-            </p:spPr>
-          </p:pic>
-          <p:pic>
-            <p:nvPicPr>
-              <p:cNvPr id="14" name="Picture 13" descr="ma136.jpg"/>
-              <p:cNvPicPr>
-                <a:picLocks noChangeAspect="1"/>
-              </p:cNvPicPr>
-              <p:nvPr/>
-            </p:nvPicPr>
-            <p:blipFill>
-              <a:blip r:embed="rId7">
-                <a:extLst>
-                  <a:ext uri="{28A0092B-C50C-407E-A947-70E740481C1C}">
-                    <a14:useLocalDpi xmlns:a14="http://schemas.microsoft.com/office/drawing/2010/main" val="0"/>
-                  </a:ext>
-                </a:extLst>
-              </a:blip>
-              <a:stretch>
-                <a:fillRect/>
-              </a:stretch>
-            </p:blipFill>
-            <p:spPr>
-              <a:xfrm>
-                <a:off x="2070100" y="2682522"/>
-                <a:ext cx="819150" cy="819150"/>
-              </a:xfrm>
-              <a:prstGeom prst="rect">
-                <a:avLst/>
-              </a:prstGeom>
-              <a:ln w="38100" cmpd="sng">
-                <a:solidFill>
-                  <a:schemeClr val="tx1"/>
-                </a:solidFill>
-              </a:ln>
-            </p:spPr>
-          </p:pic>
-          <p:pic>
-            <p:nvPicPr>
-              <p:cNvPr id="15" name="Picture 14" descr="ma164.jpg"/>
-              <p:cNvPicPr>
-                <a:picLocks noChangeAspect="1"/>
-              </p:cNvPicPr>
-              <p:nvPr/>
-            </p:nvPicPr>
-            <p:blipFill>
-              <a:blip r:embed="rId8">
-                <a:extLst>
-                  <a:ext uri="{28A0092B-C50C-407E-A947-70E740481C1C}">
-                    <a14:useLocalDpi xmlns:a14="http://schemas.microsoft.com/office/drawing/2010/main" val="0"/>
-                  </a:ext>
-                </a:extLst>
-              </a:blip>
-              <a:stretch>
-                <a:fillRect/>
-              </a:stretch>
-            </p:blipFill>
-            <p:spPr>
-              <a:xfrm>
-                <a:off x="2444750" y="3017661"/>
-                <a:ext cx="819150" cy="819150"/>
-              </a:xfrm>
-              <a:prstGeom prst="rect">
-                <a:avLst/>
-              </a:prstGeom>
-              <a:ln w="38100" cmpd="sng">
-                <a:solidFill>
-                  <a:schemeClr val="tx1"/>
-                </a:solidFill>
-              </a:ln>
-            </p:spPr>
-          </p:pic>
-          <p:pic>
-            <p:nvPicPr>
-              <p:cNvPr id="16" name="Picture 15" descr="a3.jpg"/>
-              <p:cNvPicPr>
-                <a:picLocks noChangeAspect="1"/>
-              </p:cNvPicPr>
-              <p:nvPr/>
-            </p:nvPicPr>
-            <p:blipFill>
-              <a:blip r:embed="rId9">
-                <a:extLst>
-                  <a:ext uri="{28A0092B-C50C-407E-A947-70E740481C1C}">
-                    <a14:useLocalDpi xmlns:a14="http://schemas.microsoft.com/office/drawing/2010/main" val="0"/>
-                  </a:ext>
-                </a:extLst>
-              </a:blip>
-              <a:stretch>
-                <a:fillRect/>
-              </a:stretch>
-            </p:blipFill>
-            <p:spPr>
-              <a:xfrm>
-                <a:off x="2819400" y="3352800"/>
-                <a:ext cx="1066800" cy="1066800"/>
-              </a:xfrm>
-              <a:prstGeom prst="rect">
-                <a:avLst/>
-              </a:prstGeom>
-            </p:spPr>
-          </p:pic>
-          <p:pic>
-            <p:nvPicPr>
-              <p:cNvPr id="17" name="Picture 16" descr="ma9.jpg"/>
-              <p:cNvPicPr>
-                <a:picLocks noChangeAspect="1"/>
-              </p:cNvPicPr>
-              <p:nvPr/>
-            </p:nvPicPr>
-            <p:blipFill>
-              <a:blip r:embed="rId5">
-                <a:extLst>
-                  <a:ext uri="{28A0092B-C50C-407E-A947-70E740481C1C}">
-                    <a14:useLocalDpi xmlns:a14="http://schemas.microsoft.com/office/drawing/2010/main" val="0"/>
-                  </a:ext>
-                </a:extLst>
-              </a:blip>
-              <a:stretch>
-                <a:fillRect/>
-              </a:stretch>
-            </p:blipFill>
-            <p:spPr>
-              <a:xfrm>
-                <a:off x="3441700" y="3935588"/>
-                <a:ext cx="819150" cy="819150"/>
-              </a:xfrm>
-              <a:prstGeom prst="rect">
-                <a:avLst/>
-              </a:prstGeom>
-              <a:ln w="38100" cmpd="sng">
-                <a:solidFill>
-                  <a:schemeClr val="tx1"/>
-                </a:solidFill>
-              </a:ln>
-            </p:spPr>
-          </p:pic>
-        </p:grpSp>
-        <p:sp>
-          <p:nvSpPr>
-            <p:cNvPr id="18" name="TextBox 17"/>
-            <p:cNvSpPr txBox="1"/>
-            <p:nvPr/>
-          </p:nvSpPr>
-          <p:spPr>
-            <a:xfrm>
-              <a:off x="1658161" y="3606800"/>
-              <a:ext cx="865141" cy="1176827"/>
-            </a:xfrm>
-            <a:prstGeom prst="rect">
-              <a:avLst/>
-            </a:prstGeom>
-            <a:noFill/>
-          </p:spPr>
-          <p:txBody>
-            <a:bodyPr wrap="none" rtlCol="0">
-              <a:spAutoFit/>
-            </a:bodyPr>
-            <a:lstStyle/>
-            <a:p>
-              <a:r>
-                <a:rPr lang="en-US" sz="3000" dirty="0" smtClean="0"/>
-                <a:t>A</a:t>
-              </a:r>
-              <a:endParaRPr lang="en-US" sz="3000" dirty="0"/>
-            </a:p>
-          </p:txBody>
-        </p:sp>
-        <p:sp>
-          <p:nvSpPr>
-            <p:cNvPr id="20" name="TextBox 19"/>
-            <p:cNvSpPr txBox="1"/>
-            <p:nvPr/>
-          </p:nvSpPr>
-          <p:spPr>
-            <a:xfrm>
-              <a:off x="2100607" y="4000499"/>
-              <a:ext cx="865141" cy="1176827"/>
-            </a:xfrm>
-            <a:prstGeom prst="rect">
-              <a:avLst/>
-            </a:prstGeom>
-            <a:noFill/>
-          </p:spPr>
-          <p:txBody>
-            <a:bodyPr wrap="none" rtlCol="0">
-              <a:spAutoFit/>
-            </a:bodyPr>
-            <a:lstStyle/>
-            <a:p>
-              <a:r>
-                <a:rPr lang="en-US" sz="3000" dirty="0" smtClean="0"/>
-                <a:t>B</a:t>
-              </a:r>
-              <a:endParaRPr lang="en-US" sz="3000" dirty="0"/>
-            </a:p>
-          </p:txBody>
-        </p:sp>
-        <p:sp>
-          <p:nvSpPr>
-            <p:cNvPr id="21" name="TextBox 20"/>
-            <p:cNvSpPr txBox="1"/>
-            <p:nvPr/>
-          </p:nvSpPr>
-          <p:spPr>
-            <a:xfrm>
-              <a:off x="2543053" y="4394200"/>
-              <a:ext cx="907840" cy="1176827"/>
-            </a:xfrm>
-            <a:prstGeom prst="rect">
-              <a:avLst/>
-            </a:prstGeom>
-            <a:noFill/>
-          </p:spPr>
-          <p:txBody>
-            <a:bodyPr wrap="none" rtlCol="0">
-              <a:spAutoFit/>
-            </a:bodyPr>
-            <a:lstStyle/>
-            <a:p>
-              <a:r>
-                <a:rPr lang="en-US" sz="3000" dirty="0"/>
-                <a:t>G</a:t>
-              </a:r>
-              <a:endParaRPr lang="en-US" sz="3000" dirty="0"/>
-            </a:p>
-          </p:txBody>
-        </p:sp>
-        <p:sp>
-          <p:nvSpPr>
-            <p:cNvPr id="22" name="TextBox 21"/>
-            <p:cNvSpPr txBox="1"/>
-            <p:nvPr/>
-          </p:nvSpPr>
-          <p:spPr>
-            <a:xfrm>
-              <a:off x="2956380" y="4787899"/>
-              <a:ext cx="806482" cy="1176827"/>
-            </a:xfrm>
-            <a:prstGeom prst="rect">
-              <a:avLst/>
-            </a:prstGeom>
-            <a:noFill/>
-          </p:spPr>
-          <p:txBody>
-            <a:bodyPr wrap="none" rtlCol="0">
-              <a:spAutoFit/>
-            </a:bodyPr>
-            <a:lstStyle/>
-            <a:p>
-              <a:r>
-                <a:rPr lang="en-US" sz="3000" dirty="0" smtClean="0"/>
-                <a:t>5</a:t>
-              </a:r>
-              <a:endParaRPr lang="en-US" sz="3000" dirty="0"/>
-            </a:p>
-          </p:txBody>
-        </p:sp>
-        <p:sp>
-          <p:nvSpPr>
-            <p:cNvPr id="23" name="TextBox 22"/>
-            <p:cNvSpPr txBox="1"/>
-            <p:nvPr/>
-          </p:nvSpPr>
-          <p:spPr>
-            <a:xfrm>
-              <a:off x="3352800" y="5181600"/>
-              <a:ext cx="806482" cy="1176827"/>
-            </a:xfrm>
-            <a:prstGeom prst="rect">
-              <a:avLst/>
-            </a:prstGeom>
-            <a:noFill/>
-          </p:spPr>
-          <p:txBody>
-            <a:bodyPr wrap="none" rtlCol="0">
-              <a:spAutoFit/>
-            </a:bodyPr>
-            <a:lstStyle/>
-            <a:p>
-              <a:r>
-                <a:rPr lang="en-US" sz="3000" dirty="0" smtClean="0"/>
-                <a:t>1</a:t>
-              </a:r>
-              <a:endParaRPr lang="en-US" sz="3000" dirty="0"/>
-            </a:p>
-          </p:txBody>
-        </p:sp>
-        <p:sp>
-          <p:nvSpPr>
-            <p:cNvPr id="24" name="TextBox 23"/>
-            <p:cNvSpPr txBox="1"/>
-            <p:nvPr/>
-          </p:nvSpPr>
-          <p:spPr>
-            <a:xfrm>
-              <a:off x="1182216" y="3213099"/>
-              <a:ext cx="907840" cy="1176827"/>
-            </a:xfrm>
-            <a:prstGeom prst="rect">
-              <a:avLst/>
-            </a:prstGeom>
-            <a:noFill/>
-          </p:spPr>
-          <p:txBody>
-            <a:bodyPr wrap="none" rtlCol="0">
-              <a:spAutoFit/>
-            </a:bodyPr>
-            <a:lstStyle/>
-            <a:p>
-              <a:r>
-                <a:rPr lang="en-US" sz="3000" dirty="0" smtClean="0"/>
-                <a:t>G</a:t>
-              </a:r>
-              <a:endParaRPr lang="en-US" sz="3000" dirty="0"/>
-            </a:p>
-          </p:txBody>
-        </p:sp>
-        <p:sp>
-          <p:nvSpPr>
-            <p:cNvPr id="25" name="TextBox 24"/>
-            <p:cNvSpPr txBox="1"/>
-            <p:nvPr/>
-          </p:nvSpPr>
-          <p:spPr>
-            <a:xfrm>
-              <a:off x="762000" y="2819400"/>
-              <a:ext cx="836810" cy="1176827"/>
-            </a:xfrm>
-            <a:prstGeom prst="rect">
-              <a:avLst/>
-            </a:prstGeom>
-            <a:noFill/>
-          </p:spPr>
-          <p:txBody>
-            <a:bodyPr wrap="none" rtlCol="0">
-              <a:spAutoFit/>
-            </a:bodyPr>
-            <a:lstStyle/>
-            <a:p>
-              <a:r>
-                <a:rPr lang="en-US" sz="3000" dirty="0" smtClean="0"/>
-                <a:t>B</a:t>
-              </a:r>
-              <a:endParaRPr lang="en-US" sz="3000" dirty="0"/>
-            </a:p>
-          </p:txBody>
-        </p:sp>
-      </p:grpSp>
-    </p:spTree>
-    <p:extLst>
-      <p:ext uri="{BB962C8B-B14F-4D97-AF65-F5344CB8AC3E}">
-        <p14:creationId xmlns:p14="http://schemas.microsoft.com/office/powerpoint/2010/main" val="676241581"/>
-      </p:ext>
-    </p:extLst>
-  </p:cSld>
-  <p:clrMapOvr>
-    <a:masterClrMapping/>
-  </p:clrMapOvr>
-  <p:timing>
-    <p:tnLst>
-      <p:par>
-        <p:cTn xmlns:p14="http://schemas.microsoft.com/office/powerpoint/2010/main" id="1" dur="indefinite" restart="never" nodeType="tmRoot"/>
+        <p:cTn id="1" dur="indefinite" restart="never" nodeType="tmRoot"/>
       </p:par>
     </p:tnLst>
   </p:timing>
